--- a/TestDrivingASP.NETMVC.pptx
+++ b/TestDrivingASP.NETMVC.pptx
@@ -2,7 +2,7 @@
 <file path=ppt/presentation.xml><?xml version="1.0" encoding="utf-8"?>
 <p:presentation xmlns:a="http://schemas.openxmlformats.org/drawingml/2006/main" xmlns:r="http://schemas.openxmlformats.org/officeDocument/2006/relationships" xmlns:p="http://schemas.openxmlformats.org/presentationml/2006/main" saveSubsetFonts="1">
   <p:sldMasterIdLst>
-    <p:sldMasterId id="2147483685" r:id="rId5"/>
+    <p:sldMasterId id="2147483721" r:id="rId5"/>
   </p:sldMasterIdLst>
   <p:notesMasterIdLst>
     <p:notesMasterId r:id="rId33"/>
@@ -517,7 +517,7 @@
               <a:pPr>
                 <a:defRPr/>
               </a:pPr>
-              <a:t>8/22/2012</a:t>
+              <a:t>8/29/2012</a:t>
             </a:fld>
             <a:endParaRPr lang="en-US"/>
           </a:p>
@@ -10016,26 +10016,18 @@
             </a:br>
             <a:r>
               <a:rPr lang="en-US" sz="1493" dirty="0" smtClean="0"/>
-              <a:t>Senior </a:t>
-            </a:r>
-            <a:r>
-              <a:rPr lang="en-US" sz="1493" dirty="0" err="1" smtClean="0"/>
-              <a:t>Sofware</a:t>
-            </a:r>
-            <a:r>
-              <a:rPr lang="en-US" sz="1493" dirty="0" smtClean="0"/>
-              <a:t> Engineer</a:t>
+              <a:t>Senior Software Engineer</a:t>
             </a:r>
             <a:br>
               <a:rPr lang="en-US" sz="1493" dirty="0" smtClean="0"/>
             </a:br>
             <a:r>
               <a:rPr lang="en-US" sz="1493" dirty="0" smtClean="0"/>
-              <a:t>Skyline Technologies, </a:t>
-            </a:r>
-            <a:r>
-              <a:rPr lang="en-US" sz="1493" dirty="0" err="1" smtClean="0"/>
-              <a:t>Inc</a:t>
+              <a:t>Skyline Technologies</a:t>
+            </a:r>
+            <a:r>
+              <a:rPr lang="en-US" sz="1493" smtClean="0"/>
+              <a:t>, Inc.</a:t>
             </a:r>
             <a:endParaRPr lang="en-US" sz="1493" dirty="0" smtClean="0"/>
           </a:p>
@@ -10093,7 +10085,7 @@
     </p:spTree>
     <p:extLst>
       <p:ext uri="{BB962C8B-B14F-4D97-AF65-F5344CB8AC3E}">
-        <p14:creationId xmlns:p14="http://schemas.microsoft.com/office/powerpoint/2010/main" val="1291944628"/>
+        <p14:creationId xmlns:p14="http://schemas.microsoft.com/office/powerpoint/2010/main" val="3381780571"/>
       </p:ext>
     </p:extLst>
   </p:cSld>
@@ -10210,7 +10202,7 @@
     </p:spTree>
     <p:extLst>
       <p:ext uri="{BB962C8B-B14F-4D97-AF65-F5344CB8AC3E}">
-        <p14:creationId xmlns:p14="http://schemas.microsoft.com/office/powerpoint/2010/main" val="442533052"/>
+        <p14:creationId xmlns:p14="http://schemas.microsoft.com/office/powerpoint/2010/main" val="3716575073"/>
       </p:ext>
     </p:extLst>
   </p:cSld>
@@ -10332,7 +10324,7 @@
     </p:spTree>
     <p:extLst>
       <p:ext uri="{BB962C8B-B14F-4D97-AF65-F5344CB8AC3E}">
-        <p14:creationId xmlns:p14="http://schemas.microsoft.com/office/powerpoint/2010/main" val="2633221602"/>
+        <p14:creationId xmlns:p14="http://schemas.microsoft.com/office/powerpoint/2010/main" val="781061776"/>
       </p:ext>
     </p:extLst>
   </p:cSld>
@@ -10444,7 +10436,7 @@
     </p:spTree>
     <p:extLst>
       <p:ext uri="{BB962C8B-B14F-4D97-AF65-F5344CB8AC3E}">
-        <p14:creationId xmlns:p14="http://schemas.microsoft.com/office/powerpoint/2010/main" val="4270820809"/>
+        <p14:creationId xmlns:p14="http://schemas.microsoft.com/office/powerpoint/2010/main" val="539875610"/>
       </p:ext>
     </p:extLst>
   </p:cSld>
@@ -10637,7 +10629,7 @@
     </p:spTree>
     <p:extLst>
       <p:ext uri="{BB962C8B-B14F-4D97-AF65-F5344CB8AC3E}">
-        <p14:creationId xmlns:p14="http://schemas.microsoft.com/office/powerpoint/2010/main" val="3156217579"/>
+        <p14:creationId xmlns:p14="http://schemas.microsoft.com/office/powerpoint/2010/main" val="3205105456"/>
       </p:ext>
     </p:extLst>
   </p:cSld>
@@ -10811,7 +10803,7 @@
     </p:spTree>
     <p:extLst>
       <p:ext uri="{BB962C8B-B14F-4D97-AF65-F5344CB8AC3E}">
-        <p14:creationId xmlns:p14="http://schemas.microsoft.com/office/powerpoint/2010/main" val="3886163984"/>
+        <p14:creationId xmlns:p14="http://schemas.microsoft.com/office/powerpoint/2010/main" val="2114967176"/>
       </p:ext>
     </p:extLst>
   </p:cSld>
@@ -11123,7 +11115,7 @@
     </p:spTree>
     <p:extLst>
       <p:ext uri="{BB962C8B-B14F-4D97-AF65-F5344CB8AC3E}">
-        <p14:creationId xmlns:p14="http://schemas.microsoft.com/office/powerpoint/2010/main" val="1509167277"/>
+        <p14:creationId xmlns:p14="http://schemas.microsoft.com/office/powerpoint/2010/main" val="1836803835"/>
       </p:ext>
     </p:extLst>
   </p:cSld>
@@ -11183,7 +11175,7 @@
     </p:spTree>
     <p:extLst>
       <p:ext uri="{BB962C8B-B14F-4D97-AF65-F5344CB8AC3E}">
-        <p14:creationId xmlns:p14="http://schemas.microsoft.com/office/powerpoint/2010/main" val="766009266"/>
+        <p14:creationId xmlns:p14="http://schemas.microsoft.com/office/powerpoint/2010/main" val="4079899087"/>
       </p:ext>
     </p:extLst>
   </p:cSld>
@@ -11243,7 +11235,7 @@
     </p:spTree>
     <p:extLst>
       <p:ext uri="{BB962C8B-B14F-4D97-AF65-F5344CB8AC3E}">
-        <p14:creationId xmlns:p14="http://schemas.microsoft.com/office/powerpoint/2010/main" val="2811439103"/>
+        <p14:creationId xmlns:p14="http://schemas.microsoft.com/office/powerpoint/2010/main" val="182407617"/>
       </p:ext>
     </p:extLst>
   </p:cSld>
@@ -11475,7 +11467,7 @@
     </p:spTree>
     <p:extLst>
       <p:ext uri="{BB962C8B-B14F-4D97-AF65-F5344CB8AC3E}">
-        <p14:creationId xmlns:p14="http://schemas.microsoft.com/office/powerpoint/2010/main" val="3409927287"/>
+        <p14:creationId xmlns:p14="http://schemas.microsoft.com/office/powerpoint/2010/main" val="2799060168"/>
       </p:ext>
     </p:extLst>
   </p:cSld>
@@ -11687,7 +11679,7 @@
     </p:spTree>
     <p:extLst>
       <p:ext uri="{BB962C8B-B14F-4D97-AF65-F5344CB8AC3E}">
-        <p14:creationId xmlns:p14="http://schemas.microsoft.com/office/powerpoint/2010/main" val="2647550544"/>
+        <p14:creationId xmlns:p14="http://schemas.microsoft.com/office/powerpoint/2010/main" val="2252225277"/>
       </p:ext>
     </p:extLst>
   </p:cSld>
@@ -11884,23 +11876,23 @@
     </p:spTree>
     <p:extLst>
       <p:ext uri="{BB962C8B-B14F-4D97-AF65-F5344CB8AC3E}">
-        <p14:creationId xmlns:p14="http://schemas.microsoft.com/office/powerpoint/2010/main" val="2933470987"/>
+        <p14:creationId xmlns:p14="http://schemas.microsoft.com/office/powerpoint/2010/main" val="2169766539"/>
       </p:ext>
     </p:extLst>
   </p:cSld>
   <p:clrMap bg1="lt1" tx1="dk1" bg2="lt2" tx2="dk2" accent1="accent1" accent2="accent2" accent3="accent3" accent4="accent4" accent5="accent5" accent6="accent6" hlink="hlink" folHlink="folHlink"/>
   <p:sldLayoutIdLst>
-    <p:sldLayoutId id="2147483686" r:id="rId1"/>
-    <p:sldLayoutId id="2147483687" r:id="rId2"/>
-    <p:sldLayoutId id="2147483688" r:id="rId3"/>
-    <p:sldLayoutId id="2147483689" r:id="rId4"/>
-    <p:sldLayoutId id="2147483690" r:id="rId5"/>
-    <p:sldLayoutId id="2147483691" r:id="rId6"/>
-    <p:sldLayoutId id="2147483692" r:id="rId7"/>
-    <p:sldLayoutId id="2147483693" r:id="rId8"/>
-    <p:sldLayoutId id="2147483694" r:id="rId9"/>
-    <p:sldLayoutId id="2147483695" r:id="rId10"/>
-    <p:sldLayoutId id="2147483696" r:id="rId11"/>
+    <p:sldLayoutId id="2147483722" r:id="rId1"/>
+    <p:sldLayoutId id="2147483723" r:id="rId2"/>
+    <p:sldLayoutId id="2147483724" r:id="rId3"/>
+    <p:sldLayoutId id="2147483725" r:id="rId4"/>
+    <p:sldLayoutId id="2147483726" r:id="rId5"/>
+    <p:sldLayoutId id="2147483727" r:id="rId6"/>
+    <p:sldLayoutId id="2147483728" r:id="rId7"/>
+    <p:sldLayoutId id="2147483729" r:id="rId8"/>
+    <p:sldLayoutId id="2147483730" r:id="rId9"/>
+    <p:sldLayoutId id="2147483731" r:id="rId10"/>
+    <p:sldLayoutId id="2147483732" r:id="rId11"/>
   </p:sldLayoutIdLst>
   <p:timing>
     <p:tnLst>
@@ -19493,7 +19485,6 @@
               <a:rPr lang="en-US" sz="3251" kern="0" dirty="0"/>
               <a:t>MVC is different</a:t>
             </a:r>
-            <a:endParaRPr lang="en-US" sz="3251" kern="0" dirty="0"/>
           </a:p>
           <a:p>
             <a:r>
@@ -19506,7 +19497,6 @@
               <a:rPr lang="en-US" sz="3250" kern="0" dirty="0"/>
               <a:t>Automated UI testing</a:t>
             </a:r>
-            <a:endParaRPr lang="en-US" sz="3250" kern="0" dirty="0"/>
           </a:p>
         </p:txBody>
       </p:sp>
@@ -19777,27 +19767,14 @@
             <a:pPr lvl="1"/>
             <a:r>
               <a:rPr lang="en-US" sz="2870" kern="0" dirty="0"/>
-              <a:t>Blog: 	</a:t>
-            </a:r>
+              <a:t>Blog: 		DotNetDevDude.com</a:t>
+            </a:r>
+          </a:p>
+          <a:p>
+            <a:pPr lvl="1"/>
             <a:r>
               <a:rPr lang="en-US" sz="2870" kern="0" dirty="0"/>
-              <a:t>	DotNetDevDude.com</a:t>
-            </a:r>
-            <a:endParaRPr lang="en-US" sz="2870" kern="0" dirty="0"/>
-          </a:p>
-          <a:p>
-            <a:pPr lvl="1"/>
-            <a:r>
-              <a:rPr lang="en-US" sz="2870" kern="0" dirty="0"/>
-              <a:t>E-Mail:	</a:t>
-            </a:r>
-            <a:r>
-              <a:rPr lang="en-US" sz="2870" kern="0" dirty="0"/>
-              <a:t>	KBurnell@SkylineTechnologies.com</a:t>
-            </a:r>
-            <a:r>
-              <a:rPr lang="en-US" sz="2870" kern="0" dirty="0"/>
-              <a:t>	</a:t>
+              <a:t>E-Mail:		KBurnell@SkylineTechnologies.com	</a:t>
             </a:r>
           </a:p>
         </p:txBody>
@@ -20966,13 +20943,8 @@
             </a:r>
             <a:r>
               <a:rPr lang="en-US" dirty="0" smtClean="0"/>
-              <a:t>to any of </a:t>
-            </a:r>
-            <a:r>
-              <a:rPr lang="en-US" dirty="0" smtClean="0"/>
-              <a:t>those…</a:t>
-            </a:r>
-            <a:endParaRPr lang="en-US" dirty="0" smtClean="0"/>
+              <a:t>to any of those…</a:t>
+            </a:r>
           </a:p>
         </p:txBody>
       </p:sp>
@@ -22315,6 +22287,15 @@
 </file>
 
 <file path=customXml/item1.xml><?xml version="1.0" encoding="utf-8"?>
+<?mso-contentType ?>
+<FormTemplates xmlns="http://schemas.microsoft.com/sharepoint/v3/contenttype/forms">
+  <Display>DocumentLibraryForm</Display>
+  <Edit>DocumentLibraryForm</Edit>
+  <New>DocumentLibraryForm</New>
+</FormTemplates>
+</file>
+
+<file path=customXml/item2.xml><?xml version="1.0" encoding="utf-8"?>
 <p:properties xmlns:p="http://schemas.microsoft.com/office/2006/metadata/properties" xmlns:xsi="http://www.w3.org/2001/XMLSchema-instance" xmlns:pc="http://schemas.microsoft.com/office/infopath/2007/PartnerControls">
   <documentManagement>
     <Description0 xmlns="1e37aee8-73ad-441e-bced-8b530ad9291b">PowerPoint template with Microsoft Partner Network logo on it.</Description0>
@@ -22327,16 +22308,53 @@
 </p:properties>
 </file>
 
-<file path=customXml/item2.xml><?xml version="1.0" encoding="utf-8"?>
+<file path=customXml/item3.xml><?xml version="1.0" encoding="utf-8"?>
 <?mso-contentType ?>
-<FormTemplates xmlns="http://schemas.microsoft.com/sharepoint/v3/contenttype/forms">
-  <Display>DocumentLibraryForm</Display>
-  <Edit>DocumentLibraryForm</Edit>
-  <New>DocumentLibraryForm</New>
-</FormTemplates>
+<spe:Receivers xmlns:spe="http://schemas.microsoft.com/sharepoint/events">
+  <Receiver>
+    <Name>Document ID Generator</Name>
+    <Synchronization>Synchronous</Synchronization>
+    <Type>10001</Type>
+    <SequenceNumber>1000</SequenceNumber>
+    <Assembly>Microsoft.Office.DocumentManagement, Version=14.0.0.0, Culture=neutral, PublicKeyToken=71e9bce111e9429c</Assembly>
+    <Class>Microsoft.Office.DocumentManagement.Internal.DocIdHandler</Class>
+    <Data/>
+    <Filter/>
+  </Receiver>
+  <Receiver>
+    <Name>Document ID Generator</Name>
+    <Synchronization>Synchronous</Synchronization>
+    <Type>10002</Type>
+    <SequenceNumber>1001</SequenceNumber>
+    <Assembly>Microsoft.Office.DocumentManagement, Version=14.0.0.0, Culture=neutral, PublicKeyToken=71e9bce111e9429c</Assembly>
+    <Class>Microsoft.Office.DocumentManagement.Internal.DocIdHandler</Class>
+    <Data/>
+    <Filter/>
+  </Receiver>
+  <Receiver>
+    <Name>Document ID Generator</Name>
+    <Synchronization>Synchronous</Synchronization>
+    <Type>10004</Type>
+    <SequenceNumber>1002</SequenceNumber>
+    <Assembly>Microsoft.Office.DocumentManagement, Version=14.0.0.0, Culture=neutral, PublicKeyToken=71e9bce111e9429c</Assembly>
+    <Class>Microsoft.Office.DocumentManagement.Internal.DocIdHandler</Class>
+    <Data/>
+    <Filter/>
+  </Receiver>
+  <Receiver>
+    <Name>Document ID Generator</Name>
+    <Synchronization>Synchronous</Synchronization>
+    <Type>10006</Type>
+    <SequenceNumber>1003</SequenceNumber>
+    <Assembly>Microsoft.Office.DocumentManagement, Version=14.0.0.0, Culture=neutral, PublicKeyToken=71e9bce111e9429c</Assembly>
+    <Class>Microsoft.Office.DocumentManagement.Internal.DocIdHandler</Class>
+    <Data/>
+    <Filter/>
+  </Receiver>
+</spe:Receivers>
 </file>
 
-<file path=customXml/item3.xml><?xml version="1.0" encoding="utf-8"?>
+<file path=customXml/item4.xml><?xml version="1.0" encoding="utf-8"?>
 <ct:contentTypeSchema xmlns:ct="http://schemas.microsoft.com/office/2006/metadata/contentType" xmlns:ma="http://schemas.microsoft.com/office/2006/metadata/properties/metaAttributes" ct:_="" ma:_="" ma:contentTypeName="Document" ma:contentTypeID="0x0101004D2E750987EE2543B234B3A674D6BE3D" ma:contentTypeVersion="105" ma:contentTypeDescription="Create a new document." ma:contentTypeScope="" ma:versionID="62fa037737ae31885dcb260bd5c7d1f2">
   <xsd:schema xmlns:xsd="http://www.w3.org/2001/XMLSchema" xmlns:xs="http://www.w3.org/2001/XMLSchema" xmlns:p="http://schemas.microsoft.com/office/2006/metadata/properties" xmlns:ns2="1e37aee8-73ad-441e-bced-8b530ad9291b" xmlns:ns3="52ad97b0-86c1-49b5-b544-c488bf38e7c0" targetNamespace="http://schemas.microsoft.com/office/2006/metadata/properties" ma:root="true" ma:fieldsID="ce0d2501b4c25830d7e1734de94951c7" ns2:_="" ns3:_="">
     <xsd:import namespace="1e37aee8-73ad-441e-bced-8b530ad9291b"/>
@@ -22494,53 +22512,15 @@
 </ct:contentTypeSchema>
 </file>
 
-<file path=customXml/item4.xml><?xml version="1.0" encoding="utf-8"?>
-<?mso-contentType ?>
-<spe:Receivers xmlns:spe="http://schemas.microsoft.com/sharepoint/events">
-  <Receiver>
-    <Name>Document ID Generator</Name>
-    <Synchronization>Synchronous</Synchronization>
-    <Type>10001</Type>
-    <SequenceNumber>1000</SequenceNumber>
-    <Assembly>Microsoft.Office.DocumentManagement, Version=14.0.0.0, Culture=neutral, PublicKeyToken=71e9bce111e9429c</Assembly>
-    <Class>Microsoft.Office.DocumentManagement.Internal.DocIdHandler</Class>
-    <Data/>
-    <Filter/>
-  </Receiver>
-  <Receiver>
-    <Name>Document ID Generator</Name>
-    <Synchronization>Synchronous</Synchronization>
-    <Type>10002</Type>
-    <SequenceNumber>1001</SequenceNumber>
-    <Assembly>Microsoft.Office.DocumentManagement, Version=14.0.0.0, Culture=neutral, PublicKeyToken=71e9bce111e9429c</Assembly>
-    <Class>Microsoft.Office.DocumentManagement.Internal.DocIdHandler</Class>
-    <Data/>
-    <Filter/>
-  </Receiver>
-  <Receiver>
-    <Name>Document ID Generator</Name>
-    <Synchronization>Synchronous</Synchronization>
-    <Type>10004</Type>
-    <SequenceNumber>1002</SequenceNumber>
-    <Assembly>Microsoft.Office.DocumentManagement, Version=14.0.0.0, Culture=neutral, PublicKeyToken=71e9bce111e9429c</Assembly>
-    <Class>Microsoft.Office.DocumentManagement.Internal.DocIdHandler</Class>
-    <Data/>
-    <Filter/>
-  </Receiver>
-  <Receiver>
-    <Name>Document ID Generator</Name>
-    <Synchronization>Synchronous</Synchronization>
-    <Type>10006</Type>
-    <SequenceNumber>1003</SequenceNumber>
-    <Assembly>Microsoft.Office.DocumentManagement, Version=14.0.0.0, Culture=neutral, PublicKeyToken=71e9bce111e9429c</Assembly>
-    <Class>Microsoft.Office.DocumentManagement.Internal.DocIdHandler</Class>
-    <Data/>
-    <Filter/>
-  </Receiver>
-</spe:Receivers>
+<file path=customXml/itemProps1.xml><?xml version="1.0" encoding="utf-8"?>
+<ds:datastoreItem xmlns:ds="http://schemas.openxmlformats.org/officeDocument/2006/customXml" ds:itemID="{B6DBE1C9-0895-41F8-89A3-98DC40E912B0}">
+  <ds:schemaRefs>
+    <ds:schemaRef ds:uri="http://schemas.microsoft.com/sharepoint/v3/contenttype/forms"/>
+  </ds:schemaRefs>
+</ds:datastoreItem>
 </file>
 
-<file path=customXml/itemProps1.xml><?xml version="1.0" encoding="utf-8"?>
+<file path=customXml/itemProps2.xml><?xml version="1.0" encoding="utf-8"?>
 <ds:datastoreItem xmlns:ds="http://schemas.openxmlformats.org/officeDocument/2006/customXml" ds:itemID="{9F5040E5-4564-49C1-9147-56F1700A1C56}">
   <ds:schemaRefs>
     <ds:schemaRef ds:uri="http://schemas.microsoft.com/office/2006/documentManagement/types"/>
@@ -22557,15 +22537,15 @@
 </ds:datastoreItem>
 </file>
 
-<file path=customXml/itemProps2.xml><?xml version="1.0" encoding="utf-8"?>
-<ds:datastoreItem xmlns:ds="http://schemas.openxmlformats.org/officeDocument/2006/customXml" ds:itemID="{B6DBE1C9-0895-41F8-89A3-98DC40E912B0}">
+<file path=customXml/itemProps3.xml><?xml version="1.0" encoding="utf-8"?>
+<ds:datastoreItem xmlns:ds="http://schemas.openxmlformats.org/officeDocument/2006/customXml" ds:itemID="{0068A067-F354-4585-8169-FC99DA836E1C}">
   <ds:schemaRefs>
-    <ds:schemaRef ds:uri="http://schemas.microsoft.com/sharepoint/v3/contenttype/forms"/>
+    <ds:schemaRef ds:uri="http://schemas.microsoft.com/sharepoint/events"/>
   </ds:schemaRefs>
 </ds:datastoreItem>
 </file>
 
-<file path=customXml/itemProps3.xml><?xml version="1.0" encoding="utf-8"?>
+<file path=customXml/itemProps4.xml><?xml version="1.0" encoding="utf-8"?>
 <ds:datastoreItem xmlns:ds="http://schemas.openxmlformats.org/officeDocument/2006/customXml" ds:itemID="{B03FC495-EB61-4A2C-B8E7-345CEB92DF9F}">
   <ds:schemaRefs>
     <ds:schemaRef ds:uri="http://schemas.microsoft.com/office/2006/metadata/contentType"/>
@@ -22582,12 +22562,4 @@
     <ds:schemaRef ds:uri="http://schemas.microsoft.com/internal/obd"/>
   </ds:schemaRefs>
 </ds:datastoreItem>
-</file>
-
-<file path=customXml/itemProps4.xml><?xml version="1.0" encoding="utf-8"?>
-<ds:datastoreItem xmlns:ds="http://schemas.openxmlformats.org/officeDocument/2006/customXml" ds:itemID="{0068A067-F354-4585-8169-FC99DA836E1C}">
-  <ds:schemaRefs>
-    <ds:schemaRef ds:uri="http://schemas.microsoft.com/sharepoint/events"/>
-  </ds:schemaRefs>
-</ds:datastoreItem>
 </file>
--- a/TestDrivingASP.NETMVC.pptx
+++ b/TestDrivingASP.NETMVC.pptx
@@ -517,7 +517,7 @@
               <a:pPr>
                 <a:defRPr/>
               </a:pPr>
-              <a:t>8/29/2012</a:t>
+              <a:t>8/31/2012</a:t>
             </a:fld>
             <a:endParaRPr lang="en-US"/>
           </a:p>
@@ -17518,12 +17518,28 @@
               <a:t>Demo: </a:t>
             </a:r>
             <a:r>
+              <a:rPr lang="en-US" sz="4690" b="1" dirty="0" smtClean="0">
+                <a:solidFill>
+                  <a:schemeClr val="tx1"/>
+                </a:solidFill>
+              </a:rPr>
+              <a:t> </a:t>
+            </a:r>
+            <a:r>
+              <a:rPr lang="en-US" sz="4690" dirty="0" smtClean="0">
+                <a:solidFill>
+                  <a:schemeClr val="tx1"/>
+                </a:solidFill>
+              </a:rPr>
+              <a:t>Abstracting &amp; </a:t>
+            </a:r>
+            <a:r>
               <a:rPr lang="en-US" sz="4690" dirty="0">
                 <a:solidFill>
                   <a:schemeClr val="tx1"/>
                 </a:solidFill>
               </a:rPr>
-              <a:t>Abstracting </a:t>
+              <a:t>T</a:t>
             </a:r>
             <a:r>
               <a:rPr lang="en-US" sz="4690" dirty="0" smtClean="0">
@@ -17531,7 +17547,23 @@
                   <a:schemeClr val="tx1"/>
                 </a:solidFill>
               </a:rPr>
-              <a:t>and testing routes</a:t>
+              <a:t>esting </a:t>
+            </a:r>
+            <a:r>
+              <a:rPr lang="en-US" sz="4690" dirty="0">
+                <a:solidFill>
+                  <a:schemeClr val="tx1"/>
+                </a:solidFill>
+              </a:rPr>
+              <a:t>R</a:t>
+            </a:r>
+            <a:r>
+              <a:rPr lang="en-US" sz="4690" dirty="0" smtClean="0">
+                <a:solidFill>
+                  <a:schemeClr val="tx1"/>
+                </a:solidFill>
+              </a:rPr>
+              <a:t>outes</a:t>
             </a:r>
             <a:endParaRPr lang="en-US" sz="4690" b="1" dirty="0">
               <a:solidFill>
@@ -18271,8 +18303,8 @@
         </p:nvSpPr>
         <p:spPr bwMode="auto">
           <a:xfrm>
-            <a:off x="0" y="595313"/>
-            <a:ext cx="10149229" cy="838200"/>
+            <a:off x="203200" y="595313"/>
+            <a:ext cx="9946029" cy="838200"/>
           </a:xfrm>
           <a:prstGeom prst="rect">
             <a:avLst/>
@@ -18423,19 +18455,59 @@
           </a:lstStyle>
           <a:p>
             <a:r>
+              <a:rPr lang="en-US" sz="4600" b="1" dirty="0">
+                <a:solidFill>
+                  <a:schemeClr val="tx1"/>
+                </a:solidFill>
+              </a:rPr>
+              <a:t>Demo</a:t>
+            </a:r>
+            <a:r>
+              <a:rPr lang="en-US" sz="4600" b="1" dirty="0" smtClean="0">
+                <a:solidFill>
+                  <a:schemeClr val="tx1"/>
+                </a:solidFill>
+              </a:rPr>
+              <a:t>: </a:t>
+            </a:r>
+            <a:r>
+              <a:rPr lang="en-US" sz="4600" dirty="0" smtClean="0">
+                <a:solidFill>
+                  <a:schemeClr val="tx1"/>
+                </a:solidFill>
+              </a:rPr>
+              <a:t> </a:t>
+            </a:r>
+            <a:r>
               <a:rPr lang="en-US" sz="4600" dirty="0">
                 <a:solidFill>
                   <a:schemeClr val="tx1"/>
                 </a:solidFill>
               </a:rPr>
-              <a:t>Demo: Isolating and Testing a Controller</a:t>
+              <a:t>Isolating </a:t>
+            </a:r>
+            <a:r>
+              <a:rPr lang="en-US" sz="4600" dirty="0" smtClean="0">
+                <a:solidFill>
+                  <a:schemeClr val="tx1"/>
+                </a:solidFill>
+              </a:rPr>
+              <a:t>&amp; Testing </a:t>
+            </a:r>
+            <a:r>
+              <a:rPr lang="en-US" sz="4600" dirty="0">
+                <a:solidFill>
+                  <a:schemeClr val="tx1"/>
+                </a:solidFill>
+              </a:rPr>
+              <a:t>a Controller</a:t>
             </a:r>
           </a:p>
         </p:txBody>
       </p:sp>
       <p:pic>
         <p:nvPicPr>
-          <p:cNvPr id="3074" name="Picture 2" descr="jap monkey"/>
+          <p:cNvPr id="4" name="Picture 2" descr="jap monkey"/>
           <p:cNvPicPr>
             <a:picLocks noChangeAspect="1" noChangeArrowheads="1"/>
           </p:cNvPicPr>
@@ -18456,8 +18528,8 @@
         </p:blipFill>
         <p:spPr bwMode="auto">
           <a:xfrm>
-            <a:off x="2331969" y="1685925"/>
-            <a:ext cx="5211900" cy="4481513"/>
+            <a:off x="5952068" y="3627619"/>
+            <a:ext cx="3093216" cy="2659738"/>
           </a:xfrm>
           <a:prstGeom prst="rect">
             <a:avLst/>
@@ -18521,7 +18593,7 @@
                                           </p:stCondLst>
                                         </p:cTn>
                                         <p:tgtEl>
-                                          <p:spTgt spid="3074"/>
+                                          <p:spTgt spid="4"/>
                                         </p:tgtEl>
                                         <p:attrNameLst>
                                           <p:attrName>style.visibility</p:attrName>
@@ -18535,7 +18607,7 @@
                                       <p:cBhvr>
                                         <p:cTn id="7" dur="500"/>
                                         <p:tgtEl>
-                                          <p:spTgt spid="3074"/>
+                                          <p:spTgt spid="4"/>
                                         </p:tgtEl>
                                       </p:cBhvr>
                                     </p:animEffect>
@@ -19104,19 +19176,40 @@
           </a:lstStyle>
           <a:p>
             <a:r>
-              <a:rPr lang="en-US" sz="4600" dirty="0">
-                <a:solidFill>
-                  <a:schemeClr val="tx1"/>
-                </a:solidFill>
-              </a:rPr>
-              <a:t>Demo: WatiN</a:t>
-            </a:r>
+              <a:rPr lang="en-US" sz="4600" b="1" dirty="0" smtClean="0">
+                <a:solidFill>
+                  <a:schemeClr val="tx1"/>
+                </a:solidFill>
+              </a:rPr>
+              <a:t>Demo:</a:t>
+            </a:r>
+            <a:r>
+              <a:rPr lang="en-US" sz="4600" dirty="0" smtClean="0">
+                <a:solidFill>
+                  <a:schemeClr val="tx1"/>
+                </a:solidFill>
+              </a:rPr>
+              <a:t>  </a:t>
+            </a:r>
+            <a:r>
+              <a:rPr lang="en-US" sz="4600" dirty="0" err="1" smtClean="0">
+                <a:solidFill>
+                  <a:schemeClr val="tx1"/>
+                </a:solidFill>
+              </a:rPr>
+              <a:t>WatiN</a:t>
+            </a:r>
+            <a:endParaRPr lang="en-US" sz="4600" dirty="0">
+              <a:solidFill>
+                <a:schemeClr val="tx1"/>
+              </a:solidFill>
+            </a:endParaRPr>
           </a:p>
         </p:txBody>
       </p:sp>
       <p:pic>
         <p:nvPicPr>
-          <p:cNvPr id="3074" name="Picture 2" descr="jap monkey"/>
+          <p:cNvPr id="4" name="Picture 2" descr="jap monkey"/>
           <p:cNvPicPr>
             <a:picLocks noChangeAspect="1" noChangeArrowheads="1"/>
           </p:cNvPicPr>
@@ -19137,8 +19230,8 @@
         </p:blipFill>
         <p:spPr bwMode="auto">
           <a:xfrm>
-            <a:off x="2331969" y="1685925"/>
-            <a:ext cx="5211900" cy="4481513"/>
+            <a:off x="5952068" y="3627619"/>
+            <a:ext cx="3093216" cy="2659738"/>
           </a:xfrm>
           <a:prstGeom prst="rect">
             <a:avLst/>
@@ -19202,7 +19295,7 @@
                                           </p:stCondLst>
                                         </p:cTn>
                                         <p:tgtEl>
-                                          <p:spTgt spid="3074"/>
+                                          <p:spTgt spid="4"/>
                                         </p:tgtEl>
                                         <p:attrNameLst>
                                           <p:attrName>style.visibility</p:attrName>
@@ -19216,7 +19309,7 @@
                                       <p:cBhvr>
                                         <p:cTn id="7" dur="500"/>
                                         <p:tgtEl>
-                                          <p:spTgt spid="3074"/>
+                                          <p:spTgt spid="4"/>
                                         </p:tgtEl>
                                       </p:cBhvr>
                                     </p:animEffect>
@@ -19737,7 +19830,15 @@
           <a:p>
             <a:r>
               <a:rPr lang="en-US" sz="3251" kern="0" dirty="0"/>
-              <a:t>github.com/KBurnell/</a:t>
+              <a:t>github.com/</a:t>
+            </a:r>
+            <a:r>
+              <a:rPr lang="en-US" sz="3251" kern="0" dirty="0" err="1"/>
+              <a:t>KBurnell</a:t>
+            </a:r>
+            <a:r>
+              <a:rPr lang="en-US" sz="3251" kern="0" dirty="0"/>
+              <a:t>/</a:t>
             </a:r>
             <a:r>
               <a:rPr lang="en-US" sz="3251" kern="0" dirty="0" err="1"/>
@@ -19754,28 +19855,125 @@
           <a:p>
             <a:pPr lvl="1"/>
             <a:r>
-              <a:rPr lang="en-US" sz="2870" kern="0" dirty="0"/>
-              <a:t>Twitter: 	@</a:t>
-            </a:r>
-            <a:r>
-              <a:rPr lang="en-US" sz="2870" kern="0" dirty="0" err="1"/>
+              <a:rPr lang="en-US" sz="2400" kern="0" dirty="0"/>
+              <a:t>Twitter: 		@</a:t>
+            </a:r>
+            <a:r>
+              <a:rPr lang="en-US" sz="2400" kern="0" dirty="0" err="1"/>
               <a:t>KeBurnell</a:t>
             </a:r>
+            <a:endParaRPr lang="en-US" sz="2400" kern="0" dirty="0"/>
+          </a:p>
+          <a:p>
+            <a:pPr lvl="1"/>
+            <a:r>
+              <a:rPr lang="en-US" sz="2400" kern="0" dirty="0"/>
+              <a:t>Blog: 		DotNetDevDude.com</a:t>
+            </a:r>
+          </a:p>
+          <a:p>
+            <a:pPr lvl="1"/>
+            <a:r>
+              <a:rPr lang="en-US" sz="2400" kern="0" dirty="0"/>
+              <a:t>E-Mail:		</a:t>
+            </a:r>
+            <a:r>
+              <a:rPr lang="en-US" sz="2400" kern="0" dirty="0">
+                <a:hlinkClick r:id="rId3"/>
+              </a:rPr>
+              <a:t>KBurnell@SkylineTechnologies.com</a:t>
+            </a:r>
             <a:endParaRPr lang="en-US" sz="2870" kern="0" dirty="0"/>
           </a:p>
           <a:p>
+            <a:pPr marL="452438" lvl="1" indent="0">
+              <a:buNone/>
+            </a:pPr>
+            <a:endParaRPr lang="en-US" sz="2870" kern="0" dirty="0"/>
+          </a:p>
+          <a:p>
+            <a:r>
+              <a:rPr lang="en-US" sz="3250" kern="0" dirty="0"/>
+              <a:t>Tools</a:t>
+            </a:r>
+          </a:p>
+          <a:p>
             <a:pPr lvl="1"/>
             <a:r>
-              <a:rPr lang="en-US" sz="2870" kern="0" dirty="0"/>
-              <a:t>Blog: 		DotNetDevDude.com</a:t>
-            </a:r>
+              <a:rPr lang="en-US" sz="2400" kern="0" dirty="0" err="1"/>
+              <a:t>ReSharper</a:t>
+            </a:r>
+            <a:r>
+              <a:rPr lang="en-US" sz="2400" kern="0" dirty="0"/>
+              <a:t>:	</a:t>
+            </a:r>
+            <a:r>
+              <a:rPr lang="en-US" sz="2400" kern="0" dirty="0">
+                <a:hlinkClick r:id="rId4"/>
+              </a:rPr>
+              <a:t>http://www.JetBrains.com/ReSharper</a:t>
+            </a:r>
+            <a:endParaRPr lang="en-US" sz="2400" kern="0" dirty="0"/>
           </a:p>
           <a:p>
             <a:pPr lvl="1"/>
             <a:r>
-              <a:rPr lang="en-US" sz="2870" kern="0" dirty="0"/>
-              <a:t>E-Mail:		KBurnell@SkylineTechnologies.com	</a:t>
-            </a:r>
+              <a:rPr lang="en-US" sz="2400" kern="0" dirty="0" err="1"/>
+              <a:t>NCrunch</a:t>
+            </a:r>
+            <a:r>
+              <a:rPr lang="en-US" sz="2400" kern="0" dirty="0"/>
+              <a:t>	:	</a:t>
+            </a:r>
+            <a:r>
+              <a:rPr lang="en-US" sz="2400" kern="0" dirty="0">
+                <a:hlinkClick r:id="rId5"/>
+              </a:rPr>
+              <a:t>http://www.NCrunch.net</a:t>
+            </a:r>
+            <a:endParaRPr lang="en-US" sz="2400" kern="0" dirty="0"/>
+          </a:p>
+          <a:p>
+            <a:pPr lvl="1"/>
+            <a:r>
+              <a:rPr lang="en-US" sz="2400" kern="0" dirty="0" err="1"/>
+              <a:t>MvcContrib</a:t>
+            </a:r>
+            <a:r>
+              <a:rPr lang="en-US" sz="2400" kern="0" dirty="0"/>
+              <a:t>:	</a:t>
+            </a:r>
+            <a:r>
+              <a:rPr lang="en-US" sz="2400" kern="0" dirty="0">
+                <a:hlinkClick r:id="rId6"/>
+              </a:rPr>
+              <a:t>http://www.MvcContrib.CodePlex.com</a:t>
+            </a:r>
+            <a:endParaRPr lang="en-US" sz="2400" kern="0" dirty="0"/>
+          </a:p>
+          <a:p>
+            <a:pPr lvl="1"/>
+            <a:r>
+              <a:rPr lang="en-US" sz="2400" kern="0" dirty="0" err="1"/>
+              <a:t>WatiN</a:t>
+            </a:r>
+            <a:r>
+              <a:rPr lang="en-US" sz="2400" kern="0" dirty="0"/>
+              <a:t>:		</a:t>
+            </a:r>
+            <a:r>
+              <a:rPr lang="en-US" sz="2400" kern="0" dirty="0">
+                <a:hlinkClick r:id="rId7"/>
+              </a:rPr>
+              <a:t>http://www.WatiN.com</a:t>
+            </a:r>
+            <a:endParaRPr lang="en-US" sz="2400" kern="0" dirty="0"/>
+          </a:p>
+          <a:p>
+            <a:pPr marL="0" indent="0">
+              <a:buNone/>
+            </a:pPr>
+            <a:endParaRPr lang="en-US" sz="2681" kern="0" dirty="0"/>
           </a:p>
         </p:txBody>
       </p:sp>

--- a/TestDrivingASP.NETMVC.pptx
+++ b/TestDrivingASP.NETMVC.pptx
@@ -517,7 +517,7 @@
               <a:pPr>
                 <a:defRPr/>
               </a:pPr>
-              <a:t>8/31/2012</a:t>
+              <a:t>4/21/2013</a:t>
             </a:fld>
             <a:endParaRPr lang="en-US"/>
           </a:p>
@@ -982,6 +982,7 @@
             <a:prstTxWarp prst="textNoShape">
               <a:avLst/>
             </a:prstTxWarp>
+            <a:normAutofit fontScale="92500" lnSpcReduction="20000"/>
           </a:bodyPr>
           <a:lstStyle/>
           <a:p>
@@ -1155,6 +1156,7 @@
             <a:prstTxWarp prst="textNoShape">
               <a:avLst/>
             </a:prstTxWarp>
+            <a:normAutofit fontScale="77500" lnSpcReduction="20000"/>
           </a:bodyPr>
           <a:lstStyle/>
           <a:p>
@@ -1475,6 +1477,7 @@
             <a:prstTxWarp prst="textNoShape">
               <a:avLst/>
             </a:prstTxWarp>
+            <a:normAutofit lnSpcReduction="10000"/>
           </a:bodyPr>
           <a:lstStyle/>
           <a:p>
@@ -1717,6 +1720,7 @@
             <a:prstTxWarp prst="textNoShape">
               <a:avLst/>
             </a:prstTxWarp>
+            <a:normAutofit fontScale="55000" lnSpcReduction="20000"/>
           </a:bodyPr>
           <a:lstStyle/>
           <a:p>
@@ -2389,6 +2393,7 @@
             <a:prstTxWarp prst="textNoShape">
               <a:avLst/>
             </a:prstTxWarp>
+            <a:normAutofit fontScale="85000" lnSpcReduction="20000"/>
           </a:bodyPr>
           <a:lstStyle/>
           <a:p>
@@ -2648,6 +2653,7 @@
             <a:prstTxWarp prst="textNoShape">
               <a:avLst/>
             </a:prstTxWarp>
+            <a:normAutofit fontScale="92500" lnSpcReduction="20000"/>
           </a:bodyPr>
           <a:lstStyle/>
           <a:p>
@@ -2961,8 +2967,27 @@
             </a:r>
             <a:r>
               <a:rPr lang="en-US" sz="1400" baseline="0" dirty="0" smtClean="0"/>
-              <a:t> is a project designed to additional functionality and ease of use to MVC</a:t>
-            </a:r>
+              <a:t> is a project designed to additional functionality and ease of use to </a:t>
+            </a:r>
+            <a:r>
+              <a:rPr lang="en-US" sz="1400" baseline="0" dirty="0" smtClean="0"/>
+              <a:t>MVC</a:t>
+            </a:r>
+          </a:p>
+          <a:p>
+            <a:pPr marL="285750" lvl="0" indent="-285750" algn="l">
+              <a:buFontTx/>
+              <a:buChar char="-"/>
+            </a:pPr>
+            <a:r>
+              <a:rPr lang="en-US" sz="1400" baseline="0" dirty="0" smtClean="0"/>
+              <a:t>Hosted on </a:t>
+            </a:r>
+            <a:r>
+              <a:rPr lang="en-US" sz="1400" baseline="0" dirty="0" err="1" smtClean="0"/>
+              <a:t>CodePlex</a:t>
+            </a:r>
+            <a:endParaRPr lang="en-US" sz="1400" baseline="0" dirty="0" smtClean="0"/>
           </a:p>
           <a:p>
             <a:pPr marL="285750" lvl="0" indent="-285750" algn="l">
@@ -3486,6 +3511,7 @@
             <a:prstTxWarp prst="textNoShape">
               <a:avLst/>
             </a:prstTxWarp>
+            <a:normAutofit fontScale="32500" lnSpcReduction="20000"/>
           </a:bodyPr>
           <a:lstStyle/>
           <a:p>
@@ -3499,7 +3525,11 @@
             </a:r>
             <a:r>
               <a:rPr lang="en-US" b="1" baseline="0" dirty="0" smtClean="0"/>
-              <a:t> Start by F5’ing and showing up</a:t>
+              <a:t> Start by F5’ing and showing </a:t>
+            </a:r>
+            <a:r>
+              <a:rPr lang="en-US" b="1" baseline="0" dirty="0" smtClean="0"/>
+              <a:t>what application does</a:t>
             </a:r>
             <a:endParaRPr lang="en-US" b="1" dirty="0" smtClean="0"/>
           </a:p>
@@ -4107,6 +4137,28 @@
                 <a:cs typeface="+mn-cs"/>
               </a:rPr>
               <a:t>Trace.axd</a:t>
+            </a:r>
+            <a:r>
+              <a:rPr lang="en-US" sz="1200" kern="1200" baseline="0" dirty="0" smtClean="0">
+                <a:solidFill>
+                  <a:schemeClr val="tx1"/>
+                </a:solidFill>
+                <a:latin typeface="+mn-lt"/>
+                <a:ea typeface="+mn-ea"/>
+                <a:cs typeface="+mn-cs"/>
+              </a:rPr>
+              <a:t>: </a:t>
+            </a:r>
+            <a:r>
+              <a:rPr lang="en-US" sz="1200" b="1" kern="1200" baseline="0" dirty="0" smtClean="0">
+                <a:solidFill>
+                  <a:schemeClr val="tx1"/>
+                </a:solidFill>
+                <a:latin typeface="+mn-lt"/>
+                <a:ea typeface="+mn-ea"/>
+                <a:cs typeface="+mn-cs"/>
+              </a:rPr>
+              <a:t>tddmvc3</a:t>
             </a:r>
             <a:endParaRPr lang="en-US" sz="1200" kern="1200" baseline="0" dirty="0" smtClean="0">
               <a:solidFill>
@@ -4682,6 +4734,7 @@
             <a:prstTxWarp prst="textNoShape">
               <a:avLst/>
             </a:prstTxWarp>
+            <a:normAutofit fontScale="25000" lnSpcReduction="20000"/>
           </a:bodyPr>
           <a:lstStyle/>
           <a:p>
@@ -4695,24 +4748,15 @@
             </a:r>
           </a:p>
           <a:p>
-            <a:pPr marL="800100" lvl="1" indent="-342900" algn="l">
-              <a:buFont typeface="Arial" pitchFamily="34" charset="0"/>
-              <a:buAutoNum type="arabicPeriod"/>
-            </a:pPr>
-            <a:r>
-              <a:rPr lang="en-US" sz="1400" baseline="0" dirty="0" smtClean="0"/>
-              <a:t>Controller Project</a:t>
-            </a:r>
-          </a:p>
-          <a:p>
             <a:pPr marL="1200150" lvl="2" indent="-285750" algn="l">
               <a:buFontTx/>
               <a:buChar char="-"/>
             </a:pPr>
             <a:r>
-              <a:rPr lang="en-US" sz="1400" baseline="0" dirty="0" smtClean="0"/>
-              <a:t>Yes, I put my controller’s in their own project…explain why</a:t>
-            </a:r>
+              <a:rPr lang="en-US" sz="1400" baseline="0" dirty="0" err="1" smtClean="0"/>
+              <a:t>CustomerController</a:t>
+            </a:r>
+            <a:endParaRPr lang="en-US" sz="1400" baseline="0" dirty="0" smtClean="0"/>
           </a:p>
           <a:p>
             <a:pPr marL="1200150" lvl="2" indent="-285750" algn="l">
@@ -4721,19 +4765,15 @@
             </a:pPr>
             <a:r>
               <a:rPr lang="en-US" sz="1400" baseline="0" dirty="0" smtClean="0"/>
-              <a:t>Show </a:t>
-            </a:r>
-            <a:r>
-              <a:rPr lang="en-US" sz="1400" b="1" baseline="0" dirty="0" err="1" smtClean="0"/>
-              <a:t>RouteProvider</a:t>
+              <a:t>With my current architecture - every controller will need an </a:t>
+            </a:r>
+            <a:r>
+              <a:rPr lang="en-US" sz="1400" baseline="0" dirty="0" err="1" smtClean="0"/>
+              <a:t>ILoggingService</a:t>
             </a:r>
             <a:r>
               <a:rPr lang="en-US" sz="1400" baseline="0" dirty="0" smtClean="0"/>
-              <a:t> and how controller project is handled with routing </a:t>
-            </a:r>
-            <a:r>
-              <a:rPr lang="en-US" sz="1400" b="1" baseline="0" dirty="0" smtClean="0"/>
-              <a:t>[namespace]</a:t>
+              <a:t> and an I[controller name]Service</a:t>
             </a:r>
           </a:p>
           <a:p>
@@ -4742,10 +4782,29 @@
               <a:buChar char="-"/>
             </a:pPr>
             <a:r>
-              <a:rPr lang="en-US" sz="1400" baseline="0" dirty="0" err="1" smtClean="0"/>
-              <a:t>CustomerController</a:t>
-            </a:r>
-            <a:endParaRPr lang="en-US" sz="1400" baseline="0" dirty="0" smtClean="0"/>
+              <a:rPr lang="en-US" sz="1400" baseline="0" dirty="0" smtClean="0"/>
+              <a:t>I am using StructureMap as my IoC Container, but that requires me to wire up my dependencies one by one</a:t>
+            </a:r>
+          </a:p>
+          <a:p>
+            <a:pPr marL="1200150" lvl="2" indent="-285750" algn="l">
+              <a:buFontTx/>
+              <a:buChar char="-"/>
+            </a:pPr>
+            <a:r>
+              <a:rPr lang="en-US" sz="1400" baseline="0" dirty="0" smtClean="0"/>
+              <a:t>What if there was a way to not have to wire up the dependencies manually for each controller?</a:t>
+            </a:r>
+          </a:p>
+          <a:p>
+            <a:pPr marL="1200150" lvl="2" indent="-285750" algn="l">
+              <a:buFontTx/>
+              <a:buChar char="-"/>
+            </a:pPr>
+            <a:r>
+              <a:rPr lang="en-US" sz="1400" baseline="0" dirty="0" smtClean="0"/>
+              <a:t>Custom Controller Factory</a:t>
+            </a:r>
           </a:p>
           <a:p>
             <a:pPr marL="1657350" lvl="3" indent="-285750" algn="l">
@@ -4754,15 +4813,7 @@
             </a:pPr>
             <a:r>
               <a:rPr lang="en-US" sz="1400" baseline="0" dirty="0" smtClean="0"/>
-              <a:t>With my current architecture - every controller will need an </a:t>
-            </a:r>
-            <a:r>
-              <a:rPr lang="en-US" sz="1400" baseline="0" dirty="0" err="1" smtClean="0"/>
-              <a:t>ILoggingService</a:t>
-            </a:r>
-            <a:r>
-              <a:rPr lang="en-US" sz="1400" baseline="0" dirty="0" smtClean="0"/>
-              <a:t> and an I[controller name]Service</a:t>
+              <a:t>Out of the box the default controller factory just resolves controllers using the default naming convention</a:t>
             </a:r>
           </a:p>
           <a:p>
@@ -4772,7 +4823,7 @@
             </a:pPr>
             <a:r>
               <a:rPr lang="en-US" sz="1400" baseline="0" dirty="0" smtClean="0"/>
-              <a:t>I am using StructureMap as my IoC Container, but that requires me to wire up my dependencies one by one</a:t>
+              <a:t>You can create a custom controller factory to add functionality and/or override the default functionality</a:t>
             </a:r>
           </a:p>
           <a:p>
@@ -4782,7 +4833,7 @@
             </a:pPr>
             <a:r>
               <a:rPr lang="en-US" sz="1400" baseline="0" dirty="0" smtClean="0"/>
-              <a:t>What if there was a way to not have to wire up the dependencies manually for each controller?</a:t>
+              <a:t>In this case we are going to pimp out the default controller factory with StructureMap</a:t>
             </a:r>
           </a:p>
           <a:p>
@@ -4791,8 +4842,53 @@
               <a:buChar char="-"/>
             </a:pPr>
             <a:r>
+              <a:rPr lang="en-US" sz="1400" b="0" baseline="0" dirty="0" smtClean="0"/>
+              <a:t>Show </a:t>
+            </a:r>
+            <a:r>
+              <a:rPr lang="en-US" sz="1400" b="1" baseline="0" dirty="0" err="1" smtClean="0"/>
+              <a:t>ControllerFactory</a:t>
+            </a:r>
+            <a:endParaRPr lang="en-US" sz="1400" b="0" baseline="0" dirty="0" smtClean="0"/>
+          </a:p>
+          <a:p>
+            <a:pPr marL="1657350" lvl="3" indent="-285750" algn="l">
+              <a:buFontTx/>
+              <a:buChar char="-"/>
+            </a:pPr>
+            <a:r>
               <a:rPr lang="en-US" sz="1400" baseline="0" dirty="0" smtClean="0"/>
-              <a:t>Custom Controller Factory</a:t>
+              <a:t>Explain </a:t>
+            </a:r>
+            <a:r>
+              <a:rPr lang="en-US" sz="1400" baseline="0" dirty="0" err="1" smtClean="0"/>
+              <a:t>GetControllerInstance</a:t>
+            </a:r>
+            <a:endParaRPr lang="en-US" sz="1400" baseline="0" dirty="0" smtClean="0"/>
+          </a:p>
+          <a:p>
+            <a:pPr marL="1657350" lvl="3" indent="-285750" algn="l">
+              <a:buFontTx/>
+              <a:buChar char="-"/>
+            </a:pPr>
+            <a:r>
+              <a:rPr lang="en-US" sz="1400" baseline="0" dirty="0" smtClean="0"/>
+              <a:t>Show how we are using StructureMap and the </a:t>
+            </a:r>
+            <a:r>
+              <a:rPr lang="en-US" sz="1400" baseline="0" dirty="0" err="1" smtClean="0"/>
+              <a:t>IContainer</a:t>
+            </a:r>
+            <a:endParaRPr lang="en-US" sz="1400" baseline="0" dirty="0" smtClean="0"/>
+          </a:p>
+          <a:p>
+            <a:pPr marL="1657350" lvl="3" indent="-285750" algn="l">
+              <a:buFontTx/>
+              <a:buChar char="-"/>
+            </a:pPr>
+            <a:r>
+              <a:rPr lang="en-US" sz="1400" baseline="0" dirty="0" smtClean="0"/>
+              <a:t>And we need to tell ASP.NET MVC to use the Custom Controller Factory</a:t>
             </a:r>
           </a:p>
           <a:p>
@@ -4801,206 +4897,126 @@
               <a:buChar char="-"/>
             </a:pPr>
             <a:r>
-              <a:rPr lang="en-US" sz="1400" baseline="0" dirty="0" smtClean="0"/>
-              <a:t>Out of the box the default controller factory just resolves controllers using the default naming convention</a:t>
-            </a:r>
-          </a:p>
-          <a:p>
-            <a:pPr marL="2114550" lvl="4" indent="-285750" algn="l">
+              <a:rPr lang="en-US" sz="1400" baseline="0" dirty="0" err="1" smtClean="0"/>
+              <a:t>Global.asax.cs</a:t>
+            </a:r>
+            <a:endParaRPr lang="en-US" sz="1400" baseline="0" dirty="0" smtClean="0"/>
+          </a:p>
+          <a:p>
+            <a:pPr lvl="5"/>
+            <a:r>
+              <a:rPr lang="en-US" sz="1200" b="1" kern="1200" baseline="0" dirty="0" smtClean="0">
+                <a:solidFill>
+                  <a:schemeClr val="tx1"/>
+                </a:solidFill>
+                <a:latin typeface="+mn-lt"/>
+                <a:ea typeface="+mn-ea"/>
+                <a:cs typeface="+mn-cs"/>
+              </a:rPr>
+              <a:t>**** After </a:t>
+            </a:r>
+            <a:r>
+              <a:rPr lang="en-US" sz="1200" b="1" kern="1200" baseline="0" dirty="0" err="1" smtClean="0">
+                <a:solidFill>
+                  <a:schemeClr val="tx1"/>
+                </a:solidFill>
+                <a:latin typeface="+mn-lt"/>
+                <a:ea typeface="+mn-ea"/>
+                <a:cs typeface="+mn-cs"/>
+              </a:rPr>
+              <a:t>WireUpDependencyInjection</a:t>
+            </a:r>
+            <a:r>
+              <a:rPr lang="en-US" sz="1200" b="1" kern="1200" baseline="0" dirty="0" smtClean="0">
+                <a:solidFill>
+                  <a:schemeClr val="tx1"/>
+                </a:solidFill>
+                <a:latin typeface="+mn-lt"/>
+                <a:ea typeface="+mn-ea"/>
+                <a:cs typeface="+mn-cs"/>
+              </a:rPr>
+              <a:t>(); ****</a:t>
+            </a:r>
+          </a:p>
+          <a:p>
+            <a:pPr lvl="5"/>
+            <a:r>
+              <a:rPr lang="en-US" sz="1200" b="1" kern="1200" dirty="0" err="1" smtClean="0">
+                <a:solidFill>
+                  <a:schemeClr val="tx1"/>
+                </a:solidFill>
+                <a:latin typeface="+mn-lt"/>
+                <a:ea typeface="+mn-ea"/>
+                <a:cs typeface="+mn-cs"/>
+              </a:rPr>
+              <a:t>ControllerBuilder.Current.SetControllerFactory</a:t>
+            </a:r>
+            <a:r>
+              <a:rPr lang="en-US" sz="1200" b="1" kern="1200" dirty="0" smtClean="0">
+                <a:solidFill>
+                  <a:schemeClr val="tx1"/>
+                </a:solidFill>
+                <a:latin typeface="+mn-lt"/>
+                <a:ea typeface="+mn-ea"/>
+                <a:cs typeface="+mn-cs"/>
+              </a:rPr>
+              <a:t>(new </a:t>
+            </a:r>
+            <a:r>
+              <a:rPr lang="en-US" sz="1200" b="1" kern="1200" dirty="0" err="1" smtClean="0">
+                <a:solidFill>
+                  <a:schemeClr val="tx1"/>
+                </a:solidFill>
+                <a:latin typeface="+mn-lt"/>
+                <a:ea typeface="+mn-ea"/>
+                <a:cs typeface="+mn-cs"/>
+              </a:rPr>
+              <a:t>ControllerFactory</a:t>
+            </a:r>
+            <a:r>
+              <a:rPr lang="en-US" sz="1200" b="1" kern="1200" dirty="0" smtClean="0">
+                <a:solidFill>
+                  <a:schemeClr val="tx1"/>
+                </a:solidFill>
+                <a:latin typeface="+mn-lt"/>
+                <a:ea typeface="+mn-ea"/>
+                <a:cs typeface="+mn-cs"/>
+              </a:rPr>
+              <a:t>());</a:t>
+            </a:r>
+            <a:endParaRPr lang="en-US" sz="2400" b="1" baseline="0" dirty="0" smtClean="0"/>
+          </a:p>
+          <a:p>
+            <a:pPr marL="1657350" lvl="3" indent="-285750" algn="l">
               <a:buFontTx/>
               <a:buChar char="-"/>
             </a:pPr>
             <a:r>
-              <a:rPr lang="en-US" sz="1400" baseline="0" dirty="0" smtClean="0"/>
-              <a:t>You can create a custom controller factory to add functionality and/or override the default functionality</a:t>
-            </a:r>
-          </a:p>
-          <a:p>
-            <a:pPr marL="2114550" lvl="4" indent="-285750" algn="l">
+              <a:rPr lang="en-US" sz="1400" b="0" baseline="0" dirty="0" err="1" smtClean="0"/>
+              <a:t>CustomerController</a:t>
+            </a:r>
+            <a:r>
+              <a:rPr lang="en-US" sz="1400" b="0" baseline="0" dirty="0" smtClean="0"/>
+              <a:t>: Select default constructor and </a:t>
+            </a:r>
+            <a:r>
+              <a:rPr lang="en-US" sz="1400" b="1" baseline="0" dirty="0" smtClean="0"/>
+              <a:t>tddmvc4</a:t>
+            </a:r>
+            <a:endParaRPr lang="en-US" sz="1400" b="0" baseline="0" dirty="0" smtClean="0"/>
+          </a:p>
+          <a:p>
+            <a:pPr marL="1657350" lvl="3" indent="-285750" algn="l">
               <a:buFontTx/>
               <a:buChar char="-"/>
             </a:pPr>
             <a:r>
               <a:rPr lang="en-US" sz="1400" baseline="0" dirty="0" smtClean="0"/>
-              <a:t>In this case we are going to pimp out the default controller factory with StructureMap</a:t>
-            </a:r>
-          </a:p>
-          <a:p>
-            <a:pPr marL="2114550" lvl="4" indent="-285750" algn="l">
-              <a:buFontTx/>
-              <a:buChar char="-"/>
-            </a:pPr>
-            <a:r>
-              <a:rPr lang="en-US" sz="1400" b="0" baseline="0" dirty="0" smtClean="0"/>
-              <a:t>Show </a:t>
-            </a:r>
-            <a:r>
-              <a:rPr lang="en-US" sz="1400" b="1" baseline="0" dirty="0" err="1" smtClean="0"/>
-              <a:t>ControllerFactory</a:t>
-            </a:r>
-            <a:endParaRPr lang="en-US" sz="1400" b="0" baseline="0" dirty="0" smtClean="0"/>
-          </a:p>
-          <a:p>
-            <a:pPr marL="2114550" lvl="4" indent="-285750" algn="l">
-              <a:buFontTx/>
-              <a:buChar char="-"/>
-            </a:pPr>
-            <a:r>
-              <a:rPr lang="en-US" sz="1400" baseline="0" dirty="0" smtClean="0"/>
-              <a:t>Explain </a:t>
-            </a:r>
-            <a:r>
-              <a:rPr lang="en-US" sz="1400" baseline="0" dirty="0" err="1" smtClean="0"/>
-              <a:t>GetControllerInstance</a:t>
-            </a:r>
-            <a:endParaRPr lang="en-US" sz="1400" baseline="0" dirty="0" smtClean="0"/>
-          </a:p>
-          <a:p>
-            <a:pPr marL="2114550" lvl="4" indent="-285750" algn="l">
-              <a:buFontTx/>
-              <a:buChar char="-"/>
-            </a:pPr>
-            <a:r>
-              <a:rPr lang="en-US" sz="1400" baseline="0" dirty="0" smtClean="0"/>
-              <a:t>Show how we are using StructureMap and the </a:t>
-            </a:r>
-            <a:r>
-              <a:rPr lang="en-US" sz="1400" baseline="0" dirty="0" err="1" smtClean="0"/>
-              <a:t>IContainer</a:t>
-            </a:r>
-            <a:endParaRPr lang="en-US" sz="1400" baseline="0" dirty="0" smtClean="0"/>
-          </a:p>
-          <a:p>
-            <a:pPr marL="2114550" lvl="4" indent="-285750" algn="l">
-              <a:buFontTx/>
-              <a:buChar char="-"/>
-            </a:pPr>
-            <a:r>
-              <a:rPr lang="en-US" sz="1400" baseline="0" dirty="0" smtClean="0"/>
-              <a:t>And we need to tell ASP.NET MVC to use the Custom Controller Factory</a:t>
-            </a:r>
-          </a:p>
-          <a:p>
-            <a:pPr marL="2571750" lvl="5" indent="-285750" algn="l">
-              <a:buFontTx/>
-              <a:buChar char="-"/>
-            </a:pPr>
-            <a:r>
-              <a:rPr lang="en-US" sz="1400" baseline="0" dirty="0" err="1" smtClean="0"/>
-              <a:t>Global.asax.cs</a:t>
-            </a:r>
-            <a:endParaRPr lang="en-US" sz="1400" baseline="0" dirty="0" smtClean="0"/>
-          </a:p>
-          <a:p>
-            <a:pPr lvl="6"/>
-            <a:r>
-              <a:rPr lang="en-US" sz="1200" b="1" kern="1200" baseline="0" dirty="0" smtClean="0">
-                <a:solidFill>
-                  <a:schemeClr val="tx1"/>
-                </a:solidFill>
-                <a:latin typeface="+mn-lt"/>
-                <a:ea typeface="+mn-ea"/>
-                <a:cs typeface="+mn-cs"/>
-              </a:rPr>
-              <a:t>**** After </a:t>
-            </a:r>
-            <a:r>
-              <a:rPr lang="en-US" sz="1200" b="1" kern="1200" baseline="0" dirty="0" err="1" smtClean="0">
-                <a:solidFill>
-                  <a:schemeClr val="tx1"/>
-                </a:solidFill>
-                <a:latin typeface="+mn-lt"/>
-                <a:ea typeface="+mn-ea"/>
-                <a:cs typeface="+mn-cs"/>
-              </a:rPr>
-              <a:t>WireUpDependencyInjection</a:t>
-            </a:r>
-            <a:r>
-              <a:rPr lang="en-US" sz="1200" b="1" kern="1200" baseline="0" dirty="0" smtClean="0">
-                <a:solidFill>
-                  <a:schemeClr val="tx1"/>
-                </a:solidFill>
-                <a:latin typeface="+mn-lt"/>
-                <a:ea typeface="+mn-ea"/>
-                <a:cs typeface="+mn-cs"/>
-              </a:rPr>
-              <a:t>(); ****</a:t>
-            </a:r>
-          </a:p>
-          <a:p>
-            <a:pPr lvl="6"/>
-            <a:r>
-              <a:rPr lang="en-US" sz="1200" b="1" kern="1200" dirty="0" err="1" smtClean="0">
-                <a:solidFill>
-                  <a:schemeClr val="tx1"/>
-                </a:solidFill>
-                <a:latin typeface="+mn-lt"/>
-                <a:ea typeface="+mn-ea"/>
-                <a:cs typeface="+mn-cs"/>
-              </a:rPr>
-              <a:t>ControllerBuilder.Current.SetControllerFactory</a:t>
-            </a:r>
-            <a:r>
-              <a:rPr lang="en-US" sz="1200" b="1" kern="1200" dirty="0" smtClean="0">
-                <a:solidFill>
-                  <a:schemeClr val="tx1"/>
-                </a:solidFill>
-                <a:latin typeface="+mn-lt"/>
-                <a:ea typeface="+mn-ea"/>
-                <a:cs typeface="+mn-cs"/>
-              </a:rPr>
-              <a:t>(new </a:t>
-            </a:r>
-            <a:r>
-              <a:rPr lang="en-US" sz="1200" b="1" kern="1200" dirty="0" err="1" smtClean="0">
-                <a:solidFill>
-                  <a:schemeClr val="tx1"/>
-                </a:solidFill>
-                <a:latin typeface="+mn-lt"/>
-                <a:ea typeface="+mn-ea"/>
-                <a:cs typeface="+mn-cs"/>
-              </a:rPr>
-              <a:t>ControllerFactory</a:t>
-            </a:r>
-            <a:r>
-              <a:rPr lang="en-US" sz="1200" b="1" kern="1200" dirty="0" smtClean="0">
-                <a:solidFill>
-                  <a:schemeClr val="tx1"/>
-                </a:solidFill>
-                <a:latin typeface="+mn-lt"/>
-                <a:ea typeface="+mn-ea"/>
-                <a:cs typeface="+mn-cs"/>
-              </a:rPr>
-              <a:t>());</a:t>
-            </a:r>
-            <a:endParaRPr lang="en-US" sz="2400" b="1" baseline="0" dirty="0" smtClean="0"/>
-          </a:p>
-          <a:p>
-            <a:pPr marL="2114550" lvl="4" indent="-285750" algn="l">
-              <a:buFontTx/>
-              <a:buChar char="-"/>
-            </a:pPr>
-            <a:r>
-              <a:rPr lang="en-US" sz="1400" b="1" baseline="0" dirty="0" smtClean="0"/>
-              <a:t>tddmvc4  </a:t>
-            </a:r>
-            <a:r>
-              <a:rPr lang="en-US" sz="1400" b="0" baseline="0" dirty="0" smtClean="0"/>
-              <a:t>And then change the Customer Controller to accept the 2 dependencies as inputs</a:t>
-            </a:r>
-          </a:p>
-          <a:p>
-            <a:pPr marL="2114550" lvl="4" indent="-285750" algn="l">
-              <a:buFontTx/>
-              <a:buChar char="-"/>
-            </a:pPr>
-            <a:r>
-              <a:rPr lang="en-US" sz="1400" baseline="0" dirty="0" smtClean="0"/>
               <a:t>That’s it the combination of ASP.NET MVC and having a StructureMap container in our Controller Factory allows our controllers to automatically resolve their dependencies!</a:t>
             </a:r>
           </a:p>
           <a:p>
-            <a:pPr marL="2114550" lvl="4" indent="-285750" algn="l">
+            <a:pPr marL="1657350" lvl="3" indent="-285750" algn="l">
               <a:buFontTx/>
               <a:buChar char="-"/>
             </a:pPr>
@@ -5764,7 +5780,11 @@
             </a:pPr>
             <a:r>
               <a:rPr lang="en-US" sz="1400" b="0" i="0" baseline="0" dirty="0" smtClean="0"/>
-              <a:t>Should Assertion Library – user readable assertions</a:t>
+              <a:t>Fluent Assertions </a:t>
+            </a:r>
+            <a:r>
+              <a:rPr lang="en-US" sz="1400" b="0" i="0" baseline="0" dirty="0" smtClean="0"/>
+              <a:t>Library – user readable assertions</a:t>
             </a:r>
           </a:p>
           <a:p>
@@ -5773,21 +5793,55 @@
               <a:buChar char="-"/>
             </a:pPr>
             <a:r>
+              <a:rPr lang="en-US" dirty="0" smtClean="0"/>
+              <a:t> </a:t>
+            </a:r>
+            <a:r>
               <a:rPr lang="en-US" sz="1200" b="1" kern="1200" dirty="0" err="1" smtClean="0">
                 <a:solidFill>
                   <a:schemeClr val="tx1"/>
                 </a:solidFill>
-                <a:latin typeface="+mn-lt"/>
-                <a:ea typeface="+mn-ea"/>
-                <a:cs typeface="+mn-cs"/>
-              </a:rPr>
-              <a:t>result.Model.ShouldBeType</a:t>
+                <a:effectLst/>
+                <a:latin typeface="+mn-lt"/>
+                <a:ea typeface="+mn-ea"/>
+                <a:cs typeface="+mn-cs"/>
+              </a:rPr>
+              <a:t>result.Model.Should</a:t>
+            </a:r>
+            <a:r>
+              <a:rPr lang="en-US" b="1" dirty="0" smtClean="0"/>
+              <a:t>()</a:t>
             </a:r>
             <a:r>
               <a:rPr lang="en-US" sz="1200" b="1" kern="1200" dirty="0" smtClean="0">
                 <a:solidFill>
                   <a:schemeClr val="tx1"/>
                 </a:solidFill>
+                <a:effectLst/>
+                <a:latin typeface="+mn-lt"/>
+                <a:ea typeface="+mn-ea"/>
+                <a:cs typeface="+mn-cs"/>
+              </a:rPr>
+              <a:t>.</a:t>
+            </a:r>
+            <a:r>
+              <a:rPr lang="en-US" sz="1200" b="1" kern="1200" dirty="0" err="1" smtClean="0">
+                <a:solidFill>
+                  <a:schemeClr val="tx1"/>
+                </a:solidFill>
+                <a:effectLst/>
+                <a:latin typeface="+mn-lt"/>
+                <a:ea typeface="+mn-ea"/>
+                <a:cs typeface="+mn-cs"/>
+              </a:rPr>
+              <a:t>BeOfType</a:t>
+            </a:r>
+            <a:r>
+              <a:rPr lang="en-US" sz="1200" b="1" kern="1200" dirty="0" smtClean="0">
+                <a:solidFill>
+                  <a:schemeClr val="tx1"/>
+                </a:solidFill>
+                <a:effectLst/>
                 <a:latin typeface="+mn-lt"/>
                 <a:ea typeface="+mn-ea"/>
                 <a:cs typeface="+mn-cs"/>
@@ -5799,23 +5853,41 @@
                 <a:solidFill>
                   <a:schemeClr val="tx1"/>
                 </a:solidFill>
-                <a:latin typeface="+mn-lt"/>
-                <a:ea typeface="+mn-ea"/>
-                <a:cs typeface="+mn-cs"/>
-              </a:rPr>
-              <a:t>Common.Domain.Customer</a:t>
+                <a:effectLst/>
+                <a:latin typeface="+mn-lt"/>
+                <a:ea typeface="+mn-ea"/>
+                <a:cs typeface="+mn-cs"/>
+              </a:rPr>
+              <a:t>Core.Entities.Customer</a:t>
             </a:r>
             <a:r>
               <a:rPr lang="en-US" sz="1200" b="1" kern="1200" dirty="0" smtClean="0">
                 <a:solidFill>
                   <a:schemeClr val="tx1"/>
                 </a:solidFill>
-                <a:latin typeface="+mn-lt"/>
-                <a:ea typeface="+mn-ea"/>
-                <a:cs typeface="+mn-cs"/>
-              </a:rPr>
-              <a:t>&gt;();</a:t>
-            </a:r>
+                <a:effectLst/>
+                <a:latin typeface="+mn-lt"/>
+                <a:ea typeface="+mn-ea"/>
+                <a:cs typeface="+mn-cs"/>
+              </a:rPr>
+              <a:t>&gt;</a:t>
+            </a:r>
+            <a:r>
+              <a:rPr lang="en-US" b="1" dirty="0" smtClean="0"/>
+              <a:t>();</a:t>
+            </a:r>
+            <a:r>
+              <a:rPr lang="en-US" dirty="0" smtClean="0"/>
+              <a:t> </a:t>
+            </a:r>
+            <a:endParaRPr lang="en-US" sz="1200" b="1" kern="1200" dirty="0" smtClean="0">
+              <a:solidFill>
+                <a:schemeClr val="tx1"/>
+              </a:solidFill>
+              <a:latin typeface="+mn-lt"/>
+              <a:ea typeface="+mn-ea"/>
+              <a:cs typeface="+mn-cs"/>
+            </a:endParaRPr>
           </a:p>
           <a:p>
             <a:pPr marL="742950" lvl="1" indent="-285750" algn="l">
@@ -5850,6 +5922,14 @@
               </a:rPr>
               <a:t>tddmvc7</a:t>
             </a:r>
+            <a:endParaRPr lang="en-US" sz="1200" b="1" kern="1200" dirty="0" smtClean="0">
+              <a:solidFill>
+                <a:schemeClr val="tx1"/>
+              </a:solidFill>
+              <a:latin typeface="+mn-lt"/>
+              <a:ea typeface="+mn-ea"/>
+              <a:cs typeface="+mn-cs"/>
+            </a:endParaRPr>
           </a:p>
           <a:p>
             <a:r>
@@ -6381,49 +6461,87 @@
             <a:prstTxWarp prst="textNoShape">
               <a:avLst/>
             </a:prstTxWarp>
+            <a:normAutofit fontScale="92500"/>
           </a:bodyPr>
           <a:lstStyle/>
           <a:p>
-            <a:pPr eaLnBrk="1" hangingPunct="1">
-              <a:spcBef>
-                <a:spcPct val="0"/>
-              </a:spcBef>
-            </a:pPr>
-            <a:r>
-              <a:rPr lang="en-US" dirty="0" smtClean="0"/>
-              <a:t>Allows you to enter text in input fields, click radio buttons, submit</a:t>
-            </a:r>
-            <a:r>
-              <a:rPr lang="en-US" baseline="0" dirty="0" smtClean="0"/>
-              <a:t> forms, click links, etc.</a:t>
-            </a:r>
-          </a:p>
-          <a:p>
-            <a:pPr eaLnBrk="1" hangingPunct="1">
-              <a:spcBef>
-                <a:spcPct val="0"/>
-              </a:spcBef>
-            </a:pPr>
-            <a:endParaRPr lang="en-US" baseline="0" dirty="0" smtClean="0"/>
-          </a:p>
-          <a:p>
-            <a:pPr eaLnBrk="1" hangingPunct="1">
-              <a:spcBef>
-                <a:spcPct val="0"/>
-              </a:spcBef>
-            </a:pPr>
-            <a:r>
-              <a:rPr lang="en-US" baseline="0" dirty="0" smtClean="0"/>
-              <a:t>** Important to note this is not an end to end UI testing solution…it is for testing the UI at a unit level</a:t>
-            </a:r>
-          </a:p>
-          <a:p>
-            <a:pPr eaLnBrk="1" hangingPunct="1">
-              <a:spcBef>
-                <a:spcPct val="0"/>
-              </a:spcBef>
-            </a:pPr>
-            <a:endParaRPr lang="en-US" dirty="0" smtClean="0"/>
+            <a:r>
+              <a:rPr lang="en-US" sz="2400" dirty="0" smtClean="0"/>
+              <a:t>Automate the browser from your tests</a:t>
+            </a:r>
+          </a:p>
+          <a:p>
+            <a:r>
+              <a:rPr lang="en-US" sz="2400" dirty="0" smtClean="0"/>
+              <a:t>Supports IE and </a:t>
+            </a:r>
+            <a:r>
+              <a:rPr lang="en-US" sz="2400" dirty="0" err="1" smtClean="0"/>
+              <a:t>FireFox</a:t>
+            </a:r>
+            <a:endParaRPr lang="en-US" sz="2400" dirty="0" smtClean="0"/>
+          </a:p>
+          <a:p>
+            <a:r>
+              <a:rPr lang="en-US" sz="2400" dirty="0" smtClean="0"/>
+              <a:t>Allows you test</a:t>
+            </a:r>
+          </a:p>
+          <a:p>
+            <a:pPr lvl="1"/>
+            <a:r>
+              <a:rPr lang="en-US" sz="2100" dirty="0" smtClean="0"/>
+              <a:t>Navigation</a:t>
+            </a:r>
+          </a:p>
+          <a:p>
+            <a:pPr lvl="1"/>
+            <a:r>
+              <a:rPr lang="en-US" sz="2100" dirty="0" smtClean="0"/>
+              <a:t>Display logic (visible, </a:t>
+            </a:r>
+            <a:r>
+              <a:rPr lang="en-US" sz="2100" dirty="0" err="1" smtClean="0"/>
+              <a:t>etc</a:t>
+            </a:r>
+            <a:r>
+              <a:rPr lang="en-US" sz="2100" dirty="0" smtClean="0"/>
+              <a:t>)</a:t>
+            </a:r>
+          </a:p>
+          <a:p>
+            <a:pPr lvl="1"/>
+            <a:r>
+              <a:rPr lang="en-US" sz="2100" dirty="0" smtClean="0"/>
+              <a:t>Dialogs</a:t>
+            </a:r>
+          </a:p>
+          <a:p>
+            <a:r>
+              <a:rPr lang="en-US" sz="2400" dirty="0" smtClean="0"/>
+              <a:t>Free</a:t>
+            </a:r>
+          </a:p>
+          <a:p>
+            <a:endParaRPr lang="en-US" sz="2400" dirty="0" smtClean="0"/>
+          </a:p>
+          <a:p>
+            <a:endParaRPr lang="en-US" sz="2400" dirty="0" smtClean="0"/>
+          </a:p>
+          <a:p>
+            <a:r>
+              <a:rPr lang="en-US" sz="2400" dirty="0" smtClean="0"/>
+              <a:t>*Not meant to be an end to end solution</a:t>
+            </a:r>
+            <a:endParaRPr lang="en-US" sz="2100" dirty="0" smtClean="0"/>
+          </a:p>
+          <a:p>
+            <a:pPr lvl="1"/>
+            <a:endParaRPr lang="en-US" sz="2100" smtClean="0"/>
+          </a:p>
+          <a:p>
+            <a:pPr lvl="1"/>
+            <a:endParaRPr lang="en-US" sz="2100" dirty="0"/>
           </a:p>
         </p:txBody>
       </p:sp>
@@ -6536,6 +6654,7 @@
             <a:prstTxWarp prst="textNoShape">
               <a:avLst/>
             </a:prstTxWarp>
+            <a:normAutofit fontScale="25000" lnSpcReduction="20000"/>
           </a:bodyPr>
           <a:lstStyle/>
           <a:p>
@@ -8908,7 +9027,7 @@
             <a:prstTxWarp prst="textNoShape">
               <a:avLst/>
             </a:prstTxWarp>
-            <a:normAutofit lnSpcReduction="10000"/>
+            <a:normAutofit/>
           </a:bodyPr>
           <a:lstStyle/>
           <a:p>
@@ -16160,183 +16279,6 @@
           <a:chExt cx="0" cy="0"/>
         </a:xfrm>
       </p:grpSpPr>
-      <p:sp>
-        <p:nvSpPr>
-          <p:cNvPr id="17" name="Title 5"/>
-          <p:cNvSpPr txBox="1">
-            <a:spLocks/>
-          </p:cNvSpPr>
-          <p:nvPr/>
-        </p:nvSpPr>
-        <p:spPr bwMode="auto">
-          <a:xfrm>
-            <a:off x="374650" y="595313"/>
-            <a:ext cx="8761413" cy="838200"/>
-          </a:xfrm>
-          <a:prstGeom prst="rect">
-            <a:avLst/>
-          </a:prstGeom>
-          <a:noFill/>
-          <a:ln w="9525">
-            <a:noFill/>
-            <a:miter lim="800000"/>
-            <a:headEnd/>
-            <a:tailEnd/>
-          </a:ln>
-        </p:spPr>
-        <p:txBody>
-          <a:bodyPr vert="horz" wrap="square" lIns="96646" tIns="48323" rIns="96646" bIns="48323" numCol="1" anchor="ctr" anchorCtr="0" compatLnSpc="1">
-            <a:prstTxWarp prst="textNoShape">
-              <a:avLst/>
-            </a:prstTxWarp>
-          </a:bodyPr>
-          <a:lstStyle>
-            <a:lvl1pPr algn="l" defTabSz="966788" rtl="0" eaLnBrk="1" fontAlgn="base" hangingPunct="1">
-              <a:spcBef>
-                <a:spcPct val="0"/>
-              </a:spcBef>
-              <a:spcAft>
-                <a:spcPct val="0"/>
-              </a:spcAft>
-              <a:defRPr sz="3400">
-                <a:solidFill>
-                  <a:srgbClr val="0066CC"/>
-                </a:solidFill>
-                <a:latin typeface="+mj-lt"/>
-                <a:ea typeface="+mj-ea"/>
-                <a:cs typeface="+mj-cs"/>
-              </a:defRPr>
-            </a:lvl1pPr>
-            <a:lvl2pPr algn="l" defTabSz="966788" rtl="0" eaLnBrk="1" fontAlgn="base" hangingPunct="1">
-              <a:spcBef>
-                <a:spcPct val="0"/>
-              </a:spcBef>
-              <a:spcAft>
-                <a:spcPct val="0"/>
-              </a:spcAft>
-              <a:defRPr sz="3400">
-                <a:solidFill>
-                  <a:srgbClr val="0066CC"/>
-                </a:solidFill>
-                <a:latin typeface="Arial" charset="0"/>
-              </a:defRPr>
-            </a:lvl2pPr>
-            <a:lvl3pPr algn="l" defTabSz="966788" rtl="0" eaLnBrk="1" fontAlgn="base" hangingPunct="1">
-              <a:spcBef>
-                <a:spcPct val="0"/>
-              </a:spcBef>
-              <a:spcAft>
-                <a:spcPct val="0"/>
-              </a:spcAft>
-              <a:defRPr sz="3400">
-                <a:solidFill>
-                  <a:srgbClr val="0066CC"/>
-                </a:solidFill>
-                <a:latin typeface="Arial" charset="0"/>
-              </a:defRPr>
-            </a:lvl3pPr>
-            <a:lvl4pPr algn="l" defTabSz="966788" rtl="0" eaLnBrk="1" fontAlgn="base" hangingPunct="1">
-              <a:spcBef>
-                <a:spcPct val="0"/>
-              </a:spcBef>
-              <a:spcAft>
-                <a:spcPct val="0"/>
-              </a:spcAft>
-              <a:defRPr sz="3400">
-                <a:solidFill>
-                  <a:srgbClr val="0066CC"/>
-                </a:solidFill>
-                <a:latin typeface="Arial" charset="0"/>
-              </a:defRPr>
-            </a:lvl4pPr>
-            <a:lvl5pPr algn="l" defTabSz="966788" rtl="0" eaLnBrk="1" fontAlgn="base" hangingPunct="1">
-              <a:spcBef>
-                <a:spcPct val="0"/>
-              </a:spcBef>
-              <a:spcAft>
-                <a:spcPct val="0"/>
-              </a:spcAft>
-              <a:defRPr sz="3400">
-                <a:solidFill>
-                  <a:srgbClr val="0066CC"/>
-                </a:solidFill>
-                <a:latin typeface="Arial" charset="0"/>
-              </a:defRPr>
-            </a:lvl5pPr>
-            <a:lvl6pPr marL="457200" algn="l" defTabSz="966788" rtl="0" eaLnBrk="1" fontAlgn="base" hangingPunct="1">
-              <a:spcBef>
-                <a:spcPct val="0"/>
-              </a:spcBef>
-              <a:spcAft>
-                <a:spcPct val="0"/>
-              </a:spcAft>
-              <a:defRPr sz="3400">
-                <a:solidFill>
-                  <a:srgbClr val="0066CC"/>
-                </a:solidFill>
-                <a:latin typeface="Arial" charset="0"/>
-              </a:defRPr>
-            </a:lvl6pPr>
-            <a:lvl7pPr marL="914400" algn="l" defTabSz="966788" rtl="0" eaLnBrk="1" fontAlgn="base" hangingPunct="1">
-              <a:spcBef>
-                <a:spcPct val="0"/>
-              </a:spcBef>
-              <a:spcAft>
-                <a:spcPct val="0"/>
-              </a:spcAft>
-              <a:defRPr sz="3400">
-                <a:solidFill>
-                  <a:srgbClr val="0066CC"/>
-                </a:solidFill>
-                <a:latin typeface="Arial" charset="0"/>
-              </a:defRPr>
-            </a:lvl7pPr>
-            <a:lvl8pPr marL="1371600" algn="l" defTabSz="966788" rtl="0" eaLnBrk="1" fontAlgn="base" hangingPunct="1">
-              <a:spcBef>
-                <a:spcPct val="0"/>
-              </a:spcBef>
-              <a:spcAft>
-                <a:spcPct val="0"/>
-              </a:spcAft>
-              <a:defRPr sz="3400">
-                <a:solidFill>
-                  <a:srgbClr val="0066CC"/>
-                </a:solidFill>
-                <a:latin typeface="Arial" charset="0"/>
-              </a:defRPr>
-            </a:lvl8pPr>
-            <a:lvl9pPr marL="1828800" algn="l" defTabSz="966788" rtl="0" eaLnBrk="1" fontAlgn="base" hangingPunct="1">
-              <a:spcBef>
-                <a:spcPct val="0"/>
-              </a:spcBef>
-              <a:spcAft>
-                <a:spcPct val="0"/>
-              </a:spcAft>
-              <a:defRPr sz="3400">
-                <a:solidFill>
-                  <a:srgbClr val="0066CC"/>
-                </a:solidFill>
-                <a:latin typeface="Arial" charset="0"/>
-              </a:defRPr>
-            </a:lvl9pPr>
-          </a:lstStyle>
-          <a:p>
-            <a:r>
-              <a:rPr lang="en-US" sz="4690" dirty="0" err="1">
-                <a:solidFill>
-                  <a:schemeClr val="tx1"/>
-                </a:solidFill>
-              </a:rPr>
-              <a:t>MvcContrib</a:t>
-            </a:r>
-            <a:endParaRPr lang="en-US" sz="4690" dirty="0">
-              <a:solidFill>
-                <a:schemeClr val="tx1"/>
-              </a:solidFill>
-            </a:endParaRPr>
-          </a:p>
-        </p:txBody>
-      </p:sp>
       <p:pic>
         <p:nvPicPr>
           <p:cNvPr id="6" name="Picture 4" descr="http://www.hanselman.com/blog/content/binary/WindowsLiveWriter/Hanselmi.NETMVCContribwithJeffreyPalermo_50A/image_bdb4cae8-bcac-465d-acb1-52aa5b5ed606.png"/>
@@ -16360,7 +16302,7 @@
         </p:blipFill>
         <p:spPr bwMode="auto">
           <a:xfrm>
-            <a:off x="6316663" y="5236618"/>
+            <a:off x="1578409" y="1662145"/>
             <a:ext cx="2819400" cy="962025"/>
           </a:xfrm>
           <a:prstGeom prst="rect">
@@ -16378,213 +16320,6 @@
           </a:extLst>
         </p:spPr>
       </p:pic>
-      <p:sp>
-        <p:nvSpPr>
-          <p:cNvPr id="7" name="Rectangle 3"/>
-          <p:cNvSpPr txBox="1">
-            <a:spLocks noChangeArrowheads="1"/>
-          </p:cNvSpPr>
-          <p:nvPr/>
-        </p:nvSpPr>
-        <p:spPr bwMode="auto">
-          <a:xfrm>
-            <a:off x="472474" y="1484315"/>
-            <a:ext cx="8159750" cy="4770437"/>
-          </a:xfrm>
-          <a:prstGeom prst="rect">
-            <a:avLst/>
-          </a:prstGeom>
-          <a:noFill/>
-          <a:ln w="9525">
-            <a:noFill/>
-            <a:miter lim="800000"/>
-            <a:headEnd/>
-            <a:tailEnd/>
-          </a:ln>
-        </p:spPr>
-        <p:txBody>
-          <a:bodyPr vert="horz" wrap="square" lIns="96646" tIns="48323" rIns="96646" bIns="48323" numCol="1" anchor="t" anchorCtr="0" compatLnSpc="1">
-            <a:prstTxWarp prst="textNoShape">
-              <a:avLst/>
-            </a:prstTxWarp>
-          </a:bodyPr>
-          <a:lstStyle>
-            <a:lvl1pPr marL="363538" indent="-363538" algn="l" defTabSz="966788" rtl="0" eaLnBrk="1" fontAlgn="base" hangingPunct="1">
-              <a:spcBef>
-                <a:spcPct val="20000"/>
-              </a:spcBef>
-              <a:spcAft>
-                <a:spcPct val="0"/>
-              </a:spcAft>
-              <a:buChar char="•"/>
-              <a:defRPr sz="2900">
-                <a:solidFill>
-                  <a:schemeClr val="tx1"/>
-                </a:solidFill>
-                <a:latin typeface="+mn-lt"/>
-                <a:ea typeface="+mn-ea"/>
-                <a:cs typeface="+mn-cs"/>
-              </a:defRPr>
-            </a:lvl1pPr>
-            <a:lvl2pPr marL="784225" indent="-301625" algn="l" defTabSz="966788" rtl="0" eaLnBrk="1" fontAlgn="base" hangingPunct="1">
-              <a:spcBef>
-                <a:spcPct val="20000"/>
-              </a:spcBef>
-              <a:spcAft>
-                <a:spcPct val="0"/>
-              </a:spcAft>
-              <a:buChar char="–"/>
-              <a:defRPr sz="2600">
-                <a:solidFill>
-                  <a:schemeClr val="tx1"/>
-                </a:solidFill>
-                <a:latin typeface="+mn-lt"/>
-              </a:defRPr>
-            </a:lvl2pPr>
-            <a:lvl3pPr marL="1208088" indent="-241300" algn="l" defTabSz="966788" rtl="0" eaLnBrk="1" fontAlgn="base" hangingPunct="1">
-              <a:spcBef>
-                <a:spcPct val="20000"/>
-              </a:spcBef>
-              <a:spcAft>
-                <a:spcPct val="0"/>
-              </a:spcAft>
-              <a:buChar char="•"/>
-              <a:defRPr sz="2100">
-                <a:solidFill>
-                  <a:schemeClr val="tx1"/>
-                </a:solidFill>
-                <a:latin typeface="+mn-lt"/>
-              </a:defRPr>
-            </a:lvl3pPr>
-            <a:lvl4pPr marL="1689100" indent="-238125" algn="l" defTabSz="966788" rtl="0" eaLnBrk="1" fontAlgn="base" hangingPunct="1">
-              <a:spcBef>
-                <a:spcPct val="20000"/>
-              </a:spcBef>
-              <a:spcAft>
-                <a:spcPct val="0"/>
-              </a:spcAft>
-              <a:buChar char="–"/>
-              <a:defRPr sz="2100">
-                <a:solidFill>
-                  <a:schemeClr val="tx1"/>
-                </a:solidFill>
-                <a:latin typeface="+mn-lt"/>
-              </a:defRPr>
-            </a:lvl4pPr>
-            <a:lvl5pPr marL="2174875" indent="-241300" algn="l" defTabSz="966788" rtl="0" eaLnBrk="1" fontAlgn="base" hangingPunct="1">
-              <a:spcBef>
-                <a:spcPct val="20000"/>
-              </a:spcBef>
-              <a:spcAft>
-                <a:spcPct val="0"/>
-              </a:spcAft>
-              <a:buChar char="»"/>
-              <a:defRPr sz="2100">
-                <a:solidFill>
-                  <a:schemeClr val="tx1"/>
-                </a:solidFill>
-                <a:latin typeface="+mn-lt"/>
-              </a:defRPr>
-            </a:lvl5pPr>
-            <a:lvl6pPr marL="2632075" indent="-241300" algn="l" defTabSz="966788" rtl="0" eaLnBrk="1" fontAlgn="base" hangingPunct="1">
-              <a:spcBef>
-                <a:spcPct val="20000"/>
-              </a:spcBef>
-              <a:spcAft>
-                <a:spcPct val="0"/>
-              </a:spcAft>
-              <a:buChar char="»"/>
-              <a:defRPr sz="2100">
-                <a:solidFill>
-                  <a:schemeClr val="tx1"/>
-                </a:solidFill>
-                <a:latin typeface="+mn-lt"/>
-              </a:defRPr>
-            </a:lvl6pPr>
-            <a:lvl7pPr marL="3089275" indent="-241300" algn="l" defTabSz="966788" rtl="0" eaLnBrk="1" fontAlgn="base" hangingPunct="1">
-              <a:spcBef>
-                <a:spcPct val="20000"/>
-              </a:spcBef>
-              <a:spcAft>
-                <a:spcPct val="0"/>
-              </a:spcAft>
-              <a:buChar char="»"/>
-              <a:defRPr sz="2100">
-                <a:solidFill>
-                  <a:schemeClr val="tx1"/>
-                </a:solidFill>
-                <a:latin typeface="+mn-lt"/>
-              </a:defRPr>
-            </a:lvl7pPr>
-            <a:lvl8pPr marL="3546475" indent="-241300" algn="l" defTabSz="966788" rtl="0" eaLnBrk="1" fontAlgn="base" hangingPunct="1">
-              <a:spcBef>
-                <a:spcPct val="20000"/>
-              </a:spcBef>
-              <a:spcAft>
-                <a:spcPct val="0"/>
-              </a:spcAft>
-              <a:buChar char="»"/>
-              <a:defRPr sz="2100">
-                <a:solidFill>
-                  <a:schemeClr val="tx1"/>
-                </a:solidFill>
-                <a:latin typeface="+mn-lt"/>
-              </a:defRPr>
-            </a:lvl8pPr>
-            <a:lvl9pPr marL="4003675" indent="-241300" algn="l" defTabSz="966788" rtl="0" eaLnBrk="1" fontAlgn="base" hangingPunct="1">
-              <a:spcBef>
-                <a:spcPct val="20000"/>
-              </a:spcBef>
-              <a:spcAft>
-                <a:spcPct val="0"/>
-              </a:spcAft>
-              <a:buChar char="»"/>
-              <a:defRPr sz="2100">
-                <a:solidFill>
-                  <a:schemeClr val="tx1"/>
-                </a:solidFill>
-                <a:latin typeface="+mn-lt"/>
-              </a:defRPr>
-            </a:lvl9pPr>
-          </a:lstStyle>
-          <a:p>
-            <a:r>
-              <a:rPr lang="en-US" sz="2400" dirty="0" err="1"/>
-              <a:t>CodePlex</a:t>
-            </a:r>
-            <a:r>
-              <a:rPr lang="en-US" sz="2400" dirty="0"/>
-              <a:t> project</a:t>
-            </a:r>
-          </a:p>
-          <a:p>
-            <a:r>
-              <a:rPr lang="en-US" sz="2400" dirty="0"/>
-              <a:t>Designed to add additional functionality</a:t>
-            </a:r>
-          </a:p>
-          <a:p>
-            <a:r>
-              <a:rPr lang="en-US" sz="2400" dirty="0" err="1"/>
-              <a:t>MvcContrib.TestHelper</a:t>
-            </a:r>
-            <a:endParaRPr lang="en-US" sz="2400" dirty="0"/>
-          </a:p>
-          <a:p>
-            <a:r>
-              <a:rPr lang="en-US" sz="2400" dirty="0">
-                <a:hlinkClick r:id="rId4"/>
-              </a:rPr>
-              <a:t>http://www.MvcContrib.CodePlex.com</a:t>
-            </a:r>
-            <a:endParaRPr lang="en-US" sz="2100" dirty="0"/>
-          </a:p>
-          <a:p>
-            <a:pPr lvl="1"/>
-            <a:endParaRPr lang="en-US" sz="2100" dirty="0"/>
-          </a:p>
-        </p:txBody>
-      </p:sp>
     </p:spTree>
     <p:extLst>
       <p:ext uri="{BB962C8B-B14F-4D97-AF65-F5344CB8AC3E}">
@@ -17069,204 +16804,6 @@
               </a:rPr>
               <a:t>Routing</a:t>
             </a:r>
-          </a:p>
-        </p:txBody>
-      </p:sp>
-      <p:sp>
-        <p:nvSpPr>
-          <p:cNvPr id="27" name="Rectangle 3"/>
-          <p:cNvSpPr txBox="1">
-            <a:spLocks noChangeArrowheads="1"/>
-          </p:cNvSpPr>
-          <p:nvPr/>
-        </p:nvSpPr>
-        <p:spPr bwMode="auto">
-          <a:xfrm>
-            <a:off x="460765" y="1484315"/>
-            <a:ext cx="8159750" cy="4770437"/>
-          </a:xfrm>
-          <a:prstGeom prst="rect">
-            <a:avLst/>
-          </a:prstGeom>
-          <a:noFill/>
-          <a:ln w="9525">
-            <a:noFill/>
-            <a:miter lim="800000"/>
-            <a:headEnd/>
-            <a:tailEnd/>
-          </a:ln>
-        </p:spPr>
-        <p:txBody>
-          <a:bodyPr vert="horz" wrap="square" lIns="96646" tIns="48323" rIns="96646" bIns="48323" numCol="1" anchor="t" anchorCtr="0" compatLnSpc="1">
-            <a:prstTxWarp prst="textNoShape">
-              <a:avLst/>
-            </a:prstTxWarp>
-          </a:bodyPr>
-          <a:lstStyle>
-            <a:lvl1pPr marL="363538" indent="-363538" algn="l" defTabSz="966788" rtl="0" eaLnBrk="1" fontAlgn="base" hangingPunct="1">
-              <a:spcBef>
-                <a:spcPct val="20000"/>
-              </a:spcBef>
-              <a:spcAft>
-                <a:spcPct val="0"/>
-              </a:spcAft>
-              <a:buChar char="•"/>
-              <a:defRPr sz="2900">
-                <a:solidFill>
-                  <a:schemeClr val="tx1"/>
-                </a:solidFill>
-                <a:latin typeface="+mn-lt"/>
-                <a:ea typeface="+mn-ea"/>
-                <a:cs typeface="+mn-cs"/>
-              </a:defRPr>
-            </a:lvl1pPr>
-            <a:lvl2pPr marL="784225" indent="-301625" algn="l" defTabSz="966788" rtl="0" eaLnBrk="1" fontAlgn="base" hangingPunct="1">
-              <a:spcBef>
-                <a:spcPct val="20000"/>
-              </a:spcBef>
-              <a:spcAft>
-                <a:spcPct val="0"/>
-              </a:spcAft>
-              <a:buChar char="–"/>
-              <a:defRPr sz="2600">
-                <a:solidFill>
-                  <a:schemeClr val="tx1"/>
-                </a:solidFill>
-                <a:latin typeface="+mn-lt"/>
-              </a:defRPr>
-            </a:lvl2pPr>
-            <a:lvl3pPr marL="1208088" indent="-241300" algn="l" defTabSz="966788" rtl="0" eaLnBrk="1" fontAlgn="base" hangingPunct="1">
-              <a:spcBef>
-                <a:spcPct val="20000"/>
-              </a:spcBef>
-              <a:spcAft>
-                <a:spcPct val="0"/>
-              </a:spcAft>
-              <a:buChar char="•"/>
-              <a:defRPr sz="2100">
-                <a:solidFill>
-                  <a:schemeClr val="tx1"/>
-                </a:solidFill>
-                <a:latin typeface="+mn-lt"/>
-              </a:defRPr>
-            </a:lvl3pPr>
-            <a:lvl4pPr marL="1689100" indent="-238125" algn="l" defTabSz="966788" rtl="0" eaLnBrk="1" fontAlgn="base" hangingPunct="1">
-              <a:spcBef>
-                <a:spcPct val="20000"/>
-              </a:spcBef>
-              <a:spcAft>
-                <a:spcPct val="0"/>
-              </a:spcAft>
-              <a:buChar char="–"/>
-              <a:defRPr sz="2100">
-                <a:solidFill>
-                  <a:schemeClr val="tx1"/>
-                </a:solidFill>
-                <a:latin typeface="+mn-lt"/>
-              </a:defRPr>
-            </a:lvl4pPr>
-            <a:lvl5pPr marL="2174875" indent="-241300" algn="l" defTabSz="966788" rtl="0" eaLnBrk="1" fontAlgn="base" hangingPunct="1">
-              <a:spcBef>
-                <a:spcPct val="20000"/>
-              </a:spcBef>
-              <a:spcAft>
-                <a:spcPct val="0"/>
-              </a:spcAft>
-              <a:buChar char="»"/>
-              <a:defRPr sz="2100">
-                <a:solidFill>
-                  <a:schemeClr val="tx1"/>
-                </a:solidFill>
-                <a:latin typeface="+mn-lt"/>
-              </a:defRPr>
-            </a:lvl5pPr>
-            <a:lvl6pPr marL="2632075" indent="-241300" algn="l" defTabSz="966788" rtl="0" eaLnBrk="1" fontAlgn="base" hangingPunct="1">
-              <a:spcBef>
-                <a:spcPct val="20000"/>
-              </a:spcBef>
-              <a:spcAft>
-                <a:spcPct val="0"/>
-              </a:spcAft>
-              <a:buChar char="»"/>
-              <a:defRPr sz="2100">
-                <a:solidFill>
-                  <a:schemeClr val="tx1"/>
-                </a:solidFill>
-                <a:latin typeface="+mn-lt"/>
-              </a:defRPr>
-            </a:lvl6pPr>
-            <a:lvl7pPr marL="3089275" indent="-241300" algn="l" defTabSz="966788" rtl="0" eaLnBrk="1" fontAlgn="base" hangingPunct="1">
-              <a:spcBef>
-                <a:spcPct val="20000"/>
-              </a:spcBef>
-              <a:spcAft>
-                <a:spcPct val="0"/>
-              </a:spcAft>
-              <a:buChar char="»"/>
-              <a:defRPr sz="2100">
-                <a:solidFill>
-                  <a:schemeClr val="tx1"/>
-                </a:solidFill>
-                <a:latin typeface="+mn-lt"/>
-              </a:defRPr>
-            </a:lvl7pPr>
-            <a:lvl8pPr marL="3546475" indent="-241300" algn="l" defTabSz="966788" rtl="0" eaLnBrk="1" fontAlgn="base" hangingPunct="1">
-              <a:spcBef>
-                <a:spcPct val="20000"/>
-              </a:spcBef>
-              <a:spcAft>
-                <a:spcPct val="0"/>
-              </a:spcAft>
-              <a:buChar char="»"/>
-              <a:defRPr sz="2100">
-                <a:solidFill>
-                  <a:schemeClr val="tx1"/>
-                </a:solidFill>
-                <a:latin typeface="+mn-lt"/>
-              </a:defRPr>
-            </a:lvl8pPr>
-            <a:lvl9pPr marL="4003675" indent="-241300" algn="l" defTabSz="966788" rtl="0" eaLnBrk="1" fontAlgn="base" hangingPunct="1">
-              <a:spcBef>
-                <a:spcPct val="20000"/>
-              </a:spcBef>
-              <a:spcAft>
-                <a:spcPct val="0"/>
-              </a:spcAft>
-              <a:buChar char="»"/>
-              <a:defRPr sz="2100">
-                <a:solidFill>
-                  <a:schemeClr val="tx1"/>
-                </a:solidFill>
-                <a:latin typeface="+mn-lt"/>
-              </a:defRPr>
-            </a:lvl9pPr>
-          </a:lstStyle>
-          <a:p>
-            <a:r>
-              <a:rPr lang="en-US" sz="2400" dirty="0"/>
-              <a:t>Handles the incoming request</a:t>
-            </a:r>
-          </a:p>
-          <a:p>
-            <a:r>
-              <a:rPr lang="en-US" sz="2400" dirty="0"/>
-              <a:t>Maps to controller and action</a:t>
-            </a:r>
-          </a:p>
-          <a:p>
-            <a:r>
-              <a:rPr lang="en-US" sz="2400" dirty="0"/>
-              <a:t>Can get crazy complex</a:t>
-            </a:r>
-            <a:endParaRPr lang="en-US" sz="2100" dirty="0"/>
-          </a:p>
-          <a:p>
-            <a:pPr lvl="1"/>
-            <a:endParaRPr lang="en-US" sz="2100" dirty="0"/>
-          </a:p>
-          <a:p>
-            <a:pPr lvl="1"/>
-            <a:endParaRPr lang="en-US" sz="2100" dirty="0"/>
           </a:p>
         </p:txBody>
       </p:sp>
@@ -17892,224 +17429,18 @@
           </a:lstStyle>
           <a:p>
             <a:r>
-              <a:rPr lang="en-US" sz="4690" dirty="0">
-                <a:solidFill>
-                  <a:schemeClr val="tx1"/>
-                </a:solidFill>
-              </a:rPr>
-              <a:t>Controller</a:t>
-            </a:r>
-          </a:p>
-        </p:txBody>
-      </p:sp>
-      <p:sp>
-        <p:nvSpPr>
-          <p:cNvPr id="27" name="Rectangle 3"/>
-          <p:cNvSpPr txBox="1">
-            <a:spLocks noChangeArrowheads="1"/>
-          </p:cNvSpPr>
-          <p:nvPr/>
-        </p:nvSpPr>
-        <p:spPr bwMode="auto">
-          <a:xfrm>
-            <a:off x="311937" y="1484315"/>
-            <a:ext cx="8159750" cy="4770437"/>
-          </a:xfrm>
-          <a:prstGeom prst="rect">
-            <a:avLst/>
-          </a:prstGeom>
-          <a:noFill/>
-          <a:ln w="9525">
-            <a:noFill/>
-            <a:miter lim="800000"/>
-            <a:headEnd/>
-            <a:tailEnd/>
-          </a:ln>
-        </p:spPr>
-        <p:txBody>
-          <a:bodyPr vert="horz" wrap="square" lIns="96646" tIns="48323" rIns="96646" bIns="48323" numCol="1" anchor="t" anchorCtr="0" compatLnSpc="1">
-            <a:prstTxWarp prst="textNoShape">
-              <a:avLst/>
-            </a:prstTxWarp>
-          </a:bodyPr>
-          <a:lstStyle>
-            <a:lvl1pPr marL="363538" indent="-363538" algn="l" defTabSz="966788" rtl="0" eaLnBrk="1" fontAlgn="base" hangingPunct="1">
-              <a:spcBef>
-                <a:spcPct val="20000"/>
-              </a:spcBef>
-              <a:spcAft>
-                <a:spcPct val="0"/>
-              </a:spcAft>
-              <a:buChar char="•"/>
-              <a:defRPr sz="2900">
-                <a:solidFill>
-                  <a:schemeClr val="tx1"/>
-                </a:solidFill>
-                <a:latin typeface="+mn-lt"/>
-                <a:ea typeface="+mn-ea"/>
-                <a:cs typeface="+mn-cs"/>
-              </a:defRPr>
-            </a:lvl1pPr>
-            <a:lvl2pPr marL="784225" indent="-301625" algn="l" defTabSz="966788" rtl="0" eaLnBrk="1" fontAlgn="base" hangingPunct="1">
-              <a:spcBef>
-                <a:spcPct val="20000"/>
-              </a:spcBef>
-              <a:spcAft>
-                <a:spcPct val="0"/>
-              </a:spcAft>
-              <a:buChar char="–"/>
-              <a:defRPr sz="2600">
-                <a:solidFill>
-                  <a:schemeClr val="tx1"/>
-                </a:solidFill>
-                <a:latin typeface="+mn-lt"/>
-              </a:defRPr>
-            </a:lvl2pPr>
-            <a:lvl3pPr marL="1208088" indent="-241300" algn="l" defTabSz="966788" rtl="0" eaLnBrk="1" fontAlgn="base" hangingPunct="1">
-              <a:spcBef>
-                <a:spcPct val="20000"/>
-              </a:spcBef>
-              <a:spcAft>
-                <a:spcPct val="0"/>
-              </a:spcAft>
-              <a:buChar char="•"/>
-              <a:defRPr sz="2100">
-                <a:solidFill>
-                  <a:schemeClr val="tx1"/>
-                </a:solidFill>
-                <a:latin typeface="+mn-lt"/>
-              </a:defRPr>
-            </a:lvl3pPr>
-            <a:lvl4pPr marL="1689100" indent="-238125" algn="l" defTabSz="966788" rtl="0" eaLnBrk="1" fontAlgn="base" hangingPunct="1">
-              <a:spcBef>
-                <a:spcPct val="20000"/>
-              </a:spcBef>
-              <a:spcAft>
-                <a:spcPct val="0"/>
-              </a:spcAft>
-              <a:buChar char="–"/>
-              <a:defRPr sz="2100">
-                <a:solidFill>
-                  <a:schemeClr val="tx1"/>
-                </a:solidFill>
-                <a:latin typeface="+mn-lt"/>
-              </a:defRPr>
-            </a:lvl4pPr>
-            <a:lvl5pPr marL="2174875" indent="-241300" algn="l" defTabSz="966788" rtl="0" eaLnBrk="1" fontAlgn="base" hangingPunct="1">
-              <a:spcBef>
-                <a:spcPct val="20000"/>
-              </a:spcBef>
-              <a:spcAft>
-                <a:spcPct val="0"/>
-              </a:spcAft>
-              <a:buChar char="»"/>
-              <a:defRPr sz="2100">
-                <a:solidFill>
-                  <a:schemeClr val="tx1"/>
-                </a:solidFill>
-                <a:latin typeface="+mn-lt"/>
-              </a:defRPr>
-            </a:lvl5pPr>
-            <a:lvl6pPr marL="2632075" indent="-241300" algn="l" defTabSz="966788" rtl="0" eaLnBrk="1" fontAlgn="base" hangingPunct="1">
-              <a:spcBef>
-                <a:spcPct val="20000"/>
-              </a:spcBef>
-              <a:spcAft>
-                <a:spcPct val="0"/>
-              </a:spcAft>
-              <a:buChar char="»"/>
-              <a:defRPr sz="2100">
-                <a:solidFill>
-                  <a:schemeClr val="tx1"/>
-                </a:solidFill>
-                <a:latin typeface="+mn-lt"/>
-              </a:defRPr>
-            </a:lvl6pPr>
-            <a:lvl7pPr marL="3089275" indent="-241300" algn="l" defTabSz="966788" rtl="0" eaLnBrk="1" fontAlgn="base" hangingPunct="1">
-              <a:spcBef>
-                <a:spcPct val="20000"/>
-              </a:spcBef>
-              <a:spcAft>
-                <a:spcPct val="0"/>
-              </a:spcAft>
-              <a:buChar char="»"/>
-              <a:defRPr sz="2100">
-                <a:solidFill>
-                  <a:schemeClr val="tx1"/>
-                </a:solidFill>
-                <a:latin typeface="+mn-lt"/>
-              </a:defRPr>
-            </a:lvl7pPr>
-            <a:lvl8pPr marL="3546475" indent="-241300" algn="l" defTabSz="966788" rtl="0" eaLnBrk="1" fontAlgn="base" hangingPunct="1">
-              <a:spcBef>
-                <a:spcPct val="20000"/>
-              </a:spcBef>
-              <a:spcAft>
-                <a:spcPct val="0"/>
-              </a:spcAft>
-              <a:buChar char="»"/>
-              <a:defRPr sz="2100">
-                <a:solidFill>
-                  <a:schemeClr val="tx1"/>
-                </a:solidFill>
-                <a:latin typeface="+mn-lt"/>
-              </a:defRPr>
-            </a:lvl8pPr>
-            <a:lvl9pPr marL="4003675" indent="-241300" algn="l" defTabSz="966788" rtl="0" eaLnBrk="1" fontAlgn="base" hangingPunct="1">
-              <a:spcBef>
-                <a:spcPct val="20000"/>
-              </a:spcBef>
-              <a:spcAft>
-                <a:spcPct val="0"/>
-              </a:spcAft>
-              <a:buChar char="»"/>
-              <a:defRPr sz="2100">
-                <a:solidFill>
-                  <a:schemeClr val="tx1"/>
-                </a:solidFill>
-                <a:latin typeface="+mn-lt"/>
-              </a:defRPr>
-            </a:lvl9pPr>
-          </a:lstStyle>
-          <a:p>
-            <a:r>
-              <a:rPr lang="en-US" sz="2400" dirty="0"/>
-              <a:t>Thin and light weight</a:t>
-            </a:r>
-          </a:p>
-          <a:p>
-            <a:r>
-              <a:rPr lang="en-US" sz="2400" dirty="0"/>
-              <a:t>Loosely coupled</a:t>
-            </a:r>
-          </a:p>
-          <a:p>
-            <a:r>
-              <a:rPr lang="en-US" sz="2400" dirty="0"/>
-              <a:t>Things to test:</a:t>
-            </a:r>
-          </a:p>
-          <a:p>
-            <a:pPr lvl="1"/>
-            <a:r>
-              <a:rPr lang="en-US" sz="2100" dirty="0"/>
-              <a:t>Takes correct action</a:t>
-            </a:r>
-          </a:p>
-          <a:p>
-            <a:pPr lvl="1"/>
-            <a:r>
-              <a:rPr lang="en-US" sz="2100" dirty="0"/>
-              <a:t>Includes the right stuff</a:t>
-            </a:r>
-          </a:p>
-          <a:p>
-            <a:pPr lvl="1"/>
-            <a:endParaRPr lang="en-US" sz="2100" dirty="0"/>
-          </a:p>
-          <a:p>
-            <a:pPr lvl="1"/>
-            <a:endParaRPr lang="en-US" sz="2100" dirty="0"/>
+              <a:rPr lang="en-US" sz="4690" dirty="0" smtClean="0">
+                <a:solidFill>
+                  <a:schemeClr val="tx1"/>
+                </a:solidFill>
+              </a:rPr>
+              <a:t>Controllers</a:t>
+            </a:r>
+            <a:endParaRPr lang="en-US" sz="4690" dirty="0">
+              <a:solidFill>
+                <a:schemeClr val="tx1"/>
+              </a:solidFill>
+            </a:endParaRPr>
           </a:p>
         </p:txBody>
       </p:sp>
@@ -18136,7 +17467,7 @@
         </p:blipFill>
         <p:spPr bwMode="auto">
           <a:xfrm>
-            <a:off x="5723998" y="3076575"/>
+            <a:off x="6234984" y="3291727"/>
             <a:ext cx="2505075" cy="2686050"/>
           </a:xfrm>
           <a:prstGeom prst="rect">
@@ -18724,256 +18055,6 @@
           </a:p>
           <a:p>
             <a:endParaRPr lang="en-US" sz="2400" dirty="0"/>
-          </a:p>
-        </p:txBody>
-      </p:sp>
-      <p:sp>
-        <p:nvSpPr>
-          <p:cNvPr id="4" name="Rectangle 3"/>
-          <p:cNvSpPr txBox="1">
-            <a:spLocks noChangeArrowheads="1"/>
-          </p:cNvSpPr>
-          <p:nvPr/>
-        </p:nvSpPr>
-        <p:spPr bwMode="auto">
-          <a:xfrm>
-            <a:off x="682158" y="1484315"/>
-            <a:ext cx="8159750" cy="4770437"/>
-          </a:xfrm>
-          <a:prstGeom prst="rect">
-            <a:avLst/>
-          </a:prstGeom>
-          <a:noFill/>
-          <a:ln w="9525">
-            <a:noFill/>
-            <a:miter lim="800000"/>
-            <a:headEnd/>
-            <a:tailEnd/>
-          </a:ln>
-        </p:spPr>
-        <p:txBody>
-          <a:bodyPr vert="horz" wrap="square" lIns="96646" tIns="48323" rIns="96646" bIns="48323" numCol="1" anchor="t" anchorCtr="0" compatLnSpc="1">
-            <a:prstTxWarp prst="textNoShape">
-              <a:avLst/>
-            </a:prstTxWarp>
-          </a:bodyPr>
-          <a:lstStyle>
-            <a:lvl1pPr marL="363538" indent="-363538" algn="l" defTabSz="966788" rtl="0" eaLnBrk="1" fontAlgn="base" hangingPunct="1">
-              <a:spcBef>
-                <a:spcPct val="20000"/>
-              </a:spcBef>
-              <a:spcAft>
-                <a:spcPct val="0"/>
-              </a:spcAft>
-              <a:buChar char="•"/>
-              <a:defRPr sz="2900">
-                <a:solidFill>
-                  <a:schemeClr val="tx1"/>
-                </a:solidFill>
-                <a:latin typeface="+mn-lt"/>
-                <a:ea typeface="+mn-ea"/>
-                <a:cs typeface="+mn-cs"/>
-              </a:defRPr>
-            </a:lvl1pPr>
-            <a:lvl2pPr marL="784225" indent="-301625" algn="l" defTabSz="966788" rtl="0" eaLnBrk="1" fontAlgn="base" hangingPunct="1">
-              <a:spcBef>
-                <a:spcPct val="20000"/>
-              </a:spcBef>
-              <a:spcAft>
-                <a:spcPct val="0"/>
-              </a:spcAft>
-              <a:buChar char="–"/>
-              <a:defRPr sz="2600">
-                <a:solidFill>
-                  <a:schemeClr val="tx1"/>
-                </a:solidFill>
-                <a:latin typeface="+mn-lt"/>
-              </a:defRPr>
-            </a:lvl2pPr>
-            <a:lvl3pPr marL="1208088" indent="-241300" algn="l" defTabSz="966788" rtl="0" eaLnBrk="1" fontAlgn="base" hangingPunct="1">
-              <a:spcBef>
-                <a:spcPct val="20000"/>
-              </a:spcBef>
-              <a:spcAft>
-                <a:spcPct val="0"/>
-              </a:spcAft>
-              <a:buChar char="•"/>
-              <a:defRPr sz="2100">
-                <a:solidFill>
-                  <a:schemeClr val="tx1"/>
-                </a:solidFill>
-                <a:latin typeface="+mn-lt"/>
-              </a:defRPr>
-            </a:lvl3pPr>
-            <a:lvl4pPr marL="1689100" indent="-238125" algn="l" defTabSz="966788" rtl="0" eaLnBrk="1" fontAlgn="base" hangingPunct="1">
-              <a:spcBef>
-                <a:spcPct val="20000"/>
-              </a:spcBef>
-              <a:spcAft>
-                <a:spcPct val="0"/>
-              </a:spcAft>
-              <a:buChar char="–"/>
-              <a:defRPr sz="2100">
-                <a:solidFill>
-                  <a:schemeClr val="tx1"/>
-                </a:solidFill>
-                <a:latin typeface="+mn-lt"/>
-              </a:defRPr>
-            </a:lvl4pPr>
-            <a:lvl5pPr marL="2174875" indent="-241300" algn="l" defTabSz="966788" rtl="0" eaLnBrk="1" fontAlgn="base" hangingPunct="1">
-              <a:spcBef>
-                <a:spcPct val="20000"/>
-              </a:spcBef>
-              <a:spcAft>
-                <a:spcPct val="0"/>
-              </a:spcAft>
-              <a:buChar char="»"/>
-              <a:defRPr sz="2100">
-                <a:solidFill>
-                  <a:schemeClr val="tx1"/>
-                </a:solidFill>
-                <a:latin typeface="+mn-lt"/>
-              </a:defRPr>
-            </a:lvl5pPr>
-            <a:lvl6pPr marL="2632075" indent="-241300" algn="l" defTabSz="966788" rtl="0" eaLnBrk="1" fontAlgn="base" hangingPunct="1">
-              <a:spcBef>
-                <a:spcPct val="20000"/>
-              </a:spcBef>
-              <a:spcAft>
-                <a:spcPct val="0"/>
-              </a:spcAft>
-              <a:buChar char="»"/>
-              <a:defRPr sz="2100">
-                <a:solidFill>
-                  <a:schemeClr val="tx1"/>
-                </a:solidFill>
-                <a:latin typeface="+mn-lt"/>
-              </a:defRPr>
-            </a:lvl6pPr>
-            <a:lvl7pPr marL="3089275" indent="-241300" algn="l" defTabSz="966788" rtl="0" eaLnBrk="1" fontAlgn="base" hangingPunct="1">
-              <a:spcBef>
-                <a:spcPct val="20000"/>
-              </a:spcBef>
-              <a:spcAft>
-                <a:spcPct val="0"/>
-              </a:spcAft>
-              <a:buChar char="»"/>
-              <a:defRPr sz="2100">
-                <a:solidFill>
-                  <a:schemeClr val="tx1"/>
-                </a:solidFill>
-                <a:latin typeface="+mn-lt"/>
-              </a:defRPr>
-            </a:lvl7pPr>
-            <a:lvl8pPr marL="3546475" indent="-241300" algn="l" defTabSz="966788" rtl="0" eaLnBrk="1" fontAlgn="base" hangingPunct="1">
-              <a:spcBef>
-                <a:spcPct val="20000"/>
-              </a:spcBef>
-              <a:spcAft>
-                <a:spcPct val="0"/>
-              </a:spcAft>
-              <a:buChar char="»"/>
-              <a:defRPr sz="2100">
-                <a:solidFill>
-                  <a:schemeClr val="tx1"/>
-                </a:solidFill>
-                <a:latin typeface="+mn-lt"/>
-              </a:defRPr>
-            </a:lvl8pPr>
-            <a:lvl9pPr marL="4003675" indent="-241300" algn="l" defTabSz="966788" rtl="0" eaLnBrk="1" fontAlgn="base" hangingPunct="1">
-              <a:spcBef>
-                <a:spcPct val="20000"/>
-              </a:spcBef>
-              <a:spcAft>
-                <a:spcPct val="0"/>
-              </a:spcAft>
-              <a:buChar char="»"/>
-              <a:defRPr sz="2100">
-                <a:solidFill>
-                  <a:schemeClr val="tx1"/>
-                </a:solidFill>
-                <a:latin typeface="+mn-lt"/>
-              </a:defRPr>
-            </a:lvl9pPr>
-          </a:lstStyle>
-          <a:p>
-            <a:r>
-              <a:rPr lang="en-US" sz="2400" dirty="0"/>
-              <a:t>Automate the browser from your tests</a:t>
-            </a:r>
-          </a:p>
-          <a:p>
-            <a:r>
-              <a:rPr lang="en-US" sz="2400" dirty="0"/>
-              <a:t>Supports IE and </a:t>
-            </a:r>
-            <a:r>
-              <a:rPr lang="en-US" sz="2400" dirty="0" err="1"/>
-              <a:t>FireFox</a:t>
-            </a:r>
-            <a:endParaRPr lang="en-US" sz="2400" dirty="0"/>
-          </a:p>
-          <a:p>
-            <a:r>
-              <a:rPr lang="en-US" sz="2400" dirty="0"/>
-              <a:t>Allows you test</a:t>
-            </a:r>
-          </a:p>
-          <a:p>
-            <a:pPr lvl="1"/>
-            <a:r>
-              <a:rPr lang="en-US" sz="2100" dirty="0"/>
-              <a:t>Navigation</a:t>
-            </a:r>
-          </a:p>
-          <a:p>
-            <a:pPr lvl="1"/>
-            <a:r>
-              <a:rPr lang="en-US" sz="2100" dirty="0"/>
-              <a:t>Display logic (visible, </a:t>
-            </a:r>
-            <a:r>
-              <a:rPr lang="en-US" sz="2100" dirty="0" err="1"/>
-              <a:t>etc</a:t>
-            </a:r>
-            <a:r>
-              <a:rPr lang="en-US" sz="2100" dirty="0"/>
-              <a:t>)</a:t>
-            </a:r>
-          </a:p>
-          <a:p>
-            <a:pPr lvl="1"/>
-            <a:r>
-              <a:rPr lang="en-US" sz="2100" dirty="0"/>
-              <a:t>Dialogs</a:t>
-            </a:r>
-          </a:p>
-          <a:p>
-            <a:r>
-              <a:rPr lang="en-US" sz="2400" dirty="0"/>
-              <a:t>Free</a:t>
-            </a:r>
-          </a:p>
-          <a:p>
-            <a:endParaRPr lang="en-US" sz="2400" dirty="0"/>
-          </a:p>
-          <a:p>
-            <a:endParaRPr lang="en-US" sz="2400" dirty="0"/>
-          </a:p>
-          <a:p>
-            <a:r>
-              <a:rPr lang="en-US" sz="2400" dirty="0"/>
-              <a:t>*Not meant to be an end to end solution</a:t>
-            </a:r>
-            <a:endParaRPr lang="en-US" sz="2100" dirty="0"/>
-          </a:p>
-          <a:p>
-            <a:pPr lvl="1"/>
-            <a:endParaRPr lang="en-US" sz="2100" dirty="0"/>
-          </a:p>
-          <a:p>
-            <a:pPr lvl="1"/>
-            <a:endParaRPr lang="en-US" sz="2100" dirty="0"/>
           </a:p>
         </p:txBody>
       </p:sp>
@@ -22485,15 +21566,6 @@
 </file>
 
 <file path=customXml/item1.xml><?xml version="1.0" encoding="utf-8"?>
-<?mso-contentType ?>
-<FormTemplates xmlns="http://schemas.microsoft.com/sharepoint/v3/contenttype/forms">
-  <Display>DocumentLibraryForm</Display>
-  <Edit>DocumentLibraryForm</Edit>
-  <New>DocumentLibraryForm</New>
-</FormTemplates>
-</file>
-
-<file path=customXml/item2.xml><?xml version="1.0" encoding="utf-8"?>
 <p:properties xmlns:p="http://schemas.microsoft.com/office/2006/metadata/properties" xmlns:xsi="http://www.w3.org/2001/XMLSchema-instance" xmlns:pc="http://schemas.microsoft.com/office/infopath/2007/PartnerControls">
   <documentManagement>
     <Description0 xmlns="1e37aee8-73ad-441e-bced-8b530ad9291b">PowerPoint template with Microsoft Partner Network logo on it.</Description0>
@@ -22506,53 +21578,16 @@
 </p:properties>
 </file>
 
-<file path=customXml/item3.xml><?xml version="1.0" encoding="utf-8"?>
+<file path=customXml/item2.xml><?xml version="1.0" encoding="utf-8"?>
 <?mso-contentType ?>
-<spe:Receivers xmlns:spe="http://schemas.microsoft.com/sharepoint/events">
-  <Receiver>
-    <Name>Document ID Generator</Name>
-    <Synchronization>Synchronous</Synchronization>
-    <Type>10001</Type>
-    <SequenceNumber>1000</SequenceNumber>
-    <Assembly>Microsoft.Office.DocumentManagement, Version=14.0.0.0, Culture=neutral, PublicKeyToken=71e9bce111e9429c</Assembly>
-    <Class>Microsoft.Office.DocumentManagement.Internal.DocIdHandler</Class>
-    <Data/>
-    <Filter/>
-  </Receiver>
-  <Receiver>
-    <Name>Document ID Generator</Name>
-    <Synchronization>Synchronous</Synchronization>
-    <Type>10002</Type>
-    <SequenceNumber>1001</SequenceNumber>
-    <Assembly>Microsoft.Office.DocumentManagement, Version=14.0.0.0, Culture=neutral, PublicKeyToken=71e9bce111e9429c</Assembly>
-    <Class>Microsoft.Office.DocumentManagement.Internal.DocIdHandler</Class>
-    <Data/>
-    <Filter/>
-  </Receiver>
-  <Receiver>
-    <Name>Document ID Generator</Name>
-    <Synchronization>Synchronous</Synchronization>
-    <Type>10004</Type>
-    <SequenceNumber>1002</SequenceNumber>
-    <Assembly>Microsoft.Office.DocumentManagement, Version=14.0.0.0, Culture=neutral, PublicKeyToken=71e9bce111e9429c</Assembly>
-    <Class>Microsoft.Office.DocumentManagement.Internal.DocIdHandler</Class>
-    <Data/>
-    <Filter/>
-  </Receiver>
-  <Receiver>
-    <Name>Document ID Generator</Name>
-    <Synchronization>Synchronous</Synchronization>
-    <Type>10006</Type>
-    <SequenceNumber>1003</SequenceNumber>
-    <Assembly>Microsoft.Office.DocumentManagement, Version=14.0.0.0, Culture=neutral, PublicKeyToken=71e9bce111e9429c</Assembly>
-    <Class>Microsoft.Office.DocumentManagement.Internal.DocIdHandler</Class>
-    <Data/>
-    <Filter/>
-  </Receiver>
-</spe:Receivers>
+<FormTemplates xmlns="http://schemas.microsoft.com/sharepoint/v3/contenttype/forms">
+  <Display>DocumentLibraryForm</Display>
+  <Edit>DocumentLibraryForm</Edit>
+  <New>DocumentLibraryForm</New>
+</FormTemplates>
 </file>
 
-<file path=customXml/item4.xml><?xml version="1.0" encoding="utf-8"?>
+<file path=customXml/item3.xml><?xml version="1.0" encoding="utf-8"?>
 <ct:contentTypeSchema xmlns:ct="http://schemas.microsoft.com/office/2006/metadata/contentType" xmlns:ma="http://schemas.microsoft.com/office/2006/metadata/properties/metaAttributes" ct:_="" ma:_="" ma:contentTypeName="Document" ma:contentTypeID="0x0101004D2E750987EE2543B234B3A674D6BE3D" ma:contentTypeVersion="105" ma:contentTypeDescription="Create a new document." ma:contentTypeScope="" ma:versionID="62fa037737ae31885dcb260bd5c7d1f2">
   <xsd:schema xmlns:xsd="http://www.w3.org/2001/XMLSchema" xmlns:xs="http://www.w3.org/2001/XMLSchema" xmlns:p="http://schemas.microsoft.com/office/2006/metadata/properties" xmlns:ns2="1e37aee8-73ad-441e-bced-8b530ad9291b" xmlns:ns3="52ad97b0-86c1-49b5-b544-c488bf38e7c0" targetNamespace="http://schemas.microsoft.com/office/2006/metadata/properties" ma:root="true" ma:fieldsID="ce0d2501b4c25830d7e1734de94951c7" ns2:_="" ns3:_="">
     <xsd:import namespace="1e37aee8-73ad-441e-bced-8b530ad9291b"/>
@@ -22710,15 +21745,53 @@
 </ct:contentTypeSchema>
 </file>
 
-<file path=customXml/itemProps1.xml><?xml version="1.0" encoding="utf-8"?>
-<ds:datastoreItem xmlns:ds="http://schemas.openxmlformats.org/officeDocument/2006/customXml" ds:itemID="{B6DBE1C9-0895-41F8-89A3-98DC40E912B0}">
-  <ds:schemaRefs>
-    <ds:schemaRef ds:uri="http://schemas.microsoft.com/sharepoint/v3/contenttype/forms"/>
-  </ds:schemaRefs>
-</ds:datastoreItem>
+<file path=customXml/item4.xml><?xml version="1.0" encoding="utf-8"?>
+<?mso-contentType ?>
+<spe:Receivers xmlns:spe="http://schemas.microsoft.com/sharepoint/events">
+  <Receiver>
+    <Name>Document ID Generator</Name>
+    <Synchronization>Synchronous</Synchronization>
+    <Type>10001</Type>
+    <SequenceNumber>1000</SequenceNumber>
+    <Assembly>Microsoft.Office.DocumentManagement, Version=14.0.0.0, Culture=neutral, PublicKeyToken=71e9bce111e9429c</Assembly>
+    <Class>Microsoft.Office.DocumentManagement.Internal.DocIdHandler</Class>
+    <Data/>
+    <Filter/>
+  </Receiver>
+  <Receiver>
+    <Name>Document ID Generator</Name>
+    <Synchronization>Synchronous</Synchronization>
+    <Type>10002</Type>
+    <SequenceNumber>1001</SequenceNumber>
+    <Assembly>Microsoft.Office.DocumentManagement, Version=14.0.0.0, Culture=neutral, PublicKeyToken=71e9bce111e9429c</Assembly>
+    <Class>Microsoft.Office.DocumentManagement.Internal.DocIdHandler</Class>
+    <Data/>
+    <Filter/>
+  </Receiver>
+  <Receiver>
+    <Name>Document ID Generator</Name>
+    <Synchronization>Synchronous</Synchronization>
+    <Type>10004</Type>
+    <SequenceNumber>1002</SequenceNumber>
+    <Assembly>Microsoft.Office.DocumentManagement, Version=14.0.0.0, Culture=neutral, PublicKeyToken=71e9bce111e9429c</Assembly>
+    <Class>Microsoft.Office.DocumentManagement.Internal.DocIdHandler</Class>
+    <Data/>
+    <Filter/>
+  </Receiver>
+  <Receiver>
+    <Name>Document ID Generator</Name>
+    <Synchronization>Synchronous</Synchronization>
+    <Type>10006</Type>
+    <SequenceNumber>1003</SequenceNumber>
+    <Assembly>Microsoft.Office.DocumentManagement, Version=14.0.0.0, Culture=neutral, PublicKeyToken=71e9bce111e9429c</Assembly>
+    <Class>Microsoft.Office.DocumentManagement.Internal.DocIdHandler</Class>
+    <Data/>
+    <Filter/>
+  </Receiver>
+</spe:Receivers>
 </file>
 
-<file path=customXml/itemProps2.xml><?xml version="1.0" encoding="utf-8"?>
+<file path=customXml/itemProps1.xml><?xml version="1.0" encoding="utf-8"?>
 <ds:datastoreItem xmlns:ds="http://schemas.openxmlformats.org/officeDocument/2006/customXml" ds:itemID="{9F5040E5-4564-49C1-9147-56F1700A1C56}">
   <ds:schemaRefs>
     <ds:schemaRef ds:uri="http://schemas.microsoft.com/office/2006/documentManagement/types"/>
@@ -22735,15 +21808,15 @@
 </ds:datastoreItem>
 </file>
 
-<file path=customXml/itemProps3.xml><?xml version="1.0" encoding="utf-8"?>
-<ds:datastoreItem xmlns:ds="http://schemas.openxmlformats.org/officeDocument/2006/customXml" ds:itemID="{0068A067-F354-4585-8169-FC99DA836E1C}">
+<file path=customXml/itemProps2.xml><?xml version="1.0" encoding="utf-8"?>
+<ds:datastoreItem xmlns:ds="http://schemas.openxmlformats.org/officeDocument/2006/customXml" ds:itemID="{B6DBE1C9-0895-41F8-89A3-98DC40E912B0}">
   <ds:schemaRefs>
-    <ds:schemaRef ds:uri="http://schemas.microsoft.com/sharepoint/events"/>
+    <ds:schemaRef ds:uri="http://schemas.microsoft.com/sharepoint/v3/contenttype/forms"/>
   </ds:schemaRefs>
 </ds:datastoreItem>
 </file>
 
-<file path=customXml/itemProps4.xml><?xml version="1.0" encoding="utf-8"?>
+<file path=customXml/itemProps3.xml><?xml version="1.0" encoding="utf-8"?>
 <ds:datastoreItem xmlns:ds="http://schemas.openxmlformats.org/officeDocument/2006/customXml" ds:itemID="{B03FC495-EB61-4A2C-B8E7-345CEB92DF9F}">
   <ds:schemaRefs>
     <ds:schemaRef ds:uri="http://schemas.microsoft.com/office/2006/metadata/contentType"/>
@@ -22760,4 +21833,12 @@
     <ds:schemaRef ds:uri="http://schemas.microsoft.com/internal/obd"/>
   </ds:schemaRefs>
 </ds:datastoreItem>
+</file>
+
+<file path=customXml/itemProps4.xml><?xml version="1.0" encoding="utf-8"?>
+<ds:datastoreItem xmlns:ds="http://schemas.openxmlformats.org/officeDocument/2006/customXml" ds:itemID="{0068A067-F354-4585-8169-FC99DA836E1C}">
+  <ds:schemaRefs>
+    <ds:schemaRef ds:uri="http://schemas.microsoft.com/sharepoint/events"/>
+  </ds:schemaRefs>
+</ds:datastoreItem>
 </file>
--- a/TestDrivingASP.NETMVC.pptx
+++ b/TestDrivingASP.NETMVC.pptx
@@ -40,7 +40,7 @@
     <p:sldId id="372" r:id="rId32"/>
   </p:sldIdLst>
   <p:sldSz cx="9753600" cy="7315200"/>
-  <p:notesSz cx="7010400" cy="9296400"/>
+  <p:notesSz cx="7053263" cy="9393238"/>
   <p:defaultTextStyle>
     <a:defPPr>
       <a:defRPr lang="en-US"/>
@@ -183,12 +183,12 @@
     </p:ext>
     <p:ext uri="{2D200454-40CA-4A62-9FC3-DE9A4176ACB9}">
       <p15:notesGuideLst xmlns:p15="http://schemas.microsoft.com/office/powerpoint/2012/main">
-        <p15:guide id="1" orient="horz" pos="2928">
+        <p15:guide id="1" orient="horz" pos="2959" userDrawn="1">
           <p15:clr>
             <a:srgbClr val="A4A3A4"/>
           </p15:clr>
         </p15:guide>
-        <p15:guide id="2" pos="2208">
+        <p15:guide id="2" pos="2222" userDrawn="1">
           <p15:clr>
             <a:srgbClr val="A4A3A4"/>
           </p15:clr>
@@ -237,7 +237,7 @@
         <p:spPr bwMode="auto">
           <a:xfrm>
             <a:off x="0" y="0"/>
-            <a:ext cx="3038475" cy="465138"/>
+            <a:ext cx="3057053" cy="469983"/>
           </a:xfrm>
           <a:prstGeom prst="rect">
             <a:avLst/>
@@ -252,13 +252,13 @@
           <a:effectLst/>
         </p:spPr>
         <p:txBody>
-          <a:bodyPr vert="horz" wrap="square" lIns="93177" tIns="46589" rIns="93177" bIns="46589" numCol="1" anchor="t" anchorCtr="0" compatLnSpc="1">
+          <a:bodyPr vert="horz" wrap="square" lIns="93969" tIns="46985" rIns="93969" bIns="46985" numCol="1" anchor="t" anchorCtr="0" compatLnSpc="1">
             <a:prstTxWarp prst="textNoShape">
               <a:avLst/>
             </a:prstTxWarp>
           </a:bodyPr>
           <a:lstStyle>
-            <a:lvl1pPr algn="l" defTabSz="931863">
+            <a:lvl1pPr algn="l" defTabSz="939784">
               <a:defRPr sz="1200"/>
             </a:lvl1pPr>
           </a:lstStyle>
@@ -282,8 +282,8 @@
         </p:nvSpPr>
         <p:spPr bwMode="auto">
           <a:xfrm>
-            <a:off x="3970338" y="0"/>
-            <a:ext cx="3038475" cy="465138"/>
+            <a:off x="3994614" y="0"/>
+            <a:ext cx="3057053" cy="469983"/>
           </a:xfrm>
           <a:prstGeom prst="rect">
             <a:avLst/>
@@ -298,13 +298,13 @@
           <a:effectLst/>
         </p:spPr>
         <p:txBody>
-          <a:bodyPr vert="horz" wrap="square" lIns="93177" tIns="46589" rIns="93177" bIns="46589" numCol="1" anchor="t" anchorCtr="0" compatLnSpc="1">
+          <a:bodyPr vert="horz" wrap="square" lIns="93969" tIns="46985" rIns="93969" bIns="46985" numCol="1" anchor="t" anchorCtr="0" compatLnSpc="1">
             <a:prstTxWarp prst="textNoShape">
               <a:avLst/>
             </a:prstTxWarp>
           </a:bodyPr>
           <a:lstStyle>
-            <a:lvl1pPr defTabSz="931863">
+            <a:lvl1pPr defTabSz="939784">
               <a:defRPr sz="1200"/>
             </a:lvl1pPr>
           </a:lstStyle>
@@ -328,8 +328,8 @@
         </p:nvSpPr>
         <p:spPr bwMode="auto">
           <a:xfrm>
-            <a:off x="0" y="8829675"/>
-            <a:ext cx="3038475" cy="465138"/>
+            <a:off x="0" y="8921651"/>
+            <a:ext cx="3057053" cy="469983"/>
           </a:xfrm>
           <a:prstGeom prst="rect">
             <a:avLst/>
@@ -344,13 +344,13 @@
           <a:effectLst/>
         </p:spPr>
         <p:txBody>
-          <a:bodyPr vert="horz" wrap="square" lIns="93177" tIns="46589" rIns="93177" bIns="46589" numCol="1" anchor="b" anchorCtr="0" compatLnSpc="1">
+          <a:bodyPr vert="horz" wrap="square" lIns="93969" tIns="46985" rIns="93969" bIns="46985" numCol="1" anchor="b" anchorCtr="0" compatLnSpc="1">
             <a:prstTxWarp prst="textNoShape">
               <a:avLst/>
             </a:prstTxWarp>
           </a:bodyPr>
           <a:lstStyle>
-            <a:lvl1pPr algn="l" defTabSz="931863">
+            <a:lvl1pPr algn="l" defTabSz="939784">
               <a:defRPr sz="1200"/>
             </a:lvl1pPr>
           </a:lstStyle>
@@ -374,8 +374,8 @@
         </p:nvSpPr>
         <p:spPr bwMode="auto">
           <a:xfrm>
-            <a:off x="3970338" y="8829675"/>
-            <a:ext cx="3038475" cy="465138"/>
+            <a:off x="3994614" y="8921651"/>
+            <a:ext cx="3057053" cy="469983"/>
           </a:xfrm>
           <a:prstGeom prst="rect">
             <a:avLst/>
@@ -390,13 +390,13 @@
           <a:effectLst/>
         </p:spPr>
         <p:txBody>
-          <a:bodyPr vert="horz" wrap="square" lIns="93177" tIns="46589" rIns="93177" bIns="46589" numCol="1" anchor="b" anchorCtr="0" compatLnSpc="1">
+          <a:bodyPr vert="horz" wrap="square" lIns="93969" tIns="46985" rIns="93969" bIns="46985" numCol="1" anchor="b" anchorCtr="0" compatLnSpc="1">
             <a:prstTxWarp prst="textNoShape">
               <a:avLst/>
             </a:prstTxWarp>
           </a:bodyPr>
           <a:lstStyle>
-            <a:lvl1pPr defTabSz="931863">
+            <a:lvl1pPr defTabSz="939784">
               <a:defRPr sz="1200"/>
             </a:lvl1pPr>
           </a:lstStyle>
@@ -461,14 +461,14 @@
         <p:spPr>
           <a:xfrm>
             <a:off x="0" y="0"/>
-            <a:ext cx="3038475" cy="465138"/>
+            <a:ext cx="3057053" cy="469983"/>
           </a:xfrm>
           <a:prstGeom prst="rect">
             <a:avLst/>
           </a:prstGeom>
         </p:spPr>
         <p:txBody>
-          <a:bodyPr vert="horz" lIns="91440" tIns="45720" rIns="91440" bIns="45720" rtlCol="0"/>
+          <a:bodyPr vert="horz" lIns="92217" tIns="46109" rIns="92217" bIns="46109" rtlCol="0"/>
           <a:lstStyle>
             <a:lvl1pPr algn="l">
               <a:defRPr sz="1200"/>
@@ -494,15 +494,15 @@
         </p:nvSpPr>
         <p:spPr>
           <a:xfrm>
-            <a:off x="3970338" y="0"/>
-            <a:ext cx="3038475" cy="465138"/>
+            <a:off x="3994614" y="0"/>
+            <a:ext cx="3057053" cy="469983"/>
           </a:xfrm>
           <a:prstGeom prst="rect">
             <a:avLst/>
           </a:prstGeom>
         </p:spPr>
         <p:txBody>
-          <a:bodyPr vert="horz" lIns="91440" tIns="45720" rIns="91440" bIns="45720" rtlCol="0"/>
+          <a:bodyPr vert="horz" lIns="92217" tIns="46109" rIns="92217" bIns="46109" rtlCol="0"/>
           <a:lstStyle>
             <a:lvl1pPr algn="r">
               <a:defRPr sz="1200"/>
@@ -517,7 +517,7 @@
               <a:pPr>
                 <a:defRPr/>
               </a:pPr>
-              <a:t>4/21/2013</a:t>
+              <a:t>4/22/2013</a:t>
             </a:fld>
             <a:endParaRPr lang="en-US"/>
           </a:p>
@@ -535,8 +535,8 @@
         </p:nvSpPr>
         <p:spPr>
           <a:xfrm>
-            <a:off x="1181100" y="696913"/>
-            <a:ext cx="4648200" cy="3486150"/>
+            <a:off x="1179513" y="704850"/>
+            <a:ext cx="4694237" cy="3521075"/>
           </a:xfrm>
           <a:prstGeom prst="rect">
             <a:avLst/>
@@ -549,7 +549,7 @@
           </a:ln>
         </p:spPr>
         <p:txBody>
-          <a:bodyPr vert="horz" lIns="91440" tIns="45720" rIns="91440" bIns="45720" rtlCol="0" anchor="ctr"/>
+          <a:bodyPr vert="horz" lIns="92217" tIns="46109" rIns="92217" bIns="46109" rtlCol="0" anchor="ctr"/>
           <a:lstStyle/>
           <a:p>
             <a:pPr lvl="0"/>
@@ -569,15 +569,15 @@
         </p:nvSpPr>
         <p:spPr>
           <a:xfrm>
-            <a:off x="701675" y="4416425"/>
-            <a:ext cx="5607050" cy="4183063"/>
+            <a:off x="705965" y="4462430"/>
+            <a:ext cx="5641333" cy="4226637"/>
           </a:xfrm>
           <a:prstGeom prst="rect">
             <a:avLst/>
           </a:prstGeom>
         </p:spPr>
         <p:txBody>
-          <a:bodyPr vert="horz" lIns="91440" tIns="45720" rIns="91440" bIns="45720" rtlCol="0">
+          <a:bodyPr vert="horz" lIns="92217" tIns="46109" rIns="92217" bIns="46109" rtlCol="0">
             <a:normAutofit/>
           </a:bodyPr>
           <a:lstStyle/>
@@ -630,15 +630,15 @@
         </p:nvSpPr>
         <p:spPr>
           <a:xfrm>
-            <a:off x="0" y="8829675"/>
-            <a:ext cx="3038475" cy="465138"/>
+            <a:off x="0" y="8921651"/>
+            <a:ext cx="3057053" cy="469983"/>
           </a:xfrm>
           <a:prstGeom prst="rect">
             <a:avLst/>
           </a:prstGeom>
         </p:spPr>
         <p:txBody>
-          <a:bodyPr vert="horz" lIns="91440" tIns="45720" rIns="91440" bIns="45720" rtlCol="0" anchor="b"/>
+          <a:bodyPr vert="horz" lIns="92217" tIns="46109" rIns="92217" bIns="46109" rtlCol="0" anchor="b"/>
           <a:lstStyle>
             <a:lvl1pPr algn="l">
               <a:defRPr sz="1200"/>
@@ -664,15 +664,15 @@
         </p:nvSpPr>
         <p:spPr>
           <a:xfrm>
-            <a:off x="3970338" y="8829675"/>
-            <a:ext cx="3038475" cy="465138"/>
+            <a:off x="3994614" y="8921651"/>
+            <a:ext cx="3057053" cy="469983"/>
           </a:xfrm>
           <a:prstGeom prst="rect">
             <a:avLst/>
           </a:prstGeom>
         </p:spPr>
         <p:txBody>
-          <a:bodyPr vert="horz" lIns="91440" tIns="45720" rIns="91440" bIns="45720" rtlCol="0" anchor="b"/>
+          <a:bodyPr vert="horz" lIns="92217" tIns="46109" rIns="92217" bIns="46109" rtlCol="0" anchor="b"/>
           <a:lstStyle>
             <a:lvl1pPr algn="r">
               <a:defRPr sz="1200"/>
@@ -855,8 +855,8 @@
         </p:nvSpPr>
         <p:spPr>
           <a:xfrm>
-            <a:off x="1181100" y="696913"/>
-            <a:ext cx="4648200" cy="3486150"/>
+            <a:off x="1179513" y="704850"/>
+            <a:ext cx="4694237" cy="3521075"/>
           </a:xfrm>
         </p:spPr>
       </p:sp>
@@ -950,8 +950,8 @@
         </p:nvSpPr>
         <p:spPr bwMode="auto">
           <a:xfrm>
-            <a:off x="1181100" y="696913"/>
-            <a:ext cx="4648200" cy="3486150"/>
+            <a:off x="1179513" y="704850"/>
+            <a:ext cx="4694237" cy="3521075"/>
           </a:xfrm>
           <a:noFill/>
           <a:ln>
@@ -982,68 +982,52 @@
             <a:prstTxWarp prst="textNoShape">
               <a:avLst/>
             </a:prstTxWarp>
-            <a:normAutofit fontScale="92500" lnSpcReduction="20000"/>
+            <a:normAutofit/>
           </a:bodyPr>
           <a:lstStyle/>
           <a:p>
             <a:r>
-              <a:rPr lang="en-US" sz="2400" dirty="0" smtClean="0"/>
+              <a:rPr lang="en-US" sz="2000" dirty="0"/>
               <a:t>These types of testing are all VERY important</a:t>
             </a:r>
           </a:p>
           <a:p>
-            <a:endParaRPr lang="en-US" sz="2400" dirty="0" smtClean="0"/>
-          </a:p>
-          <a:p>
-            <a:r>
-              <a:rPr lang="en-US" sz="2400" dirty="0" smtClean="0"/>
+            <a:endParaRPr lang="en-US" sz="2000" dirty="0"/>
+          </a:p>
+          <a:p>
+            <a:r>
+              <a:rPr lang="en-US" sz="2000" dirty="0"/>
               <a:t>And implementing TDD does not reduce or remove the need for these types of </a:t>
             </a:r>
           </a:p>
           <a:p>
             <a:r>
-              <a:rPr lang="en-US" sz="2400" dirty="0" smtClean="0"/>
+              <a:rPr lang="en-US" sz="2000" dirty="0"/>
               <a:t>testing</a:t>
             </a:r>
           </a:p>
           <a:p>
-            <a:endParaRPr lang="en-US" sz="2400" dirty="0" smtClean="0"/>
-          </a:p>
-          <a:p>
-            <a:r>
-              <a:rPr lang="en-US" sz="2400" dirty="0" smtClean="0"/>
+            <a:endParaRPr lang="en-US" sz="2000" dirty="0"/>
+          </a:p>
+          <a:p>
+            <a:r>
+              <a:rPr lang="en-US" sz="2000" dirty="0"/>
               <a:t>What it does is significantly reduce the time spent in these testing cycles by </a:t>
             </a:r>
           </a:p>
           <a:p>
             <a:pPr lvl="1"/>
             <a:r>
-              <a:rPr lang="en-US" sz="2100" dirty="0" smtClean="0"/>
+              <a:rPr lang="en-US" sz="2000" dirty="0"/>
               <a:t>Reducing the number of bugs</a:t>
             </a:r>
           </a:p>
           <a:p>
             <a:pPr lvl="1"/>
             <a:r>
-              <a:rPr lang="en-US" sz="2100" dirty="0" smtClean="0"/>
+              <a:rPr lang="en-US" sz="2000" dirty="0"/>
               <a:t>Reducing the time needed to resolve bugs</a:t>
             </a:r>
-          </a:p>
-          <a:p>
-            <a:pPr lvl="1"/>
-            <a:endParaRPr lang="en-US" sz="2100" dirty="0" smtClean="0"/>
-          </a:p>
-          <a:p>
-            <a:pPr lvl="1"/>
-            <a:r>
-              <a:rPr lang="en-US" sz="2100" b="1" dirty="0" smtClean="0"/>
-              <a:t>*** Notice</a:t>
-            </a:r>
-            <a:r>
-              <a:rPr lang="en-US" sz="2100" b="1" baseline="0" dirty="0" smtClean="0"/>
-              <a:t> one left off the list!?!?!</a:t>
-            </a:r>
-            <a:endParaRPr lang="en-US" sz="2100" b="1" dirty="0" smtClean="0"/>
           </a:p>
         </p:txBody>
       </p:sp>
@@ -1124,8 +1108,8 @@
         </p:nvSpPr>
         <p:spPr bwMode="auto">
           <a:xfrm>
-            <a:off x="1181100" y="696913"/>
-            <a:ext cx="4648200" cy="3486150"/>
+            <a:off x="1179513" y="704850"/>
+            <a:ext cx="4694237" cy="3521075"/>
           </a:xfrm>
           <a:noFill/>
           <a:ln>
@@ -1161,83 +1145,81 @@
           <a:lstStyle/>
           <a:p>
             <a:r>
-              <a:rPr lang="en-US" sz="2300" b="1" dirty="0" smtClean="0"/>
+              <a:rPr lang="en-US" sz="2300" b="1" dirty="0"/>
               <a:t>Test-driven development</a:t>
             </a:r>
             <a:r>
-              <a:rPr lang="en-US" sz="2300" dirty="0" smtClean="0"/>
+              <a:rPr lang="en-US" sz="2300" dirty="0"/>
               <a:t> (</a:t>
             </a:r>
             <a:r>
-              <a:rPr lang="en-US" sz="2300" b="1" dirty="0" smtClean="0"/>
+              <a:rPr lang="en-US" sz="2300" b="1" dirty="0"/>
               <a:t>TDD</a:t>
             </a:r>
             <a:r>
-              <a:rPr lang="en-US" sz="2300" dirty="0" smtClean="0"/>
+              <a:rPr lang="en-US" sz="2300" dirty="0"/>
               <a:t>) is a software development process that relies on the repetition of a very short development cycle: </a:t>
             </a:r>
           </a:p>
           <a:p>
             <a:r>
-              <a:rPr lang="en-US" sz="2300" dirty="0" smtClean="0"/>
+              <a:rPr lang="en-US" sz="2300" dirty="0"/>
               <a:t>	first the developer writes a failing automated test case that defines a desired improvement or new functionality, </a:t>
             </a:r>
           </a:p>
           <a:p>
             <a:r>
-              <a:rPr lang="en-US" sz="2300" dirty="0" smtClean="0"/>
+              <a:rPr lang="en-US" sz="2300" dirty="0"/>
               <a:t>	then produces code to pass that test </a:t>
             </a:r>
           </a:p>
           <a:p>
             <a:r>
-              <a:rPr lang="en-US" sz="2300" dirty="0" smtClean="0"/>
+              <a:rPr lang="en-US" sz="2300" dirty="0"/>
               <a:t>	finally refactors the new code to acceptable standards.</a:t>
             </a:r>
           </a:p>
           <a:p>
             <a:pPr lvl="1"/>
-            <a:endParaRPr lang="en-US" sz="2000" dirty="0" smtClean="0"/>
+            <a:endParaRPr lang="en-US" sz="2000" dirty="0"/>
           </a:p>
           <a:p>
             <a:pPr lvl="1"/>
             <a:r>
-              <a:rPr lang="en-US" sz="2000" dirty="0" smtClean="0"/>
+              <a:rPr lang="en-US" sz="2000" dirty="0"/>
               <a:t>Often referred to Test-First Development</a:t>
             </a:r>
           </a:p>
           <a:p>
             <a:pPr lvl="1"/>
-            <a:endParaRPr lang="en-US" sz="2000" dirty="0" smtClean="0"/>
+            <a:endParaRPr lang="en-US" sz="2000" dirty="0"/>
           </a:p>
           <a:p>
             <a:pPr lvl="1"/>
             <a:r>
-              <a:rPr lang="en-US" sz="2000" dirty="0" smtClean="0"/>
+              <a:rPr lang="en-US" sz="2000" dirty="0"/>
               <a:t>Process of writing tests before writing code</a:t>
             </a:r>
           </a:p>
           <a:p>
-            <a:pPr marL="482600" lvl="1" indent="0">
-              <a:buNone/>
-            </a:pPr>
-            <a:endParaRPr lang="en-US" sz="2000" dirty="0" smtClean="0"/>
-          </a:p>
-          <a:p>
-            <a:r>
-              <a:rPr lang="en-US" sz="2000" b="1" dirty="0" smtClean="0"/>
+            <a:pPr marL="486702" lvl="1"/>
+            <a:endParaRPr lang="en-US" sz="2000" dirty="0"/>
+          </a:p>
+          <a:p>
+            <a:r>
+              <a:rPr lang="en-US" sz="2000" b="1" dirty="0"/>
               <a:t>Kent Beck</a:t>
             </a:r>
             <a:r>
-              <a:rPr lang="en-US" sz="2000" dirty="0" smtClean="0"/>
+              <a:rPr lang="en-US" sz="2000" dirty="0"/>
               <a:t>, is credited with having developed or 'rediscovered' the technique</a:t>
             </a:r>
-            <a:endParaRPr lang="en-US" sz="2000" dirty="0" smtClean="0">
+            <a:endParaRPr lang="en-US" sz="2000" dirty="0">
               <a:sym typeface="Wingdings" pitchFamily="2" charset="2"/>
             </a:endParaRPr>
           </a:p>
           <a:p>
-            <a:endParaRPr lang="en-US" sz="2000" dirty="0" smtClean="0">
+            <a:endParaRPr lang="en-US" sz="2000" dirty="0">
               <a:sym typeface="Wingdings" pitchFamily="2" charset="2"/>
             </a:endParaRPr>
           </a:p>
@@ -1320,8 +1302,8 @@
         </p:nvSpPr>
         <p:spPr bwMode="auto">
           <a:xfrm>
-            <a:off x="1181100" y="696913"/>
-            <a:ext cx="4648200" cy="3486150"/>
+            <a:off x="1179513" y="704850"/>
+            <a:ext cx="4694237" cy="3521075"/>
           </a:xfrm>
           <a:noFill/>
           <a:ln>
@@ -1361,10 +1343,9 @@
               </a:spcBef>
             </a:pPr>
             <a:r>
-              <a:rPr lang="en-US" sz="1200" dirty="0" smtClean="0"/>
-              <a:t>The act of testing piece of code, usually a method, that tests a very small piece of functionality by invoking it and verifying assumptions</a:t>
-            </a:r>
-            <a:endParaRPr lang="en-US" dirty="0" smtClean="0"/>
+              <a:rPr lang="en-US" sz="2000" dirty="0"/>
+              <a:t>Unit testing is the act of testing piece of code, usually a method, that tests a very small piece of functionality by invoking it and verifying assumptions</a:t>
+            </a:r>
           </a:p>
         </p:txBody>
       </p:sp>
@@ -1445,8 +1426,8 @@
         </p:nvSpPr>
         <p:spPr bwMode="auto">
           <a:xfrm>
-            <a:off x="1181100" y="696913"/>
-            <a:ext cx="4648200" cy="3486150"/>
+            <a:off x="1179513" y="704850"/>
+            <a:ext cx="4694237" cy="3521075"/>
           </a:xfrm>
           <a:noFill/>
           <a:ln>
@@ -1477,7 +1458,7 @@
             <a:prstTxWarp prst="textNoShape">
               <a:avLst/>
             </a:prstTxWarp>
-            <a:normAutofit lnSpcReduction="10000"/>
+            <a:normAutofit fontScale="77500" lnSpcReduction="20000"/>
           </a:bodyPr>
           <a:lstStyle/>
           <a:p>
@@ -1486,25 +1467,86 @@
               <a:buChar char="-"/>
             </a:pPr>
             <a:r>
-              <a:rPr lang="en-US" sz="2000" dirty="0" smtClean="0"/>
+              <a:rPr lang="en-US" sz="2000" dirty="0"/>
               <a:t>So what are the characteristics of a good unit test</a:t>
             </a:r>
+          </a:p>
+          <a:p>
+            <a:pPr>
+              <a:buFontTx/>
+              <a:buNone/>
+            </a:pPr>
+            <a:endParaRPr lang="en-US" sz="2000" dirty="0"/>
           </a:p>
           <a:p>
             <a:pPr>
               <a:buFontTx/>
               <a:buChar char="-"/>
             </a:pPr>
-            <a:endParaRPr lang="en-US" sz="2000" dirty="0" smtClean="0"/>
+            <a:r>
+              <a:rPr lang="en-US" sz="2000" dirty="0"/>
+              <a:t>NO Compilation is NOT a good unit test!!!!!  </a:t>
+            </a:r>
+            <a:r>
+              <a:rPr lang="en-US" sz="2000" b="1" dirty="0"/>
+              <a:t>[CLICK]</a:t>
+            </a:r>
           </a:p>
           <a:p>
             <a:pPr>
               <a:buFontTx/>
               <a:buChar char="-"/>
             </a:pPr>
-            <a:r>
-              <a:rPr lang="en-US" sz="2000" dirty="0" smtClean="0"/>
-              <a:t>[cover bullet points]</a:t>
+            <a:endParaRPr lang="en-US" sz="2000" b="1" dirty="0"/>
+          </a:p>
+          <a:p>
+            <a:pPr marL="345815" indent="-345815">
+              <a:buFont typeface="Arial" panose="020B0604020202020204" pitchFamily="34" charset="0"/>
+              <a:buChar char="•"/>
+            </a:pPr>
+            <a:r>
+              <a:rPr lang="en-US" sz="2000" dirty="0"/>
+              <a:t>Automated and repeatable</a:t>
+            </a:r>
+          </a:p>
+          <a:p>
+            <a:pPr marL="345815" indent="-345815">
+              <a:buFont typeface="Arial" panose="020B0604020202020204" pitchFamily="34" charset="0"/>
+              <a:buChar char="•"/>
+            </a:pPr>
+            <a:r>
+              <a:rPr lang="en-US" sz="2000" dirty="0"/>
+              <a:t>Easy to implement</a:t>
+            </a:r>
+          </a:p>
+          <a:p>
+            <a:pPr marL="345815" indent="-345815">
+              <a:buFont typeface="Arial" panose="020B0604020202020204" pitchFamily="34" charset="0"/>
+              <a:buChar char="•"/>
+            </a:pPr>
+            <a:r>
+              <a:rPr lang="en-US" sz="2000" dirty="0"/>
+              <a:t>On demand/push of a button</a:t>
+            </a:r>
+          </a:p>
+          <a:p>
+            <a:pPr marL="345815" indent="-345815">
+              <a:buFont typeface="Arial" panose="020B0604020202020204" pitchFamily="34" charset="0"/>
+              <a:buChar char="•"/>
+            </a:pPr>
+            <a:r>
+              <a:rPr lang="en-US" sz="2000" dirty="0"/>
+              <a:t>Fast</a:t>
+            </a:r>
+          </a:p>
+          <a:p>
+            <a:pPr marL="345815" indent="-345815">
+              <a:buFont typeface="Arial" panose="020B0604020202020204" pitchFamily="34" charset="0"/>
+              <a:buChar char="•"/>
+            </a:pPr>
+            <a:r>
+              <a:rPr lang="en-US" sz="2000" dirty="0"/>
+              <a:t>Isolated</a:t>
             </a:r>
           </a:p>
           <a:p>
@@ -1512,7 +1554,7 @@
               <a:buFontTx/>
               <a:buChar char="-"/>
             </a:pPr>
-            <a:endParaRPr lang="en-US" sz="2000" dirty="0" smtClean="0"/>
+            <a:endParaRPr lang="en-US" sz="2000" dirty="0"/>
           </a:p>
           <a:p>
             <a:pPr>
@@ -1520,25 +1562,16 @@
               <a:buChar char="-"/>
             </a:pPr>
             <a:r>
-              <a:rPr lang="en-US" sz="2000" dirty="0" smtClean="0"/>
-              <a:t>NO Compilation is NOT</a:t>
-            </a:r>
-            <a:r>
-              <a:rPr lang="en-US" sz="2000" baseline="0" dirty="0" smtClean="0"/>
-              <a:t> a good unit test!!!!!  </a:t>
-            </a:r>
-            <a:r>
-              <a:rPr lang="en-US" sz="2000" b="1" baseline="0" dirty="0" smtClean="0"/>
-              <a:t>[CLICK]</a:t>
-            </a:r>
-            <a:endParaRPr lang="en-US" sz="2000" b="1" dirty="0" smtClean="0"/>
+              <a:rPr lang="en-US" sz="2000" dirty="0"/>
+              <a:t>It is very easy to write bad unit tests</a:t>
+            </a:r>
           </a:p>
           <a:p>
             <a:pPr>
               <a:buFontTx/>
               <a:buChar char="-"/>
             </a:pPr>
-            <a:endParaRPr lang="en-US" sz="2000" dirty="0" smtClean="0"/>
+            <a:endParaRPr lang="en-US" sz="2000" dirty="0"/>
           </a:p>
           <a:p>
             <a:pPr>
@@ -1546,24 +1579,7 @@
               <a:buChar char="-"/>
             </a:pPr>
             <a:r>
-              <a:rPr lang="en-US" sz="2000" dirty="0" smtClean="0"/>
-              <a:t>It is very easy to write bad unit tests</a:t>
-            </a:r>
-          </a:p>
-          <a:p>
-            <a:pPr>
-              <a:buFontTx/>
-              <a:buChar char="-"/>
-            </a:pPr>
-            <a:endParaRPr lang="en-US" sz="2000" dirty="0" smtClean="0"/>
-          </a:p>
-          <a:p>
-            <a:pPr>
-              <a:buFontTx/>
-              <a:buChar char="-"/>
-            </a:pPr>
-            <a:r>
-              <a:rPr lang="en-US" sz="2000" dirty="0" smtClean="0"/>
+              <a:rPr lang="en-US" sz="2000" dirty="0"/>
               <a:t>Bad unit tests are worse than no unit tests</a:t>
             </a:r>
           </a:p>
@@ -1573,7 +1589,7 @@
               <a:buChar char="-"/>
             </a:pPr>
             <a:r>
-              <a:rPr lang="en-US" sz="2000" dirty="0" smtClean="0"/>
+              <a:rPr lang="en-US" sz="2000" dirty="0"/>
               <a:t>They provide a false sense of security</a:t>
             </a:r>
           </a:p>
@@ -1583,22 +1599,22 @@
               <a:buChar char="-"/>
             </a:pPr>
             <a:r>
-              <a:rPr lang="en-US" sz="2000" dirty="0" smtClean="0"/>
+              <a:rPr lang="en-US" sz="2000" dirty="0"/>
               <a:t>They provide false system documentation</a:t>
             </a:r>
           </a:p>
           <a:p>
-            <a:endParaRPr lang="en-US" sz="2000" dirty="0" smtClean="0">
+            <a:endParaRPr lang="en-US" sz="2000" dirty="0">
               <a:sym typeface="Wingdings" pitchFamily="2" charset="2"/>
             </a:endParaRPr>
           </a:p>
           <a:p>
-            <a:endParaRPr lang="en-US" sz="2000" dirty="0" smtClean="0">
+            <a:endParaRPr lang="en-US" sz="2000" dirty="0">
               <a:sym typeface="Wingdings" pitchFamily="2" charset="2"/>
             </a:endParaRPr>
           </a:p>
           <a:p>
-            <a:endParaRPr lang="en-US" sz="2000" dirty="0" smtClean="0">
+            <a:endParaRPr lang="en-US" sz="2000" dirty="0">
               <a:sym typeface="Wingdings" pitchFamily="2" charset="2"/>
             </a:endParaRPr>
           </a:p>
@@ -1688,8 +1704,8 @@
         </p:nvSpPr>
         <p:spPr bwMode="auto">
           <a:xfrm>
-            <a:off x="1181100" y="696913"/>
-            <a:ext cx="4648200" cy="3486150"/>
+            <a:off x="1179513" y="704850"/>
+            <a:ext cx="4694237" cy="3521075"/>
           </a:xfrm>
           <a:noFill/>
           <a:ln>
@@ -1720,31 +1736,25 @@
             <a:prstTxWarp prst="textNoShape">
               <a:avLst/>
             </a:prstTxWarp>
-            <a:normAutofit fontScale="55000" lnSpcReduction="20000"/>
+            <a:normAutofit fontScale="32500" lnSpcReduction="20000"/>
           </a:bodyPr>
           <a:lstStyle/>
           <a:p>
             <a:r>
-              <a:rPr lang="en-US" sz="1200" dirty="0" smtClean="0">
+              <a:rPr lang="en-US" sz="2000" dirty="0">
                 <a:sym typeface="Wingdings" pitchFamily="2" charset="2"/>
               </a:rPr>
-              <a:t>In order to do</a:t>
-            </a:r>
-            <a:r>
-              <a:rPr lang="en-US" sz="1200" baseline="0" dirty="0" smtClean="0">
-                <a:sym typeface="Wingdings" pitchFamily="2" charset="2"/>
-              </a:rPr>
-              <a:t> test-driven development effectively and to get all the benefits it has to offer you have to apply certain best practices to your code and how you code</a:t>
-            </a:r>
-          </a:p>
-          <a:p>
-            <a:endParaRPr lang="en-US" sz="1200" baseline="0" dirty="0" smtClean="0">
+              <a:t>In order to do test-driven development effectively and to get all the benefits it has to offer you have to apply certain best practices to your code and how you code</a:t>
+            </a:r>
+          </a:p>
+          <a:p>
+            <a:endParaRPr lang="en-US" sz="2000" dirty="0">
               <a:sym typeface="Wingdings" pitchFamily="2" charset="2"/>
             </a:endParaRPr>
           </a:p>
           <a:p>
             <a:r>
-              <a:rPr lang="en-US" sz="1200" baseline="0" dirty="0" smtClean="0">
+              <a:rPr lang="en-US" sz="2000" dirty="0">
                 <a:sym typeface="Wingdings" pitchFamily="2" charset="2"/>
               </a:rPr>
               <a:t>The first is the Single Responsibility Principle</a:t>
@@ -1752,7 +1762,7 @@
           </a:p>
           <a:p>
             <a:r>
-              <a:rPr lang="en-US" sz="1200" baseline="0" dirty="0" smtClean="0">
+              <a:rPr lang="en-US" sz="2000" dirty="0">
                 <a:sym typeface="Wingdings" pitchFamily="2" charset="2"/>
               </a:rPr>
               <a:t>	- which states “a class should have one and only one reason to change”</a:t>
@@ -1760,24 +1770,24 @@
           </a:p>
           <a:p>
             <a:r>
-              <a:rPr lang="en-US" sz="1200" baseline="0" dirty="0" smtClean="0">
+              <a:rPr lang="en-US" sz="2000" dirty="0">
                 <a:sym typeface="Wingdings" pitchFamily="2" charset="2"/>
               </a:rPr>
               <a:t>	- There are some red flags to watch out for in your code which may be signs that you are violating the single responsibility </a:t>
             </a:r>
             <a:r>
-              <a:rPr lang="en-US" sz="1200" baseline="0" dirty="0" err="1" smtClean="0">
+              <a:rPr lang="en-US" sz="2000" dirty="0" err="1">
                 <a:sym typeface="Wingdings" pitchFamily="2" charset="2"/>
               </a:rPr>
               <a:t>princpile</a:t>
             </a:r>
-            <a:endParaRPr lang="en-US" sz="1200" baseline="0" dirty="0" smtClean="0">
+            <a:endParaRPr lang="en-US" sz="2000" dirty="0">
               <a:sym typeface="Wingdings" pitchFamily="2" charset="2"/>
             </a:endParaRPr>
           </a:p>
           <a:p>
             <a:r>
-              <a:rPr lang="en-US" sz="1200" baseline="0" dirty="0" smtClean="0">
+              <a:rPr lang="en-US" sz="2000" dirty="0">
                 <a:sym typeface="Wingdings" pitchFamily="2" charset="2"/>
               </a:rPr>
               <a:t>		1.  Method name with the word “and” in it</a:t>
@@ -1785,7 +1795,7 @@
           </a:p>
           <a:p>
             <a:r>
-              <a:rPr lang="en-US" sz="1200" baseline="0" dirty="0" smtClean="0">
+              <a:rPr lang="en-US" sz="2000" dirty="0">
                 <a:sym typeface="Wingdings" pitchFamily="2" charset="2"/>
               </a:rPr>
               <a:t>		2.  Methods that &gt; 75 lines long</a:t>
@@ -1793,20 +1803,20 @@
           </a:p>
           <a:p>
             <a:r>
-              <a:rPr lang="en-US" sz="1200" baseline="0" dirty="0" smtClean="0">
+              <a:rPr lang="en-US" sz="2000" dirty="0">
                 <a:sym typeface="Wingdings" pitchFamily="2" charset="2"/>
               </a:rPr>
               <a:t>		3.  Methods that have regions in them</a:t>
             </a:r>
           </a:p>
           <a:p>
-            <a:endParaRPr lang="en-US" sz="1200" baseline="0" dirty="0" smtClean="0">
+            <a:endParaRPr lang="en-US" sz="2000" dirty="0">
               <a:sym typeface="Wingdings" pitchFamily="2" charset="2"/>
             </a:endParaRPr>
           </a:p>
           <a:p>
             <a:r>
-              <a:rPr lang="en-US" sz="1200" baseline="0" dirty="0" smtClean="0">
+              <a:rPr lang="en-US" sz="2000" dirty="0">
                 <a:sym typeface="Wingdings" pitchFamily="2" charset="2"/>
               </a:rPr>
               <a:t>The second concept is “Program to Interfaces not Implementations</a:t>
@@ -1814,7 +1824,7 @@
           </a:p>
           <a:p>
             <a:r>
-              <a:rPr lang="en-US" sz="1200" baseline="0" dirty="0" smtClean="0">
+              <a:rPr lang="en-US" sz="2000" dirty="0">
                 <a:sym typeface="Wingdings" pitchFamily="2" charset="2"/>
               </a:rPr>
               <a:t>	- When you create classes that will be dependencies to other classes create an interface</a:t>
@@ -1822,20 +1832,20 @@
           </a:p>
           <a:p>
             <a:r>
-              <a:rPr lang="en-US" sz="1200" baseline="0" dirty="0" smtClean="0">
+              <a:rPr lang="en-US" sz="2000" dirty="0">
                 <a:sym typeface="Wingdings" pitchFamily="2" charset="2"/>
               </a:rPr>
               <a:t>	- When declaring dependencies inside a class declare them using the Interface		</a:t>
             </a:r>
           </a:p>
           <a:p>
-            <a:endParaRPr lang="en-US" sz="1200" baseline="0" dirty="0" smtClean="0">
+            <a:endParaRPr lang="en-US" sz="2000" dirty="0">
               <a:sym typeface="Wingdings" pitchFamily="2" charset="2"/>
             </a:endParaRPr>
           </a:p>
           <a:p>
             <a:r>
-              <a:rPr lang="en-US" sz="1200" baseline="0" dirty="0" smtClean="0">
+              <a:rPr lang="en-US" sz="2000" dirty="0">
                 <a:sym typeface="Wingdings" pitchFamily="2" charset="2"/>
               </a:rPr>
               <a:t>Next is the Dependency Inversion Principle</a:t>
@@ -1843,7 +1853,7 @@
           </a:p>
           <a:p>
             <a:r>
-              <a:rPr lang="en-US" sz="1200" baseline="0" dirty="0" smtClean="0">
+              <a:rPr lang="en-US" sz="2000" dirty="0">
                 <a:sym typeface="Wingdings" pitchFamily="2" charset="2"/>
               </a:rPr>
               <a:t>	- states that “high-level modules should not depend upon low-level modules.  Both should depend upon abstractions.”</a:t>
@@ -1851,20 +1861,20 @@
           </a:p>
           <a:p>
             <a:r>
-              <a:rPr lang="en-US" sz="1200" baseline="0" dirty="0" smtClean="0">
+              <a:rPr lang="en-US" sz="2000" dirty="0">
                 <a:sym typeface="Wingdings" pitchFamily="2" charset="2"/>
               </a:rPr>
               <a:t>	- classic real-world example of this is soldering the wires from a lamp directly to a wall plug.  You could do that, and it would work but why not put an abstraction on	   in between, which would be the plug, the reduces the complexity and increases the portability?</a:t>
             </a:r>
           </a:p>
           <a:p>
-            <a:endParaRPr lang="en-US" sz="1200" baseline="0" dirty="0" smtClean="0">
+            <a:endParaRPr lang="en-US" sz="2000" dirty="0">
               <a:sym typeface="Wingdings" pitchFamily="2" charset="2"/>
             </a:endParaRPr>
           </a:p>
           <a:p>
             <a:r>
-              <a:rPr lang="en-US" sz="1200" baseline="0" dirty="0" smtClean="0">
+              <a:rPr lang="en-US" sz="2000" dirty="0">
                 <a:sym typeface="Wingdings" pitchFamily="2" charset="2"/>
               </a:rPr>
               <a:t>The next two concepts are applicable when writing your tests;</a:t>
@@ -1872,7 +1882,7 @@
           </a:p>
           <a:p>
             <a:r>
-              <a:rPr lang="en-US" sz="1200" baseline="0" dirty="0" smtClean="0">
+              <a:rPr lang="en-US" sz="2000" dirty="0">
                 <a:sym typeface="Wingdings" pitchFamily="2" charset="2"/>
               </a:rPr>
               <a:t>	Red-Green-Refactor is the process of</a:t>
@@ -1880,7 +1890,7 @@
           </a:p>
           <a:p>
             <a:r>
-              <a:rPr lang="en-US" sz="1200" baseline="0" dirty="0" smtClean="0">
+              <a:rPr lang="en-US" sz="2000" dirty="0">
                 <a:sym typeface="Wingdings" pitchFamily="2" charset="2"/>
               </a:rPr>
               <a:t>		1.  Before doing anything else you write a failing test (most test-runners use red for a failing test)</a:t>
@@ -1888,7 +1898,7 @@
           </a:p>
           <a:p>
             <a:r>
-              <a:rPr lang="en-US" sz="1200" baseline="0" dirty="0" smtClean="0">
+              <a:rPr lang="en-US" sz="2000" dirty="0">
                 <a:sym typeface="Wingdings" pitchFamily="2" charset="2"/>
               </a:rPr>
               <a:t>		2.  Next you write just enough code to get the test to pass (green = passing test)</a:t>
@@ -1896,7 +1906,7 @@
           </a:p>
           <a:p>
             <a:r>
-              <a:rPr lang="en-US" sz="1200" baseline="0" dirty="0" smtClean="0">
+              <a:rPr lang="en-US" sz="2000" dirty="0">
                 <a:sym typeface="Wingdings" pitchFamily="2" charset="2"/>
               </a:rPr>
               <a:t>		3.  Then you refactor if necessary</a:t>
@@ -1904,7 +1914,7 @@
           </a:p>
           <a:p>
             <a:r>
-              <a:rPr lang="en-US" sz="1200" baseline="0" dirty="0" smtClean="0">
+              <a:rPr lang="en-US" sz="2000" dirty="0">
                 <a:sym typeface="Wingdings" pitchFamily="2" charset="2"/>
               </a:rPr>
               <a:t>	Lastly is “Arrange – Act – Assert”</a:t>
@@ -1912,7 +1922,7 @@
           </a:p>
           <a:p>
             <a:r>
-              <a:rPr lang="en-US" sz="1200" baseline="0" dirty="0" smtClean="0">
+              <a:rPr lang="en-US" sz="2000" dirty="0">
                 <a:sym typeface="Wingdings" pitchFamily="2" charset="2"/>
               </a:rPr>
               <a:t>		This applies to how your tests should be structured</a:t>
@@ -1920,7 +1930,7 @@
           </a:p>
           <a:p>
             <a:r>
-              <a:rPr lang="en-US" sz="1200" baseline="0" dirty="0" smtClean="0">
+              <a:rPr lang="en-US" sz="2000" dirty="0">
                 <a:sym typeface="Wingdings" pitchFamily="2" charset="2"/>
               </a:rPr>
               <a:t>		Arrange: The first lines of code in your test should be for arranging, which means setting up any test dummies whether that is instantiating fakes or 			setting expectations on mocks, and also setting parameter values and instantiating the class under test</a:t>
@@ -1928,7 +1938,7 @@
           </a:p>
           <a:p>
             <a:r>
-              <a:rPr lang="en-US" sz="1200" baseline="0" dirty="0" smtClean="0">
+              <a:rPr lang="en-US" sz="2000" dirty="0">
                 <a:sym typeface="Wingdings" pitchFamily="2" charset="2"/>
               </a:rPr>
               <a:t>		Act: should be  single line calling the method under test</a:t>
@@ -1936,7 +1946,7 @@
           </a:p>
           <a:p>
             <a:r>
-              <a:rPr lang="en-US" sz="1200" baseline="0" dirty="0" smtClean="0">
+              <a:rPr lang="en-US" sz="2000" dirty="0">
                 <a:sym typeface="Wingdings" pitchFamily="2" charset="2"/>
               </a:rPr>
               <a:t>		Assert: this is where you verify your assumptions and this includes verifying mocks behaved has recorded as well as asserting against the object 			returned from calling the method under test</a:t>
@@ -1944,7 +1954,7 @@
           </a:p>
           <a:p>
             <a:r>
-              <a:rPr lang="en-US" sz="1200" baseline="0" dirty="0" smtClean="0">
+              <a:rPr lang="en-US" sz="2000" dirty="0">
                 <a:sym typeface="Wingdings" pitchFamily="2" charset="2"/>
               </a:rPr>
               <a:t>	</a:t>
@@ -2029,8 +2039,8 @@
         </p:nvSpPr>
         <p:spPr bwMode="auto">
           <a:xfrm>
-            <a:off x="1181100" y="696913"/>
-            <a:ext cx="4648200" cy="3486150"/>
+            <a:off x="1179513" y="704850"/>
+            <a:ext cx="4694237" cy="3521075"/>
           </a:xfrm>
           <a:noFill/>
           <a:ln>
@@ -2064,70 +2074,61 @@
           </a:bodyPr>
           <a:lstStyle/>
           <a:p>
-            <a:pPr marL="171450" indent="-171450">
+            <a:pPr marL="172907" indent="-172907">
               <a:buFontTx/>
               <a:buChar char="-"/>
             </a:pPr>
             <a:r>
-              <a:rPr lang="en-US" sz="1200" dirty="0" smtClean="0"/>
-              <a:t>It is important to start from the beginning with TDD in mind,</a:t>
-            </a:r>
-            <a:r>
-              <a:rPr lang="en-US" sz="1200" baseline="0" dirty="0" smtClean="0"/>
-              <a:t> and where do we all start…by creating the solution.  Here is a solution layout that I have found to be most effective.</a:t>
-            </a:r>
-            <a:endParaRPr lang="en-US" sz="1200" dirty="0" smtClean="0"/>
-          </a:p>
-          <a:p>
-            <a:pPr marL="171450" indent="-171450">
+              <a:rPr lang="en-US" sz="2000" dirty="0"/>
+              <a:t>It is important to start from the beginning with TDD in mind, and where do we all start…by creating the solution.  Here is a solution layout that I have found to be most effective.</a:t>
+            </a:r>
+          </a:p>
+          <a:p>
+            <a:pPr marL="172907" indent="-172907">
               <a:buFontTx/>
               <a:buChar char="-"/>
             </a:pPr>
             <a:r>
-              <a:rPr lang="en-US" sz="1200" dirty="0" smtClean="0"/>
-              <a:t>Tests should</a:t>
-            </a:r>
-            <a:r>
-              <a:rPr lang="en-US" sz="1200" baseline="0" dirty="0" smtClean="0"/>
-              <a:t> be isolated from the actual code! </a:t>
-            </a:r>
-            <a:r>
-              <a:rPr lang="en-US" sz="1200" b="1" baseline="0" dirty="0" smtClean="0"/>
+              <a:rPr lang="en-US" sz="2000" dirty="0"/>
+              <a:t>Tests should be isolated from the actual code! </a:t>
+            </a:r>
+            <a:r>
+              <a:rPr lang="en-US" sz="2000" b="1" dirty="0"/>
               <a:t>[CLICK]</a:t>
             </a:r>
-            <a:endParaRPr lang="en-US" sz="1200" baseline="0" dirty="0" smtClean="0"/>
-          </a:p>
-          <a:p>
-            <a:pPr marL="171450" indent="-171450">
+            <a:endParaRPr lang="en-US" sz="2000" dirty="0"/>
+          </a:p>
+          <a:p>
+            <a:pPr marL="172907" indent="-172907">
               <a:buFontTx/>
               <a:buChar char="-"/>
             </a:pPr>
             <a:r>
-              <a:rPr lang="en-US" sz="1200" dirty="0" smtClean="0"/>
+              <a:rPr lang="en-US" sz="2000" dirty="0"/>
               <a:t>Different types of tests should be isolated from other types to allow easily running a group of tests. </a:t>
             </a:r>
             <a:r>
-              <a:rPr lang="en-US" sz="1200" b="1" dirty="0" smtClean="0"/>
+              <a:rPr lang="en-US" sz="2000" b="1" dirty="0"/>
               <a:t>[CLICK]</a:t>
             </a:r>
-            <a:endParaRPr lang="en-US" sz="1200" dirty="0" smtClean="0"/>
-          </a:p>
-          <a:p>
-            <a:pPr marL="171450" indent="-171450">
+            <a:endParaRPr lang="en-US" sz="2000" dirty="0"/>
+          </a:p>
+          <a:p>
+            <a:pPr marL="172907" indent="-172907">
               <a:buFontTx/>
               <a:buChar char="-"/>
             </a:pPr>
             <a:r>
-              <a:rPr lang="en-US" sz="1200" dirty="0" smtClean="0"/>
+              <a:rPr lang="en-US" sz="2000" dirty="0"/>
               <a:t>Tests should be placed in projects named the same as the project they are testing with a prefix of the type of tests it contains.</a:t>
             </a:r>
           </a:p>
           <a:p>
-            <a:pPr marL="171450" indent="-171450">
+            <a:pPr marL="172907" indent="-172907">
               <a:buFontTx/>
               <a:buChar char="-"/>
             </a:pPr>
-            <a:endParaRPr lang="en-US" sz="1200" dirty="0" smtClean="0"/>
+            <a:endParaRPr lang="en-US" dirty="0"/>
           </a:p>
         </p:txBody>
       </p:sp>
@@ -2208,8 +2209,8 @@
         </p:nvSpPr>
         <p:spPr bwMode="auto">
           <a:xfrm>
-            <a:off x="1181100" y="696913"/>
-            <a:ext cx="4648200" cy="3486150"/>
+            <a:off x="1179513" y="704850"/>
+            <a:ext cx="4694237" cy="3521075"/>
           </a:xfrm>
           <a:noFill/>
           <a:ln>
@@ -2244,43 +2245,39 @@
           <a:lstStyle/>
           <a:p>
             <a:r>
-              <a:rPr lang="en-US" sz="1200" dirty="0" smtClean="0"/>
-              <a:t>The last concept I want to cover before getting</a:t>
-            </a:r>
-            <a:r>
-              <a:rPr lang="en-US" sz="1200" baseline="0" dirty="0" smtClean="0"/>
-              <a:t> in to MVC is naming your tests.  How you name your tests is very important.</a:t>
-            </a:r>
-          </a:p>
-          <a:p>
-            <a:endParaRPr lang="en-US" sz="1200" dirty="0" smtClean="0"/>
-          </a:p>
-          <a:p>
-            <a:r>
-              <a:rPr lang="en-US" sz="1200" dirty="0" smtClean="0"/>
+              <a:rPr lang="en-US" sz="2000" dirty="0"/>
+              <a:t>The last concept I want to cover before getting in to MVC is naming your tests.  How you name your tests is very important.</a:t>
+            </a:r>
+          </a:p>
+          <a:p>
+            <a:endParaRPr lang="en-US" sz="2000" dirty="0"/>
+          </a:p>
+          <a:p>
+            <a:r>
+              <a:rPr lang="en-US" sz="2000" dirty="0"/>
               <a:t>Be descriptive…very descriptive</a:t>
             </a:r>
           </a:p>
           <a:p>
-            <a:endParaRPr lang="en-US" sz="1200" dirty="0" smtClean="0"/>
-          </a:p>
-          <a:p>
-            <a:r>
-              <a:rPr lang="en-US" sz="1200" dirty="0" smtClean="0"/>
+            <a:endParaRPr lang="en-US" sz="2000" dirty="0"/>
+          </a:p>
+          <a:p>
+            <a:r>
+              <a:rPr lang="en-US" sz="2000" dirty="0"/>
               <a:t>Long test names are encouraged</a:t>
             </a:r>
           </a:p>
           <a:p>
-            <a:endParaRPr lang="en-US" sz="1200" dirty="0" smtClean="0"/>
-          </a:p>
-          <a:p>
-            <a:r>
-              <a:rPr lang="en-US" sz="1200" dirty="0" smtClean="0"/>
+            <a:endParaRPr lang="en-US" sz="2000" dirty="0"/>
+          </a:p>
+          <a:p>
+            <a:r>
+              <a:rPr lang="en-US" sz="2000" dirty="0"/>
               <a:t>Should be able to read a test name and know exactly what it does and more importantly why it would fail</a:t>
             </a:r>
           </a:p>
           <a:p>
-            <a:endParaRPr lang="en-US" sz="1200" dirty="0" smtClean="0"/>
+            <a:endParaRPr lang="en-US" dirty="0"/>
           </a:p>
         </p:txBody>
       </p:sp>
@@ -2361,8 +2358,8 @@
         </p:nvSpPr>
         <p:spPr bwMode="auto">
           <a:xfrm>
-            <a:off x="1181100" y="696913"/>
-            <a:ext cx="4648200" cy="3486150"/>
+            <a:off x="1179513" y="704850"/>
+            <a:ext cx="4694237" cy="3521075"/>
           </a:xfrm>
           <a:noFill/>
           <a:ln>
@@ -2393,154 +2390,100 @@
             <a:prstTxWarp prst="textNoShape">
               <a:avLst/>
             </a:prstTxWarp>
-            <a:normAutofit fontScale="85000" lnSpcReduction="20000"/>
+            <a:normAutofit fontScale="55000" lnSpcReduction="20000"/>
           </a:bodyPr>
           <a:lstStyle/>
           <a:p>
-            <a:endParaRPr lang="en-US" sz="1400" baseline="0" dirty="0" smtClean="0"/>
-          </a:p>
-          <a:p>
-            <a:r>
-              <a:rPr lang="en-US" sz="1400" baseline="0" dirty="0" smtClean="0"/>
+            <a:endParaRPr lang="en-US" sz="2000" dirty="0"/>
+          </a:p>
+          <a:p>
+            <a:r>
+              <a:rPr lang="en-US" sz="2000" dirty="0"/>
               <a:t>MVC is a design pattern that stands for Model-View-Controller.  What it strives to do is separate the concerns of an application’s presentation layer by assigning specific roles to the three different components. </a:t>
             </a:r>
           </a:p>
           <a:p>
-            <a:endParaRPr lang="en-US" sz="1400" baseline="0" dirty="0" smtClean="0"/>
-          </a:p>
-          <a:p>
-            <a:pPr marL="0" marR="0" indent="0" algn="l" defTabSz="914400" rtl="0" eaLnBrk="0" fontAlgn="base" latinLnBrk="0" hangingPunct="0">
-              <a:lnSpc>
-                <a:spcPct val="100000"/>
-              </a:lnSpc>
-              <a:spcBef>
-                <a:spcPct val="30000"/>
-              </a:spcBef>
-              <a:spcAft>
-                <a:spcPct val="0"/>
-              </a:spcAft>
-              <a:buClrTx/>
-              <a:buSzTx/>
-              <a:buFontTx/>
-              <a:buNone/>
-              <a:tabLst/>
+            <a:endParaRPr lang="en-US" sz="2000" dirty="0"/>
+          </a:p>
+          <a:p>
+            <a:pPr defTabSz="922172">
               <a:defRPr/>
             </a:pPr>
             <a:r>
-              <a:rPr lang="en-US" sz="1400" b="1" baseline="0" dirty="0" smtClean="0"/>
+              <a:rPr lang="en-US" sz="2000" b="1" dirty="0"/>
               <a:t>[CLICK]</a:t>
             </a:r>
           </a:p>
           <a:p>
             <a:r>
-              <a:rPr lang="en-US" sz="1400" baseline="0" dirty="0" smtClean="0"/>
+              <a:rPr lang="en-US" sz="2000" dirty="0"/>
               <a:t>The Controller is responsible for handling all user input. Once input has been received, the Controller will perform any operations/actions it needs to, which might include interacting with the Model.</a:t>
             </a:r>
           </a:p>
           <a:p>
-            <a:endParaRPr lang="en-US" sz="1400" baseline="0" dirty="0" smtClean="0"/>
-          </a:p>
-          <a:p>
-            <a:pPr marL="0" marR="0" indent="0" algn="l" defTabSz="914400" rtl="0" eaLnBrk="0" fontAlgn="base" latinLnBrk="0" hangingPunct="0">
-              <a:lnSpc>
-                <a:spcPct val="100000"/>
-              </a:lnSpc>
-              <a:spcBef>
-                <a:spcPct val="30000"/>
-              </a:spcBef>
-              <a:spcAft>
-                <a:spcPct val="0"/>
-              </a:spcAft>
-              <a:buClrTx/>
-              <a:buSzTx/>
-              <a:buFontTx/>
-              <a:buNone/>
-              <a:tabLst/>
+            <a:endParaRPr lang="en-US" sz="2000" dirty="0"/>
+          </a:p>
+          <a:p>
+            <a:pPr defTabSz="922172">
               <a:defRPr/>
             </a:pPr>
             <a:r>
-              <a:rPr lang="en-US" sz="1400" b="1" baseline="0" dirty="0" smtClean="0"/>
+              <a:rPr lang="en-US" sz="2000" b="1" dirty="0"/>
               <a:t>[CLICK]</a:t>
             </a:r>
           </a:p>
           <a:p>
             <a:r>
-              <a:rPr lang="en-US" sz="1400" baseline="0" dirty="0" smtClean="0"/>
+              <a:rPr lang="en-US" sz="2000" dirty="0"/>
               <a:t>The Model represents the core concern/logic of the application. Once the Controller retrieves some model data and performs any work with the model/</a:t>
             </a:r>
             <a:r>
-              <a:rPr lang="en-US" sz="1400" baseline="0" dirty="0" err="1" smtClean="0"/>
+              <a:rPr lang="en-US" sz="2000" dirty="0" err="1"/>
               <a:t>etc</a:t>
             </a:r>
             <a:r>
-              <a:rPr lang="en-US" sz="1400" baseline="0" dirty="0" smtClean="0"/>
+              <a:rPr lang="en-US" sz="2000" dirty="0"/>
               <a:t> it needs to it constructs a presentation model that describes the model in terms the View can understand.</a:t>
             </a:r>
           </a:p>
           <a:p>
-            <a:endParaRPr lang="en-US" sz="1400" baseline="0" dirty="0" smtClean="0"/>
-          </a:p>
-          <a:p>
-            <a:pPr marL="0" marR="0" indent="0" algn="l" defTabSz="914400" rtl="0" eaLnBrk="0" fontAlgn="base" latinLnBrk="0" hangingPunct="0">
-              <a:lnSpc>
-                <a:spcPct val="100000"/>
-              </a:lnSpc>
-              <a:spcBef>
-                <a:spcPct val="30000"/>
-              </a:spcBef>
-              <a:spcAft>
-                <a:spcPct val="0"/>
-              </a:spcAft>
-              <a:buClrTx/>
-              <a:buSzTx/>
-              <a:buFontTx/>
-              <a:buNone/>
-              <a:tabLst/>
+            <a:endParaRPr lang="en-US" sz="2000" dirty="0"/>
+          </a:p>
+          <a:p>
+            <a:pPr defTabSz="922172">
               <a:defRPr/>
             </a:pPr>
             <a:r>
-              <a:rPr lang="en-US" sz="1400" b="1" baseline="0" dirty="0" smtClean="0"/>
+              <a:rPr lang="en-US" sz="2000" b="1" dirty="0"/>
               <a:t>[CLICK]</a:t>
             </a:r>
           </a:p>
           <a:p>
             <a:r>
-              <a:rPr lang="en-US" sz="1400" dirty="0" smtClean="0"/>
-              <a:t>The View is</a:t>
-            </a:r>
-            <a:r>
-              <a:rPr lang="en-US" sz="1400" baseline="0" dirty="0" smtClean="0"/>
-              <a:t> the visual representation of the model. It presents the model data to the actual user in a way that is meaningful. In a web application, this would typically be HTML.</a:t>
-            </a:r>
-          </a:p>
-          <a:p>
-            <a:endParaRPr lang="en-US" sz="1400" baseline="0" dirty="0" smtClean="0"/>
-          </a:p>
-          <a:p>
-            <a:r>
-              <a:rPr lang="en-US" sz="1400" baseline="0" dirty="0" smtClean="0"/>
+              <a:rPr lang="en-US" sz="2000" dirty="0"/>
+              <a:t>The View is the visual representation of the model. It presents the model data to the actual user in a way that is meaningful. In a web application, this would typically be HTML.</a:t>
+            </a:r>
+          </a:p>
+          <a:p>
+            <a:endParaRPr lang="en-US" sz="2000" dirty="0"/>
+          </a:p>
+          <a:p>
+            <a:r>
+              <a:rPr lang="en-US" sz="2000" dirty="0"/>
               <a:t>With these three pieces in place, your presentation layer becomes cleanly separated in such a way that each component can be developed/tested independently.</a:t>
             </a:r>
           </a:p>
           <a:p>
-            <a:endParaRPr lang="en-US" sz="1400" dirty="0" smtClean="0"/>
-          </a:p>
-          <a:p>
-            <a:pPr marL="0" lvl="0" indent="0" algn="l">
-              <a:buFont typeface="Arial" pitchFamily="34" charset="0"/>
-              <a:buNone/>
-            </a:pPr>
-            <a:endParaRPr lang="en-US" sz="1400" dirty="0" smtClean="0"/>
-          </a:p>
-          <a:p>
-            <a:endParaRPr lang="en-US" sz="1400" dirty="0" smtClean="0"/>
-          </a:p>
-          <a:p>
-            <a:pPr marL="0" lvl="0" indent="0" algn="l">
-              <a:buFont typeface="Arial" pitchFamily="34" charset="0"/>
-              <a:buNone/>
-            </a:pPr>
-            <a:endParaRPr lang="en-US" sz="1400" dirty="0" smtClean="0"/>
+            <a:endParaRPr lang="en-US" sz="1400" dirty="0"/>
+          </a:p>
+          <a:p>
+            <a:endParaRPr lang="en-US" sz="1400" dirty="0"/>
+          </a:p>
+          <a:p>
+            <a:endParaRPr lang="en-US" sz="1400" dirty="0"/>
+          </a:p>
+          <a:p>
+            <a:endParaRPr lang="en-US" sz="1400" dirty="0"/>
           </a:p>
         </p:txBody>
       </p:sp>
@@ -2621,8 +2564,8 @@
         </p:nvSpPr>
         <p:spPr bwMode="auto">
           <a:xfrm>
-            <a:off x="1181100" y="696913"/>
-            <a:ext cx="4648200" cy="3486150"/>
+            <a:off x="1179513" y="704850"/>
+            <a:ext cx="4694237" cy="3521075"/>
           </a:xfrm>
           <a:noFill/>
           <a:ln>
@@ -2653,191 +2596,187 @@
             <a:prstTxWarp prst="textNoShape">
               <a:avLst/>
             </a:prstTxWarp>
-            <a:normAutofit fontScale="92500" lnSpcReduction="20000"/>
+            <a:normAutofit fontScale="62500" lnSpcReduction="20000"/>
           </a:bodyPr>
           <a:lstStyle/>
           <a:p>
-            <a:pPr marL="285750" lvl="0" indent="-285750" algn="l">
+            <a:pPr marL="288179" indent="-288179">
               <a:buFont typeface="Arial" pitchFamily="34" charset="0"/>
               <a:buChar char="•"/>
             </a:pPr>
             <a:r>
-              <a:rPr lang="en-US" sz="1400" dirty="0" smtClean="0"/>
-              <a:t>ASP.NET</a:t>
-            </a:r>
-            <a:r>
-              <a:rPr lang="en-US" sz="1400" baseline="0" dirty="0" smtClean="0"/>
-              <a:t> MVC was created with a clear focus on best practices in both Architecture and Coding</a:t>
-            </a:r>
-          </a:p>
-          <a:p>
-            <a:pPr marL="285750" lvl="0" indent="-285750" algn="l">
+              <a:rPr lang="en-US" sz="2000" dirty="0"/>
+              <a:t>ASP.NET MVC was created with a clear focus on best practices in both Architecture and Coding</a:t>
+            </a:r>
+          </a:p>
+          <a:p>
+            <a:pPr marL="288179" indent="-288179">
               <a:buFont typeface="Arial" pitchFamily="34" charset="0"/>
               <a:buChar char="•"/>
             </a:pPr>
             <a:r>
-              <a:rPr lang="en-US" sz="1400" baseline="0" dirty="0" smtClean="0"/>
+              <a:rPr lang="en-US" sz="2000" dirty="0"/>
               <a:t>This is a new approach for Microsoft – in the past they always set us up for failure and it was our job to know better</a:t>
             </a:r>
           </a:p>
           <a:p>
-            <a:pPr marL="285750" lvl="0" indent="-285750" algn="l">
+            <a:pPr marL="288179" indent="-288179">
               <a:buFont typeface="Arial" pitchFamily="34" charset="0"/>
               <a:buChar char="•"/>
             </a:pPr>
             <a:r>
-              <a:rPr lang="en-US" sz="1400" baseline="0" dirty="0" smtClean="0"/>
+              <a:rPr lang="en-US" sz="2000" dirty="0"/>
               <a:t>In ASP.NET MVC:</a:t>
             </a:r>
           </a:p>
           <a:p>
-            <a:pPr marL="742950" lvl="1" indent="-285750" algn="l">
+            <a:pPr marL="749265" lvl="1" indent="-288179">
               <a:buFont typeface="Arial" pitchFamily="34" charset="0"/>
               <a:buChar char="•"/>
             </a:pPr>
             <a:r>
-              <a:rPr lang="en-US" sz="1400" baseline="0" dirty="0" smtClean="0"/>
+              <a:rPr lang="en-US" sz="2000" dirty="0"/>
               <a:t>1.  There is a clear separation of layers (Model/View/Controller)</a:t>
             </a:r>
           </a:p>
           <a:p>
-            <a:pPr marL="742950" lvl="1" indent="-285750" algn="l">
+            <a:pPr marL="749265" lvl="1" indent="-288179">
               <a:buFont typeface="Arial" pitchFamily="34" charset="0"/>
               <a:buChar char="•"/>
             </a:pPr>
             <a:r>
-              <a:rPr lang="en-US" sz="1400" baseline="0" dirty="0" smtClean="0"/>
+              <a:rPr lang="en-US" sz="2000" dirty="0"/>
               <a:t>2.  No designer!</a:t>
             </a:r>
           </a:p>
           <a:p>
-            <a:pPr marL="742950" lvl="1" indent="-285750" algn="l">
+            <a:pPr marL="749265" lvl="1" indent="-288179">
               <a:buFont typeface="Arial" pitchFamily="34" charset="0"/>
               <a:buChar char="•"/>
             </a:pPr>
             <a:r>
-              <a:rPr lang="en-US" sz="1400" baseline="0" dirty="0" smtClean="0"/>
+              <a:rPr lang="en-US" sz="2000" dirty="0"/>
               <a:t>3.  No server controls that you can drag on and hook up directly to your Database!</a:t>
             </a:r>
           </a:p>
           <a:p>
-            <a:pPr marL="742950" lvl="1" indent="-285750" algn="l">
+            <a:pPr marL="749265" lvl="1" indent="-288179">
               <a:buFont typeface="Arial" pitchFamily="34" charset="0"/>
               <a:buChar char="•"/>
             </a:pPr>
             <a:r>
-              <a:rPr lang="en-US" sz="1400" baseline="0" dirty="0" smtClean="0"/>
+              <a:rPr lang="en-US" sz="2000" dirty="0"/>
               <a:t>4.  They are actually encouraging testing…WHAT?</a:t>
             </a:r>
           </a:p>
           <a:p>
-            <a:pPr marL="1200150" lvl="2" indent="-285750" algn="l">
+            <a:pPr marL="1210351" lvl="2" indent="-288179">
               <a:buFont typeface="Arial" pitchFamily="34" charset="0"/>
               <a:buChar char="•"/>
             </a:pPr>
             <a:r>
-              <a:rPr lang="en-US" sz="1400" baseline="0" dirty="0" smtClean="0"/>
+              <a:rPr lang="en-US" sz="2000" dirty="0"/>
               <a:t>- Don’t believe me…File -&gt; New Project -&gt; ASP.NET -&gt; “Create a unit test project”….Grant it, it should be defaulted to checked…but Rome was Built in a day</a:t>
             </a:r>
           </a:p>
           <a:p>
-            <a:pPr marL="742950" lvl="1" indent="-285750" algn="l">
+            <a:pPr marL="749265" lvl="1" indent="-288179">
               <a:buFont typeface="Arial" pitchFamily="34" charset="0"/>
               <a:buChar char="•"/>
             </a:pPr>
             <a:r>
-              <a:rPr lang="en-US" sz="1400" baseline="0" dirty="0" smtClean="0"/>
+              <a:rPr lang="en-US" sz="2000" dirty="0"/>
               <a:t>5.  MVC has a lot of DI points </a:t>
             </a:r>
           </a:p>
           <a:p>
-            <a:pPr marL="1200150" lvl="2" indent="-285750" algn="l">
+            <a:pPr marL="1210351" lvl="2" indent="-288179">
               <a:buFont typeface="Arial" pitchFamily="34" charset="0"/>
               <a:buChar char="•"/>
             </a:pPr>
             <a:r>
-              <a:rPr lang="en-US" sz="1400" baseline="0" dirty="0" smtClean="0"/>
+              <a:rPr lang="en-US" sz="2000" dirty="0"/>
               <a:t>Controllers</a:t>
             </a:r>
           </a:p>
           <a:p>
-            <a:pPr marL="1200150" lvl="2" indent="-285750" algn="l">
+            <a:pPr marL="1210351" lvl="2" indent="-288179">
               <a:buFont typeface="Arial" pitchFamily="34" charset="0"/>
               <a:buChar char="•"/>
             </a:pPr>
             <a:r>
-              <a:rPr lang="en-US" sz="1400" baseline="0" dirty="0" smtClean="0"/>
+              <a:rPr lang="en-US" sz="2000" dirty="0"/>
               <a:t>Views</a:t>
             </a:r>
           </a:p>
           <a:p>
-            <a:pPr marL="1200150" lvl="2" indent="-285750" algn="l">
+            <a:pPr marL="1210351" lvl="2" indent="-288179">
               <a:buFont typeface="Arial" pitchFamily="34" charset="0"/>
               <a:buChar char="•"/>
             </a:pPr>
             <a:r>
-              <a:rPr lang="en-US" sz="1400" baseline="0" dirty="0" smtClean="0"/>
+              <a:rPr lang="en-US" sz="2000" dirty="0"/>
               <a:t>Action Filters</a:t>
             </a:r>
           </a:p>
           <a:p>
-            <a:pPr marL="1200150" lvl="2" indent="-285750" algn="l">
+            <a:pPr marL="1210351" lvl="2" indent="-288179">
               <a:buFont typeface="Arial" pitchFamily="34" charset="0"/>
               <a:buChar char="•"/>
             </a:pPr>
             <a:r>
-              <a:rPr lang="en-US" sz="1400" baseline="0" dirty="0" smtClean="0"/>
+              <a:rPr lang="en-US" sz="2000" dirty="0"/>
               <a:t>Model Binders</a:t>
             </a:r>
           </a:p>
           <a:p>
-            <a:pPr marL="1200150" lvl="2" indent="-285750" algn="l">
+            <a:pPr marL="1210351" lvl="2" indent="-288179">
               <a:buFont typeface="Arial" pitchFamily="34" charset="0"/>
               <a:buChar char="•"/>
             </a:pPr>
             <a:r>
-              <a:rPr lang="en-US" sz="1400" baseline="0" dirty="0" smtClean="0"/>
+              <a:rPr lang="en-US" sz="2000" dirty="0"/>
               <a:t>View Providers</a:t>
             </a:r>
           </a:p>
           <a:p>
-            <a:pPr marL="1200150" lvl="2" indent="-285750" algn="l">
+            <a:pPr marL="1210351" lvl="2" indent="-288179">
               <a:buFont typeface="Arial" pitchFamily="34" charset="0"/>
               <a:buChar char="•"/>
             </a:pPr>
             <a:r>
-              <a:rPr lang="en-US" sz="1400" b="1" baseline="0" dirty="0" smtClean="0"/>
+              <a:rPr lang="en-US" sz="2000" b="1" dirty="0"/>
               <a:t>[Next Slide]</a:t>
             </a:r>
-            <a:endParaRPr lang="en-US" sz="1400" baseline="0" dirty="0" smtClean="0"/>
-          </a:p>
-          <a:p>
-            <a:pPr marL="285750" lvl="0" indent="-285750" algn="l">
+            <a:endParaRPr lang="en-US" sz="2000" dirty="0"/>
+          </a:p>
+          <a:p>
+            <a:pPr marL="288179" indent="-288179">
               <a:buFont typeface="Arial" pitchFamily="34" charset="0"/>
               <a:buChar char="•"/>
             </a:pPr>
-            <a:endParaRPr lang="en-US" sz="1400" baseline="0" dirty="0" smtClean="0"/>
-          </a:p>
-          <a:p>
-            <a:pPr marL="285750" lvl="0" indent="-285750" algn="l">
+            <a:endParaRPr lang="en-US" sz="1400" dirty="0"/>
+          </a:p>
+          <a:p>
+            <a:pPr marL="288179" indent="-288179">
               <a:buFont typeface="Arial" pitchFamily="34" charset="0"/>
               <a:buChar char="•"/>
             </a:pPr>
-            <a:endParaRPr lang="en-US" sz="1400" baseline="0" dirty="0" smtClean="0"/>
-          </a:p>
-          <a:p>
-            <a:pPr marL="742950" lvl="1" indent="-285750" algn="l">
+            <a:endParaRPr lang="en-US" sz="1400" dirty="0"/>
+          </a:p>
+          <a:p>
+            <a:pPr marL="749265" lvl="1" indent="-288179">
               <a:buFont typeface="Arial" pitchFamily="34" charset="0"/>
               <a:buChar char="•"/>
             </a:pPr>
-            <a:endParaRPr lang="en-US" sz="1400" baseline="0" dirty="0" smtClean="0"/>
-          </a:p>
-          <a:p>
-            <a:pPr marL="285750" lvl="0" indent="-285750" algn="l">
+            <a:endParaRPr lang="en-US" sz="1400" dirty="0"/>
+          </a:p>
+          <a:p>
+            <a:pPr marL="288179" indent="-288179">
               <a:buFont typeface="Arial" pitchFamily="34" charset="0"/>
               <a:buChar char="•"/>
             </a:pPr>
-            <a:endParaRPr lang="en-US" sz="1400" dirty="0" smtClean="0"/>
+            <a:endParaRPr lang="en-US" sz="1400" dirty="0"/>
           </a:p>
         </p:txBody>
       </p:sp>
@@ -2918,8 +2857,8 @@
         </p:nvSpPr>
         <p:spPr bwMode="auto">
           <a:xfrm>
-            <a:off x="1181100" y="696913"/>
-            <a:ext cx="4648200" cy="3486150"/>
+            <a:off x="1179513" y="704850"/>
+            <a:ext cx="4694237" cy="3521075"/>
           </a:xfrm>
           <a:noFill/>
           <a:ln>
@@ -2950,156 +2889,153 @@
             <a:prstTxWarp prst="textNoShape">
               <a:avLst/>
             </a:prstTxWarp>
+            <a:normAutofit fontScale="92500" lnSpcReduction="20000"/>
           </a:bodyPr>
           <a:lstStyle/>
           <a:p>
-            <a:pPr marL="285750" lvl="0" indent="-285750" algn="l">
+            <a:pPr marL="288179" indent="-288179">
               <a:buFontTx/>
               <a:buChar char="-"/>
             </a:pPr>
             <a:r>
-              <a:rPr lang="en-US" sz="1400" baseline="0" dirty="0" smtClean="0"/>
+              <a:rPr lang="en-US" sz="2000" dirty="0"/>
               <a:t>MVC </a:t>
             </a:r>
             <a:r>
-              <a:rPr lang="en-US" sz="1400" baseline="0" dirty="0" err="1" smtClean="0"/>
+              <a:rPr lang="en-US" sz="2000" dirty="0" err="1"/>
               <a:t>Contrib</a:t>
             </a:r>
             <a:r>
-              <a:rPr lang="en-US" sz="1400" baseline="0" dirty="0" smtClean="0"/>
-              <a:t> is a project designed to additional functionality and ease of use to </a:t>
-            </a:r>
-            <a:r>
-              <a:rPr lang="en-US" sz="1400" baseline="0" dirty="0" smtClean="0"/>
-              <a:t>MVC</a:t>
-            </a:r>
-          </a:p>
-          <a:p>
-            <a:pPr marL="285750" lvl="0" indent="-285750" algn="l">
+              <a:rPr lang="en-US" sz="2000" dirty="0"/>
+              <a:t> is a project designed to additional functionality and ease of use to MVC</a:t>
+            </a:r>
+          </a:p>
+          <a:p>
+            <a:pPr marL="288179" indent="-288179">
               <a:buFontTx/>
               <a:buChar char="-"/>
             </a:pPr>
             <a:r>
-              <a:rPr lang="en-US" sz="1400" baseline="0" dirty="0" smtClean="0"/>
+              <a:rPr lang="en-US" sz="2000" dirty="0"/>
               <a:t>Hosted on </a:t>
             </a:r>
             <a:r>
-              <a:rPr lang="en-US" sz="1400" baseline="0" dirty="0" err="1" smtClean="0"/>
+              <a:rPr lang="en-US" sz="2000" dirty="0" err="1"/>
               <a:t>CodePlex</a:t>
             </a:r>
-            <a:endParaRPr lang="en-US" sz="1400" baseline="0" dirty="0" smtClean="0"/>
-          </a:p>
-          <a:p>
-            <a:pPr marL="285750" lvl="0" indent="-285750" algn="l">
+            <a:endParaRPr lang="en-US" sz="2000" dirty="0"/>
+          </a:p>
+          <a:p>
+            <a:pPr marL="288179" indent="-288179">
               <a:buFontTx/>
               <a:buChar char="-"/>
             </a:pPr>
             <a:r>
-              <a:rPr lang="en-US" sz="1400" baseline="0" dirty="0" smtClean="0"/>
+              <a:rPr lang="en-US" sz="2000" dirty="0"/>
               <a:t>Created and maintain by members of the Austin Mafia</a:t>
             </a:r>
           </a:p>
           <a:p>
-            <a:pPr marL="742950" lvl="1" indent="-285750" algn="l">
+            <a:pPr marL="749265" lvl="1" indent="-288179">
               <a:buFontTx/>
               <a:buChar char="-"/>
             </a:pPr>
             <a:r>
-              <a:rPr lang="en-US" sz="1400" baseline="0" dirty="0" smtClean="0"/>
+              <a:rPr lang="en-US" sz="2000" dirty="0"/>
               <a:t>Eric </a:t>
             </a:r>
             <a:r>
-              <a:rPr lang="en-US" sz="1400" baseline="0" dirty="0" err="1" smtClean="0"/>
+              <a:rPr lang="en-US" sz="2000" dirty="0" err="1"/>
               <a:t>Hexter</a:t>
             </a:r>
-            <a:endParaRPr lang="en-US" sz="1400" baseline="0" dirty="0" smtClean="0"/>
-          </a:p>
-          <a:p>
-            <a:pPr marL="742950" lvl="1" indent="-285750" algn="l">
+            <a:endParaRPr lang="en-US" sz="2000" dirty="0"/>
+          </a:p>
+          <a:p>
+            <a:pPr marL="749265" lvl="1" indent="-288179">
               <a:buFontTx/>
               <a:buChar char="-"/>
             </a:pPr>
             <a:r>
-              <a:rPr lang="en-US" sz="1400" baseline="0" dirty="0" smtClean="0"/>
+              <a:rPr lang="en-US" sz="2000" dirty="0"/>
               <a:t>Jeffery Palermo</a:t>
             </a:r>
           </a:p>
           <a:p>
-            <a:pPr marL="742950" lvl="1" indent="-285750" algn="l">
+            <a:pPr marL="749265" lvl="1" indent="-288179">
               <a:buFontTx/>
               <a:buChar char="-"/>
             </a:pPr>
             <a:r>
-              <a:rPr lang="en-US" sz="1400" baseline="0" dirty="0" smtClean="0"/>
+              <a:rPr lang="en-US" sz="2000" dirty="0"/>
               <a:t>Jimmy </a:t>
             </a:r>
             <a:r>
-              <a:rPr lang="en-US" sz="1400" baseline="0" dirty="0" err="1" smtClean="0"/>
+              <a:rPr lang="en-US" sz="2000" dirty="0" err="1"/>
               <a:t>Bogard</a:t>
             </a:r>
-            <a:endParaRPr lang="en-US" sz="1400" baseline="0" dirty="0" smtClean="0"/>
-          </a:p>
-          <a:p>
-            <a:pPr marL="742950" lvl="1" indent="-285750" algn="l">
+            <a:endParaRPr lang="en-US" sz="2000" dirty="0"/>
+          </a:p>
+          <a:p>
+            <a:pPr marL="749265" lvl="1" indent="-288179">
               <a:buFontTx/>
               <a:buChar char="-"/>
             </a:pPr>
             <a:r>
-              <a:rPr lang="en-US" sz="1400" baseline="0" dirty="0" smtClean="0"/>
+              <a:rPr lang="en-US" sz="2000" dirty="0"/>
               <a:t>Brandon Satrom</a:t>
             </a:r>
           </a:p>
           <a:p>
-            <a:pPr marL="742950" lvl="1" indent="-285750" algn="l">
+            <a:pPr marL="749265" lvl="1" indent="-288179">
               <a:buFontTx/>
               <a:buChar char="-"/>
             </a:pPr>
             <a:r>
-              <a:rPr lang="en-US" sz="1400" baseline="0" dirty="0" smtClean="0"/>
+              <a:rPr lang="en-US" sz="2000" dirty="0"/>
               <a:t>So a bunch of extremely smart web guys</a:t>
             </a:r>
           </a:p>
           <a:p>
-            <a:pPr marL="285750" lvl="0" indent="-285750" algn="l">
+            <a:pPr marL="288179" indent="-288179">
               <a:buFontTx/>
               <a:buChar char="-"/>
             </a:pPr>
             <a:r>
-              <a:rPr lang="en-US" sz="1400" baseline="0" dirty="0" smtClean="0"/>
+              <a:rPr lang="en-US" sz="2000" dirty="0"/>
               <a:t>A lot of the functionality has now been rolled in to ASP.NET MVC but the </a:t>
             </a:r>
             <a:r>
-              <a:rPr lang="en-US" sz="1400" baseline="0" dirty="0" err="1" smtClean="0"/>
+              <a:rPr lang="en-US" sz="2000" dirty="0" err="1"/>
               <a:t>MvcContrib.Tester</a:t>
             </a:r>
             <a:r>
-              <a:rPr lang="en-US" sz="1400" baseline="0" dirty="0" smtClean="0"/>
+              <a:rPr lang="en-US" sz="2000" dirty="0"/>
               <a:t> is still a must have for testing your Routes, Controllers, and views!</a:t>
             </a:r>
           </a:p>
           <a:p>
-            <a:pPr marL="285750" lvl="0" indent="-285750" algn="l">
+            <a:pPr marL="288179" indent="-288179">
               <a:buFontTx/>
               <a:buChar char="-"/>
             </a:pPr>
-            <a:endParaRPr lang="en-US" sz="1400" baseline="0" dirty="0" smtClean="0"/>
-          </a:p>
-          <a:p>
-            <a:pPr marL="742950" lvl="1" indent="-285750" algn="l">
+            <a:endParaRPr lang="en-US" sz="1400" dirty="0"/>
+          </a:p>
+          <a:p>
+            <a:pPr marL="749265" lvl="1" indent="-288179">
               <a:buFontTx/>
               <a:buChar char="-"/>
             </a:pPr>
-            <a:endParaRPr lang="en-US" sz="1400" baseline="0" dirty="0" smtClean="0"/>
-          </a:p>
-          <a:p>
-            <a:endParaRPr lang="en-US" sz="2000" dirty="0" smtClean="0"/>
-          </a:p>
-          <a:p>
-            <a:pPr marL="742950" lvl="1" indent="-285750" algn="l">
+            <a:endParaRPr lang="en-US" sz="1400" dirty="0"/>
+          </a:p>
+          <a:p>
+            <a:endParaRPr lang="en-US" sz="2000" dirty="0"/>
+          </a:p>
+          <a:p>
+            <a:pPr marL="749265" lvl="1" indent="-288179">
               <a:buFontTx/>
               <a:buChar char="-"/>
             </a:pPr>
-            <a:endParaRPr lang="en-US" sz="1400" baseline="0" dirty="0" smtClean="0"/>
+            <a:endParaRPr lang="en-US" sz="1400" dirty="0"/>
           </a:p>
         </p:txBody>
       </p:sp>
@@ -3180,8 +3116,8 @@
         </p:nvSpPr>
         <p:spPr bwMode="auto">
           <a:xfrm>
-            <a:off x="1181100" y="696913"/>
-            <a:ext cx="4648200" cy="3486150"/>
+            <a:off x="1179513" y="704850"/>
+            <a:ext cx="4694237" cy="3521075"/>
           </a:xfrm>
           <a:noFill/>
           <a:ln>
@@ -3220,10 +3156,7 @@
                 <a:spcPct val="0"/>
               </a:spcBef>
             </a:pPr>
-            <a:r>
-              <a:rPr lang="en-US" smtClean="0"/>
-              <a:t>Scrum most popular.  </a:t>
-            </a:r>
+            <a:endParaRPr lang="en-US" dirty="0" smtClean="0"/>
           </a:p>
         </p:txBody>
       </p:sp>
@@ -3304,8 +3237,8 @@
         </p:nvSpPr>
         <p:spPr bwMode="auto">
           <a:xfrm>
-            <a:off x="1181100" y="696913"/>
-            <a:ext cx="4648200" cy="3486150"/>
+            <a:off x="1179513" y="704850"/>
+            <a:ext cx="4694237" cy="3521075"/>
           </a:xfrm>
           <a:noFill/>
           <a:ln>
@@ -3339,66 +3272,66 @@
           </a:bodyPr>
           <a:lstStyle/>
           <a:p>
-            <a:pPr marL="285750" lvl="0" indent="-285750" algn="l">
+            <a:pPr marL="288179" indent="-288179">
               <a:buFontTx/>
               <a:buChar char="-"/>
             </a:pPr>
             <a:r>
-              <a:rPr lang="en-US" sz="1400" baseline="0" dirty="0" smtClean="0"/>
+              <a:rPr lang="en-US" sz="2000" dirty="0"/>
               <a:t>Routing is what makes clean readable </a:t>
             </a:r>
             <a:r>
-              <a:rPr lang="en-US" sz="1400" baseline="0" dirty="0" err="1" smtClean="0"/>
+              <a:rPr lang="en-US" sz="2000" dirty="0" err="1"/>
               <a:t>url’s</a:t>
             </a:r>
             <a:r>
-              <a:rPr lang="en-US" sz="1400" baseline="0" dirty="0" smtClean="0"/>
+              <a:rPr lang="en-US" sz="2000" dirty="0"/>
               <a:t> in MVC possible.</a:t>
             </a:r>
           </a:p>
           <a:p>
-            <a:pPr marL="285750" lvl="0" indent="-285750" algn="l">
+            <a:pPr marL="288179" indent="-288179">
               <a:buFontTx/>
               <a:buChar char="-"/>
             </a:pPr>
             <a:r>
-              <a:rPr lang="en-US" sz="1400" baseline="0" dirty="0" smtClean="0"/>
+              <a:rPr lang="en-US" sz="2000" dirty="0"/>
               <a:t>Handles the incoming request and maps that to a controller and action based on the URL segments</a:t>
             </a:r>
           </a:p>
           <a:p>
-            <a:pPr marL="285750" lvl="0" indent="-285750" algn="l">
+            <a:pPr marL="288179" indent="-288179">
               <a:buFontTx/>
               <a:buChar char="-"/>
             </a:pPr>
             <a:r>
-              <a:rPr lang="en-US" sz="1400" baseline="0" dirty="0" smtClean="0"/>
+              <a:rPr lang="en-US" sz="2000" dirty="0"/>
               <a:t>Can get complicated and confusing, luckily they can be tested</a:t>
             </a:r>
           </a:p>
           <a:p>
-            <a:pPr marL="285750" lvl="0" indent="-285750" algn="l">
+            <a:pPr marL="288179" indent="-288179">
               <a:buFontTx/>
               <a:buChar char="-"/>
             </a:pPr>
             <a:r>
-              <a:rPr lang="en-US" sz="1400" baseline="0" dirty="0" smtClean="0"/>
+              <a:rPr lang="en-US" sz="2000" dirty="0"/>
               <a:t>Let’s look at a demo of that now.</a:t>
             </a:r>
           </a:p>
           <a:p>
-            <a:pPr marL="285750" lvl="0" indent="-285750" algn="l">
+            <a:pPr marL="288179" indent="-288179">
               <a:buFontTx/>
               <a:buChar char="-"/>
             </a:pPr>
-            <a:endParaRPr lang="en-US" sz="1400" baseline="0" dirty="0" smtClean="0"/>
-          </a:p>
-          <a:p>
-            <a:pPr marL="742950" lvl="1" indent="-285750" algn="l">
+            <a:endParaRPr lang="en-US" sz="1400" dirty="0"/>
+          </a:p>
+          <a:p>
+            <a:pPr marL="749265" lvl="1" indent="-288179">
               <a:buFontTx/>
               <a:buChar char="-"/>
             </a:pPr>
-            <a:endParaRPr lang="en-US" sz="1400" baseline="0" dirty="0" smtClean="0"/>
+            <a:endParaRPr lang="en-US" sz="1400" dirty="0"/>
           </a:p>
         </p:txBody>
       </p:sp>
@@ -3479,8 +3412,8 @@
         </p:nvSpPr>
         <p:spPr bwMode="auto">
           <a:xfrm>
-            <a:off x="1181100" y="696913"/>
-            <a:ext cx="4648200" cy="3486150"/>
+            <a:off x="1179513" y="704850"/>
+            <a:ext cx="4694237" cy="3521075"/>
           </a:xfrm>
           <a:noFill/>
           <a:ln>
@@ -3515,895 +3448,351 @@
           </a:bodyPr>
           <a:lstStyle/>
           <a:p>
-            <a:pPr marL="0" lvl="0" indent="0" algn="l">
-              <a:buFont typeface="Arial" pitchFamily="34" charset="0"/>
-              <a:buNone/>
-            </a:pPr>
-            <a:r>
-              <a:rPr lang="en-US" b="1" dirty="0" smtClean="0"/>
-              <a:t>***</a:t>
-            </a:r>
-            <a:r>
-              <a:rPr lang="en-US" b="1" baseline="0" dirty="0" smtClean="0"/>
-              <a:t> Start by F5’ing and showing </a:t>
-            </a:r>
-            <a:r>
-              <a:rPr lang="en-US" b="1" baseline="0" dirty="0" smtClean="0"/>
-              <a:t>what application does</a:t>
-            </a:r>
-            <a:endParaRPr lang="en-US" b="1" dirty="0" smtClean="0"/>
-          </a:p>
-          <a:p>
-            <a:pPr marL="342900" lvl="0" indent="-342900" algn="l">
+            <a:r>
+              <a:rPr lang="en-US" sz="2000" b="1" dirty="0"/>
+              <a:t>*** Start by F5’ing and showing what application does</a:t>
+            </a:r>
+          </a:p>
+          <a:p>
+            <a:pPr marL="345815" indent="-345815">
               <a:buFont typeface="Arial" pitchFamily="34" charset="0"/>
               <a:buAutoNum type="arabicPeriod"/>
             </a:pPr>
-            <a:endParaRPr lang="en-US" sz="1400" b="1" i="1" baseline="0" dirty="0" smtClean="0"/>
-          </a:p>
-          <a:p>
-            <a:pPr marL="342900" lvl="0" indent="-342900" algn="l">
+            <a:endParaRPr lang="en-US" sz="2000" b="1" i="1" dirty="0"/>
+          </a:p>
+          <a:p>
+            <a:pPr marL="345815" indent="-345815">
               <a:buFont typeface="Arial" pitchFamily="34" charset="0"/>
               <a:buAutoNum type="arabicPeriod"/>
             </a:pPr>
-            <a:endParaRPr lang="en-US" sz="1400" b="1" i="1" baseline="0" dirty="0" smtClean="0"/>
-          </a:p>
-          <a:p>
-            <a:pPr marL="342900" lvl="0" indent="-342900" algn="l">
+            <a:endParaRPr lang="en-US" sz="2000" b="1" i="1" dirty="0"/>
+          </a:p>
+          <a:p>
+            <a:pPr marL="345815" indent="-345815">
               <a:buFont typeface="Arial" pitchFamily="34" charset="0"/>
               <a:buAutoNum type="arabicPeriod"/>
             </a:pPr>
             <a:r>
-              <a:rPr lang="en-US" sz="1400" b="1" i="1" baseline="0" dirty="0" smtClean="0"/>
+              <a:rPr lang="en-US" sz="2000" b="1" i="1" dirty="0"/>
               <a:t>Isolating your routes</a:t>
             </a:r>
           </a:p>
           <a:p>
-            <a:pPr marL="800100" lvl="1" indent="-342900" algn="l">
+            <a:pPr marL="806901" lvl="1" indent="-345815">
               <a:buFont typeface="Arial" pitchFamily="34" charset="0"/>
               <a:buAutoNum type="arabicPeriod"/>
             </a:pPr>
             <a:r>
-              <a:rPr lang="en-US" sz="1400" baseline="0" dirty="0" smtClean="0"/>
+              <a:rPr lang="en-US" sz="2000" dirty="0"/>
               <a:t>Pull up Global.asax.cx– this has changed a bit since MVC3 where the routes used to be defined directly here, but now we have a new class named “</a:t>
             </a:r>
             <a:r>
-              <a:rPr lang="en-US" sz="1400" baseline="0" dirty="0" err="1" smtClean="0"/>
+              <a:rPr lang="en-US" sz="2000" dirty="0" err="1"/>
               <a:t>RouteConfig</a:t>
             </a:r>
             <a:r>
-              <a:rPr lang="en-US" sz="1400" baseline="0" dirty="0" smtClean="0"/>
+              <a:rPr lang="en-US" sz="2000" dirty="0"/>
               <a:t>” that that handles registering the routes.	</a:t>
             </a:r>
           </a:p>
           <a:p>
-            <a:pPr marL="800100" lvl="1" indent="-342900" algn="l">
+            <a:pPr marL="806901" lvl="1" indent="-345815">
               <a:buFont typeface="Arial" pitchFamily="34" charset="0"/>
               <a:buAutoNum type="arabicPeriod"/>
             </a:pPr>
             <a:r>
-              <a:rPr lang="en-US" sz="1400" baseline="0" dirty="0" smtClean="0"/>
+              <a:rPr lang="en-US" sz="2000" dirty="0"/>
               <a:t>Out of the box the Routes are defined directly in the </a:t>
             </a:r>
             <a:r>
-              <a:rPr lang="en-US" sz="1400" baseline="0" dirty="0" err="1" smtClean="0"/>
+              <a:rPr lang="en-US" sz="2000" dirty="0" err="1"/>
               <a:t>RegisterRoutes</a:t>
             </a:r>
             <a:r>
-              <a:rPr lang="en-US" sz="1400" baseline="0" dirty="0" smtClean="0"/>
+              <a:rPr lang="en-US" sz="2000" dirty="0"/>
               <a:t> method. </a:t>
             </a:r>
           </a:p>
           <a:p>
-            <a:pPr marL="1200150" lvl="2" indent="-285750" algn="l">
+            <a:pPr marL="1210351" lvl="2" indent="-288179">
               <a:buFontTx/>
               <a:buChar char="-"/>
             </a:pPr>
             <a:r>
-              <a:rPr lang="en-US" sz="1400" baseline="0" dirty="0" smtClean="0"/>
+              <a:rPr lang="en-US" sz="2000" dirty="0"/>
               <a:t>Now I could still test my routes in my unit tests by creating a new collection of routes and adding the same routes I have created here</a:t>
             </a:r>
           </a:p>
           <a:p>
-            <a:pPr marL="1200150" lvl="2" indent="-285750" algn="l">
+            <a:pPr marL="1210351" lvl="2" indent="-288179">
               <a:buFontTx/>
               <a:buChar char="-"/>
             </a:pPr>
             <a:r>
-              <a:rPr lang="en-US" sz="1400" baseline="0" dirty="0" smtClean="0"/>
+              <a:rPr lang="en-US" sz="2000" dirty="0"/>
               <a:t>But that is duplication of work and in the end I am not 100% certain that I am testing the same routes</a:t>
             </a:r>
           </a:p>
           <a:p>
-            <a:pPr marL="1200150" lvl="2" indent="-285750" algn="l">
+            <a:pPr marL="1210351" lvl="2" indent="-288179">
               <a:buFontTx/>
               <a:buChar char="-"/>
             </a:pPr>
             <a:r>
-              <a:rPr lang="en-US" sz="1400" baseline="0" dirty="0" smtClean="0"/>
+              <a:rPr lang="en-US" sz="2000" dirty="0"/>
               <a:t>And since the order of routes make a huge difference, most specific first and general last, I want to make sure that I am testing exactly what will be used</a:t>
             </a:r>
           </a:p>
           <a:p>
-            <a:pPr marL="914400" lvl="2" indent="0" algn="l">
-              <a:buFontTx/>
-              <a:buNone/>
-            </a:pPr>
-            <a:endParaRPr lang="en-US" sz="1400" baseline="0" dirty="0" smtClean="0"/>
-          </a:p>
-          <a:p>
-            <a:pPr marL="800100" lvl="1" indent="-342900" algn="l">
+            <a:pPr marL="922172" lvl="2"/>
+            <a:endParaRPr lang="en-US" sz="2000" dirty="0"/>
+          </a:p>
+          <a:p>
+            <a:pPr marL="806901" lvl="1" indent="-345815">
               <a:buFont typeface="Arial" pitchFamily="34" charset="0"/>
               <a:buAutoNum type="arabicPeriod"/>
             </a:pPr>
             <a:r>
-              <a:rPr lang="en-US" sz="1400" b="1" baseline="0" dirty="0" smtClean="0"/>
+              <a:rPr lang="en-US" sz="2000" b="1" dirty="0"/>
               <a:t>[Show </a:t>
             </a:r>
             <a:r>
-              <a:rPr lang="en-US" sz="1400" b="1" baseline="0" dirty="0" err="1" smtClean="0"/>
+              <a:rPr lang="en-US" sz="2000" b="1" dirty="0" err="1"/>
               <a:t>RouteProvider</a:t>
             </a:r>
             <a:r>
-              <a:rPr lang="en-US" sz="1400" b="1" baseline="0" dirty="0" smtClean="0"/>
+              <a:rPr lang="en-US" sz="2000" b="1" dirty="0"/>
               <a:t>] </a:t>
             </a:r>
           </a:p>
           <a:p>
-            <a:pPr marL="1257300" lvl="2" indent="-342900" algn="l">
+            <a:pPr marL="1267987" lvl="2" indent="-345815">
               <a:buFont typeface="Arial" pitchFamily="34" charset="0"/>
               <a:buAutoNum type="arabicPeriod"/>
             </a:pPr>
             <a:r>
-              <a:rPr lang="en-US" sz="1400" baseline="0" dirty="0" smtClean="0"/>
+              <a:rPr lang="en-US" sz="2000" dirty="0"/>
               <a:t>So, I created an abstraction on top of this to allow me use the same routes in my tests that I use in my app</a:t>
             </a:r>
           </a:p>
           <a:p>
-            <a:pPr marL="1257300" lvl="2" indent="-342900" algn="l">
+            <a:pPr marL="1267987" lvl="2" indent="-345815">
               <a:buFont typeface="Arial" charset="0"/>
               <a:buAutoNum type="arabicPeriod" startAt="2"/>
             </a:pPr>
             <a:r>
-              <a:rPr lang="en-US" sz="1400" baseline="0" dirty="0" smtClean="0"/>
+              <a:rPr lang="en-US" sz="2000" dirty="0"/>
               <a:t>Otherwise if I was registering my routes the way it is done out of the box I would not be able to use the same implementation in my tests</a:t>
             </a:r>
           </a:p>
           <a:p>
-            <a:pPr marL="914400" lvl="2" indent="0" algn="l">
-              <a:buFont typeface="Arial" charset="0"/>
-              <a:buNone/>
-            </a:pPr>
-            <a:endParaRPr lang="en-US" sz="1400" baseline="0" dirty="0" smtClean="0"/>
-          </a:p>
-          <a:p>
-            <a:pPr marL="800100" lvl="1" indent="-342900" algn="l">
+            <a:pPr marL="922172" lvl="2"/>
+            <a:endParaRPr lang="en-US" sz="2000" dirty="0"/>
+          </a:p>
+          <a:p>
+            <a:pPr marL="806901" lvl="1" indent="-345815">
               <a:buFont typeface="Arial" charset="0"/>
               <a:buAutoNum type="arabicPeriod" startAt="4"/>
             </a:pPr>
             <a:r>
-              <a:rPr lang="en-US" sz="1400" baseline="0" dirty="0" smtClean="0"/>
+              <a:rPr lang="en-US" sz="2000" dirty="0"/>
               <a:t>Go back to </a:t>
             </a:r>
             <a:r>
-              <a:rPr lang="en-US" sz="1400" baseline="0" dirty="0" err="1" smtClean="0"/>
+              <a:rPr lang="en-US" sz="2000" dirty="0" err="1"/>
               <a:t>RouteConfig</a:t>
             </a:r>
-            <a:endParaRPr lang="en-US" sz="1400" baseline="0" dirty="0" smtClean="0"/>
-          </a:p>
-          <a:p>
-            <a:pPr marL="1200150" lvl="2" indent="-285750" algn="l">
+            <a:endParaRPr lang="en-US" sz="2000" dirty="0"/>
+          </a:p>
+          <a:p>
+            <a:pPr marL="1210351" lvl="2" indent="-288179">
               <a:buFont typeface="Arial" panose="020B0604020202020204" pitchFamily="34" charset="0"/>
               <a:buChar char="•"/>
             </a:pPr>
             <a:r>
-              <a:rPr lang="en-US" sz="1400" baseline="0" dirty="0" smtClean="0"/>
+              <a:rPr lang="en-US" sz="2000" dirty="0"/>
               <a:t>Select contents of “</a:t>
             </a:r>
             <a:r>
-              <a:rPr lang="en-US" sz="1400" b="1" baseline="0" dirty="0" err="1" smtClean="0"/>
+              <a:rPr lang="en-US" sz="2000" b="1" dirty="0" err="1"/>
               <a:t>RegisterRoutes</a:t>
             </a:r>
             <a:r>
-              <a:rPr lang="en-US" sz="1400" b="1" baseline="0" dirty="0" smtClean="0"/>
+              <a:rPr lang="en-US" sz="2000" b="1" dirty="0"/>
               <a:t>” </a:t>
             </a:r>
             <a:r>
-              <a:rPr lang="en-US" sz="1400" b="0" baseline="0" dirty="0" smtClean="0"/>
+              <a:rPr lang="en-US" sz="2000" dirty="0"/>
               <a:t>and type </a:t>
             </a:r>
             <a:r>
-              <a:rPr lang="en-US" sz="1400" b="1" baseline="0" dirty="0" smtClean="0"/>
+              <a:rPr lang="en-US" sz="2000" b="1" dirty="0"/>
               <a:t>tddmvc1[tab]</a:t>
             </a:r>
           </a:p>
           <a:p>
-            <a:pPr marL="1200150" lvl="2" indent="-285750" algn="l">
+            <a:pPr marL="1210351" lvl="2" indent="-288179">
               <a:buFont typeface="Arial" panose="020B0604020202020204" pitchFamily="34" charset="0"/>
               <a:buChar char="•"/>
             </a:pPr>
             <a:r>
-              <a:rPr lang="en-US" sz="1400" b="0" baseline="0" dirty="0" smtClean="0"/>
+              <a:rPr lang="en-US" sz="2000" dirty="0"/>
               <a:t>So here I have replaced the out of the box registration with my abstraction</a:t>
             </a:r>
           </a:p>
           <a:p>
-            <a:pPr marL="914400" lvl="2" indent="0" algn="l">
-              <a:buFont typeface="Arial" panose="020B0604020202020204" pitchFamily="34" charset="0"/>
-              <a:buNone/>
-            </a:pPr>
-            <a:endParaRPr lang="en-US" sz="1400" baseline="0" dirty="0" smtClean="0"/>
-          </a:p>
-          <a:p>
-            <a:pPr marL="800100" lvl="1" indent="-342900" algn="l">
+            <a:pPr marL="922172" lvl="2"/>
+            <a:endParaRPr lang="en-US" sz="2000" dirty="0"/>
+          </a:p>
+          <a:p>
+            <a:pPr marL="806901" lvl="1" indent="-345815">
               <a:buFont typeface="Arial" charset="0"/>
               <a:buAutoNum type="arabicPeriod" startAt="4"/>
             </a:pPr>
             <a:r>
-              <a:rPr lang="en-US" sz="1400" baseline="0" dirty="0" smtClean="0"/>
+              <a:rPr lang="en-US" sz="2000" dirty="0"/>
               <a:t>Open </a:t>
             </a:r>
             <a:r>
-              <a:rPr lang="en-US" sz="1400" baseline="0" dirty="0" err="1" smtClean="0"/>
+              <a:rPr lang="en-US" sz="2000" dirty="0" err="1"/>
               <a:t>RouteTester</a:t>
             </a:r>
-            <a:endParaRPr lang="en-US" sz="1400" baseline="0" dirty="0" smtClean="0"/>
-          </a:p>
-          <a:p>
-            <a:pPr marL="1200150" lvl="2" indent="-285750" algn="l">
+            <a:endParaRPr lang="en-US" sz="2000" dirty="0"/>
+          </a:p>
+          <a:p>
+            <a:pPr marL="1210351" lvl="2" indent="-288179">
               <a:buFontTx/>
               <a:buChar char="-"/>
             </a:pPr>
             <a:r>
-              <a:rPr lang="en-US" sz="1400" baseline="0" dirty="0" smtClean="0"/>
+              <a:rPr lang="en-US" sz="2000" dirty="0"/>
               <a:t>Look at the usage of the </a:t>
             </a:r>
             <a:r>
-              <a:rPr lang="en-US" sz="1400" baseline="0" dirty="0" err="1" smtClean="0"/>
+              <a:rPr lang="en-US" sz="2000" dirty="0" err="1"/>
               <a:t>RouteProvider</a:t>
             </a:r>
-            <a:endParaRPr lang="en-US" sz="1400" baseline="0" dirty="0" smtClean="0"/>
-          </a:p>
-          <a:p>
-            <a:pPr marL="914400" lvl="2" indent="0" algn="l">
-              <a:buFontTx/>
-              <a:buNone/>
-            </a:pPr>
-            <a:endParaRPr lang="en-US" sz="1400" baseline="0" dirty="0" smtClean="0"/>
-          </a:p>
-          <a:p>
-            <a:pPr marL="800100" lvl="1" indent="-342900" algn="l">
+            <a:endParaRPr lang="en-US" sz="2000" dirty="0"/>
+          </a:p>
+          <a:p>
+            <a:pPr marL="922172" lvl="2"/>
+            <a:endParaRPr lang="en-US" sz="2000" dirty="0"/>
+          </a:p>
+          <a:p>
+            <a:pPr marL="806901" lvl="1" indent="-345815">
               <a:buFont typeface="Arial" charset="0"/>
               <a:buAutoNum type="arabicPeriod" startAt="4"/>
             </a:pPr>
             <a:r>
-              <a:rPr lang="en-US" sz="1400" baseline="0" dirty="0" smtClean="0"/>
+              <a:rPr lang="en-US" sz="2000" dirty="0"/>
               <a:t>Create a test for the default route: </a:t>
             </a:r>
             <a:r>
-              <a:rPr lang="en-US" sz="1400" b="1" baseline="0" dirty="0" smtClean="0"/>
+              <a:rPr lang="en-US" sz="2000" b="1" dirty="0"/>
               <a:t>tddmcv2</a:t>
             </a:r>
-            <a:endParaRPr lang="en-US" sz="1400" baseline="0" dirty="0" smtClean="0"/>
-          </a:p>
-          <a:p>
-            <a:pPr marL="457200" lvl="1" indent="0" algn="l">
-              <a:buFont typeface="Arial" charset="0"/>
-              <a:buNone/>
-            </a:pPr>
-            <a:endParaRPr lang="en-US" sz="1400" baseline="0" dirty="0" smtClean="0"/>
-          </a:p>
-          <a:p>
-            <a:r>
-              <a:rPr lang="en-US" sz="1200" kern="1200" dirty="0" smtClean="0">
-                <a:solidFill>
-                  <a:schemeClr val="tx1"/>
-                </a:solidFill>
-                <a:latin typeface="+mn-lt"/>
-                <a:ea typeface="+mn-ea"/>
-                <a:cs typeface="+mn-cs"/>
-              </a:rPr>
-              <a:t>	[</a:t>
-            </a:r>
-            <a:r>
-              <a:rPr lang="en-US" sz="1200" kern="1200" dirty="0" err="1" smtClean="0">
-                <a:solidFill>
-                  <a:schemeClr val="tx1"/>
-                </a:solidFill>
-                <a:latin typeface="+mn-lt"/>
-                <a:ea typeface="+mn-ea"/>
-                <a:cs typeface="+mn-cs"/>
-              </a:rPr>
-              <a:t>TestMethod</a:t>
-            </a:r>
-            <a:r>
-              <a:rPr lang="en-US" sz="1200" kern="1200" dirty="0" smtClean="0">
-                <a:solidFill>
-                  <a:schemeClr val="tx1"/>
-                </a:solidFill>
-                <a:latin typeface="+mn-lt"/>
-                <a:ea typeface="+mn-ea"/>
-                <a:cs typeface="+mn-cs"/>
-              </a:rPr>
-              <a:t>]</a:t>
-            </a:r>
+            <a:endParaRPr lang="en-US" sz="2000" dirty="0"/>
           </a:p>
           <a:p>
             <a:pPr lvl="1"/>
-            <a:r>
-              <a:rPr lang="en-US" sz="1200" kern="1200" dirty="0" smtClean="0">
-                <a:solidFill>
-                  <a:schemeClr val="tx1"/>
-                </a:solidFill>
-                <a:latin typeface="+mn-lt"/>
-                <a:ea typeface="+mn-ea"/>
-                <a:cs typeface="+mn-cs"/>
-              </a:rPr>
-              <a:t>        	public void </a:t>
-            </a:r>
-            <a:r>
-              <a:rPr lang="en-US" sz="1200" kern="1200" dirty="0" err="1" smtClean="0">
-                <a:solidFill>
-                  <a:schemeClr val="tx1"/>
-                </a:solidFill>
-                <a:latin typeface="+mn-lt"/>
-                <a:ea typeface="+mn-ea"/>
-                <a:cs typeface="+mn-cs"/>
-              </a:rPr>
-              <a:t>RequestGoingTo_Whack_ShouldMapTo_Customer_Index</a:t>
-            </a:r>
-            <a:r>
-              <a:rPr lang="en-US" sz="1200" kern="1200" dirty="0" smtClean="0">
-                <a:solidFill>
-                  <a:schemeClr val="tx1"/>
-                </a:solidFill>
-                <a:latin typeface="+mn-lt"/>
-                <a:ea typeface="+mn-ea"/>
-                <a:cs typeface="+mn-cs"/>
-              </a:rPr>
-              <a:t>() {</a:t>
-            </a:r>
-          </a:p>
-          <a:p>
-            <a:pPr lvl="1"/>
-            <a:r>
-              <a:rPr lang="en-US" sz="1200" kern="1200" dirty="0" smtClean="0">
-                <a:solidFill>
-                  <a:schemeClr val="tx1"/>
-                </a:solidFill>
-                <a:latin typeface="+mn-lt"/>
-                <a:ea typeface="+mn-ea"/>
-                <a:cs typeface="+mn-cs"/>
-              </a:rPr>
-              <a:t>	   //Arrange</a:t>
-            </a:r>
-          </a:p>
-          <a:p>
-            <a:pPr lvl="1"/>
-            <a:r>
-              <a:rPr lang="en-US" sz="1200" kern="1200" dirty="0" smtClean="0">
-                <a:solidFill>
-                  <a:schemeClr val="tx1"/>
-                </a:solidFill>
-                <a:latin typeface="+mn-lt"/>
-                <a:ea typeface="+mn-ea"/>
-                <a:cs typeface="+mn-cs"/>
-              </a:rPr>
-              <a:t>            string url = "~/";</a:t>
-            </a:r>
-          </a:p>
-          <a:p>
-            <a:pPr lvl="1"/>
-            <a:r>
-              <a:rPr lang="en-US" sz="1200" kern="1200" dirty="0" smtClean="0">
-                <a:solidFill>
-                  <a:schemeClr val="tx1"/>
-                </a:solidFill>
-                <a:latin typeface="+mn-lt"/>
-                <a:ea typeface="+mn-ea"/>
-                <a:cs typeface="+mn-cs"/>
-              </a:rPr>
-              <a:t>            //Act &amp; Assert</a:t>
-            </a:r>
-          </a:p>
-          <a:p>
-            <a:pPr lvl="1"/>
-            <a:r>
-              <a:rPr lang="en-US" sz="1200" kern="1200" dirty="0" smtClean="0">
-                <a:solidFill>
-                  <a:schemeClr val="tx1"/>
-                </a:solidFill>
-                <a:latin typeface="+mn-lt"/>
-                <a:ea typeface="+mn-ea"/>
-                <a:cs typeface="+mn-cs"/>
-              </a:rPr>
-              <a:t>            </a:t>
-            </a:r>
-            <a:r>
-              <a:rPr lang="en-US" sz="1200" kern="1200" dirty="0" err="1" smtClean="0">
-                <a:solidFill>
-                  <a:schemeClr val="tx1"/>
-                </a:solidFill>
-                <a:latin typeface="+mn-lt"/>
-                <a:ea typeface="+mn-ea"/>
-                <a:cs typeface="+mn-cs"/>
-              </a:rPr>
-              <a:t>url.ShouldMapTo</a:t>
-            </a:r>
-            <a:r>
-              <a:rPr lang="en-US" sz="1200" kern="1200" dirty="0" smtClean="0">
-                <a:solidFill>
-                  <a:schemeClr val="tx1"/>
-                </a:solidFill>
-                <a:latin typeface="+mn-lt"/>
-                <a:ea typeface="+mn-ea"/>
-                <a:cs typeface="+mn-cs"/>
-              </a:rPr>
-              <a:t>&lt;</a:t>
-            </a:r>
-            <a:r>
-              <a:rPr lang="en-US" sz="1200" kern="1200" dirty="0" err="1" smtClean="0">
-                <a:solidFill>
-                  <a:schemeClr val="tx1"/>
-                </a:solidFill>
-                <a:latin typeface="+mn-lt"/>
-                <a:ea typeface="+mn-ea"/>
-                <a:cs typeface="+mn-cs"/>
-              </a:rPr>
-              <a:t>CustomerController</a:t>
-            </a:r>
-            <a:r>
-              <a:rPr lang="en-US" sz="1200" kern="1200" dirty="0" smtClean="0">
-                <a:solidFill>
-                  <a:schemeClr val="tx1"/>
-                </a:solidFill>
-                <a:latin typeface="+mn-lt"/>
-                <a:ea typeface="+mn-ea"/>
-                <a:cs typeface="+mn-cs"/>
-              </a:rPr>
-              <a:t>&gt;(action =&gt; </a:t>
-            </a:r>
-            <a:r>
-              <a:rPr lang="en-US" sz="1200" kern="1200" dirty="0" err="1" smtClean="0">
-                <a:solidFill>
-                  <a:schemeClr val="tx1"/>
-                </a:solidFill>
-                <a:latin typeface="+mn-lt"/>
-                <a:ea typeface="+mn-ea"/>
-                <a:cs typeface="+mn-cs"/>
-              </a:rPr>
-              <a:t>action.Index</a:t>
-            </a:r>
-            <a:r>
-              <a:rPr lang="en-US" sz="1200" kern="1200" dirty="0" smtClean="0">
-                <a:solidFill>
-                  <a:schemeClr val="tx1"/>
-                </a:solidFill>
-                <a:latin typeface="+mn-lt"/>
-                <a:ea typeface="+mn-ea"/>
-                <a:cs typeface="+mn-cs"/>
-              </a:rPr>
-              <a:t>(1));</a:t>
-            </a:r>
-          </a:p>
-          <a:p>
-            <a:pPr lvl="1"/>
-            <a:r>
-              <a:rPr lang="en-US" sz="1200" kern="1200" dirty="0" smtClean="0">
-                <a:solidFill>
-                  <a:schemeClr val="tx1"/>
-                </a:solidFill>
-                <a:latin typeface="+mn-lt"/>
-                <a:ea typeface="+mn-ea"/>
-                <a:cs typeface="+mn-cs"/>
-              </a:rPr>
-              <a:t>        }</a:t>
-            </a:r>
-          </a:p>
-          <a:p>
-            <a:pPr lvl="1"/>
-            <a:endParaRPr lang="en-US" sz="1200" kern="1200" dirty="0" smtClean="0">
-              <a:solidFill>
-                <a:schemeClr val="tx1"/>
-              </a:solidFill>
-              <a:latin typeface="+mn-lt"/>
-              <a:ea typeface="+mn-ea"/>
-              <a:cs typeface="+mn-cs"/>
-            </a:endParaRPr>
-          </a:p>
-          <a:p>
-            <a:pPr marL="685800" lvl="1" indent="-228600">
+            <a:endParaRPr lang="en-US" sz="2000" dirty="0"/>
+          </a:p>
+          <a:p>
+            <a:pPr marL="691629" lvl="1" indent="-230543">
               <a:buAutoNum type="arabicPeriod" startAt="6"/>
             </a:pPr>
             <a:r>
-              <a:rPr lang="en-US" sz="1200" kern="1200" dirty="0" smtClean="0">
-                <a:solidFill>
-                  <a:schemeClr val="tx1"/>
-                </a:solidFill>
-                <a:latin typeface="+mn-lt"/>
-                <a:ea typeface="+mn-ea"/>
-                <a:cs typeface="+mn-cs"/>
-              </a:rPr>
+              <a:rPr lang="en-US" sz="2000" dirty="0"/>
               <a:t>Run the test</a:t>
             </a:r>
           </a:p>
           <a:p>
-            <a:pPr marL="1085850" lvl="2" indent="-171450">
+            <a:pPr marL="1095080" lvl="2" indent="-172907">
               <a:buFont typeface="Arial" panose="020B0604020202020204" pitchFamily="34" charset="0"/>
               <a:buChar char="•"/>
             </a:pPr>
             <a:r>
-              <a:rPr lang="en-US" sz="1200" kern="1200" dirty="0" smtClean="0">
-                <a:solidFill>
-                  <a:schemeClr val="tx1"/>
-                </a:solidFill>
-                <a:latin typeface="+mn-lt"/>
-                <a:ea typeface="+mn-ea"/>
-                <a:cs typeface="+mn-cs"/>
-              </a:rPr>
+              <a:rPr lang="en-US" sz="2000" dirty="0"/>
               <a:t>Everything passes and we are good with that route</a:t>
             </a:r>
           </a:p>
           <a:p>
-            <a:pPr marL="1085850" lvl="2" indent="-171450">
+            <a:pPr marL="1095080" lvl="2" indent="-172907">
               <a:buFont typeface="Arial" panose="020B0604020202020204" pitchFamily="34" charset="0"/>
               <a:buChar char="•"/>
             </a:pPr>
             <a:r>
-              <a:rPr lang="en-US" sz="1200" kern="1200" dirty="0" smtClean="0">
-                <a:solidFill>
-                  <a:schemeClr val="tx1"/>
-                </a:solidFill>
-                <a:latin typeface="+mn-lt"/>
-                <a:ea typeface="+mn-ea"/>
-                <a:cs typeface="+mn-cs"/>
-              </a:rPr>
-              <a:t>Show this works for catching</a:t>
-            </a:r>
-            <a:r>
-              <a:rPr lang="en-US" sz="1200" kern="1200" baseline="0" dirty="0" smtClean="0">
-                <a:solidFill>
-                  <a:schemeClr val="tx1"/>
-                </a:solidFill>
-                <a:latin typeface="+mn-lt"/>
-                <a:ea typeface="+mn-ea"/>
-                <a:cs typeface="+mn-cs"/>
-              </a:rPr>
-              <a:t> route changes by modifying the route configuration in </a:t>
-            </a:r>
-            <a:r>
-              <a:rPr lang="en-US" sz="1200" b="1" kern="1200" baseline="0" dirty="0" err="1" smtClean="0">
-                <a:solidFill>
-                  <a:schemeClr val="tx1"/>
-                </a:solidFill>
-                <a:latin typeface="+mn-lt"/>
-                <a:ea typeface="+mn-ea"/>
-                <a:cs typeface="+mn-cs"/>
-              </a:rPr>
+              <a:rPr lang="en-US" sz="2000" dirty="0"/>
+              <a:t>Show this works for catching route changes by modifying the route configuration in </a:t>
+            </a:r>
+            <a:r>
+              <a:rPr lang="en-US" sz="2000" b="1" dirty="0" err="1"/>
               <a:t>RouteProvider.ConfigureRoutes</a:t>
             </a:r>
             <a:r>
-              <a:rPr lang="en-US" sz="1200" b="0" kern="1200" baseline="0" dirty="0" smtClean="0">
-                <a:solidFill>
-                  <a:schemeClr val="tx1"/>
-                </a:solidFill>
-                <a:latin typeface="+mn-lt"/>
-                <a:ea typeface="+mn-ea"/>
-                <a:cs typeface="+mn-cs"/>
-              </a:rPr>
+              <a:rPr lang="en-US" sz="2000" dirty="0"/>
               <a:t> and re-running for failure</a:t>
             </a:r>
-            <a:endParaRPr lang="en-US" sz="1200" kern="1200" dirty="0" smtClean="0">
-              <a:solidFill>
-                <a:schemeClr val="tx1"/>
-              </a:solidFill>
-              <a:latin typeface="+mn-lt"/>
-              <a:ea typeface="+mn-ea"/>
-              <a:cs typeface="+mn-cs"/>
-            </a:endParaRPr>
           </a:p>
           <a:p>
             <a:pPr lvl="1"/>
-            <a:endParaRPr lang="en-US" sz="1200" kern="1200" baseline="0" dirty="0" smtClean="0">
-              <a:solidFill>
-                <a:schemeClr val="tx1"/>
-              </a:solidFill>
-              <a:latin typeface="+mn-lt"/>
-              <a:ea typeface="+mn-ea"/>
-              <a:cs typeface="+mn-cs"/>
-            </a:endParaRPr>
-          </a:p>
-          <a:p>
-            <a:pPr marL="685800" lvl="1" indent="-228600">
+            <a:endParaRPr lang="en-US" sz="2000" dirty="0"/>
+          </a:p>
+          <a:p>
+            <a:pPr marL="691629" lvl="1" indent="-230543">
               <a:buAutoNum type="arabicPeriod" startAt="5"/>
             </a:pPr>
             <a:r>
-              <a:rPr lang="en-US" sz="1200" kern="1200" baseline="0" dirty="0" smtClean="0">
-                <a:solidFill>
-                  <a:schemeClr val="tx1"/>
-                </a:solidFill>
-                <a:latin typeface="+mn-lt"/>
-                <a:ea typeface="+mn-ea"/>
-                <a:cs typeface="+mn-cs"/>
-              </a:rPr>
+              <a:rPr lang="en-US" sz="2000" dirty="0"/>
               <a:t>Now let’s write a test for ignoring </a:t>
             </a:r>
             <a:r>
-              <a:rPr lang="en-US" sz="1200" kern="1200" baseline="0" dirty="0" err="1" smtClean="0">
-                <a:solidFill>
-                  <a:schemeClr val="tx1"/>
-                </a:solidFill>
-                <a:latin typeface="+mn-lt"/>
-                <a:ea typeface="+mn-ea"/>
-                <a:cs typeface="+mn-cs"/>
-              </a:rPr>
+              <a:rPr lang="en-US" sz="2000" dirty="0" err="1"/>
               <a:t>Trace.axd</a:t>
             </a:r>
             <a:r>
-              <a:rPr lang="en-US" sz="1200" kern="1200" baseline="0" dirty="0" smtClean="0">
-                <a:solidFill>
-                  <a:schemeClr val="tx1"/>
-                </a:solidFill>
-                <a:latin typeface="+mn-lt"/>
-                <a:ea typeface="+mn-ea"/>
-                <a:cs typeface="+mn-cs"/>
-              </a:rPr>
+              <a:rPr lang="en-US" sz="2000" dirty="0"/>
               <a:t>: </a:t>
             </a:r>
             <a:r>
-              <a:rPr lang="en-US" sz="1200" b="1" kern="1200" baseline="0" dirty="0" smtClean="0">
-                <a:solidFill>
-                  <a:schemeClr val="tx1"/>
-                </a:solidFill>
-                <a:latin typeface="+mn-lt"/>
-                <a:ea typeface="+mn-ea"/>
-                <a:cs typeface="+mn-cs"/>
-              </a:rPr>
+              <a:rPr lang="en-US" sz="2000" b="1" dirty="0"/>
               <a:t>tddmvc3</a:t>
             </a:r>
-            <a:endParaRPr lang="en-US" sz="1200" kern="1200" baseline="0" dirty="0" smtClean="0">
-              <a:solidFill>
-                <a:schemeClr val="tx1"/>
-              </a:solidFill>
-              <a:latin typeface="+mn-lt"/>
-              <a:ea typeface="+mn-ea"/>
-              <a:cs typeface="+mn-cs"/>
-            </a:endParaRPr>
-          </a:p>
-          <a:p>
-            <a:pPr marL="685800" lvl="1" indent="-228600">
+            <a:endParaRPr lang="en-US" sz="2000" dirty="0"/>
+          </a:p>
+          <a:p>
+            <a:pPr marL="922172" lvl="1" indent="-461086">
               <a:buAutoNum type="arabicPeriod" startAt="5"/>
             </a:pPr>
-            <a:endParaRPr lang="en-US" sz="1200" kern="1200" baseline="0" dirty="0" smtClean="0">
-              <a:solidFill>
-                <a:schemeClr val="tx1"/>
-              </a:solidFill>
-              <a:latin typeface="+mn-lt"/>
-              <a:ea typeface="+mn-ea"/>
-              <a:cs typeface="+mn-cs"/>
-            </a:endParaRPr>
-          </a:p>
-          <a:p>
-            <a:r>
-              <a:rPr lang="en-US" sz="1200" kern="1200" dirty="0" smtClean="0">
-                <a:solidFill>
-                  <a:schemeClr val="tx1"/>
-                </a:solidFill>
-                <a:latin typeface="+mn-lt"/>
-                <a:ea typeface="+mn-ea"/>
-                <a:cs typeface="+mn-cs"/>
-              </a:rPr>
-              <a:t>	[</a:t>
-            </a:r>
-            <a:r>
-              <a:rPr lang="en-US" sz="1200" kern="1200" dirty="0" err="1" smtClean="0">
-                <a:solidFill>
-                  <a:schemeClr val="tx1"/>
-                </a:solidFill>
-                <a:latin typeface="+mn-lt"/>
-                <a:ea typeface="+mn-ea"/>
-                <a:cs typeface="+mn-cs"/>
-              </a:rPr>
-              <a:t>TestMethod</a:t>
-            </a:r>
-            <a:r>
-              <a:rPr lang="en-US" sz="1200" kern="1200" dirty="0" smtClean="0">
-                <a:solidFill>
-                  <a:schemeClr val="tx1"/>
-                </a:solidFill>
-                <a:latin typeface="+mn-lt"/>
-                <a:ea typeface="+mn-ea"/>
-                <a:cs typeface="+mn-cs"/>
-              </a:rPr>
-              <a:t>]</a:t>
-            </a:r>
-          </a:p>
-          <a:p>
-            <a:r>
-              <a:rPr lang="en-US" sz="1200" kern="1200" dirty="0" smtClean="0">
-                <a:solidFill>
-                  <a:schemeClr val="tx1"/>
-                </a:solidFill>
-                <a:latin typeface="+mn-lt"/>
-                <a:ea typeface="+mn-ea"/>
-                <a:cs typeface="+mn-cs"/>
-              </a:rPr>
-              <a:t>	public void </a:t>
-            </a:r>
-            <a:r>
-              <a:rPr lang="en-US" sz="1200" kern="1200" dirty="0" err="1" smtClean="0">
-                <a:solidFill>
-                  <a:schemeClr val="tx1"/>
-                </a:solidFill>
-                <a:latin typeface="+mn-lt"/>
-                <a:ea typeface="+mn-ea"/>
-                <a:cs typeface="+mn-cs"/>
-              </a:rPr>
-              <a:t>RequestTo_Wack_TraceAxd_ShouldBe_Ignored</a:t>
-            </a:r>
-            <a:r>
-              <a:rPr lang="en-US" sz="1200" kern="1200" dirty="0" smtClean="0">
-                <a:solidFill>
-                  <a:schemeClr val="tx1"/>
-                </a:solidFill>
-                <a:latin typeface="+mn-lt"/>
-                <a:ea typeface="+mn-ea"/>
-                <a:cs typeface="+mn-cs"/>
-              </a:rPr>
-              <a:t>() {</a:t>
-            </a:r>
-          </a:p>
-          <a:p>
-            <a:r>
-              <a:rPr lang="en-US" sz="1200" kern="1200" dirty="0" smtClean="0">
-                <a:solidFill>
-                  <a:schemeClr val="tx1"/>
-                </a:solidFill>
-                <a:latin typeface="+mn-lt"/>
-                <a:ea typeface="+mn-ea"/>
-                <a:cs typeface="+mn-cs"/>
-              </a:rPr>
-              <a:t>	    //Arrange</a:t>
-            </a:r>
-          </a:p>
-          <a:p>
-            <a:r>
-              <a:rPr lang="en-US" sz="1200" kern="1200" dirty="0" smtClean="0">
-                <a:solidFill>
-                  <a:schemeClr val="tx1"/>
-                </a:solidFill>
-                <a:latin typeface="+mn-lt"/>
-                <a:ea typeface="+mn-ea"/>
-                <a:cs typeface="+mn-cs"/>
-              </a:rPr>
-              <a:t>	    string url = "~/</a:t>
-            </a:r>
-            <a:r>
-              <a:rPr lang="en-US" sz="1200" kern="1200" dirty="0" err="1" smtClean="0">
-                <a:solidFill>
-                  <a:schemeClr val="tx1"/>
-                </a:solidFill>
-                <a:latin typeface="+mn-lt"/>
-                <a:ea typeface="+mn-ea"/>
-                <a:cs typeface="+mn-cs"/>
-              </a:rPr>
-              <a:t>trace.axd</a:t>
-            </a:r>
-            <a:r>
-              <a:rPr lang="en-US" sz="1200" kern="1200" dirty="0" smtClean="0">
-                <a:solidFill>
-                  <a:schemeClr val="tx1"/>
-                </a:solidFill>
-                <a:latin typeface="+mn-lt"/>
-                <a:ea typeface="+mn-ea"/>
-                <a:cs typeface="+mn-cs"/>
-              </a:rPr>
-              <a:t>";</a:t>
-            </a:r>
-          </a:p>
-          <a:p>
-            <a:r>
-              <a:rPr lang="en-US" sz="1200" kern="1200" dirty="0" smtClean="0">
-                <a:solidFill>
-                  <a:schemeClr val="tx1"/>
-                </a:solidFill>
-                <a:latin typeface="+mn-lt"/>
-                <a:ea typeface="+mn-ea"/>
-                <a:cs typeface="+mn-cs"/>
-              </a:rPr>
-              <a:t>	    //Act &amp; Assert</a:t>
-            </a:r>
-          </a:p>
-          <a:p>
-            <a:r>
-              <a:rPr lang="en-US" sz="1200" kern="1200" dirty="0" smtClean="0">
-                <a:solidFill>
-                  <a:schemeClr val="tx1"/>
-                </a:solidFill>
-                <a:latin typeface="+mn-lt"/>
-                <a:ea typeface="+mn-ea"/>
-                <a:cs typeface="+mn-cs"/>
-              </a:rPr>
-              <a:t>	    </a:t>
-            </a:r>
-            <a:r>
-              <a:rPr lang="en-US" sz="1200" kern="1200" dirty="0" err="1" smtClean="0">
-                <a:solidFill>
-                  <a:schemeClr val="tx1"/>
-                </a:solidFill>
-                <a:latin typeface="+mn-lt"/>
-                <a:ea typeface="+mn-ea"/>
-                <a:cs typeface="+mn-cs"/>
-              </a:rPr>
-              <a:t>url.ShouldBeIgnored</a:t>
-            </a:r>
-            <a:r>
-              <a:rPr lang="en-US" sz="1200" kern="1200" dirty="0" smtClean="0">
-                <a:solidFill>
-                  <a:schemeClr val="tx1"/>
-                </a:solidFill>
-                <a:latin typeface="+mn-lt"/>
-                <a:ea typeface="+mn-ea"/>
-                <a:cs typeface="+mn-cs"/>
-              </a:rPr>
-              <a:t>();</a:t>
-            </a:r>
-          </a:p>
-          <a:p>
-            <a:r>
-              <a:rPr lang="en-US" sz="1200" kern="1200" dirty="0" smtClean="0">
-                <a:solidFill>
-                  <a:schemeClr val="tx1"/>
-                </a:solidFill>
-                <a:latin typeface="+mn-lt"/>
-                <a:ea typeface="+mn-ea"/>
-                <a:cs typeface="+mn-cs"/>
-              </a:rPr>
-              <a:t>	}</a:t>
-            </a:r>
-            <a:endParaRPr lang="en-US" sz="2000" kern="1200" baseline="0" dirty="0" smtClean="0">
-              <a:solidFill>
-                <a:schemeClr val="tx1"/>
-              </a:solidFill>
-              <a:latin typeface="+mn-lt"/>
-              <a:ea typeface="+mn-ea"/>
-              <a:cs typeface="+mn-cs"/>
-            </a:endParaRPr>
-          </a:p>
-          <a:p>
-            <a:pPr marL="914400" lvl="1" indent="-457200">
-              <a:buAutoNum type="arabicPeriod" startAt="5"/>
-            </a:pPr>
-            <a:endParaRPr lang="en-US" sz="2400" baseline="0" dirty="0" smtClean="0"/>
-          </a:p>
-          <a:p>
-            <a:pPr marL="457200" lvl="1" indent="0">
-              <a:buNone/>
-            </a:pPr>
-            <a:r>
-              <a:rPr lang="en-US" sz="2400" baseline="0" dirty="0" smtClean="0"/>
+            <a:endParaRPr lang="en-US" sz="2000" dirty="0"/>
+          </a:p>
+          <a:p>
+            <a:pPr marL="461086" lvl="1"/>
+            <a:r>
+              <a:rPr lang="en-US" sz="2000" dirty="0"/>
               <a:t>So using MVCContrib we can test our routes…what about our controllers?</a:t>
             </a:r>
           </a:p>
           <a:p>
-            <a:pPr marL="800100" lvl="1" indent="-342900" algn="l">
+            <a:pPr marL="806901" lvl="1" indent="-345815">
               <a:buFont typeface="Arial" charset="0"/>
               <a:buAutoNum type="arabicPeriod" startAt="4"/>
             </a:pPr>
-            <a:endParaRPr lang="en-US" sz="1400" baseline="0" dirty="0" smtClean="0"/>
-          </a:p>
-          <a:p>
-            <a:pPr marL="1257300" lvl="2" indent="-342900" algn="l">
+            <a:endParaRPr lang="en-US" sz="2000" dirty="0"/>
+          </a:p>
+          <a:p>
+            <a:pPr marL="1267987" lvl="2" indent="-345815">
               <a:buFont typeface="Arial" pitchFamily="34" charset="0"/>
               <a:buAutoNum type="arabicPeriod"/>
             </a:pPr>
-            <a:endParaRPr lang="en-US" sz="1400" baseline="0" dirty="0" smtClean="0"/>
-          </a:p>
-          <a:p>
-            <a:pPr marL="800100" lvl="1" indent="-342900" algn="l">
+            <a:endParaRPr lang="en-US" sz="2000" dirty="0"/>
+          </a:p>
+          <a:p>
+            <a:pPr marL="806901" lvl="1" indent="-345815">
               <a:buFont typeface="Arial" pitchFamily="34" charset="0"/>
               <a:buAutoNum type="arabicPeriod"/>
             </a:pPr>
-            <a:endParaRPr lang="en-US" sz="1400" baseline="0" dirty="0" smtClean="0"/>
+            <a:endParaRPr lang="en-US" sz="2000" dirty="0"/>
           </a:p>
         </p:txBody>
       </p:sp>
@@ -4484,8 +3873,8 @@
         </p:nvSpPr>
         <p:spPr bwMode="auto">
           <a:xfrm>
-            <a:off x="1181100" y="696913"/>
-            <a:ext cx="4648200" cy="3486150"/>
+            <a:off x="1179513" y="704850"/>
+            <a:ext cx="4694237" cy="3521075"/>
           </a:xfrm>
           <a:noFill/>
           <a:ln>
@@ -4516,112 +3905,113 @@
             <a:prstTxWarp prst="textNoShape">
               <a:avLst/>
             </a:prstTxWarp>
+            <a:normAutofit lnSpcReduction="10000"/>
           </a:bodyPr>
           <a:lstStyle/>
           <a:p>
-            <a:pPr marL="285750" lvl="0" indent="-285750" algn="l">
+            <a:pPr marL="288179" indent="-288179">
               <a:buFontTx/>
               <a:buChar char="-"/>
             </a:pPr>
             <a:r>
-              <a:rPr lang="en-US" sz="1400" baseline="0" dirty="0" smtClean="0"/>
+              <a:rPr lang="en-US" sz="2000" dirty="0"/>
               <a:t>Very little logic</a:t>
             </a:r>
           </a:p>
           <a:p>
-            <a:pPr marL="742950" lvl="1" indent="-285750" algn="l">
+            <a:pPr marL="749265" lvl="1" indent="-288179">
               <a:buFontTx/>
               <a:buChar char="-"/>
             </a:pPr>
             <a:r>
-              <a:rPr lang="en-US" sz="1400" baseline="0" dirty="0" smtClean="0"/>
+              <a:rPr lang="en-US" sz="2000" dirty="0"/>
               <a:t>Glorified traffic cop that directs input from the view either down the service road and back to the view, in a different direction (redirect, </a:t>
             </a:r>
             <a:r>
-              <a:rPr lang="en-US" sz="1400" baseline="0" dirty="0" err="1" smtClean="0"/>
+              <a:rPr lang="en-US" sz="2000" dirty="0" err="1"/>
               <a:t>etc</a:t>
             </a:r>
             <a:r>
-              <a:rPr lang="en-US" sz="1400" baseline="0" dirty="0" smtClean="0"/>
+              <a:rPr lang="en-US" sz="2000" dirty="0"/>
               <a:t>), or to turn around if invalid</a:t>
             </a:r>
           </a:p>
           <a:p>
-            <a:pPr marL="285750" lvl="0" indent="-285750" algn="l">
+            <a:pPr marL="288179" indent="-288179">
               <a:buFontTx/>
               <a:buChar char="-"/>
             </a:pPr>
             <a:r>
-              <a:rPr lang="en-US" sz="1400" baseline="0" dirty="0" smtClean="0"/>
+              <a:rPr lang="en-US" sz="2000" dirty="0"/>
               <a:t>Loosely coupled</a:t>
             </a:r>
           </a:p>
           <a:p>
-            <a:pPr marL="742950" lvl="1" indent="-285750" algn="l">
+            <a:pPr marL="749265" lvl="1" indent="-288179">
               <a:buFontTx/>
               <a:buChar char="-"/>
             </a:pPr>
             <a:r>
-              <a:rPr lang="en-US" sz="1400" baseline="0" dirty="0" smtClean="0"/>
+              <a:rPr lang="en-US" sz="2000" dirty="0"/>
               <a:t>Dependencies should be injected</a:t>
             </a:r>
           </a:p>
           <a:p>
-            <a:pPr marL="285750" lvl="0" indent="-285750" algn="l">
+            <a:pPr marL="288179" indent="-288179">
               <a:buFontTx/>
               <a:buChar char="-"/>
             </a:pPr>
             <a:r>
-              <a:rPr lang="en-US" sz="1400" baseline="0" dirty="0" smtClean="0"/>
+              <a:rPr lang="en-US" sz="2000" dirty="0"/>
               <a:t>Things to be tested</a:t>
             </a:r>
           </a:p>
           <a:p>
-            <a:pPr marL="742950" lvl="1" indent="-285750" algn="l">
+            <a:pPr marL="749265" lvl="1" indent="-288179">
               <a:buFontTx/>
               <a:buChar char="-"/>
             </a:pPr>
             <a:r>
-              <a:rPr lang="en-US" sz="1400" baseline="0" dirty="0" smtClean="0"/>
+              <a:rPr lang="en-US" sz="2000" dirty="0"/>
               <a:t>Takes Correct Action</a:t>
             </a:r>
           </a:p>
           <a:p>
-            <a:pPr marL="1200150" lvl="2" indent="-285750" algn="l">
+            <a:pPr marL="1210351" lvl="2" indent="-288179">
               <a:buFontTx/>
               <a:buChar char="-"/>
             </a:pPr>
             <a:r>
-              <a:rPr lang="en-US" sz="1400" baseline="0" dirty="0" smtClean="0"/>
+              <a:rPr lang="en-US" sz="2000" dirty="0"/>
               <a:t>Redirects to the correct view</a:t>
             </a:r>
           </a:p>
           <a:p>
-            <a:pPr marL="1200150" lvl="2" indent="-285750" algn="l">
+            <a:pPr marL="1210351" lvl="2" indent="-288179">
               <a:buFontTx/>
               <a:buChar char="-"/>
             </a:pPr>
             <a:r>
-              <a:rPr lang="en-US" sz="1400" baseline="0" dirty="0" smtClean="0"/>
+              <a:rPr lang="en-US" sz="2000" dirty="0"/>
               <a:t>Returns correct view</a:t>
             </a:r>
           </a:p>
           <a:p>
-            <a:pPr marL="1200150" lvl="2" indent="-285750" algn="l">
+            <a:pPr marL="1210351" lvl="2" indent="-288179">
               <a:buFontTx/>
               <a:buChar char="-"/>
             </a:pPr>
             <a:r>
-              <a:rPr lang="en-US" sz="1400" baseline="0" dirty="0" smtClean="0"/>
+              <a:rPr lang="en-US" sz="2000" dirty="0"/>
               <a:t>Includes correct model </a:t>
             </a:r>
           </a:p>
           <a:p>
-            <a:pPr marL="742950" lvl="1" indent="-285750" algn="l">
+            <a:pPr marL="749265" lvl="1" indent="-288179">
               <a:buFontTx/>
               <a:buChar char="-"/>
             </a:pPr>
-            <a:endParaRPr lang="en-US" sz="1400" baseline="0" dirty="0" smtClean="0"/>
+            <a:endParaRPr lang="en-US" sz="1400" dirty="0"/>
           </a:p>
         </p:txBody>
       </p:sp>
@@ -4702,8 +4092,8 @@
         </p:nvSpPr>
         <p:spPr bwMode="auto">
           <a:xfrm>
-            <a:off x="1181100" y="696913"/>
-            <a:ext cx="4648200" cy="3486150"/>
+            <a:off x="1179513" y="704850"/>
+            <a:ext cx="4694237" cy="3521075"/>
           </a:xfrm>
           <a:noFill/>
           <a:ln>
@@ -4738,1617 +4128,471 @@
           </a:bodyPr>
           <a:lstStyle/>
           <a:p>
-            <a:pPr marL="342900" lvl="0" indent="-342900" algn="l">
+            <a:pPr marL="345815" indent="-345815">
               <a:buFont typeface="Arial" pitchFamily="34" charset="0"/>
               <a:buAutoNum type="arabicPeriod"/>
             </a:pPr>
             <a:r>
-              <a:rPr lang="en-US" sz="1400" b="1" i="1" baseline="0" dirty="0" smtClean="0"/>
+              <a:rPr lang="en-US" sz="2000" b="1" i="1" dirty="0"/>
               <a:t>Isolating the Controller</a:t>
             </a:r>
           </a:p>
           <a:p>
-            <a:pPr marL="1200150" lvl="2" indent="-285750" algn="l">
+            <a:pPr marL="1210351" lvl="2" indent="-288179">
               <a:buFontTx/>
               <a:buChar char="-"/>
             </a:pPr>
             <a:r>
-              <a:rPr lang="en-US" sz="1400" baseline="0" dirty="0" err="1" smtClean="0"/>
+              <a:rPr lang="en-US" sz="2000" dirty="0" err="1"/>
               <a:t>CustomerController</a:t>
             </a:r>
-            <a:endParaRPr lang="en-US" sz="1400" baseline="0" dirty="0" smtClean="0"/>
-          </a:p>
-          <a:p>
-            <a:pPr marL="1200150" lvl="2" indent="-285750" algn="l">
+            <a:endParaRPr lang="en-US" sz="2000" dirty="0"/>
+          </a:p>
+          <a:p>
+            <a:pPr marL="1210351" lvl="2" indent="-288179">
               <a:buFontTx/>
               <a:buChar char="-"/>
             </a:pPr>
             <a:r>
-              <a:rPr lang="en-US" sz="1400" baseline="0" dirty="0" smtClean="0"/>
+              <a:rPr lang="en-US" sz="2000" dirty="0"/>
               <a:t>With my current architecture - every controller will need an </a:t>
             </a:r>
             <a:r>
-              <a:rPr lang="en-US" sz="1400" baseline="0" dirty="0" err="1" smtClean="0"/>
+              <a:rPr lang="en-US" sz="2000" dirty="0" err="1"/>
               <a:t>ILoggingService</a:t>
             </a:r>
             <a:r>
-              <a:rPr lang="en-US" sz="1400" baseline="0" dirty="0" smtClean="0"/>
+              <a:rPr lang="en-US" sz="2000" dirty="0"/>
               <a:t> and an I[controller name]Service</a:t>
             </a:r>
           </a:p>
           <a:p>
-            <a:pPr marL="1200150" lvl="2" indent="-285750" algn="l">
+            <a:pPr marL="1210351" lvl="2" indent="-288179">
               <a:buFontTx/>
               <a:buChar char="-"/>
             </a:pPr>
             <a:r>
-              <a:rPr lang="en-US" sz="1400" baseline="0" dirty="0" smtClean="0"/>
+              <a:rPr lang="en-US" sz="2000" dirty="0"/>
               <a:t>I am using StructureMap as my IoC Container, but that requires me to wire up my dependencies one by one</a:t>
             </a:r>
           </a:p>
           <a:p>
-            <a:pPr marL="1200150" lvl="2" indent="-285750" algn="l">
+            <a:pPr marL="1210351" lvl="2" indent="-288179">
               <a:buFontTx/>
               <a:buChar char="-"/>
             </a:pPr>
             <a:r>
-              <a:rPr lang="en-US" sz="1400" baseline="0" dirty="0" smtClean="0"/>
+              <a:rPr lang="en-US" sz="2000" dirty="0"/>
               <a:t>What if there was a way to not have to wire up the dependencies manually for each controller?</a:t>
             </a:r>
           </a:p>
           <a:p>
-            <a:pPr marL="1200150" lvl="2" indent="-285750" algn="l">
+            <a:pPr marL="1210351" lvl="2" indent="-288179">
               <a:buFontTx/>
               <a:buChar char="-"/>
             </a:pPr>
             <a:r>
-              <a:rPr lang="en-US" sz="1400" baseline="0" dirty="0" smtClean="0"/>
+              <a:rPr lang="en-US" sz="2000" dirty="0"/>
               <a:t>Custom Controller Factory</a:t>
             </a:r>
           </a:p>
           <a:p>
-            <a:pPr marL="1657350" lvl="3" indent="-285750" algn="l">
+            <a:pPr marL="1671437" lvl="3" indent="-288179">
               <a:buFontTx/>
               <a:buChar char="-"/>
             </a:pPr>
             <a:r>
-              <a:rPr lang="en-US" sz="1400" baseline="0" dirty="0" smtClean="0"/>
+              <a:rPr lang="en-US" sz="2000" dirty="0"/>
               <a:t>Out of the box the default controller factory just resolves controllers using the default naming convention</a:t>
             </a:r>
           </a:p>
           <a:p>
-            <a:pPr marL="1657350" lvl="3" indent="-285750" algn="l">
+            <a:pPr marL="1671437" lvl="3" indent="-288179">
               <a:buFontTx/>
               <a:buChar char="-"/>
             </a:pPr>
             <a:r>
-              <a:rPr lang="en-US" sz="1400" baseline="0" dirty="0" smtClean="0"/>
+              <a:rPr lang="en-US" sz="2000" dirty="0"/>
               <a:t>You can create a custom controller factory to add functionality and/or override the default functionality</a:t>
             </a:r>
           </a:p>
           <a:p>
-            <a:pPr marL="1657350" lvl="3" indent="-285750" algn="l">
+            <a:pPr marL="1671437" lvl="3" indent="-288179">
               <a:buFontTx/>
               <a:buChar char="-"/>
             </a:pPr>
             <a:r>
-              <a:rPr lang="en-US" sz="1400" baseline="0" dirty="0" smtClean="0"/>
+              <a:rPr lang="en-US" sz="2000" dirty="0"/>
               <a:t>In this case we are going to pimp out the default controller factory with StructureMap</a:t>
             </a:r>
           </a:p>
           <a:p>
-            <a:pPr marL="1657350" lvl="3" indent="-285750" algn="l">
+            <a:pPr marL="1671437" lvl="3" indent="-288179">
               <a:buFontTx/>
               <a:buChar char="-"/>
             </a:pPr>
             <a:r>
-              <a:rPr lang="en-US" sz="1400" b="0" baseline="0" dirty="0" smtClean="0"/>
+              <a:rPr lang="en-US" sz="2000" dirty="0"/>
               <a:t>Show </a:t>
             </a:r>
             <a:r>
-              <a:rPr lang="en-US" sz="1400" b="1" baseline="0" dirty="0" err="1" smtClean="0"/>
+              <a:rPr lang="en-US" sz="2000" b="1" dirty="0" err="1"/>
               <a:t>ControllerFactory</a:t>
             </a:r>
-            <a:endParaRPr lang="en-US" sz="1400" b="0" baseline="0" dirty="0" smtClean="0"/>
-          </a:p>
-          <a:p>
-            <a:pPr marL="1657350" lvl="3" indent="-285750" algn="l">
+            <a:endParaRPr lang="en-US" sz="2000" dirty="0"/>
+          </a:p>
+          <a:p>
+            <a:pPr marL="1671437" lvl="3" indent="-288179">
               <a:buFontTx/>
               <a:buChar char="-"/>
             </a:pPr>
             <a:r>
-              <a:rPr lang="en-US" sz="1400" baseline="0" dirty="0" smtClean="0"/>
+              <a:rPr lang="en-US" sz="2000" dirty="0"/>
               <a:t>Explain </a:t>
             </a:r>
             <a:r>
-              <a:rPr lang="en-US" sz="1400" baseline="0" dirty="0" err="1" smtClean="0"/>
+              <a:rPr lang="en-US" sz="2000" dirty="0" err="1"/>
               <a:t>GetControllerInstance</a:t>
             </a:r>
-            <a:endParaRPr lang="en-US" sz="1400" baseline="0" dirty="0" smtClean="0"/>
-          </a:p>
-          <a:p>
-            <a:pPr marL="1657350" lvl="3" indent="-285750" algn="l">
+            <a:endParaRPr lang="en-US" sz="2000" dirty="0"/>
+          </a:p>
+          <a:p>
+            <a:pPr marL="1671437" lvl="3" indent="-288179">
               <a:buFontTx/>
               <a:buChar char="-"/>
             </a:pPr>
             <a:r>
-              <a:rPr lang="en-US" sz="1400" baseline="0" dirty="0" smtClean="0"/>
+              <a:rPr lang="en-US" sz="2000" dirty="0"/>
               <a:t>Show how we are using StructureMap and the </a:t>
             </a:r>
             <a:r>
-              <a:rPr lang="en-US" sz="1400" baseline="0" dirty="0" err="1" smtClean="0"/>
+              <a:rPr lang="en-US" sz="2000" dirty="0" err="1"/>
               <a:t>IContainer</a:t>
             </a:r>
-            <a:endParaRPr lang="en-US" sz="1400" baseline="0" dirty="0" smtClean="0"/>
-          </a:p>
-          <a:p>
-            <a:pPr marL="1657350" lvl="3" indent="-285750" algn="l">
+            <a:endParaRPr lang="en-US" sz="2000" dirty="0"/>
+          </a:p>
+          <a:p>
+            <a:pPr marL="1671437" lvl="3" indent="-288179">
               <a:buFontTx/>
               <a:buChar char="-"/>
             </a:pPr>
             <a:r>
-              <a:rPr lang="en-US" sz="1400" baseline="0" dirty="0" smtClean="0"/>
+              <a:rPr lang="en-US" sz="2000" dirty="0"/>
               <a:t>And we need to tell ASP.NET MVC to use the Custom Controller Factory</a:t>
             </a:r>
           </a:p>
           <a:p>
-            <a:pPr marL="2114550" lvl="4" indent="-285750" algn="l">
+            <a:pPr marL="2132524" lvl="4" indent="-288179">
               <a:buFontTx/>
               <a:buChar char="-"/>
             </a:pPr>
             <a:r>
-              <a:rPr lang="en-US" sz="1400" baseline="0" dirty="0" err="1" smtClean="0"/>
+              <a:rPr lang="en-US" sz="2000" dirty="0" err="1"/>
               <a:t>Global.asax.cs</a:t>
             </a:r>
-            <a:endParaRPr lang="en-US" sz="1400" baseline="0" dirty="0" smtClean="0"/>
+            <a:endParaRPr lang="en-US" sz="2000" dirty="0"/>
           </a:p>
           <a:p>
             <a:pPr lvl="5"/>
             <a:r>
-              <a:rPr lang="en-US" sz="1200" b="1" kern="1200" baseline="0" dirty="0" smtClean="0">
-                <a:solidFill>
-                  <a:schemeClr val="tx1"/>
-                </a:solidFill>
-                <a:latin typeface="+mn-lt"/>
-                <a:ea typeface="+mn-ea"/>
-                <a:cs typeface="+mn-cs"/>
-              </a:rPr>
+              <a:rPr lang="en-US" sz="2000" b="1" dirty="0"/>
               <a:t>**** After </a:t>
             </a:r>
             <a:r>
-              <a:rPr lang="en-US" sz="1200" b="1" kern="1200" baseline="0" dirty="0" err="1" smtClean="0">
-                <a:solidFill>
-                  <a:schemeClr val="tx1"/>
-                </a:solidFill>
-                <a:latin typeface="+mn-lt"/>
-                <a:ea typeface="+mn-ea"/>
-                <a:cs typeface="+mn-cs"/>
-              </a:rPr>
+              <a:rPr lang="en-US" sz="2000" b="1" dirty="0" err="1"/>
               <a:t>WireUpDependencyInjection</a:t>
             </a:r>
             <a:r>
-              <a:rPr lang="en-US" sz="1200" b="1" kern="1200" baseline="0" dirty="0" smtClean="0">
-                <a:solidFill>
-                  <a:schemeClr val="tx1"/>
-                </a:solidFill>
-                <a:latin typeface="+mn-lt"/>
-                <a:ea typeface="+mn-ea"/>
-                <a:cs typeface="+mn-cs"/>
-              </a:rPr>
+              <a:rPr lang="en-US" sz="2000" b="1" dirty="0"/>
               <a:t>(); ****</a:t>
             </a:r>
           </a:p>
           <a:p>
             <a:pPr lvl="5"/>
             <a:r>
-              <a:rPr lang="en-US" sz="1200" b="1" kern="1200" dirty="0" err="1" smtClean="0">
-                <a:solidFill>
-                  <a:schemeClr val="tx1"/>
-                </a:solidFill>
-                <a:latin typeface="+mn-lt"/>
-                <a:ea typeface="+mn-ea"/>
-                <a:cs typeface="+mn-cs"/>
-              </a:rPr>
+              <a:rPr lang="en-US" sz="2000" b="1" dirty="0" err="1"/>
               <a:t>ControllerBuilder.Current.SetControllerFactory</a:t>
             </a:r>
             <a:r>
-              <a:rPr lang="en-US" sz="1200" b="1" kern="1200" dirty="0" smtClean="0">
-                <a:solidFill>
-                  <a:schemeClr val="tx1"/>
-                </a:solidFill>
-                <a:latin typeface="+mn-lt"/>
-                <a:ea typeface="+mn-ea"/>
-                <a:cs typeface="+mn-cs"/>
-              </a:rPr>
+              <a:rPr lang="en-US" sz="2000" b="1" dirty="0"/>
               <a:t>(new </a:t>
             </a:r>
             <a:r>
-              <a:rPr lang="en-US" sz="1200" b="1" kern="1200" dirty="0" err="1" smtClean="0">
-                <a:solidFill>
-                  <a:schemeClr val="tx1"/>
-                </a:solidFill>
-                <a:latin typeface="+mn-lt"/>
-                <a:ea typeface="+mn-ea"/>
-                <a:cs typeface="+mn-cs"/>
-              </a:rPr>
+              <a:rPr lang="en-US" sz="2000" b="1" dirty="0" err="1"/>
               <a:t>ControllerFactory</a:t>
             </a:r>
             <a:r>
-              <a:rPr lang="en-US" sz="1200" b="1" kern="1200" dirty="0" smtClean="0">
-                <a:solidFill>
-                  <a:schemeClr val="tx1"/>
-                </a:solidFill>
-                <a:latin typeface="+mn-lt"/>
-                <a:ea typeface="+mn-ea"/>
-                <a:cs typeface="+mn-cs"/>
-              </a:rPr>
+              <a:rPr lang="en-US" sz="2000" b="1" dirty="0"/>
               <a:t>());</a:t>
             </a:r>
-            <a:endParaRPr lang="en-US" sz="2400" b="1" baseline="0" dirty="0" smtClean="0"/>
-          </a:p>
-          <a:p>
-            <a:pPr marL="1657350" lvl="3" indent="-285750" algn="l">
+          </a:p>
+          <a:p>
+            <a:pPr marL="1671437" lvl="3" indent="-288179">
               <a:buFontTx/>
               <a:buChar char="-"/>
             </a:pPr>
             <a:r>
-              <a:rPr lang="en-US" sz="1400" b="0" baseline="0" dirty="0" err="1" smtClean="0"/>
+              <a:rPr lang="en-US" sz="2000" dirty="0" err="1"/>
               <a:t>CustomerController</a:t>
             </a:r>
             <a:r>
-              <a:rPr lang="en-US" sz="1400" b="0" baseline="0" dirty="0" smtClean="0"/>
+              <a:rPr lang="en-US" sz="2000" dirty="0"/>
               <a:t>: Select default constructor and </a:t>
             </a:r>
             <a:r>
-              <a:rPr lang="en-US" sz="1400" b="1" baseline="0" dirty="0" smtClean="0"/>
+              <a:rPr lang="en-US" sz="2000" b="1" dirty="0"/>
               <a:t>tddmvc4</a:t>
             </a:r>
-            <a:endParaRPr lang="en-US" sz="1400" b="0" baseline="0" dirty="0" smtClean="0"/>
-          </a:p>
-          <a:p>
-            <a:pPr marL="1657350" lvl="3" indent="-285750" algn="l">
+            <a:endParaRPr lang="en-US" sz="2000" dirty="0"/>
+          </a:p>
+          <a:p>
+            <a:pPr marL="1671437" lvl="3" indent="-288179">
               <a:buFontTx/>
               <a:buChar char="-"/>
             </a:pPr>
             <a:r>
-              <a:rPr lang="en-US" sz="1400" baseline="0" dirty="0" smtClean="0"/>
+              <a:rPr lang="en-US" sz="2000" dirty="0"/>
               <a:t>That’s it the combination of ASP.NET MVC and having a StructureMap container in our Controller Factory allows our controllers to automatically resolve their dependencies!</a:t>
             </a:r>
           </a:p>
           <a:p>
-            <a:pPr marL="1657350" lvl="3" indent="-285750" algn="l">
+            <a:pPr marL="1671437" lvl="3" indent="-288179">
               <a:buFontTx/>
               <a:buChar char="-"/>
             </a:pPr>
             <a:r>
-              <a:rPr lang="en-US" sz="1400" baseline="0" dirty="0" smtClean="0"/>
+              <a:rPr lang="en-US" sz="2000" dirty="0"/>
               <a:t>Set a breakpoint in </a:t>
             </a:r>
             <a:r>
-              <a:rPr lang="en-US" sz="1400" baseline="0" dirty="0" err="1" smtClean="0"/>
+              <a:rPr lang="en-US" sz="2000" dirty="0" err="1"/>
               <a:t>CustomerController.Index</a:t>
             </a:r>
             <a:r>
-              <a:rPr lang="en-US" sz="1400" baseline="0" dirty="0" smtClean="0"/>
+              <a:rPr lang="en-US" sz="2000" dirty="0"/>
               <a:t> to prove it.</a:t>
             </a:r>
           </a:p>
           <a:p>
-            <a:pPr marL="1200150" lvl="2" indent="-285750" algn="l">
+            <a:pPr marL="345815" indent="-345815">
+              <a:buFontTx/>
+              <a:buAutoNum type="arabicPeriod" startAt="2"/>
+            </a:pPr>
+            <a:r>
+              <a:rPr lang="en-US" sz="2000" b="1" i="1" dirty="0"/>
+              <a:t>Testing the Controller</a:t>
+            </a:r>
+          </a:p>
+          <a:p>
+            <a:pPr marL="749265" lvl="1" indent="-288179">
               <a:buFontTx/>
               <a:buChar char="-"/>
             </a:pPr>
-            <a:endParaRPr lang="en-US" sz="1400" baseline="0" dirty="0" smtClean="0"/>
-          </a:p>
-          <a:p>
-            <a:pPr marL="1200150" lvl="2" indent="-285750" algn="l">
+            <a:r>
+              <a:rPr lang="en-US" sz="2000" dirty="0"/>
+              <a:t>Open the </a:t>
+            </a:r>
+            <a:r>
+              <a:rPr lang="en-US" sz="2000" b="1" dirty="0" err="1"/>
+              <a:t>CustomerControllerTest</a:t>
+            </a:r>
+            <a:endParaRPr lang="en-US" sz="2000" dirty="0"/>
+          </a:p>
+          <a:p>
+            <a:pPr marL="749265" lvl="1" indent="-288179">
               <a:buFontTx/>
               <a:buChar char="-"/>
             </a:pPr>
-            <a:endParaRPr lang="en-US" sz="1400" baseline="0" dirty="0" smtClean="0"/>
-          </a:p>
-          <a:p>
-            <a:pPr marL="342900" lvl="0" indent="-342900" algn="l">
-              <a:buFontTx/>
-              <a:buAutoNum type="arabicPeriod" startAt="2"/>
-            </a:pPr>
-            <a:r>
-              <a:rPr lang="en-US" sz="1400" b="1" i="1" baseline="0" dirty="0" smtClean="0"/>
-              <a:t>Testing the Controller</a:t>
-            </a:r>
-          </a:p>
-          <a:p>
-            <a:pPr marL="742950" lvl="1" indent="-285750" algn="l">
+            <a:r>
+              <a:rPr lang="en-US" sz="2000" dirty="0"/>
+              <a:t>Talk about the usage of fakes</a:t>
+            </a:r>
+          </a:p>
+          <a:p>
+            <a:pPr marL="1210351" lvl="2" indent="-288179">
               <a:buFontTx/>
               <a:buChar char="-"/>
             </a:pPr>
             <a:r>
-              <a:rPr lang="en-US" sz="1400" b="0" i="0" baseline="0" dirty="0" smtClean="0"/>
-              <a:t>Open the </a:t>
-            </a:r>
-            <a:r>
-              <a:rPr lang="en-US" sz="1400" b="1" i="0" baseline="0" dirty="0" err="1" smtClean="0"/>
-              <a:t>CustomerControllerTest</a:t>
-            </a:r>
-            <a:endParaRPr lang="en-US" sz="1400" b="0" i="0" baseline="0" dirty="0" smtClean="0"/>
-          </a:p>
-          <a:p>
-            <a:pPr marL="742950" lvl="1" indent="-285750" algn="l">
+              <a:rPr lang="en-US" sz="2000" dirty="0"/>
+              <a:t>I have two fakes that I will be passing in to my controller when it’s time</a:t>
+            </a:r>
+          </a:p>
+          <a:p>
+            <a:pPr marL="1210351" lvl="2" indent="-288179">
               <a:buFontTx/>
               <a:buChar char="-"/>
             </a:pPr>
             <a:r>
-              <a:rPr lang="en-US" sz="1400" b="0" i="0" baseline="0" dirty="0" smtClean="0"/>
-              <a:t>Talk about the usage of fakes</a:t>
-            </a:r>
-          </a:p>
-          <a:p>
-            <a:pPr marL="1200150" lvl="2" indent="-285750" algn="l">
+              <a:rPr lang="en-US" sz="2000" b="1" dirty="0" err="1"/>
+              <a:t>CustomerServiceFake</a:t>
+            </a:r>
+            <a:endParaRPr lang="en-US" sz="2000" b="1" dirty="0"/>
+          </a:p>
+          <a:p>
+            <a:pPr marL="1210351" lvl="2" indent="-288179">
               <a:buFontTx/>
               <a:buChar char="-"/>
             </a:pPr>
             <a:r>
-              <a:rPr lang="en-US" sz="1400" b="0" i="0" baseline="0" dirty="0" smtClean="0"/>
-              <a:t>I have two fakes that I will be passing in to my controller when it’s time</a:t>
-            </a:r>
-          </a:p>
-          <a:p>
-            <a:pPr marL="1200150" lvl="2" indent="-285750" algn="l">
+              <a:rPr lang="en-US" sz="2000" b="1" dirty="0" err="1"/>
+              <a:t>LoggingServiceFake</a:t>
+            </a:r>
+            <a:endParaRPr lang="en-US" sz="2000" b="1" dirty="0"/>
+          </a:p>
+          <a:p>
+            <a:pPr marL="749265" lvl="1" indent="-288179">
               <a:buFontTx/>
               <a:buChar char="-"/>
             </a:pPr>
             <a:r>
-              <a:rPr lang="en-US" sz="1400" b="1" i="0" baseline="0" dirty="0" err="1" smtClean="0"/>
-              <a:t>CustomerServiceFake</a:t>
-            </a:r>
-            <a:endParaRPr lang="en-US" sz="1400" b="1" i="0" baseline="0" dirty="0" smtClean="0"/>
-          </a:p>
-          <a:p>
-            <a:pPr marL="1200150" lvl="2" indent="-285750" algn="l">
+              <a:rPr lang="en-US" sz="2000" dirty="0"/>
+              <a:t>In order to test that the correct view is being returned or we are redirecting as necessary or the correct model is being returned we could write some really ugly low-level code that interrogates the controller context…or we could use MVCContrib</a:t>
+            </a:r>
+          </a:p>
+          <a:p>
+            <a:pPr marL="749265" lvl="1" indent="-288179">
               <a:buFontTx/>
               <a:buChar char="-"/>
             </a:pPr>
             <a:r>
-              <a:rPr lang="en-US" sz="1400" b="1" i="0" baseline="0" dirty="0" err="1" smtClean="0"/>
-              <a:t>LoggingServiceFake</a:t>
-            </a:r>
-            <a:endParaRPr lang="en-US" sz="1400" b="1" i="0" baseline="0" dirty="0" smtClean="0"/>
-          </a:p>
-          <a:p>
-            <a:pPr marL="742950" lvl="1" indent="-285750" algn="l">
+              <a:rPr lang="en-US" sz="2000" dirty="0"/>
+              <a:t>So let’s test that our Index controller method returns a view named “Index”</a:t>
+            </a:r>
+          </a:p>
+          <a:p>
+            <a:pPr marL="1210351" lvl="2" indent="-288179">
               <a:buFontTx/>
               <a:buChar char="-"/>
             </a:pPr>
             <a:r>
-              <a:rPr lang="en-US" sz="1400" b="0" i="0" baseline="0" dirty="0" smtClean="0"/>
-              <a:t>In order to test that the correct view is being returned or we are redirecting as necessary or the correct model is being returned we could write some really ugly low-level code that interrogates the controller context…or we could use MVCContrib</a:t>
-            </a:r>
-          </a:p>
-          <a:p>
-            <a:pPr marL="742950" lvl="1" indent="-285750" algn="l">
+              <a:rPr lang="en-US" sz="2000" b="1" dirty="0"/>
+              <a:t>tddmvc5</a:t>
+            </a:r>
+          </a:p>
+          <a:p>
+            <a:pPr marL="749265" lvl="1" indent="-288179">
               <a:buFontTx/>
               <a:buChar char="-"/>
             </a:pPr>
             <a:r>
-              <a:rPr lang="en-US" sz="1400" b="0" i="0" baseline="0" dirty="0" smtClean="0"/>
-              <a:t>So let’s test that our Index controller method returns a view named “Index”</a:t>
-            </a:r>
-          </a:p>
-          <a:p>
-            <a:pPr marL="1200150" lvl="2" indent="-285750" algn="l">
+              <a:rPr lang="en-US" sz="2000" dirty="0"/>
+              <a:t>And now we can write a test to make sure the model being returned is the correct type</a:t>
+            </a:r>
+          </a:p>
+          <a:p>
+            <a:pPr marL="1210351" lvl="2" indent="-288179">
               <a:buFontTx/>
               <a:buChar char="-"/>
             </a:pPr>
             <a:r>
-              <a:rPr lang="en-US" sz="1400" b="1" i="0" baseline="0" dirty="0" smtClean="0"/>
-              <a:t>tddmvc5</a:t>
-            </a:r>
-          </a:p>
-          <a:p>
-            <a:pPr marL="914400" lvl="2" indent="0" algn="l">
-              <a:buFontTx/>
-              <a:buNone/>
-            </a:pPr>
-            <a:r>
-              <a:rPr lang="en-US" sz="1400" b="0" i="0" baseline="0" dirty="0" smtClean="0"/>
-              <a:t>[</a:t>
-            </a:r>
-            <a:r>
-              <a:rPr lang="en-US" sz="1400" b="0" i="0" baseline="0" dirty="0" err="1" smtClean="0"/>
-              <a:t>TestMethod</a:t>
-            </a:r>
-            <a:r>
-              <a:rPr lang="en-US" sz="1400" b="0" i="0" baseline="0" dirty="0" smtClean="0"/>
-              <a:t>]</a:t>
-            </a:r>
-          </a:p>
-          <a:p>
-            <a:pPr marL="914400" lvl="2" indent="0" algn="l">
-              <a:buFontTx/>
-              <a:buNone/>
-            </a:pPr>
-            <a:r>
-              <a:rPr lang="en-US" sz="1400" b="0" i="0" baseline="0" dirty="0" smtClean="0"/>
-              <a:t>        public void </a:t>
-            </a:r>
-            <a:r>
-              <a:rPr lang="en-US" sz="1400" b="0" i="0" baseline="0" dirty="0" err="1" smtClean="0"/>
-              <a:t>Index_ShouldReturn_ViewNamed_Index</a:t>
-            </a:r>
-            <a:r>
-              <a:rPr lang="en-US" sz="1400" b="0" i="0" baseline="0" dirty="0" smtClean="0"/>
-              <a:t>() {</a:t>
-            </a:r>
-          </a:p>
-          <a:p>
-            <a:pPr marL="914400" lvl="2" indent="0" algn="l">
-              <a:buFontTx/>
-              <a:buNone/>
-            </a:pPr>
-            <a:r>
-              <a:rPr lang="en-US" sz="1400" b="0" i="0" baseline="0" dirty="0" smtClean="0"/>
-              <a:t>            //Arrange</a:t>
-            </a:r>
-          </a:p>
-          <a:p>
-            <a:pPr marL="914400" lvl="2" indent="0" algn="l">
-              <a:buFontTx/>
-              <a:buNone/>
-            </a:pPr>
-            <a:r>
-              <a:rPr lang="en-US" sz="1400" b="0" i="0" baseline="0" dirty="0" smtClean="0"/>
-              <a:t>            </a:t>
-            </a:r>
-            <a:r>
-              <a:rPr lang="en-US" sz="1400" b="0" i="0" baseline="0" dirty="0" err="1" smtClean="0"/>
-              <a:t>CustomerController</a:t>
-            </a:r>
-            <a:r>
-              <a:rPr lang="en-US" sz="1400" b="0" i="0" baseline="0" dirty="0" smtClean="0"/>
-              <a:t> controller = new </a:t>
-            </a:r>
-            <a:r>
-              <a:rPr lang="en-US" sz="1400" b="0" i="0" baseline="0" dirty="0" err="1" smtClean="0"/>
-              <a:t>CustomerController</a:t>
-            </a:r>
-            <a:r>
-              <a:rPr lang="en-US" sz="1400" b="0" i="0" baseline="0" dirty="0" smtClean="0"/>
-              <a:t>(_</a:t>
-            </a:r>
-            <a:r>
-              <a:rPr lang="en-US" sz="1400" b="0" i="0" baseline="0" dirty="0" err="1" smtClean="0"/>
-              <a:t>loggingService</a:t>
-            </a:r>
-            <a:r>
-              <a:rPr lang="en-US" sz="1400" b="0" i="0" baseline="0" dirty="0" smtClean="0"/>
-              <a:t>, _</a:t>
-            </a:r>
-            <a:r>
-              <a:rPr lang="en-US" sz="1400" b="0" i="0" baseline="0" dirty="0" err="1" smtClean="0"/>
-              <a:t>customerService</a:t>
-            </a:r>
-            <a:r>
-              <a:rPr lang="en-US" sz="1400" b="0" i="0" baseline="0" dirty="0" smtClean="0"/>
-              <a:t>);</a:t>
-            </a:r>
-          </a:p>
-          <a:p>
-            <a:pPr marL="914400" lvl="2" indent="0" algn="l">
-              <a:buFontTx/>
-              <a:buNone/>
-            </a:pPr>
-            <a:r>
-              <a:rPr lang="en-US" sz="1400" b="0" i="0" baseline="0" dirty="0" smtClean="0"/>
-              <a:t>            //Act</a:t>
-            </a:r>
-          </a:p>
-          <a:p>
-            <a:pPr marL="914400" lvl="2" indent="0" algn="l">
-              <a:buFontTx/>
-              <a:buNone/>
-            </a:pPr>
-            <a:r>
-              <a:rPr lang="en-US" sz="1400" b="0" i="0" baseline="0" dirty="0" smtClean="0"/>
-              <a:t>            </a:t>
-            </a:r>
-            <a:r>
-              <a:rPr lang="en-US" sz="1400" b="0" i="0" baseline="0" dirty="0" err="1" smtClean="0"/>
-              <a:t>ActionResult</a:t>
-            </a:r>
-            <a:r>
-              <a:rPr lang="en-US" sz="1400" b="0" i="0" baseline="0" dirty="0" smtClean="0"/>
-              <a:t> result = </a:t>
-            </a:r>
-            <a:r>
-              <a:rPr lang="en-US" sz="1400" b="0" i="0" baseline="0" dirty="0" err="1" smtClean="0"/>
-              <a:t>controller.Index</a:t>
-            </a:r>
-            <a:r>
-              <a:rPr lang="en-US" sz="1400" b="0" i="0" baseline="0" dirty="0" smtClean="0"/>
-              <a:t>(1);</a:t>
-            </a:r>
-          </a:p>
-          <a:p>
-            <a:pPr marL="914400" lvl="2" indent="0" algn="l">
-              <a:buFontTx/>
-              <a:buNone/>
-            </a:pPr>
-            <a:r>
-              <a:rPr lang="en-US" sz="1400" b="0" i="0" baseline="0" dirty="0" smtClean="0"/>
-              <a:t>            //Assert</a:t>
-            </a:r>
-          </a:p>
-          <a:p>
-            <a:pPr marL="914400" lvl="2" indent="0" algn="l">
-              <a:buFontTx/>
-              <a:buNone/>
-            </a:pPr>
-            <a:r>
-              <a:rPr lang="en-US" sz="1400" b="0" i="0" baseline="0" dirty="0" smtClean="0"/>
-              <a:t>            </a:t>
-            </a:r>
-            <a:r>
-              <a:rPr lang="en-US" sz="1400" b="0" i="0" baseline="0" dirty="0" err="1" smtClean="0"/>
-              <a:t>result.AssertViewRendered</a:t>
-            </a:r>
-            <a:r>
-              <a:rPr lang="en-US" sz="1400" b="0" i="0" baseline="0" dirty="0" smtClean="0"/>
-              <a:t>().</a:t>
-            </a:r>
-            <a:r>
-              <a:rPr lang="en-US" sz="1400" b="0" i="0" baseline="0" dirty="0" err="1" smtClean="0"/>
-              <a:t>ForView</a:t>
-            </a:r>
-            <a:r>
-              <a:rPr lang="en-US" sz="1400" b="0" i="0" baseline="0" dirty="0" smtClean="0"/>
-              <a:t>("Index");</a:t>
-            </a:r>
-          </a:p>
-          <a:p>
-            <a:pPr marL="914400" lvl="2" indent="0" algn="l">
-              <a:buFontTx/>
-              <a:buNone/>
-            </a:pPr>
-            <a:r>
-              <a:rPr lang="en-US" sz="1400" b="0" i="0" baseline="0" dirty="0" smtClean="0"/>
-              <a:t>        }</a:t>
-            </a:r>
-          </a:p>
-          <a:p>
-            <a:pPr marL="742950" lvl="1" indent="-285750" algn="l">
+              <a:rPr lang="en-US" sz="2000" b="1" dirty="0"/>
+              <a:t>tddmvc6</a:t>
+            </a:r>
+            <a:endParaRPr lang="en-US" sz="2000" dirty="0"/>
+          </a:p>
+          <a:p>
+            <a:pPr marL="749265" lvl="1" indent="-288179">
               <a:buFontTx/>
               <a:buChar char="-"/>
             </a:pPr>
             <a:r>
-              <a:rPr lang="en-US" sz="1400" b="0" i="0" baseline="0" dirty="0" smtClean="0"/>
-              <a:t>And now we can write a test to make sure the model being returned is the correct type</a:t>
-            </a:r>
-          </a:p>
-          <a:p>
-            <a:pPr marL="1200150" lvl="2" indent="-285750" algn="l">
+              <a:rPr lang="en-US" sz="2000" dirty="0"/>
+              <a:t>Assert…blah </a:t>
+            </a:r>
+            <a:r>
+              <a:rPr lang="en-US" sz="2000" dirty="0" err="1"/>
+              <a:t>blah</a:t>
+            </a:r>
+            <a:r>
+              <a:rPr lang="en-US" sz="2000" dirty="0"/>
+              <a:t> </a:t>
+            </a:r>
+            <a:r>
+              <a:rPr lang="en-US" sz="2000" dirty="0" err="1"/>
+              <a:t>blah</a:t>
+            </a:r>
+            <a:r>
+              <a:rPr lang="en-US" sz="2000" dirty="0"/>
+              <a:t>, hard to read!</a:t>
+            </a:r>
+          </a:p>
+          <a:p>
+            <a:pPr marL="749265" lvl="1" indent="-288179">
               <a:buFontTx/>
               <a:buChar char="-"/>
             </a:pPr>
             <a:r>
-              <a:rPr lang="en-US" sz="1400" b="1" i="0" baseline="0" dirty="0" smtClean="0"/>
-              <a:t>tddmvc6</a:t>
-            </a:r>
-          </a:p>
-          <a:p>
-            <a:pPr lvl="2"/>
-            <a:r>
-              <a:rPr lang="en-US" sz="1200" kern="1200" dirty="0" smtClean="0">
-                <a:solidFill>
-                  <a:schemeClr val="tx1"/>
-                </a:solidFill>
-                <a:latin typeface="+mn-lt"/>
-                <a:ea typeface="+mn-ea"/>
-                <a:cs typeface="+mn-cs"/>
-              </a:rPr>
-              <a:t>[</a:t>
-            </a:r>
-            <a:r>
-              <a:rPr lang="en-US" sz="1200" kern="1200" dirty="0" err="1" smtClean="0">
-                <a:solidFill>
-                  <a:schemeClr val="tx1"/>
-                </a:solidFill>
-                <a:latin typeface="+mn-lt"/>
-                <a:ea typeface="+mn-ea"/>
-                <a:cs typeface="+mn-cs"/>
-              </a:rPr>
-              <a:t>TestMethod</a:t>
-            </a:r>
-            <a:r>
-              <a:rPr lang="en-US" sz="1200" kern="1200" dirty="0" smtClean="0">
-                <a:solidFill>
-                  <a:schemeClr val="tx1"/>
-                </a:solidFill>
-                <a:latin typeface="+mn-lt"/>
-                <a:ea typeface="+mn-ea"/>
-                <a:cs typeface="+mn-cs"/>
-              </a:rPr>
-              <a:t>]</a:t>
-            </a:r>
-          </a:p>
-          <a:p>
-            <a:pPr lvl="2"/>
-            <a:r>
-              <a:rPr lang="en-US" sz="1200" kern="1200" dirty="0" smtClean="0">
-                <a:solidFill>
-                  <a:schemeClr val="tx1"/>
-                </a:solidFill>
-                <a:latin typeface="+mn-lt"/>
-                <a:ea typeface="+mn-ea"/>
-                <a:cs typeface="+mn-cs"/>
-              </a:rPr>
-              <a:t>        public void </a:t>
-            </a:r>
-            <a:r>
-              <a:rPr lang="en-US" sz="1200" kern="1200" dirty="0" err="1" smtClean="0">
-                <a:solidFill>
-                  <a:schemeClr val="tx1"/>
-                </a:solidFill>
-                <a:latin typeface="+mn-lt"/>
-                <a:ea typeface="+mn-ea"/>
-                <a:cs typeface="+mn-cs"/>
-              </a:rPr>
-              <a:t>Index_ShouldReturn_ViewWithModelofType_Customer</a:t>
-            </a:r>
-            <a:r>
-              <a:rPr lang="en-US" sz="1200" kern="1200" dirty="0" smtClean="0">
-                <a:solidFill>
-                  <a:schemeClr val="tx1"/>
-                </a:solidFill>
-                <a:latin typeface="+mn-lt"/>
-                <a:ea typeface="+mn-ea"/>
-                <a:cs typeface="+mn-cs"/>
-              </a:rPr>
-              <a:t>() {</a:t>
-            </a:r>
-          </a:p>
-          <a:p>
-            <a:pPr lvl="2"/>
-            <a:r>
-              <a:rPr lang="en-US" sz="1200" kern="1200" dirty="0" smtClean="0">
-                <a:solidFill>
-                  <a:schemeClr val="tx1"/>
-                </a:solidFill>
-                <a:latin typeface="+mn-lt"/>
-                <a:ea typeface="+mn-ea"/>
-                <a:cs typeface="+mn-cs"/>
-              </a:rPr>
-              <a:t>            //Arrange</a:t>
-            </a:r>
-          </a:p>
-          <a:p>
-            <a:pPr lvl="2"/>
-            <a:r>
-              <a:rPr lang="en-US" sz="1200" kern="1200" dirty="0" smtClean="0">
-                <a:solidFill>
-                  <a:schemeClr val="tx1"/>
-                </a:solidFill>
-                <a:latin typeface="+mn-lt"/>
-                <a:ea typeface="+mn-ea"/>
-                <a:cs typeface="+mn-cs"/>
-              </a:rPr>
-              <a:t>            </a:t>
-            </a:r>
-            <a:r>
-              <a:rPr lang="en-US" sz="1200" kern="1200" dirty="0" err="1" smtClean="0">
-                <a:solidFill>
-                  <a:schemeClr val="tx1"/>
-                </a:solidFill>
-                <a:latin typeface="+mn-lt"/>
-                <a:ea typeface="+mn-ea"/>
-                <a:cs typeface="+mn-cs"/>
-              </a:rPr>
-              <a:t>CustomerController</a:t>
-            </a:r>
-            <a:r>
-              <a:rPr lang="en-US" sz="1200" kern="1200" dirty="0" smtClean="0">
-                <a:solidFill>
-                  <a:schemeClr val="tx1"/>
-                </a:solidFill>
-                <a:latin typeface="+mn-lt"/>
-                <a:ea typeface="+mn-ea"/>
-                <a:cs typeface="+mn-cs"/>
-              </a:rPr>
-              <a:t> controller = new </a:t>
-            </a:r>
-            <a:r>
-              <a:rPr lang="en-US" sz="1200" kern="1200" dirty="0" err="1" smtClean="0">
-                <a:solidFill>
-                  <a:schemeClr val="tx1"/>
-                </a:solidFill>
-                <a:latin typeface="+mn-lt"/>
-                <a:ea typeface="+mn-ea"/>
-                <a:cs typeface="+mn-cs"/>
-              </a:rPr>
-              <a:t>CustomerController</a:t>
-            </a:r>
-            <a:r>
-              <a:rPr lang="en-US" sz="1200" kern="1200" dirty="0" smtClean="0">
-                <a:solidFill>
-                  <a:schemeClr val="tx1"/>
-                </a:solidFill>
-                <a:latin typeface="+mn-lt"/>
-                <a:ea typeface="+mn-ea"/>
-                <a:cs typeface="+mn-cs"/>
-              </a:rPr>
-              <a:t>(_</a:t>
-            </a:r>
-            <a:r>
-              <a:rPr lang="en-US" sz="1200" kern="1200" dirty="0" err="1" smtClean="0">
-                <a:solidFill>
-                  <a:schemeClr val="tx1"/>
-                </a:solidFill>
-                <a:latin typeface="+mn-lt"/>
-                <a:ea typeface="+mn-ea"/>
-                <a:cs typeface="+mn-cs"/>
-              </a:rPr>
-              <a:t>loggingServiceFake</a:t>
-            </a:r>
-            <a:r>
-              <a:rPr lang="en-US" sz="1200" kern="1200" dirty="0" smtClean="0">
-                <a:solidFill>
-                  <a:schemeClr val="tx1"/>
-                </a:solidFill>
-                <a:latin typeface="+mn-lt"/>
-                <a:ea typeface="+mn-ea"/>
-                <a:cs typeface="+mn-cs"/>
-              </a:rPr>
-              <a:t>, _</a:t>
-            </a:r>
-            <a:r>
-              <a:rPr lang="en-US" sz="1200" kern="1200" dirty="0" err="1" smtClean="0">
-                <a:solidFill>
-                  <a:schemeClr val="tx1"/>
-                </a:solidFill>
-                <a:latin typeface="+mn-lt"/>
-                <a:ea typeface="+mn-ea"/>
-                <a:cs typeface="+mn-cs"/>
-              </a:rPr>
-              <a:t>customerServiceFake</a:t>
-            </a:r>
-            <a:r>
-              <a:rPr lang="en-US" sz="1200" kern="1200" dirty="0" smtClean="0">
-                <a:solidFill>
-                  <a:schemeClr val="tx1"/>
-                </a:solidFill>
-                <a:latin typeface="+mn-lt"/>
-                <a:ea typeface="+mn-ea"/>
-                <a:cs typeface="+mn-cs"/>
-              </a:rPr>
-              <a:t>);</a:t>
-            </a:r>
-          </a:p>
-          <a:p>
-            <a:pPr lvl="2"/>
-            <a:r>
-              <a:rPr lang="en-US" sz="1200" kern="1200" dirty="0" smtClean="0">
-                <a:solidFill>
-                  <a:schemeClr val="tx1"/>
-                </a:solidFill>
-                <a:latin typeface="+mn-lt"/>
-                <a:ea typeface="+mn-ea"/>
-                <a:cs typeface="+mn-cs"/>
-              </a:rPr>
-              <a:t>            //Act</a:t>
-            </a:r>
-          </a:p>
-          <a:p>
-            <a:pPr lvl="2"/>
-            <a:r>
-              <a:rPr lang="en-US" sz="1200" kern="1200" dirty="0" smtClean="0">
-                <a:solidFill>
-                  <a:schemeClr val="tx1"/>
-                </a:solidFill>
-                <a:latin typeface="+mn-lt"/>
-                <a:ea typeface="+mn-ea"/>
-                <a:cs typeface="+mn-cs"/>
-              </a:rPr>
-              <a:t>            </a:t>
-            </a:r>
-            <a:r>
-              <a:rPr lang="en-US" sz="1200" kern="1200" dirty="0" err="1" smtClean="0">
-                <a:solidFill>
-                  <a:schemeClr val="tx1"/>
-                </a:solidFill>
-                <a:latin typeface="+mn-lt"/>
-                <a:ea typeface="+mn-ea"/>
-                <a:cs typeface="+mn-cs"/>
-              </a:rPr>
-              <a:t>ViewResult</a:t>
-            </a:r>
-            <a:r>
-              <a:rPr lang="en-US" sz="1200" kern="1200" dirty="0" smtClean="0">
-                <a:solidFill>
-                  <a:schemeClr val="tx1"/>
-                </a:solidFill>
-                <a:latin typeface="+mn-lt"/>
-                <a:ea typeface="+mn-ea"/>
-                <a:cs typeface="+mn-cs"/>
-              </a:rPr>
-              <a:t> result = (</a:t>
-            </a:r>
-            <a:r>
-              <a:rPr lang="en-US" sz="1200" kern="1200" dirty="0" err="1" smtClean="0">
-                <a:solidFill>
-                  <a:schemeClr val="tx1"/>
-                </a:solidFill>
-                <a:latin typeface="+mn-lt"/>
-                <a:ea typeface="+mn-ea"/>
-                <a:cs typeface="+mn-cs"/>
-              </a:rPr>
-              <a:t>ViewResult</a:t>
-            </a:r>
-            <a:r>
-              <a:rPr lang="en-US" sz="1200" kern="1200" dirty="0" smtClean="0">
-                <a:solidFill>
-                  <a:schemeClr val="tx1"/>
-                </a:solidFill>
-                <a:latin typeface="+mn-lt"/>
-                <a:ea typeface="+mn-ea"/>
-                <a:cs typeface="+mn-cs"/>
-              </a:rPr>
-              <a:t>)</a:t>
-            </a:r>
-            <a:r>
-              <a:rPr lang="en-US" sz="1200" kern="1200" dirty="0" err="1" smtClean="0">
-                <a:solidFill>
-                  <a:schemeClr val="tx1"/>
-                </a:solidFill>
-                <a:latin typeface="+mn-lt"/>
-                <a:ea typeface="+mn-ea"/>
-                <a:cs typeface="+mn-cs"/>
-              </a:rPr>
-              <a:t>controller.Index</a:t>
-            </a:r>
-            <a:r>
-              <a:rPr lang="en-US" sz="1200" kern="1200" dirty="0" smtClean="0">
-                <a:solidFill>
-                  <a:schemeClr val="tx1"/>
-                </a:solidFill>
-                <a:latin typeface="+mn-lt"/>
-                <a:ea typeface="+mn-ea"/>
-                <a:cs typeface="+mn-cs"/>
-              </a:rPr>
-              <a:t>(1);</a:t>
-            </a:r>
-          </a:p>
-          <a:p>
-            <a:pPr lvl="2"/>
-            <a:r>
-              <a:rPr lang="en-US" sz="1200" kern="1200" dirty="0" smtClean="0">
-                <a:solidFill>
-                  <a:schemeClr val="tx1"/>
-                </a:solidFill>
-                <a:latin typeface="+mn-lt"/>
-                <a:ea typeface="+mn-ea"/>
-                <a:cs typeface="+mn-cs"/>
-              </a:rPr>
-              <a:t>            //Assert</a:t>
-            </a:r>
-          </a:p>
-          <a:p>
-            <a:pPr lvl="2"/>
-            <a:r>
-              <a:rPr lang="en-US" sz="1200" kern="1200" dirty="0" smtClean="0">
-                <a:solidFill>
-                  <a:schemeClr val="tx1"/>
-                </a:solidFill>
-                <a:latin typeface="+mn-lt"/>
-                <a:ea typeface="+mn-ea"/>
-                <a:cs typeface="+mn-cs"/>
-              </a:rPr>
-              <a:t>            </a:t>
-            </a:r>
-            <a:r>
-              <a:rPr lang="en-US" sz="1200" kern="1200" dirty="0" err="1" smtClean="0">
-                <a:solidFill>
-                  <a:schemeClr val="tx1"/>
-                </a:solidFill>
-                <a:latin typeface="+mn-lt"/>
-                <a:ea typeface="+mn-ea"/>
-                <a:cs typeface="+mn-cs"/>
-              </a:rPr>
-              <a:t>Assert.IsInstanceOfType</a:t>
-            </a:r>
-            <a:r>
-              <a:rPr lang="en-US" sz="1200" kern="1200" dirty="0" smtClean="0">
-                <a:solidFill>
-                  <a:schemeClr val="tx1"/>
-                </a:solidFill>
-                <a:latin typeface="+mn-lt"/>
-                <a:ea typeface="+mn-ea"/>
-                <a:cs typeface="+mn-cs"/>
-              </a:rPr>
-              <a:t>(</a:t>
-            </a:r>
-            <a:r>
-              <a:rPr lang="en-US" sz="1200" kern="1200" dirty="0" err="1" smtClean="0">
-                <a:solidFill>
-                  <a:schemeClr val="tx1"/>
-                </a:solidFill>
-                <a:latin typeface="+mn-lt"/>
-                <a:ea typeface="+mn-ea"/>
-                <a:cs typeface="+mn-cs"/>
-              </a:rPr>
-              <a:t>result.Model</a:t>
-            </a:r>
-            <a:r>
-              <a:rPr lang="en-US" sz="1200" kern="1200" dirty="0" smtClean="0">
-                <a:solidFill>
-                  <a:schemeClr val="tx1"/>
-                </a:solidFill>
-                <a:latin typeface="+mn-lt"/>
-                <a:ea typeface="+mn-ea"/>
-                <a:cs typeface="+mn-cs"/>
-              </a:rPr>
-              <a:t>, </a:t>
-            </a:r>
-            <a:r>
-              <a:rPr lang="en-US" sz="1200" kern="1200" dirty="0" err="1" smtClean="0">
-                <a:solidFill>
-                  <a:schemeClr val="tx1"/>
-                </a:solidFill>
-                <a:latin typeface="+mn-lt"/>
-                <a:ea typeface="+mn-ea"/>
-                <a:cs typeface="+mn-cs"/>
-              </a:rPr>
-              <a:t>typeof</a:t>
-            </a:r>
-            <a:r>
-              <a:rPr lang="en-US" sz="1200" kern="1200" dirty="0" smtClean="0">
-                <a:solidFill>
-                  <a:schemeClr val="tx1"/>
-                </a:solidFill>
-                <a:latin typeface="+mn-lt"/>
-                <a:ea typeface="+mn-ea"/>
-                <a:cs typeface="+mn-cs"/>
-              </a:rPr>
-              <a:t>(</a:t>
-            </a:r>
-            <a:r>
-              <a:rPr lang="en-US" sz="1200" kern="1200" dirty="0" err="1" smtClean="0">
-                <a:solidFill>
-                  <a:schemeClr val="tx1"/>
-                </a:solidFill>
-                <a:latin typeface="+mn-lt"/>
-                <a:ea typeface="+mn-ea"/>
-                <a:cs typeface="+mn-cs"/>
-              </a:rPr>
-              <a:t>Common.Domain.Customer</a:t>
-            </a:r>
-            <a:r>
-              <a:rPr lang="en-US" sz="1200" kern="1200" dirty="0" smtClean="0">
-                <a:solidFill>
-                  <a:schemeClr val="tx1"/>
-                </a:solidFill>
-                <a:latin typeface="+mn-lt"/>
-                <a:ea typeface="+mn-ea"/>
-                <a:cs typeface="+mn-cs"/>
-              </a:rPr>
-              <a:t>));</a:t>
-            </a:r>
-          </a:p>
-          <a:p>
-            <a:pPr lvl="2"/>
-            <a:r>
-              <a:rPr lang="en-US" sz="1200" kern="1200" dirty="0" smtClean="0">
-                <a:solidFill>
-                  <a:schemeClr val="tx1"/>
-                </a:solidFill>
-                <a:latin typeface="+mn-lt"/>
-                <a:ea typeface="+mn-ea"/>
-                <a:cs typeface="+mn-cs"/>
-              </a:rPr>
-              <a:t>        }</a:t>
-            </a:r>
-            <a:endParaRPr lang="en-US" sz="2400" b="0" i="0" baseline="0" dirty="0" smtClean="0"/>
-          </a:p>
-          <a:p>
-            <a:pPr marL="742950" lvl="1" indent="-285750" algn="l">
+              <a:rPr lang="en-US" sz="2000" dirty="0"/>
+              <a:t>Fluent Assertions Library – user readable assertions</a:t>
+            </a:r>
+          </a:p>
+          <a:p>
+            <a:pPr marL="1210351" lvl="2" indent="-288179">
               <a:buFontTx/>
               <a:buChar char="-"/>
             </a:pPr>
             <a:r>
-              <a:rPr lang="en-US" sz="1400" b="0" i="0" baseline="0" dirty="0" smtClean="0"/>
-              <a:t>Assert…blah </a:t>
-            </a:r>
-            <a:r>
-              <a:rPr lang="en-US" sz="1400" b="0" i="0" baseline="0" dirty="0" err="1" smtClean="0"/>
-              <a:t>blah</a:t>
-            </a:r>
-            <a:r>
-              <a:rPr lang="en-US" sz="1400" b="0" i="0" baseline="0" dirty="0" smtClean="0"/>
+              <a:rPr lang="en-US" sz="2000" dirty="0"/>
+              <a:t> </a:t>
+            </a:r>
+            <a:r>
+              <a:rPr lang="en-US" sz="2000" b="1" dirty="0" err="1"/>
+              <a:t>result.Model.Should</a:t>
+            </a:r>
+            <a:r>
+              <a:rPr lang="en-US" sz="2000" b="1" dirty="0"/>
+              <a:t>().</a:t>
+            </a:r>
+            <a:r>
+              <a:rPr lang="en-US" sz="2000" b="1" dirty="0" err="1"/>
+              <a:t>BeOfType</a:t>
+            </a:r>
+            <a:r>
+              <a:rPr lang="en-US" sz="2000" b="1" dirty="0"/>
+              <a:t>&lt;</a:t>
+            </a:r>
+            <a:r>
+              <a:rPr lang="en-US" sz="2000" b="1" dirty="0" err="1"/>
+              <a:t>Core.Entities.Customer</a:t>
+            </a:r>
+            <a:r>
+              <a:rPr lang="en-US" sz="2000" b="1" dirty="0"/>
+              <a:t>&gt;();</a:t>
+            </a:r>
+            <a:r>
+              <a:rPr lang="en-US" sz="2000" dirty="0"/>
               <a:t> </a:t>
             </a:r>
-            <a:r>
-              <a:rPr lang="en-US" sz="1400" b="0" i="0" baseline="0" dirty="0" err="1" smtClean="0"/>
-              <a:t>blah</a:t>
-            </a:r>
-            <a:r>
-              <a:rPr lang="en-US" sz="1400" b="0" i="0" baseline="0" dirty="0" smtClean="0"/>
-              <a:t>, hard to read!</a:t>
-            </a:r>
-          </a:p>
-          <a:p>
-            <a:pPr marL="742950" lvl="1" indent="-285750" algn="l">
+            <a:endParaRPr lang="en-US" sz="2000" b="1" dirty="0"/>
+          </a:p>
+          <a:p>
+            <a:pPr marL="749265" lvl="1" indent="-288179">
               <a:buFontTx/>
               <a:buChar char="-"/>
             </a:pPr>
             <a:r>
-              <a:rPr lang="en-US" sz="1400" b="0" i="0" baseline="0" dirty="0" smtClean="0"/>
-              <a:t>Fluent Assertions </a:t>
-            </a:r>
-            <a:r>
-              <a:rPr lang="en-US" sz="1400" b="0" i="0" baseline="0" dirty="0" smtClean="0"/>
-              <a:t>Library – user readable assertions</a:t>
-            </a:r>
-          </a:p>
-          <a:p>
-            <a:pPr marL="1200150" lvl="2" indent="-285750" algn="l">
+              <a:rPr lang="en-US" sz="2000" dirty="0"/>
+              <a:t>Lastly we can test the redirect on our Post</a:t>
+            </a:r>
+          </a:p>
+          <a:p>
+            <a:pPr marL="1210351" lvl="2" indent="-288179">
               <a:buFontTx/>
               <a:buChar char="-"/>
             </a:pPr>
             <a:r>
-              <a:rPr lang="en-US" dirty="0" smtClean="0"/>
-              <a:t> </a:t>
-            </a:r>
-            <a:r>
-              <a:rPr lang="en-US" sz="1200" b="1" kern="1200" dirty="0" err="1" smtClean="0">
-                <a:solidFill>
-                  <a:schemeClr val="tx1"/>
-                </a:solidFill>
-                <a:effectLst/>
-                <a:latin typeface="+mn-lt"/>
-                <a:ea typeface="+mn-ea"/>
-                <a:cs typeface="+mn-cs"/>
-              </a:rPr>
-              <a:t>result.Model.Should</a:t>
-            </a:r>
-            <a:r>
-              <a:rPr lang="en-US" b="1" dirty="0" smtClean="0"/>
-              <a:t>()</a:t>
-            </a:r>
-            <a:r>
-              <a:rPr lang="en-US" sz="1200" b="1" kern="1200" dirty="0" smtClean="0">
-                <a:solidFill>
-                  <a:schemeClr val="tx1"/>
-                </a:solidFill>
-                <a:effectLst/>
-                <a:latin typeface="+mn-lt"/>
-                <a:ea typeface="+mn-ea"/>
-                <a:cs typeface="+mn-cs"/>
-              </a:rPr>
-              <a:t>.</a:t>
-            </a:r>
-            <a:r>
-              <a:rPr lang="en-US" sz="1200" b="1" kern="1200" dirty="0" err="1" smtClean="0">
-                <a:solidFill>
-                  <a:schemeClr val="tx1"/>
-                </a:solidFill>
-                <a:effectLst/>
-                <a:latin typeface="+mn-lt"/>
-                <a:ea typeface="+mn-ea"/>
-                <a:cs typeface="+mn-cs"/>
-              </a:rPr>
-              <a:t>BeOfType</a:t>
-            </a:r>
-            <a:r>
-              <a:rPr lang="en-US" sz="1200" b="1" kern="1200" dirty="0" smtClean="0">
-                <a:solidFill>
-                  <a:schemeClr val="tx1"/>
-                </a:solidFill>
-                <a:effectLst/>
-                <a:latin typeface="+mn-lt"/>
-                <a:ea typeface="+mn-ea"/>
-                <a:cs typeface="+mn-cs"/>
-              </a:rPr>
-              <a:t>&lt;</a:t>
-            </a:r>
-            <a:r>
-              <a:rPr lang="en-US" sz="1200" b="1" kern="1200" dirty="0" err="1" smtClean="0">
-                <a:solidFill>
-                  <a:schemeClr val="tx1"/>
-                </a:solidFill>
-                <a:effectLst/>
-                <a:latin typeface="+mn-lt"/>
-                <a:ea typeface="+mn-ea"/>
-                <a:cs typeface="+mn-cs"/>
-              </a:rPr>
-              <a:t>Core.Entities.Customer</a:t>
-            </a:r>
-            <a:r>
-              <a:rPr lang="en-US" sz="1200" b="1" kern="1200" dirty="0" smtClean="0">
-                <a:solidFill>
-                  <a:schemeClr val="tx1"/>
-                </a:solidFill>
-                <a:effectLst/>
-                <a:latin typeface="+mn-lt"/>
-                <a:ea typeface="+mn-ea"/>
-                <a:cs typeface="+mn-cs"/>
-              </a:rPr>
-              <a:t>&gt;</a:t>
-            </a:r>
-            <a:r>
-              <a:rPr lang="en-US" b="1" dirty="0" smtClean="0"/>
-              <a:t>();</a:t>
-            </a:r>
-            <a:r>
-              <a:rPr lang="en-US" dirty="0" smtClean="0"/>
-              <a:t> </a:t>
-            </a:r>
-            <a:endParaRPr lang="en-US" sz="1200" b="1" kern="1200" dirty="0" smtClean="0">
-              <a:solidFill>
-                <a:schemeClr val="tx1"/>
-              </a:solidFill>
-              <a:latin typeface="+mn-lt"/>
-              <a:ea typeface="+mn-ea"/>
-              <a:cs typeface="+mn-cs"/>
-            </a:endParaRPr>
-          </a:p>
-          <a:p>
-            <a:pPr marL="742950" lvl="1" indent="-285750" algn="l">
-              <a:buFontTx/>
-              <a:buChar char="-"/>
-            </a:pPr>
-            <a:r>
-              <a:rPr lang="en-US" sz="1200" kern="1200" dirty="0" smtClean="0">
-                <a:solidFill>
-                  <a:schemeClr val="tx1"/>
-                </a:solidFill>
-                <a:latin typeface="+mn-lt"/>
-                <a:ea typeface="+mn-ea"/>
-                <a:cs typeface="+mn-cs"/>
-              </a:rPr>
-              <a:t>Lastly we can test the redirect on our Post</a:t>
-            </a:r>
-          </a:p>
-          <a:p>
-            <a:pPr marL="1200150" lvl="2" indent="-285750" algn="l">
-              <a:buFontTx/>
-              <a:buChar char="-"/>
-            </a:pPr>
-            <a:r>
-              <a:rPr lang="en-US" sz="1200" b="1" kern="1200" dirty="0" smtClean="0">
-                <a:solidFill>
-                  <a:schemeClr val="tx1"/>
-                </a:solidFill>
-                <a:latin typeface="+mn-lt"/>
-                <a:ea typeface="+mn-ea"/>
-                <a:cs typeface="+mn-cs"/>
-              </a:rPr>
+              <a:rPr lang="en-US" sz="2000" b="1"/>
               <a:t>tddmvc7</a:t>
             </a:r>
-            <a:endParaRPr lang="en-US" sz="1200" b="1" kern="1200" dirty="0" smtClean="0">
-              <a:solidFill>
-                <a:schemeClr val="tx1"/>
-              </a:solidFill>
-              <a:latin typeface="+mn-lt"/>
-              <a:ea typeface="+mn-ea"/>
-              <a:cs typeface="+mn-cs"/>
-            </a:endParaRPr>
-          </a:p>
-          <a:p>
-            <a:r>
-              <a:rPr lang="en-US" sz="1200" kern="1200" dirty="0" smtClean="0">
-                <a:solidFill>
-                  <a:schemeClr val="tx1"/>
-                </a:solidFill>
-                <a:latin typeface="+mn-lt"/>
-                <a:ea typeface="+mn-ea"/>
-                <a:cs typeface="+mn-cs"/>
-              </a:rPr>
-              <a:t>	</a:t>
-            </a:r>
-            <a:r>
-              <a:rPr lang="en-US" sz="1200" b="0" kern="1200" dirty="0" smtClean="0">
-                <a:solidFill>
-                  <a:schemeClr val="tx1"/>
-                </a:solidFill>
-                <a:latin typeface="+mn-lt"/>
-                <a:ea typeface="+mn-ea"/>
-                <a:cs typeface="+mn-cs"/>
-              </a:rPr>
-              <a:t>[</a:t>
-            </a:r>
-            <a:r>
-              <a:rPr lang="en-US" sz="1200" b="0" kern="1200" dirty="0" err="1" smtClean="0">
-                <a:solidFill>
-                  <a:schemeClr val="tx1"/>
-                </a:solidFill>
-                <a:latin typeface="+mn-lt"/>
-                <a:ea typeface="+mn-ea"/>
-                <a:cs typeface="+mn-cs"/>
-              </a:rPr>
-              <a:t>TestMethod</a:t>
-            </a:r>
-            <a:r>
-              <a:rPr lang="en-US" sz="1200" b="0" kern="1200" dirty="0" smtClean="0">
-                <a:solidFill>
-                  <a:schemeClr val="tx1"/>
-                </a:solidFill>
-                <a:latin typeface="+mn-lt"/>
-                <a:ea typeface="+mn-ea"/>
-                <a:cs typeface="+mn-cs"/>
-              </a:rPr>
-              <a:t>]</a:t>
-            </a:r>
-          </a:p>
-          <a:p>
-            <a:r>
-              <a:rPr lang="en-US" sz="1200" b="0" kern="1200" dirty="0" smtClean="0">
-                <a:solidFill>
-                  <a:schemeClr val="tx1"/>
-                </a:solidFill>
-                <a:latin typeface="+mn-lt"/>
-                <a:ea typeface="+mn-ea"/>
-                <a:cs typeface="+mn-cs"/>
-              </a:rPr>
-              <a:t>	    public void IndexPost_ShouldRedirectTo_Step2() {</a:t>
-            </a:r>
-          </a:p>
-          <a:p>
-            <a:r>
-              <a:rPr lang="en-US" sz="1200" b="0" kern="1200" dirty="0" smtClean="0">
-                <a:solidFill>
-                  <a:schemeClr val="tx1"/>
-                </a:solidFill>
-                <a:latin typeface="+mn-lt"/>
-                <a:ea typeface="+mn-ea"/>
-                <a:cs typeface="+mn-cs"/>
-              </a:rPr>
-              <a:t>	    //Arrange</a:t>
-            </a:r>
-          </a:p>
-          <a:p>
-            <a:r>
-              <a:rPr lang="en-US" sz="1200" b="0" kern="1200" dirty="0" smtClean="0">
-                <a:solidFill>
-                  <a:schemeClr val="tx1"/>
-                </a:solidFill>
-                <a:latin typeface="+mn-lt"/>
-                <a:ea typeface="+mn-ea"/>
-                <a:cs typeface="+mn-cs"/>
-              </a:rPr>
-              <a:t>	    </a:t>
-            </a:r>
-            <a:r>
-              <a:rPr lang="en-US" sz="1200" b="0" kern="1200" dirty="0" err="1" smtClean="0">
-                <a:solidFill>
-                  <a:schemeClr val="tx1"/>
-                </a:solidFill>
-                <a:latin typeface="+mn-lt"/>
-                <a:ea typeface="+mn-ea"/>
-                <a:cs typeface="+mn-cs"/>
-              </a:rPr>
-              <a:t>CustomerController</a:t>
-            </a:r>
-            <a:r>
-              <a:rPr lang="en-US" sz="1200" b="0" kern="1200" dirty="0" smtClean="0">
-                <a:solidFill>
-                  <a:schemeClr val="tx1"/>
-                </a:solidFill>
-                <a:latin typeface="+mn-lt"/>
-                <a:ea typeface="+mn-ea"/>
-                <a:cs typeface="+mn-cs"/>
-              </a:rPr>
-              <a:t> controller = new </a:t>
-            </a:r>
-            <a:r>
-              <a:rPr lang="en-US" sz="1200" b="0" kern="1200" dirty="0" err="1" smtClean="0">
-                <a:solidFill>
-                  <a:schemeClr val="tx1"/>
-                </a:solidFill>
-                <a:latin typeface="+mn-lt"/>
-                <a:ea typeface="+mn-ea"/>
-                <a:cs typeface="+mn-cs"/>
-              </a:rPr>
-              <a:t>CustomerController</a:t>
-            </a:r>
-            <a:r>
-              <a:rPr lang="en-US" sz="1200" b="0" kern="1200" dirty="0" smtClean="0">
-                <a:solidFill>
-                  <a:schemeClr val="tx1"/>
-                </a:solidFill>
-                <a:latin typeface="+mn-lt"/>
-                <a:ea typeface="+mn-ea"/>
-                <a:cs typeface="+mn-cs"/>
-              </a:rPr>
-              <a:t>(_</a:t>
-            </a:r>
-            <a:r>
-              <a:rPr lang="en-US" sz="1200" b="0" kern="1200" dirty="0" err="1" smtClean="0">
-                <a:solidFill>
-                  <a:schemeClr val="tx1"/>
-                </a:solidFill>
-                <a:latin typeface="+mn-lt"/>
-                <a:ea typeface="+mn-ea"/>
-                <a:cs typeface="+mn-cs"/>
-              </a:rPr>
-              <a:t>loggingServiceFake</a:t>
-            </a:r>
-            <a:r>
-              <a:rPr lang="en-US" sz="1200" b="0" kern="1200" dirty="0" smtClean="0">
-                <a:solidFill>
-                  <a:schemeClr val="tx1"/>
-                </a:solidFill>
-                <a:latin typeface="+mn-lt"/>
-                <a:ea typeface="+mn-ea"/>
-                <a:cs typeface="+mn-cs"/>
-              </a:rPr>
-              <a:t>, _</a:t>
-            </a:r>
-            <a:r>
-              <a:rPr lang="en-US" sz="1200" b="0" kern="1200" dirty="0" err="1" smtClean="0">
-                <a:solidFill>
-                  <a:schemeClr val="tx1"/>
-                </a:solidFill>
-                <a:latin typeface="+mn-lt"/>
-                <a:ea typeface="+mn-ea"/>
-                <a:cs typeface="+mn-cs"/>
-              </a:rPr>
-              <a:t>customerServiceFake</a:t>
-            </a:r>
-            <a:r>
-              <a:rPr lang="en-US" sz="1200" b="0" kern="1200" dirty="0" smtClean="0">
-                <a:solidFill>
-                  <a:schemeClr val="tx1"/>
-                </a:solidFill>
-                <a:latin typeface="+mn-lt"/>
-                <a:ea typeface="+mn-ea"/>
-                <a:cs typeface="+mn-cs"/>
-              </a:rPr>
-              <a:t>);</a:t>
-            </a:r>
-          </a:p>
-          <a:p>
-            <a:r>
-              <a:rPr lang="en-US" sz="1200" b="0" kern="1200" dirty="0" smtClean="0">
-                <a:solidFill>
-                  <a:schemeClr val="tx1"/>
-                </a:solidFill>
-                <a:latin typeface="+mn-lt"/>
-                <a:ea typeface="+mn-ea"/>
-                <a:cs typeface="+mn-cs"/>
-              </a:rPr>
-              <a:t>	    //Act</a:t>
-            </a:r>
-          </a:p>
-          <a:p>
-            <a:r>
-              <a:rPr lang="en-US" sz="1200" b="0" kern="1200" dirty="0" smtClean="0">
-                <a:solidFill>
-                  <a:schemeClr val="tx1"/>
-                </a:solidFill>
-                <a:latin typeface="+mn-lt"/>
-                <a:ea typeface="+mn-ea"/>
-                <a:cs typeface="+mn-cs"/>
-              </a:rPr>
-              <a:t>            	    </a:t>
-            </a:r>
-            <a:r>
-              <a:rPr lang="en-US" sz="1200" b="0" kern="1200" dirty="0" err="1" smtClean="0">
-                <a:solidFill>
-                  <a:schemeClr val="tx1"/>
-                </a:solidFill>
-                <a:latin typeface="+mn-lt"/>
-                <a:ea typeface="+mn-ea"/>
-                <a:cs typeface="+mn-cs"/>
-              </a:rPr>
-              <a:t>ActionResult</a:t>
-            </a:r>
-            <a:r>
-              <a:rPr lang="en-US" sz="1200" b="0" kern="1200" dirty="0" smtClean="0">
-                <a:solidFill>
-                  <a:schemeClr val="tx1"/>
-                </a:solidFill>
-                <a:latin typeface="+mn-lt"/>
-                <a:ea typeface="+mn-ea"/>
-                <a:cs typeface="+mn-cs"/>
-              </a:rPr>
-              <a:t> result = </a:t>
-            </a:r>
-            <a:r>
-              <a:rPr lang="en-US" sz="1200" b="0" kern="1200" dirty="0" err="1" smtClean="0">
-                <a:solidFill>
-                  <a:schemeClr val="tx1"/>
-                </a:solidFill>
-                <a:latin typeface="+mn-lt"/>
-                <a:ea typeface="+mn-ea"/>
-                <a:cs typeface="+mn-cs"/>
-              </a:rPr>
-              <a:t>controller.Index</a:t>
-            </a:r>
-            <a:r>
-              <a:rPr lang="en-US" sz="1200" b="0" kern="1200" dirty="0" smtClean="0">
-                <a:solidFill>
-                  <a:schemeClr val="tx1"/>
-                </a:solidFill>
-                <a:latin typeface="+mn-lt"/>
-                <a:ea typeface="+mn-ea"/>
-                <a:cs typeface="+mn-cs"/>
-              </a:rPr>
-              <a:t>(new </a:t>
-            </a:r>
-            <a:r>
-              <a:rPr lang="en-US" sz="1200" b="0" kern="1200" dirty="0" err="1" smtClean="0">
-                <a:solidFill>
-                  <a:schemeClr val="tx1"/>
-                </a:solidFill>
-                <a:latin typeface="+mn-lt"/>
-                <a:ea typeface="+mn-ea"/>
-                <a:cs typeface="+mn-cs"/>
-              </a:rPr>
-              <a:t>Common.Domain.Customer</a:t>
-            </a:r>
-            <a:r>
-              <a:rPr lang="en-US" sz="1200" b="0" kern="1200" dirty="0" smtClean="0">
-                <a:solidFill>
-                  <a:schemeClr val="tx1"/>
-                </a:solidFill>
-                <a:latin typeface="+mn-lt"/>
-                <a:ea typeface="+mn-ea"/>
-                <a:cs typeface="+mn-cs"/>
-              </a:rPr>
-              <a:t> {Id = 1});</a:t>
-            </a:r>
-          </a:p>
-          <a:p>
-            <a:r>
-              <a:rPr lang="en-US" sz="1200" b="0" kern="1200" dirty="0" smtClean="0">
-                <a:solidFill>
-                  <a:schemeClr val="tx1"/>
-                </a:solidFill>
-                <a:latin typeface="+mn-lt"/>
-                <a:ea typeface="+mn-ea"/>
-                <a:cs typeface="+mn-cs"/>
-              </a:rPr>
-              <a:t>	    //Assert</a:t>
-            </a:r>
-          </a:p>
-          <a:p>
-            <a:r>
-              <a:rPr lang="en-US" sz="1200" b="0" kern="1200" dirty="0" smtClean="0">
-                <a:solidFill>
-                  <a:schemeClr val="tx1"/>
-                </a:solidFill>
-                <a:latin typeface="+mn-lt"/>
-                <a:ea typeface="+mn-ea"/>
-                <a:cs typeface="+mn-cs"/>
-              </a:rPr>
-              <a:t>	    </a:t>
-            </a:r>
-            <a:r>
-              <a:rPr lang="en-US" sz="1200" b="0" kern="1200" dirty="0" err="1" smtClean="0">
-                <a:solidFill>
-                  <a:schemeClr val="tx1"/>
-                </a:solidFill>
-                <a:latin typeface="+mn-lt"/>
-                <a:ea typeface="+mn-ea"/>
-                <a:cs typeface="+mn-cs"/>
-              </a:rPr>
-              <a:t>result.AssertActionRedirect</a:t>
-            </a:r>
-            <a:r>
-              <a:rPr lang="en-US" sz="1200" b="0" kern="1200" dirty="0" smtClean="0">
-                <a:solidFill>
-                  <a:schemeClr val="tx1"/>
-                </a:solidFill>
-                <a:latin typeface="+mn-lt"/>
-                <a:ea typeface="+mn-ea"/>
-                <a:cs typeface="+mn-cs"/>
-              </a:rPr>
-              <a:t>().</a:t>
-            </a:r>
-            <a:r>
-              <a:rPr lang="en-US" sz="1200" b="0" kern="1200" dirty="0" err="1" smtClean="0">
-                <a:solidFill>
-                  <a:schemeClr val="tx1"/>
-                </a:solidFill>
-                <a:latin typeface="+mn-lt"/>
-                <a:ea typeface="+mn-ea"/>
-                <a:cs typeface="+mn-cs"/>
-              </a:rPr>
-              <a:t>ToAction</a:t>
-            </a:r>
-            <a:r>
-              <a:rPr lang="en-US" sz="1200" b="0" kern="1200" dirty="0" smtClean="0">
-                <a:solidFill>
-                  <a:schemeClr val="tx1"/>
-                </a:solidFill>
-                <a:latin typeface="+mn-lt"/>
-                <a:ea typeface="+mn-ea"/>
-                <a:cs typeface="+mn-cs"/>
-              </a:rPr>
-              <a:t>("Step2");</a:t>
-            </a:r>
-          </a:p>
-          <a:p>
-            <a:r>
-              <a:rPr lang="en-US" sz="1200" b="0" kern="1200" dirty="0" smtClean="0">
-                <a:solidFill>
-                  <a:schemeClr val="tx1"/>
-                </a:solidFill>
-                <a:latin typeface="+mn-lt"/>
-                <a:ea typeface="+mn-ea"/>
-                <a:cs typeface="+mn-cs"/>
-              </a:rPr>
-              <a:t>	}</a:t>
-            </a:r>
-            <a:endParaRPr lang="en-US" sz="2000" b="0" kern="1200" dirty="0" smtClean="0">
-              <a:solidFill>
-                <a:schemeClr val="tx1"/>
-              </a:solidFill>
-              <a:latin typeface="+mn-lt"/>
-              <a:ea typeface="+mn-ea"/>
-              <a:cs typeface="+mn-cs"/>
-            </a:endParaRPr>
-          </a:p>
-          <a:p>
-            <a:pPr marL="742950" lvl="1" indent="-285750" algn="l">
-              <a:buFontTx/>
-              <a:buChar char="-"/>
-            </a:pPr>
-            <a:endParaRPr lang="en-US" sz="1400" b="0" i="0" baseline="0" dirty="0" smtClean="0"/>
-          </a:p>
-          <a:p>
-            <a:pPr marL="342900" lvl="0" indent="-342900" algn="l">
-              <a:buFontTx/>
-              <a:buAutoNum type="arabicPeriod" startAt="2"/>
-            </a:pPr>
-            <a:endParaRPr lang="en-US" sz="1400" baseline="0" dirty="0" smtClean="0"/>
-          </a:p>
-          <a:p>
-            <a:pPr marL="285750" lvl="0" indent="-285750" algn="l">
-              <a:buFontTx/>
-              <a:buChar char="-"/>
-            </a:pPr>
-            <a:endParaRPr lang="en-US" sz="1400" baseline="0" dirty="0" smtClean="0"/>
-          </a:p>
-          <a:p>
-            <a:pPr marL="285750" lvl="0" indent="-285750" algn="l">
-              <a:buFontTx/>
-              <a:buChar char="-"/>
-            </a:pPr>
-            <a:endParaRPr lang="en-US" sz="1400" baseline="0" dirty="0" smtClean="0"/>
-          </a:p>
-          <a:p>
-            <a:pPr marL="2114550" lvl="4" indent="-285750" algn="l">
-              <a:buFontTx/>
-              <a:buChar char="-"/>
-            </a:pPr>
-            <a:endParaRPr lang="en-US" sz="1400" baseline="0" dirty="0" smtClean="0"/>
-          </a:p>
-          <a:p>
-            <a:pPr marL="1657350" lvl="3" indent="-285750" algn="l">
-              <a:buFontTx/>
-              <a:buChar char="-"/>
-            </a:pPr>
-            <a:endParaRPr lang="en-US" sz="1400" baseline="0" dirty="0" smtClean="0"/>
-          </a:p>
-          <a:p>
-            <a:pPr marL="1657350" lvl="3" indent="-285750" algn="l">
-              <a:buFontTx/>
-              <a:buChar char="-"/>
-            </a:pPr>
-            <a:endParaRPr lang="en-US" sz="1400" baseline="0" dirty="0" smtClean="0"/>
-          </a:p>
-          <a:p>
-            <a:pPr marL="1657350" lvl="3" indent="-285750" algn="l">
-              <a:buFontTx/>
-              <a:buChar char="-"/>
-            </a:pPr>
-            <a:endParaRPr lang="en-US" sz="1400" baseline="0" dirty="0" smtClean="0"/>
-          </a:p>
-          <a:p>
-            <a:pPr marL="800100" lvl="1" indent="-342900" algn="l">
+            <a:endParaRPr lang="en-US" sz="2000" dirty="0"/>
+          </a:p>
+          <a:p>
+            <a:pPr marL="806901" lvl="1" indent="-345815">
               <a:buFont typeface="Arial" pitchFamily="34" charset="0"/>
               <a:buAutoNum type="alphaLcPeriod"/>
             </a:pPr>
-            <a:endParaRPr lang="en-US" sz="1400" baseline="0" dirty="0" smtClean="0"/>
+            <a:endParaRPr lang="en-US" sz="2000" dirty="0"/>
           </a:p>
         </p:txBody>
       </p:sp>
@@ -6429,8 +4673,8 @@
         </p:nvSpPr>
         <p:spPr bwMode="auto">
           <a:xfrm>
-            <a:off x="1181100" y="696913"/>
-            <a:ext cx="4648200" cy="3486150"/>
+            <a:off x="1179513" y="704850"/>
+            <a:ext cx="4694237" cy="3521075"/>
           </a:xfrm>
           <a:noFill/>
           <a:ln>
@@ -6461,83 +4705,95 @@
             <a:prstTxWarp prst="textNoShape">
               <a:avLst/>
             </a:prstTxWarp>
-            <a:normAutofit fontScale="92500"/>
+            <a:normAutofit/>
           </a:bodyPr>
           <a:lstStyle/>
           <a:p>
-            <a:r>
-              <a:rPr lang="en-US" sz="2400" dirty="0" smtClean="0"/>
+            <a:pPr marL="345815" indent="-345815">
+              <a:buFont typeface="Arial" panose="020B0604020202020204" pitchFamily="34" charset="0"/>
+              <a:buChar char="•"/>
+            </a:pPr>
+            <a:r>
+              <a:rPr lang="en-US" sz="2400" dirty="0"/>
               <a:t>Automate the browser from your tests</a:t>
             </a:r>
           </a:p>
           <a:p>
-            <a:r>
-              <a:rPr lang="en-US" sz="2400" dirty="0" smtClean="0"/>
-              <a:t>Supports IE and </a:t>
-            </a:r>
-            <a:r>
-              <a:rPr lang="en-US" sz="2400" dirty="0" err="1" smtClean="0"/>
+            <a:pPr marL="345815" indent="-345815">
+              <a:buFont typeface="Arial" panose="020B0604020202020204" pitchFamily="34" charset="0"/>
+              <a:buChar char="•"/>
+            </a:pPr>
+            <a:r>
+              <a:rPr lang="en-US" sz="2400" dirty="0"/>
+              <a:t>Supports IE, Chrome, </a:t>
+            </a:r>
+            <a:r>
+              <a:rPr lang="en-US" sz="2400" dirty="0" err="1"/>
               <a:t>FireFox</a:t>
             </a:r>
-            <a:endParaRPr lang="en-US" sz="2400" dirty="0" smtClean="0"/>
-          </a:p>
-          <a:p>
-            <a:r>
-              <a:rPr lang="en-US" sz="2400" dirty="0" smtClean="0"/>
+            <a:r>
+              <a:rPr lang="en-US" sz="2400" dirty="0"/>
+              <a:t>, Opera, Safari</a:t>
+            </a:r>
+          </a:p>
+          <a:p>
+            <a:pPr marL="345815" indent="-345815">
+              <a:buFont typeface="Arial" panose="020B0604020202020204" pitchFamily="34" charset="0"/>
+              <a:buChar char="•"/>
+            </a:pPr>
+            <a:r>
+              <a:rPr lang="en-US" sz="2400" dirty="0"/>
               <a:t>Allows you test</a:t>
             </a:r>
           </a:p>
           <a:p>
-            <a:pPr lvl="1"/>
-            <a:r>
-              <a:rPr lang="en-US" sz="2100" dirty="0" smtClean="0"/>
+            <a:pPr marL="806901" lvl="1" indent="-345815">
+              <a:buFont typeface="Arial" panose="020B0604020202020204" pitchFamily="34" charset="0"/>
+              <a:buChar char="•"/>
+            </a:pPr>
+            <a:r>
+              <a:rPr lang="en-US" sz="2100" dirty="0"/>
               <a:t>Navigation</a:t>
             </a:r>
           </a:p>
           <a:p>
-            <a:pPr lvl="1"/>
-            <a:r>
-              <a:rPr lang="en-US" sz="2100" dirty="0" smtClean="0"/>
+            <a:pPr marL="806901" lvl="1" indent="-345815">
+              <a:buFont typeface="Arial" panose="020B0604020202020204" pitchFamily="34" charset="0"/>
+              <a:buChar char="•"/>
+            </a:pPr>
+            <a:r>
+              <a:rPr lang="en-US" sz="2100" dirty="0"/>
               <a:t>Display logic (visible, </a:t>
             </a:r>
             <a:r>
-              <a:rPr lang="en-US" sz="2100" dirty="0" err="1" smtClean="0"/>
+              <a:rPr lang="en-US" sz="2100" dirty="0" err="1"/>
               <a:t>etc</a:t>
             </a:r>
             <a:r>
-              <a:rPr lang="en-US" sz="2100" dirty="0" smtClean="0"/>
+              <a:rPr lang="en-US" sz="2100" dirty="0"/>
               <a:t>)</a:t>
             </a:r>
           </a:p>
           <a:p>
-            <a:pPr lvl="1"/>
-            <a:r>
-              <a:rPr lang="en-US" sz="2100" dirty="0" smtClean="0"/>
+            <a:pPr marL="806901" lvl="1" indent="-345815">
+              <a:buFont typeface="Arial" panose="020B0604020202020204" pitchFamily="34" charset="0"/>
+              <a:buChar char="•"/>
+            </a:pPr>
+            <a:r>
+              <a:rPr lang="en-US" sz="2100" dirty="0"/>
               <a:t>Dialogs</a:t>
             </a:r>
           </a:p>
           <a:p>
-            <a:r>
-              <a:rPr lang="en-US" sz="2400" dirty="0" smtClean="0"/>
+            <a:pPr marL="345815" indent="-345815">
+              <a:buFont typeface="Arial" panose="020B0604020202020204" pitchFamily="34" charset="0"/>
+              <a:buChar char="•"/>
+            </a:pPr>
+            <a:r>
+              <a:rPr lang="en-US" sz="2400" dirty="0"/>
               <a:t>Free</a:t>
             </a:r>
-          </a:p>
-          <a:p>
-            <a:endParaRPr lang="en-US" sz="2400" dirty="0" smtClean="0"/>
-          </a:p>
-          <a:p>
-            <a:endParaRPr lang="en-US" sz="2400" dirty="0" smtClean="0"/>
-          </a:p>
-          <a:p>
-            <a:r>
-              <a:rPr lang="en-US" sz="2400" dirty="0" smtClean="0"/>
-              <a:t>*Not meant to be an end to end solution</a:t>
-            </a:r>
-            <a:endParaRPr lang="en-US" sz="2100" dirty="0" smtClean="0"/>
-          </a:p>
-          <a:p>
-            <a:pPr lvl="1"/>
-            <a:endParaRPr lang="en-US" sz="2100" smtClean="0"/>
+            <a:endParaRPr lang="en-US" sz="2100" dirty="0"/>
           </a:p>
           <a:p>
             <a:pPr lvl="1"/>
@@ -6622,8 +4878,8 @@
         </p:nvSpPr>
         <p:spPr bwMode="auto">
           <a:xfrm>
-            <a:off x="1181100" y="696913"/>
-            <a:ext cx="4648200" cy="3486150"/>
+            <a:off x="1179513" y="704850"/>
+            <a:ext cx="4694237" cy="3521075"/>
           </a:xfrm>
           <a:noFill/>
           <a:ln>
@@ -6654,1815 +4910,424 @@
             <a:prstTxWarp prst="textNoShape">
               <a:avLst/>
             </a:prstTxWarp>
-            <a:normAutofit fontScale="25000" lnSpcReduction="20000"/>
+            <a:normAutofit fontScale="32500" lnSpcReduction="20000"/>
           </a:bodyPr>
           <a:lstStyle/>
           <a:p>
-            <a:pPr marL="342900" lvl="0" indent="-342900" algn="l">
+            <a:pPr marL="345815" indent="-345815">
               <a:buFont typeface="Arial" pitchFamily="34" charset="0"/>
               <a:buAutoNum type="arabicPeriod"/>
             </a:pPr>
             <a:r>
-              <a:rPr lang="en-US" sz="1400" b="1" i="1" baseline="0" dirty="0" smtClean="0"/>
-              <a:t>Automated UI Testing w/ WatiN</a:t>
-            </a:r>
-          </a:p>
-          <a:p>
-            <a:pPr marL="800100" lvl="1" indent="-342900" algn="l">
+              <a:rPr lang="en-US" sz="2000" b="1" i="1" dirty="0"/>
+              <a:t>Automated UI Testing w/ Selenium</a:t>
+            </a:r>
+          </a:p>
+          <a:p>
+            <a:pPr marL="806901" lvl="1" indent="-345815">
               <a:buFont typeface="Arial" pitchFamily="34" charset="0"/>
               <a:buAutoNum type="arabicPeriod"/>
             </a:pPr>
             <a:r>
-              <a:rPr lang="en-US" sz="1400" baseline="0" dirty="0" smtClean="0"/>
-              <a:t>Already done – but tell them : Install via NuGet and </a:t>
-            </a:r>
-            <a:r>
-              <a:rPr lang="en-US" sz="1400" b="1" baseline="0" dirty="0" smtClean="0"/>
-              <a:t>Change the </a:t>
-            </a:r>
-            <a:r>
-              <a:rPr lang="en-US" sz="1400" b="1" baseline="0" dirty="0" err="1" smtClean="0"/>
-              <a:t>EmbedInteropType</a:t>
-            </a:r>
-            <a:r>
-              <a:rPr lang="en-US" sz="1400" b="1" baseline="0" dirty="0" smtClean="0"/>
-              <a:t> to FALSE!!!!!</a:t>
-            </a:r>
-          </a:p>
-          <a:p>
-            <a:pPr marL="800100" lvl="1" indent="-342900" algn="l">
+              <a:rPr lang="en-US" sz="2000" dirty="0"/>
+              <a:t>Open </a:t>
+            </a:r>
+            <a:r>
+              <a:rPr lang="en-US" sz="2000" b="1" dirty="0" err="1"/>
+              <a:t>IndexTest.cs</a:t>
+            </a:r>
+            <a:endParaRPr lang="en-US" sz="2000" dirty="0"/>
+          </a:p>
+          <a:p>
+            <a:pPr marL="806901" lvl="1" indent="-345815">
               <a:buFont typeface="Arial" pitchFamily="34" charset="0"/>
               <a:buAutoNum type="arabicPeriod"/>
             </a:pPr>
             <a:r>
-              <a:rPr lang="en-US" sz="1400" b="0" baseline="0" dirty="0" smtClean="0"/>
-              <a:t>Open </a:t>
-            </a:r>
-            <a:r>
-              <a:rPr lang="en-US" sz="1400" b="1" baseline="0" dirty="0" err="1" smtClean="0"/>
-              <a:t>IndexTest.cs</a:t>
-            </a:r>
-            <a:endParaRPr lang="en-US" sz="1400" b="0" baseline="0" dirty="0" smtClean="0"/>
-          </a:p>
-          <a:p>
-            <a:pPr marL="800100" lvl="1" indent="-342900" algn="l">
+              <a:rPr lang="en-US" sz="2000" dirty="0"/>
+              <a:t>The basis behind automated UI testing in Selenium is the </a:t>
+            </a:r>
+            <a:r>
+              <a:rPr lang="en-US" sz="2000" b="1" dirty="0" err="1"/>
+              <a:t>IWebDriver</a:t>
+            </a:r>
+            <a:r>
+              <a:rPr lang="en-US" sz="2000" dirty="0"/>
+              <a:t> interface</a:t>
+            </a:r>
+          </a:p>
+          <a:p>
+            <a:pPr marL="1267987" lvl="2" indent="-345815">
               <a:buFont typeface="Arial" pitchFamily="34" charset="0"/>
               <a:buAutoNum type="arabicPeriod"/>
             </a:pPr>
             <a:r>
-              <a:rPr lang="en-US" sz="1400" b="0" baseline="0" dirty="0" smtClean="0"/>
-              <a:t>The first thing we need is a url:</a:t>
-            </a:r>
-          </a:p>
-          <a:p>
-            <a:pPr marL="1200150" lvl="2" indent="-285750" algn="l">
+              <a:rPr lang="en-US" sz="2000" dirty="0"/>
+              <a:t>Look at and discuss </a:t>
+            </a:r>
+            <a:r>
+              <a:rPr lang="en-US" sz="2000" b="1" dirty="0" err="1"/>
+              <a:t>WebDriver.cs</a:t>
+            </a:r>
+            <a:endParaRPr lang="en-US" sz="2000" dirty="0"/>
+          </a:p>
+          <a:p>
+            <a:pPr marL="806901" lvl="1" indent="-345815">
+              <a:buFont typeface="Arial" pitchFamily="34" charset="0"/>
+              <a:buAutoNum type="arabicPeriod"/>
+            </a:pPr>
+            <a:r>
+              <a:rPr lang="en-US" sz="2000" dirty="0"/>
+              <a:t>We need to make sure as part of cleanup we quit the driver.</a:t>
+            </a:r>
+          </a:p>
+          <a:p>
+            <a:pPr marL="806901" lvl="1" indent="-345815">
+              <a:buFont typeface="Arial" pitchFamily="34" charset="0"/>
+              <a:buAutoNum type="arabicPeriod"/>
+            </a:pPr>
+            <a:r>
+              <a:rPr lang="en-US" sz="2000" b="1" dirty="0"/>
+              <a:t>tddmvc8: </a:t>
+            </a:r>
+            <a:r>
+              <a:rPr lang="en-US" sz="2000" dirty="0"/>
+              <a:t>Our first test is to verify that </a:t>
+            </a:r>
+            <a:r>
+              <a:rPr lang="en-US" sz="2000" dirty="0" err="1"/>
+              <a:t>CustomerIndex</a:t>
+            </a:r>
+            <a:r>
+              <a:rPr lang="en-US" sz="2000" dirty="0"/>
+              <a:t> is displayed as the default view in Chrome.</a:t>
+            </a:r>
+          </a:p>
+          <a:p>
+            <a:pPr marL="1267987" lvl="2" indent="-345815">
+              <a:buFont typeface="Arial" pitchFamily="34" charset="0"/>
+              <a:buAutoNum type="arabicPeriod"/>
+            </a:pPr>
+            <a:r>
+              <a:rPr lang="en-US" sz="2000" dirty="0"/>
+              <a:t>I initialize my </a:t>
+            </a:r>
+            <a:r>
+              <a:rPr lang="en-US" sz="2000" dirty="0" err="1"/>
+              <a:t>webdriver</a:t>
+            </a:r>
+            <a:r>
+              <a:rPr lang="en-US" sz="2000" dirty="0"/>
+              <a:t> as a new chrome instance</a:t>
+            </a:r>
+          </a:p>
+          <a:p>
+            <a:pPr marL="1267987" lvl="2" indent="-345815">
+              <a:buFont typeface="Arial" pitchFamily="34" charset="0"/>
+              <a:buAutoNum type="arabicPeriod"/>
+            </a:pPr>
+            <a:r>
+              <a:rPr lang="en-US" sz="2000" dirty="0"/>
+              <a:t>Then I navigate supplying the </a:t>
+            </a:r>
+            <a:r>
+              <a:rPr lang="en-US" sz="2000" dirty="0" err="1"/>
+              <a:t>url</a:t>
+            </a:r>
+            <a:r>
+              <a:rPr lang="en-US" sz="2000" dirty="0"/>
+              <a:t> I wish to navigate to</a:t>
+            </a:r>
+          </a:p>
+          <a:p>
+            <a:pPr marL="1267987" lvl="2" indent="-345815">
+              <a:buFont typeface="Arial" pitchFamily="34" charset="0"/>
+              <a:buAutoNum type="arabicPeriod"/>
+            </a:pPr>
+            <a:r>
+              <a:rPr lang="en-US" sz="2000" dirty="0"/>
+              <a:t>And I verify that the current view is displayed by asserting against the page title</a:t>
+            </a:r>
+          </a:p>
+          <a:p>
+            <a:pPr marL="1267987" lvl="2" indent="-345815">
+              <a:buFont typeface="Arial" pitchFamily="34" charset="0"/>
+              <a:buAutoNum type="arabicPeriod"/>
+            </a:pPr>
+            <a:r>
+              <a:rPr lang="en-US" sz="2000" dirty="0"/>
+              <a:t>Run it</a:t>
+            </a:r>
+          </a:p>
+          <a:p>
+            <a:pPr marL="806901" lvl="1" indent="-345815">
+              <a:buFont typeface="Arial" pitchFamily="34" charset="0"/>
+              <a:buAutoNum type="arabicPeriod"/>
+            </a:pPr>
+            <a:r>
+              <a:rPr lang="en-US" sz="2000" dirty="0"/>
+              <a:t>Let’s do the same test in FF and IE, </a:t>
+            </a:r>
+            <a:r>
+              <a:rPr lang="en-US" sz="2000" b="1" dirty="0"/>
+              <a:t>tddmvc9</a:t>
+            </a:r>
+            <a:endParaRPr lang="en-US" sz="2000" dirty="0"/>
+          </a:p>
+          <a:p>
+            <a:pPr marL="806901" lvl="1" indent="-345815">
+              <a:buFontTx/>
+              <a:buAutoNum type="arabicPeriod" startAt="10"/>
+            </a:pPr>
+            <a:r>
+              <a:rPr lang="en-US" sz="2000" dirty="0"/>
+              <a:t>What else can we do with Automated UI testing?</a:t>
+            </a:r>
+          </a:p>
+          <a:p>
+            <a:pPr marL="806901" lvl="1" indent="-345815">
+              <a:buFontTx/>
+              <a:buAutoNum type="arabicPeriod" startAt="10"/>
+            </a:pPr>
+            <a:r>
+              <a:rPr lang="en-US" sz="2000" dirty="0"/>
+              <a:t>How about making sure a field exists on the page…</a:t>
+            </a:r>
+          </a:p>
+          <a:p>
+            <a:pPr marL="1210351" lvl="2" indent="-288179">
               <a:buFontTx/>
               <a:buChar char="-"/>
             </a:pPr>
             <a:r>
-              <a:rPr lang="en-US" sz="1400" b="0" baseline="0" dirty="0" smtClean="0"/>
-              <a:t>Point out common url field and Setup</a:t>
-            </a:r>
-          </a:p>
-          <a:p>
-            <a:pPr marL="800100" lvl="1" indent="-342900" algn="l">
-              <a:buFontTx/>
-              <a:buAutoNum type="arabicPeriod" startAt="4"/>
-            </a:pPr>
-            <a:r>
-              <a:rPr lang="en-US" sz="1400" b="0" baseline="0" dirty="0" smtClean="0"/>
-              <a:t>The core of WatiN are the browser objects “IE” and “</a:t>
-            </a:r>
-            <a:r>
-              <a:rPr lang="en-US" sz="1400" b="0" baseline="0" dirty="0" err="1" smtClean="0"/>
-              <a:t>FireFox</a:t>
-            </a:r>
-            <a:r>
-              <a:rPr lang="en-US" sz="1400" b="0" baseline="0" dirty="0" smtClean="0"/>
-              <a:t>”</a:t>
-            </a:r>
-          </a:p>
-          <a:p>
-            <a:pPr marL="1200150" lvl="2" indent="-285750" algn="l">
+              <a:rPr lang="en-US" sz="2000" dirty="0"/>
+              <a:t>Let’s make sure the </a:t>
+            </a:r>
+            <a:r>
+              <a:rPr lang="en-US" sz="2000" dirty="0" err="1"/>
+              <a:t>firstName</a:t>
+            </a:r>
+            <a:r>
+              <a:rPr lang="en-US" sz="2000" dirty="0"/>
+              <a:t> field is displayed – we will use the browser dev tools to figure out what we are looking for</a:t>
+            </a:r>
+          </a:p>
+          <a:p>
+            <a:pPr marL="1210351" lvl="2" indent="-288179">
               <a:buFontTx/>
               <a:buChar char="-"/>
             </a:pPr>
             <a:r>
-              <a:rPr lang="en-US" sz="1400" b="0" i="0" baseline="0" dirty="0" smtClean="0"/>
-              <a:t>And we declare a new instance and pass in the url</a:t>
-            </a:r>
-          </a:p>
-          <a:p>
-            <a:pPr marL="1200150" lvl="2" indent="-285750" algn="l">
+              <a:rPr lang="en-US" sz="2000" b="1" dirty="0"/>
+              <a:t>tddmvc10</a:t>
+            </a:r>
+          </a:p>
+          <a:p>
+            <a:pPr marL="1671437" lvl="3" indent="-288179">
               <a:buFontTx/>
               <a:buChar char="-"/>
             </a:pPr>
             <a:r>
-              <a:rPr lang="en-US" sz="1400" b="1" i="0" baseline="0" dirty="0" smtClean="0"/>
-              <a:t>_browser = new IE(url);</a:t>
-            </a:r>
-          </a:p>
-          <a:p>
-            <a:pPr marL="800100" lvl="1" indent="-342900" algn="l">
-              <a:buFontTx/>
-              <a:buAutoNum type="arabicPeriod" startAt="5"/>
-            </a:pPr>
-            <a:r>
-              <a:rPr lang="en-US" sz="1400" b="0" i="0" baseline="0" dirty="0" smtClean="0"/>
-              <a:t>At this point we can run this and see that just by declaring a browser and passing a url our site is spun up</a:t>
-            </a:r>
-          </a:p>
-          <a:p>
-            <a:pPr marL="800100" marR="0" lvl="1" indent="-342900" algn="l" defTabSz="914400" rtl="0" eaLnBrk="0" fontAlgn="base" latinLnBrk="0" hangingPunct="0">
-              <a:lnSpc>
-                <a:spcPct val="100000"/>
-              </a:lnSpc>
-              <a:spcBef>
-                <a:spcPct val="30000"/>
-              </a:spcBef>
-              <a:spcAft>
-                <a:spcPct val="0"/>
-              </a:spcAft>
-              <a:buClrTx/>
-              <a:buSzTx/>
-              <a:buFontTx/>
-              <a:buAutoNum type="arabicPeriod" startAt="5"/>
-              <a:tabLst/>
-              <a:defRPr/>
-            </a:pPr>
-            <a:r>
-              <a:rPr lang="en-US" sz="1400" b="1" baseline="0" dirty="0" smtClean="0"/>
-              <a:t>tddmvc8 </a:t>
-            </a:r>
-          </a:p>
-          <a:p>
-            <a:pPr marL="1200150" marR="0" lvl="2" indent="-285750" algn="l" defTabSz="914400" rtl="0" eaLnBrk="0" fontAlgn="base" latinLnBrk="0" hangingPunct="0">
-              <a:lnSpc>
-                <a:spcPct val="100000"/>
-              </a:lnSpc>
-              <a:spcBef>
-                <a:spcPct val="30000"/>
-              </a:spcBef>
-              <a:spcAft>
-                <a:spcPct val="0"/>
-              </a:spcAft>
-              <a:buClrTx/>
-              <a:buSzTx/>
+              <a:rPr lang="en-US" sz="2000" dirty="0"/>
+              <a:t>My arrange is pretty much the same</a:t>
+            </a:r>
+          </a:p>
+          <a:p>
+            <a:pPr marL="2132524" lvl="4" indent="-288179">
               <a:buFontTx/>
               <a:buChar char="-"/>
-              <a:tabLst/>
-              <a:defRPr/>
-            </a:pPr>
-            <a:r>
-              <a:rPr lang="en-US" sz="1400" b="0" baseline="0" dirty="0" smtClean="0"/>
-              <a:t>Create a test for “</a:t>
-            </a:r>
-            <a:r>
-              <a:rPr lang="en-US" sz="1400" b="1" baseline="0" dirty="0" err="1" smtClean="0"/>
-              <a:t>CustomerIndex_ShouldBeDisplayed_AsThe_DefaultPage</a:t>
-            </a:r>
-            <a:r>
-              <a:rPr lang="en-US" sz="1400" b="0" baseline="0" dirty="0" smtClean="0"/>
-              <a:t>”</a:t>
-            </a:r>
-            <a:endParaRPr lang="en-US" sz="1400" b="0" i="0" baseline="0" dirty="0" smtClean="0"/>
-          </a:p>
-          <a:p>
-            <a:pPr marL="1200150" lvl="2" indent="-285750" algn="l">
+            </a:pPr>
+            <a:r>
+              <a:rPr lang="en-US" sz="2000" dirty="0"/>
+              <a:t>Initializing my driver</a:t>
+            </a:r>
+          </a:p>
+          <a:p>
+            <a:pPr marL="2132524" lvl="4" indent="-288179">
               <a:buFontTx/>
               <a:buChar char="-"/>
             </a:pPr>
             <a:r>
-              <a:rPr lang="en-US" sz="1400" b="0" i="0" baseline="0" dirty="0" smtClean="0"/>
-              <a:t>In this case we want to verify that we are on the “Customer Index” page and we do that by looking at the title</a:t>
-            </a:r>
-          </a:p>
-          <a:p>
-            <a:pPr marL="800100" lvl="1" indent="-342900" algn="l">
-              <a:buFontTx/>
-              <a:buAutoNum type="arabicPeriod" startAt="7"/>
-            </a:pPr>
-            <a:r>
-              <a:rPr lang="en-US" sz="1400" b="0" i="0" baseline="0" dirty="0" smtClean="0"/>
-              <a:t>Run the test – GREEN!</a:t>
-            </a:r>
-          </a:p>
-          <a:p>
-            <a:pPr marL="800100" lvl="1" indent="-342900" algn="l">
-              <a:buFontTx/>
-              <a:buAutoNum type="arabicPeriod" startAt="7"/>
-            </a:pPr>
-            <a:r>
-              <a:rPr lang="en-US" sz="1400" b="0" i="0" baseline="0" dirty="0" smtClean="0"/>
-              <a:t>Prove that it works change the expected title and run again</a:t>
-            </a:r>
-            <a:endParaRPr lang="en-US" sz="1400" b="1" i="0" baseline="0" dirty="0" smtClean="0"/>
-          </a:p>
-          <a:p>
-            <a:pPr marL="800100" lvl="1" indent="-342900" algn="l">
-              <a:buFontTx/>
-              <a:buAutoNum type="arabicPeriod" startAt="10"/>
-            </a:pPr>
-            <a:r>
-              <a:rPr lang="en-US" sz="1400" b="0" i="0" baseline="0" dirty="0" smtClean="0"/>
-              <a:t>What else can we do with WatiN?</a:t>
-            </a:r>
-          </a:p>
-          <a:p>
-            <a:pPr marL="800100" lvl="1" indent="-342900" algn="l">
-              <a:buFontTx/>
-              <a:buAutoNum type="arabicPeriod" startAt="10"/>
-            </a:pPr>
-            <a:r>
-              <a:rPr lang="en-US" sz="1400" b="0" i="0" baseline="0" dirty="0" smtClean="0"/>
-              <a:t>How about making sure a field exists on the page…</a:t>
-            </a:r>
-          </a:p>
-          <a:p>
-            <a:pPr marL="1200150" lvl="2" indent="-285750" algn="l">
+              <a:rPr lang="en-US" sz="2000" dirty="0"/>
+              <a:t>And navigating</a:t>
+            </a:r>
+          </a:p>
+          <a:p>
+            <a:pPr marL="1671437" lvl="3" indent="-288179">
               <a:buFontTx/>
               <a:buChar char="-"/>
             </a:pPr>
             <a:r>
-              <a:rPr lang="en-US" sz="1400" b="0" i="0" baseline="0" dirty="0" smtClean="0"/>
-              <a:t>Let’s make sure the </a:t>
-            </a:r>
-            <a:r>
-              <a:rPr lang="en-US" sz="1400" b="0" i="0" baseline="0" dirty="0" err="1" smtClean="0"/>
-              <a:t>firstName</a:t>
-            </a:r>
-            <a:r>
-              <a:rPr lang="en-US" sz="1400" b="0" i="0" baseline="0" dirty="0" smtClean="0"/>
-              <a:t> field is displayed – we will use the browser dev tools to figure out what we are looking for</a:t>
-            </a:r>
-          </a:p>
-          <a:p>
-            <a:pPr marL="1200150" lvl="2" indent="-285750" algn="l">
+              <a:rPr lang="en-US" sz="2000" dirty="0"/>
+              <a:t>My act is getting is where I search for my html element that I am expecting to exist</a:t>
+            </a:r>
+          </a:p>
+          <a:p>
+            <a:pPr marL="2132524" lvl="4" indent="-288179">
               <a:buFontTx/>
               <a:buChar char="-"/>
             </a:pPr>
             <a:r>
-              <a:rPr lang="en-US" sz="1400" b="1" i="0" baseline="0" dirty="0" smtClean="0"/>
-              <a:t>tddmvc9</a:t>
-            </a:r>
-          </a:p>
-          <a:p>
-            <a:r>
-              <a:rPr lang="en-US" sz="1200" kern="1200" dirty="0" smtClean="0">
-                <a:solidFill>
-                  <a:schemeClr val="tx1"/>
-                </a:solidFill>
-                <a:latin typeface="+mn-lt"/>
-                <a:ea typeface="+mn-ea"/>
-                <a:cs typeface="+mn-cs"/>
-              </a:rPr>
-              <a:t>	</a:t>
-            </a:r>
-            <a:r>
-              <a:rPr lang="en-US" sz="1200" b="0" kern="1200" dirty="0" smtClean="0">
-                <a:solidFill>
-                  <a:schemeClr val="tx1"/>
-                </a:solidFill>
-                <a:latin typeface="+mn-lt"/>
-                <a:ea typeface="+mn-ea"/>
-                <a:cs typeface="+mn-cs"/>
-              </a:rPr>
-              <a:t>[</a:t>
-            </a:r>
-            <a:r>
-              <a:rPr lang="en-US" sz="1200" b="0" kern="1200" dirty="0" err="1" smtClean="0">
-                <a:solidFill>
-                  <a:schemeClr val="tx1"/>
-                </a:solidFill>
-                <a:latin typeface="+mn-lt"/>
-                <a:ea typeface="+mn-ea"/>
-                <a:cs typeface="+mn-cs"/>
-              </a:rPr>
-              <a:t>TestMethod</a:t>
-            </a:r>
-            <a:r>
-              <a:rPr lang="en-US" sz="1200" b="0" kern="1200" dirty="0" smtClean="0">
-                <a:solidFill>
-                  <a:schemeClr val="tx1"/>
-                </a:solidFill>
-                <a:latin typeface="+mn-lt"/>
-                <a:ea typeface="+mn-ea"/>
-                <a:cs typeface="+mn-cs"/>
-              </a:rPr>
-              <a:t>]</a:t>
-            </a:r>
-          </a:p>
-          <a:p>
-            <a:r>
-              <a:rPr lang="en-US" sz="1200" b="0" kern="1200" dirty="0" smtClean="0">
-                <a:solidFill>
-                  <a:schemeClr val="tx1"/>
-                </a:solidFill>
-                <a:latin typeface="+mn-lt"/>
-                <a:ea typeface="+mn-ea"/>
-                <a:cs typeface="+mn-cs"/>
-              </a:rPr>
-              <a:t>	        public void </a:t>
-            </a:r>
-            <a:r>
-              <a:rPr lang="en-US" sz="1200" b="0" kern="1200" dirty="0" err="1" smtClean="0">
-                <a:solidFill>
-                  <a:schemeClr val="tx1"/>
-                </a:solidFill>
-                <a:latin typeface="+mn-lt"/>
-                <a:ea typeface="+mn-ea"/>
-                <a:cs typeface="+mn-cs"/>
-              </a:rPr>
-              <a:t>CustomerIndex_ShouldContain_DisplayFor_FirstName</a:t>
-            </a:r>
-            <a:r>
-              <a:rPr lang="en-US" sz="1200" b="0" kern="1200" dirty="0" smtClean="0">
-                <a:solidFill>
-                  <a:schemeClr val="tx1"/>
-                </a:solidFill>
-                <a:latin typeface="+mn-lt"/>
-                <a:ea typeface="+mn-ea"/>
-                <a:cs typeface="+mn-cs"/>
-              </a:rPr>
-              <a:t>() {</a:t>
-            </a:r>
-          </a:p>
-          <a:p>
-            <a:r>
-              <a:rPr lang="en-US" sz="1200" b="0" kern="1200" dirty="0" smtClean="0">
-                <a:solidFill>
-                  <a:schemeClr val="tx1"/>
-                </a:solidFill>
-                <a:latin typeface="+mn-lt"/>
-                <a:ea typeface="+mn-ea"/>
-                <a:cs typeface="+mn-cs"/>
-              </a:rPr>
-              <a:t>	            //Arrange</a:t>
-            </a:r>
-          </a:p>
-          <a:p>
-            <a:r>
-              <a:rPr lang="en-US" sz="1200" b="0" kern="1200" dirty="0" smtClean="0">
-                <a:solidFill>
-                  <a:schemeClr val="tx1"/>
-                </a:solidFill>
-                <a:latin typeface="+mn-lt"/>
-                <a:ea typeface="+mn-ea"/>
-                <a:cs typeface="+mn-cs"/>
-              </a:rPr>
-              <a:t>	            IE browser = new IE(url);</a:t>
-            </a:r>
-          </a:p>
-          <a:p>
-            <a:r>
-              <a:rPr lang="en-US" sz="1200" b="0" kern="1200" dirty="0" smtClean="0">
-                <a:solidFill>
-                  <a:schemeClr val="tx1"/>
-                </a:solidFill>
-                <a:latin typeface="+mn-lt"/>
-                <a:ea typeface="+mn-ea"/>
-                <a:cs typeface="+mn-cs"/>
-              </a:rPr>
-              <a:t>	</a:t>
-            </a:r>
-            <a:r>
-              <a:rPr lang="en-US" sz="1200" b="0" kern="1200" baseline="0" dirty="0" smtClean="0">
-                <a:solidFill>
-                  <a:schemeClr val="tx1"/>
-                </a:solidFill>
-                <a:latin typeface="+mn-lt"/>
-                <a:ea typeface="+mn-ea"/>
-                <a:cs typeface="+mn-cs"/>
-              </a:rPr>
-              <a:t>            //Act</a:t>
-            </a:r>
-          </a:p>
-          <a:p>
-            <a:r>
-              <a:rPr lang="en-US" sz="1200" b="0" kern="1200" baseline="0" dirty="0" smtClean="0">
-                <a:solidFill>
-                  <a:schemeClr val="tx1"/>
-                </a:solidFill>
-                <a:latin typeface="+mn-lt"/>
-                <a:ea typeface="+mn-ea"/>
-                <a:cs typeface="+mn-cs"/>
-              </a:rPr>
-              <a:t>	            Label result = _</a:t>
-            </a:r>
-            <a:r>
-              <a:rPr lang="en-US" sz="1200" b="0" kern="1200" baseline="0" dirty="0" err="1" smtClean="0">
-                <a:solidFill>
-                  <a:schemeClr val="tx1"/>
-                </a:solidFill>
-                <a:latin typeface="+mn-lt"/>
-                <a:ea typeface="+mn-ea"/>
-                <a:cs typeface="+mn-cs"/>
-              </a:rPr>
-              <a:t>browser.Label</a:t>
-            </a:r>
-            <a:r>
-              <a:rPr lang="en-US" sz="1200" b="0" kern="1200" baseline="0" dirty="0" smtClean="0">
-                <a:solidFill>
-                  <a:schemeClr val="tx1"/>
-                </a:solidFill>
-                <a:latin typeface="+mn-lt"/>
-                <a:ea typeface="+mn-ea"/>
-                <a:cs typeface="+mn-cs"/>
-              </a:rPr>
-              <a:t>(“</a:t>
-            </a:r>
-            <a:r>
-              <a:rPr lang="en-US" sz="1200" b="0" kern="1200" baseline="0" dirty="0" err="1" smtClean="0">
-                <a:solidFill>
-                  <a:schemeClr val="tx1"/>
-                </a:solidFill>
-                <a:latin typeface="+mn-lt"/>
-                <a:ea typeface="+mn-ea"/>
-                <a:cs typeface="+mn-cs"/>
-              </a:rPr>
-              <a:t>firstName</a:t>
-            </a:r>
-            <a:r>
-              <a:rPr lang="en-US" sz="1200" b="0" kern="1200" baseline="0" dirty="0" smtClean="0">
-                <a:solidFill>
-                  <a:schemeClr val="tx1"/>
-                </a:solidFill>
-                <a:latin typeface="+mn-lt"/>
-                <a:ea typeface="+mn-ea"/>
-                <a:cs typeface="+mn-cs"/>
-              </a:rPr>
-              <a:t>”);</a:t>
-            </a:r>
-            <a:endParaRPr lang="en-US" sz="1200" b="0" kern="1200" dirty="0" smtClean="0">
-              <a:solidFill>
-                <a:schemeClr val="tx1"/>
-              </a:solidFill>
-              <a:latin typeface="+mn-lt"/>
-              <a:ea typeface="+mn-ea"/>
-              <a:cs typeface="+mn-cs"/>
-            </a:endParaRPr>
-          </a:p>
-          <a:p>
-            <a:r>
-              <a:rPr lang="en-US" sz="1200" b="0" kern="1200" dirty="0" smtClean="0">
-                <a:solidFill>
-                  <a:schemeClr val="tx1"/>
-                </a:solidFill>
-                <a:latin typeface="+mn-lt"/>
-                <a:ea typeface="+mn-ea"/>
-                <a:cs typeface="+mn-cs"/>
-              </a:rPr>
-              <a:t>	            //Assert</a:t>
-            </a:r>
-          </a:p>
-          <a:p>
-            <a:r>
-              <a:rPr lang="en-US" sz="1200" b="0" kern="1200" dirty="0" smtClean="0">
-                <a:solidFill>
-                  <a:schemeClr val="tx1"/>
-                </a:solidFill>
-                <a:latin typeface="+mn-lt"/>
-                <a:ea typeface="+mn-ea"/>
-                <a:cs typeface="+mn-cs"/>
-              </a:rPr>
-              <a:t>	            </a:t>
-            </a:r>
-            <a:r>
-              <a:rPr lang="en-US" sz="1200" b="0" kern="1200" dirty="0" err="1" smtClean="0">
-                <a:solidFill>
-                  <a:schemeClr val="tx1"/>
-                </a:solidFill>
-                <a:latin typeface="+mn-lt"/>
-                <a:ea typeface="+mn-ea"/>
-                <a:cs typeface="+mn-cs"/>
-              </a:rPr>
-              <a:t>result.ShouldNotBeNull</a:t>
-            </a:r>
-            <a:r>
-              <a:rPr lang="en-US" sz="1200" b="0" kern="1200" dirty="0" smtClean="0">
-                <a:solidFill>
-                  <a:schemeClr val="tx1"/>
-                </a:solidFill>
-                <a:latin typeface="+mn-lt"/>
-                <a:ea typeface="+mn-ea"/>
-                <a:cs typeface="+mn-cs"/>
-              </a:rPr>
-              <a:t>();</a:t>
-            </a:r>
-          </a:p>
-          <a:p>
-            <a:r>
-              <a:rPr lang="en-US" sz="1200" b="0" kern="1200" dirty="0" smtClean="0">
-                <a:solidFill>
-                  <a:schemeClr val="tx1"/>
-                </a:solidFill>
-                <a:latin typeface="+mn-lt"/>
-                <a:ea typeface="+mn-ea"/>
-                <a:cs typeface="+mn-cs"/>
-              </a:rPr>
-              <a:t>	        }</a:t>
-            </a:r>
-          </a:p>
-          <a:p>
-            <a:endParaRPr lang="en-US" sz="1200" b="0" i="0" kern="1200" baseline="0" dirty="0" smtClean="0">
-              <a:solidFill>
-                <a:schemeClr val="tx1"/>
-              </a:solidFill>
-              <a:latin typeface="+mn-lt"/>
-              <a:ea typeface="+mn-ea"/>
-              <a:cs typeface="+mn-cs"/>
-            </a:endParaRPr>
-          </a:p>
-          <a:p>
-            <a:pPr marL="685800" lvl="1" indent="-228600">
+              <a:rPr lang="en-US" sz="2000" dirty="0"/>
+              <a:t>I get all the HTML </a:t>
+            </a:r>
+            <a:r>
+              <a:rPr lang="en-US" sz="2000" b="1" dirty="0"/>
+              <a:t>Label</a:t>
+            </a:r>
+            <a:r>
+              <a:rPr lang="en-US" sz="2000" dirty="0"/>
+              <a:t> elements on the page</a:t>
+            </a:r>
+          </a:p>
+          <a:p>
+            <a:pPr marL="2132524" lvl="4" indent="-288179">
+              <a:buFontTx/>
+              <a:buChar char="-"/>
+            </a:pPr>
+            <a:r>
+              <a:rPr lang="en-US" sz="2000" dirty="0"/>
+              <a:t>And then I use LINQ to look for the label whose text is “First Name”</a:t>
+            </a:r>
+          </a:p>
+          <a:p>
+            <a:pPr marL="1671437" lvl="3" indent="-288179">
+              <a:buFontTx/>
+              <a:buChar char="-"/>
+            </a:pPr>
+            <a:r>
+              <a:rPr lang="en-US" sz="2000" dirty="0"/>
+              <a:t>And my assert is to make sure that it is not null which confirms it does exist on the page.</a:t>
+            </a:r>
+          </a:p>
+          <a:p>
+            <a:pPr marL="691629" lvl="1" indent="-230543">
               <a:buAutoNum type="arabicPeriod" startAt="12"/>
             </a:pPr>
             <a:r>
-              <a:rPr lang="en-US" sz="1200" b="0" i="0" kern="1200" baseline="0" dirty="0" smtClean="0">
-                <a:solidFill>
-                  <a:schemeClr val="tx1"/>
-                </a:solidFill>
-                <a:latin typeface="+mn-lt"/>
-                <a:ea typeface="+mn-ea"/>
-                <a:cs typeface="+mn-cs"/>
-              </a:rPr>
+              <a:rPr lang="en-US" sz="2000" dirty="0"/>
               <a:t>  Let’s test our button</a:t>
             </a:r>
           </a:p>
           <a:p>
-            <a:pPr marL="1143000" lvl="2" indent="-228600">
+            <a:pPr marL="1152716" lvl="2" indent="-230543">
               <a:buFont typeface="Arial" panose="020B0604020202020204" pitchFamily="34" charset="0"/>
               <a:buChar char="•"/>
             </a:pPr>
             <a:r>
-              <a:rPr lang="en-US" sz="1200" b="1" i="0" kern="1200" baseline="0" dirty="0" smtClean="0">
-                <a:solidFill>
-                  <a:schemeClr val="tx1"/>
-                </a:solidFill>
-                <a:latin typeface="+mn-lt"/>
-                <a:ea typeface="+mn-ea"/>
-                <a:cs typeface="+mn-cs"/>
-              </a:rPr>
-              <a:t>tddmvc10</a:t>
-            </a:r>
-          </a:p>
-          <a:p>
-            <a:r>
-              <a:rPr lang="en-US" sz="1200" kern="1200" dirty="0" smtClean="0">
-                <a:solidFill>
-                  <a:schemeClr val="tx1"/>
-                </a:solidFill>
-                <a:latin typeface="+mn-lt"/>
-                <a:ea typeface="+mn-ea"/>
-                <a:cs typeface="+mn-cs"/>
-              </a:rPr>
-              <a:t>	</a:t>
-            </a:r>
-            <a:r>
-              <a:rPr lang="en-US" sz="1200" b="0" kern="1200" dirty="0" smtClean="0">
-                <a:solidFill>
-                  <a:schemeClr val="tx1"/>
-                </a:solidFill>
-                <a:latin typeface="+mn-lt"/>
-                <a:ea typeface="+mn-ea"/>
-                <a:cs typeface="+mn-cs"/>
-              </a:rPr>
-              <a:t>[</a:t>
-            </a:r>
-            <a:r>
-              <a:rPr lang="en-US" sz="1200" b="0" kern="1200" dirty="0" err="1" smtClean="0">
-                <a:solidFill>
-                  <a:schemeClr val="tx1"/>
-                </a:solidFill>
-                <a:latin typeface="+mn-lt"/>
-                <a:ea typeface="+mn-ea"/>
-                <a:cs typeface="+mn-cs"/>
-              </a:rPr>
-              <a:t>TestMethod</a:t>
-            </a:r>
-            <a:r>
-              <a:rPr lang="en-US" sz="1200" b="0" kern="1200" dirty="0" smtClean="0">
-                <a:solidFill>
-                  <a:schemeClr val="tx1"/>
-                </a:solidFill>
-                <a:latin typeface="+mn-lt"/>
-                <a:ea typeface="+mn-ea"/>
-                <a:cs typeface="+mn-cs"/>
-              </a:rPr>
-              <a:t>]</a:t>
-            </a:r>
-          </a:p>
-          <a:p>
-            <a:r>
-              <a:rPr lang="en-US" sz="1200" b="0" kern="1200" dirty="0" smtClean="0">
-                <a:solidFill>
-                  <a:schemeClr val="tx1"/>
-                </a:solidFill>
-                <a:latin typeface="+mn-lt"/>
-                <a:ea typeface="+mn-ea"/>
-                <a:cs typeface="+mn-cs"/>
-              </a:rPr>
-              <a:t>	        public void Clicking_Next_ShouldDisplayThe_Step2Page() {</a:t>
-            </a:r>
-          </a:p>
-          <a:p>
-            <a:r>
-              <a:rPr lang="en-US" sz="1200" b="0" kern="1200" dirty="0" smtClean="0">
-                <a:solidFill>
-                  <a:schemeClr val="tx1"/>
-                </a:solidFill>
-                <a:latin typeface="+mn-lt"/>
-                <a:ea typeface="+mn-ea"/>
-                <a:cs typeface="+mn-cs"/>
-              </a:rPr>
-              <a:t>	            //</a:t>
-            </a:r>
-            <a:r>
-              <a:rPr lang="en-US" sz="1200" b="0" kern="1200" dirty="0" err="1" smtClean="0">
-                <a:solidFill>
-                  <a:schemeClr val="tx1"/>
-                </a:solidFill>
-                <a:latin typeface="+mn-lt"/>
-                <a:ea typeface="+mn-ea"/>
-                <a:cs typeface="+mn-cs"/>
-              </a:rPr>
-              <a:t>Arange</a:t>
-            </a:r>
-            <a:endParaRPr lang="en-US" sz="1200" b="0" kern="1200" dirty="0" smtClean="0">
-              <a:solidFill>
-                <a:schemeClr val="tx1"/>
-              </a:solidFill>
-              <a:latin typeface="+mn-lt"/>
-              <a:ea typeface="+mn-ea"/>
-              <a:cs typeface="+mn-cs"/>
-            </a:endParaRPr>
-          </a:p>
-          <a:p>
-            <a:r>
-              <a:rPr lang="en-US" sz="1200" b="0" kern="1200" dirty="0" smtClean="0">
-                <a:solidFill>
-                  <a:schemeClr val="tx1"/>
-                </a:solidFill>
-                <a:latin typeface="+mn-lt"/>
-                <a:ea typeface="+mn-ea"/>
-                <a:cs typeface="+mn-cs"/>
-              </a:rPr>
-              <a:t>	            string url = "http://localhost:11074/";</a:t>
-            </a:r>
-          </a:p>
-          <a:p>
-            <a:r>
-              <a:rPr lang="en-US" sz="1200" b="0" kern="1200" dirty="0" smtClean="0">
-                <a:solidFill>
-                  <a:schemeClr val="tx1"/>
-                </a:solidFill>
-                <a:latin typeface="+mn-lt"/>
-                <a:ea typeface="+mn-ea"/>
-                <a:cs typeface="+mn-cs"/>
-              </a:rPr>
-              <a:t>	            //Act</a:t>
-            </a:r>
-          </a:p>
-          <a:p>
-            <a:r>
-              <a:rPr lang="en-US" sz="1200" b="0" kern="1200" dirty="0" smtClean="0">
-                <a:solidFill>
-                  <a:schemeClr val="tx1"/>
-                </a:solidFill>
-                <a:latin typeface="+mn-lt"/>
-                <a:ea typeface="+mn-ea"/>
-                <a:cs typeface="+mn-cs"/>
-              </a:rPr>
-              <a:t>	            IE browser = new IE(url);</a:t>
-            </a:r>
-          </a:p>
-          <a:p>
-            <a:r>
-              <a:rPr lang="en-US" sz="1200" b="0" kern="1200" dirty="0" smtClean="0">
-                <a:solidFill>
-                  <a:schemeClr val="tx1"/>
-                </a:solidFill>
-                <a:latin typeface="+mn-lt"/>
-                <a:ea typeface="+mn-ea"/>
-                <a:cs typeface="+mn-cs"/>
-              </a:rPr>
-              <a:t>	            </a:t>
-            </a:r>
-            <a:r>
-              <a:rPr lang="en-US" sz="1200" b="0" kern="1200" dirty="0" err="1" smtClean="0">
-                <a:solidFill>
-                  <a:schemeClr val="tx1"/>
-                </a:solidFill>
-                <a:latin typeface="+mn-lt"/>
-                <a:ea typeface="+mn-ea"/>
-                <a:cs typeface="+mn-cs"/>
-              </a:rPr>
-              <a:t>browser.Button</a:t>
-            </a:r>
-            <a:r>
-              <a:rPr lang="en-US" sz="1200" b="0" kern="1200" dirty="0" smtClean="0">
-                <a:solidFill>
-                  <a:schemeClr val="tx1"/>
-                </a:solidFill>
-                <a:latin typeface="+mn-lt"/>
-                <a:ea typeface="+mn-ea"/>
-                <a:cs typeface="+mn-cs"/>
-              </a:rPr>
-              <a:t>("next").Click();</a:t>
-            </a:r>
-          </a:p>
-          <a:p>
-            <a:r>
-              <a:rPr lang="en-US" sz="1200" b="0" kern="1200" dirty="0" smtClean="0">
-                <a:solidFill>
-                  <a:schemeClr val="tx1"/>
-                </a:solidFill>
-                <a:latin typeface="+mn-lt"/>
-                <a:ea typeface="+mn-ea"/>
-                <a:cs typeface="+mn-cs"/>
-              </a:rPr>
-              <a:t>	            //Assert</a:t>
-            </a:r>
-          </a:p>
-          <a:p>
-            <a:r>
-              <a:rPr lang="en-US" sz="1200" b="0" kern="1200" dirty="0" smtClean="0">
-                <a:solidFill>
-                  <a:schemeClr val="tx1"/>
-                </a:solidFill>
-                <a:latin typeface="+mn-lt"/>
-                <a:ea typeface="+mn-ea"/>
-                <a:cs typeface="+mn-cs"/>
-              </a:rPr>
-              <a:t>	            </a:t>
-            </a:r>
-            <a:r>
-              <a:rPr lang="en-US" sz="1200" b="0" kern="1200" dirty="0" err="1" smtClean="0">
-                <a:solidFill>
-                  <a:schemeClr val="tx1"/>
-                </a:solidFill>
-                <a:latin typeface="+mn-lt"/>
-                <a:ea typeface="+mn-ea"/>
-                <a:cs typeface="+mn-cs"/>
-              </a:rPr>
-              <a:t>browser.Title.ShouldEqual</a:t>
-            </a:r>
-            <a:r>
-              <a:rPr lang="en-US" sz="1200" b="0" kern="1200" dirty="0" smtClean="0">
-                <a:solidFill>
-                  <a:schemeClr val="tx1"/>
-                </a:solidFill>
-                <a:latin typeface="+mn-lt"/>
-                <a:ea typeface="+mn-ea"/>
-                <a:cs typeface="+mn-cs"/>
-              </a:rPr>
-              <a:t>("Step 2");</a:t>
-            </a:r>
-          </a:p>
-          <a:p>
-            <a:r>
-              <a:rPr lang="en-US" sz="1200" b="0" kern="1200" dirty="0" smtClean="0">
-                <a:solidFill>
-                  <a:schemeClr val="tx1"/>
-                </a:solidFill>
-                <a:latin typeface="+mn-lt"/>
-                <a:ea typeface="+mn-ea"/>
-                <a:cs typeface="+mn-cs"/>
-              </a:rPr>
-              <a:t>	            </a:t>
-            </a:r>
-            <a:r>
-              <a:rPr lang="en-US" sz="1200" b="0" kern="1200" dirty="0" err="1" smtClean="0">
-                <a:solidFill>
-                  <a:schemeClr val="tx1"/>
-                </a:solidFill>
-                <a:latin typeface="+mn-lt"/>
-                <a:ea typeface="+mn-ea"/>
-                <a:cs typeface="+mn-cs"/>
-              </a:rPr>
-              <a:t>browser.Close</a:t>
-            </a:r>
-            <a:r>
-              <a:rPr lang="en-US" sz="1200" b="0" kern="1200" dirty="0" smtClean="0">
-                <a:solidFill>
-                  <a:schemeClr val="tx1"/>
-                </a:solidFill>
-                <a:latin typeface="+mn-lt"/>
-                <a:ea typeface="+mn-ea"/>
-                <a:cs typeface="+mn-cs"/>
-              </a:rPr>
-              <a:t>();</a:t>
-            </a:r>
-          </a:p>
-          <a:p>
-            <a:r>
-              <a:rPr lang="en-US" sz="1200" b="0" kern="1200" dirty="0" smtClean="0">
-                <a:solidFill>
-                  <a:schemeClr val="tx1"/>
-                </a:solidFill>
-                <a:latin typeface="+mn-lt"/>
-                <a:ea typeface="+mn-ea"/>
-                <a:cs typeface="+mn-cs"/>
-              </a:rPr>
-              <a:t>	            </a:t>
-            </a:r>
-            <a:r>
-              <a:rPr lang="en-US" sz="1200" b="0" kern="1200" dirty="0" err="1" smtClean="0">
-                <a:solidFill>
-                  <a:schemeClr val="tx1"/>
-                </a:solidFill>
-                <a:latin typeface="+mn-lt"/>
-                <a:ea typeface="+mn-ea"/>
-                <a:cs typeface="+mn-cs"/>
-              </a:rPr>
-              <a:t>browser.Dispose</a:t>
-            </a:r>
-            <a:r>
-              <a:rPr lang="en-US" sz="1200" b="0" kern="1200" dirty="0" smtClean="0">
-                <a:solidFill>
-                  <a:schemeClr val="tx1"/>
-                </a:solidFill>
-                <a:latin typeface="+mn-lt"/>
-                <a:ea typeface="+mn-ea"/>
-                <a:cs typeface="+mn-cs"/>
-              </a:rPr>
-              <a:t>();</a:t>
-            </a:r>
-          </a:p>
-          <a:p>
-            <a:r>
-              <a:rPr lang="en-US" sz="1200" b="0" kern="1200" dirty="0" smtClean="0">
-                <a:solidFill>
-                  <a:schemeClr val="tx1"/>
-                </a:solidFill>
-                <a:latin typeface="+mn-lt"/>
-                <a:ea typeface="+mn-ea"/>
-                <a:cs typeface="+mn-cs"/>
-              </a:rPr>
-              <a:t>	}</a:t>
-            </a:r>
-          </a:p>
-          <a:p>
-            <a:endParaRPr lang="en-US" sz="2000" b="0" i="0" kern="1200" baseline="0" dirty="0" smtClean="0">
-              <a:solidFill>
-                <a:schemeClr val="tx1"/>
-              </a:solidFill>
-              <a:latin typeface="+mn-lt"/>
-              <a:ea typeface="+mn-ea"/>
-              <a:cs typeface="+mn-cs"/>
-            </a:endParaRPr>
-          </a:p>
-          <a:p>
-            <a:pPr marL="914400" lvl="1" indent="-457200">
-              <a:buAutoNum type="arabicPeriod" startAt="13"/>
-            </a:pPr>
-            <a:r>
-              <a:rPr lang="en-US" sz="2000" b="0" i="0" kern="1200" baseline="0" dirty="0" smtClean="0">
-                <a:solidFill>
-                  <a:schemeClr val="tx1"/>
-                </a:solidFill>
-                <a:latin typeface="+mn-lt"/>
-                <a:ea typeface="+mn-ea"/>
-                <a:cs typeface="+mn-cs"/>
-              </a:rPr>
-              <a:t>How about testing an input form…</a:t>
-            </a:r>
-            <a:r>
-              <a:rPr lang="en-US" sz="2000" b="1" i="0" kern="1200" baseline="0" dirty="0" smtClean="0">
-                <a:solidFill>
-                  <a:schemeClr val="tx1"/>
-                </a:solidFill>
-                <a:latin typeface="+mn-lt"/>
-                <a:ea typeface="+mn-ea"/>
-                <a:cs typeface="+mn-cs"/>
-              </a:rPr>
-              <a:t>show </a:t>
-            </a:r>
-            <a:r>
-              <a:rPr lang="en-US" sz="2000" b="1" i="0" kern="1200" baseline="0" dirty="0" err="1" smtClean="0">
-                <a:solidFill>
-                  <a:schemeClr val="tx1"/>
-                </a:solidFill>
-                <a:latin typeface="+mn-lt"/>
-                <a:ea typeface="+mn-ea"/>
-                <a:cs typeface="+mn-cs"/>
-              </a:rPr>
-              <a:t>CreateTest</a:t>
-            </a:r>
-            <a:endParaRPr lang="en-US" sz="2000" b="1" i="0" kern="1200" baseline="0" dirty="0" smtClean="0">
-              <a:solidFill>
-                <a:schemeClr val="tx1"/>
-              </a:solidFill>
-              <a:latin typeface="+mn-lt"/>
-              <a:ea typeface="+mn-ea"/>
-              <a:cs typeface="+mn-cs"/>
-            </a:endParaRPr>
-          </a:p>
-          <a:p>
-            <a:pPr marL="457200" lvl="1" indent="0">
-              <a:buNone/>
-            </a:pPr>
-            <a:endParaRPr lang="en-US" sz="2000" b="1" i="0" kern="1200" baseline="0" dirty="0" smtClean="0">
-              <a:solidFill>
-                <a:schemeClr val="tx1"/>
-              </a:solidFill>
-              <a:latin typeface="+mn-lt"/>
-              <a:ea typeface="+mn-ea"/>
-              <a:cs typeface="+mn-cs"/>
-            </a:endParaRPr>
-          </a:p>
-          <a:p>
-            <a:pPr marL="457200" indent="-457200">
-              <a:buAutoNum type="arabicPeriod" startAt="13"/>
-            </a:pPr>
-            <a:endParaRPr lang="en-US" sz="2000" b="0" i="0" kern="1200" baseline="0" dirty="0" smtClean="0">
-              <a:solidFill>
-                <a:schemeClr val="tx1"/>
-              </a:solidFill>
-              <a:latin typeface="+mn-lt"/>
-              <a:ea typeface="+mn-ea"/>
-              <a:cs typeface="+mn-cs"/>
-            </a:endParaRPr>
-          </a:p>
-          <a:p>
-            <a:pPr marL="685800" lvl="1" indent="-228600">
-              <a:buAutoNum type="arabicPeriod" startAt="13"/>
-            </a:pPr>
-            <a:r>
-              <a:rPr lang="en-US" sz="1200" b="0" i="0" kern="1200" baseline="0" dirty="0" smtClean="0">
-                <a:solidFill>
-                  <a:schemeClr val="tx1"/>
-                </a:solidFill>
-                <a:latin typeface="+mn-lt"/>
-                <a:ea typeface="+mn-ea"/>
-                <a:cs typeface="+mn-cs"/>
-              </a:rPr>
-              <a:t>  How about testing validation?  Let’s make sure that our first name required message is displayed when clicking Create and with nothing in First Name</a:t>
-            </a:r>
-          </a:p>
-          <a:p>
-            <a:pPr marL="1143000" lvl="2" indent="-228600">
+              <a:rPr lang="en-US" sz="2000" dirty="0"/>
+              <a:t>Clicking “Next” on the Customer Index page should navigate to Step2</a:t>
+            </a:r>
+          </a:p>
+          <a:p>
+            <a:pPr marL="1152716" lvl="2" indent="-230543">
               <a:buFont typeface="Arial" panose="020B0604020202020204" pitchFamily="34" charset="0"/>
               <a:buChar char="•"/>
             </a:pPr>
             <a:r>
-              <a:rPr lang="en-US" sz="1200" b="1" i="0" kern="1200" baseline="0" dirty="0" smtClean="0">
-                <a:solidFill>
-                  <a:schemeClr val="tx1"/>
-                </a:solidFill>
-                <a:latin typeface="+mn-lt"/>
-                <a:ea typeface="+mn-ea"/>
-                <a:cs typeface="+mn-cs"/>
-              </a:rPr>
+              <a:rPr lang="en-US" sz="2000" b="1" dirty="0"/>
               <a:t>tddmvc11</a:t>
             </a:r>
           </a:p>
           <a:p>
-            <a:pPr lvl="1"/>
-            <a:r>
-              <a:rPr lang="en-US" sz="1200" b="0" i="0" kern="1200" baseline="0" dirty="0" smtClean="0">
-                <a:solidFill>
-                  <a:schemeClr val="tx1"/>
-                </a:solidFill>
-                <a:latin typeface="+mn-lt"/>
-                <a:ea typeface="+mn-ea"/>
-                <a:cs typeface="+mn-cs"/>
-              </a:rPr>
-              <a:t>	</a:t>
-            </a:r>
-            <a:r>
-              <a:rPr lang="en-US" sz="1200" b="0" kern="1200" dirty="0" smtClean="0">
-                <a:solidFill>
-                  <a:schemeClr val="tx1"/>
-                </a:solidFill>
-                <a:latin typeface="+mn-lt"/>
-                <a:ea typeface="+mn-ea"/>
-                <a:cs typeface="+mn-cs"/>
-              </a:rPr>
-              <a:t>[</a:t>
-            </a:r>
-            <a:r>
-              <a:rPr lang="en-US" sz="1200" b="0" kern="1200" dirty="0" err="1" smtClean="0">
-                <a:solidFill>
-                  <a:schemeClr val="tx1"/>
-                </a:solidFill>
-                <a:latin typeface="+mn-lt"/>
-                <a:ea typeface="+mn-ea"/>
-                <a:cs typeface="+mn-cs"/>
-              </a:rPr>
-              <a:t>TestMethod</a:t>
-            </a:r>
-            <a:r>
-              <a:rPr lang="en-US" sz="1200" b="0" kern="1200" dirty="0" smtClean="0">
-                <a:solidFill>
-                  <a:schemeClr val="tx1"/>
-                </a:solidFill>
-                <a:latin typeface="+mn-lt"/>
-                <a:ea typeface="+mn-ea"/>
-                <a:cs typeface="+mn-cs"/>
-              </a:rPr>
-              <a:t>]</a:t>
-            </a:r>
-          </a:p>
-          <a:p>
-            <a:pPr lvl="2"/>
-            <a:r>
-              <a:rPr lang="en-US" sz="1200" b="0" kern="1200" dirty="0" smtClean="0">
-                <a:solidFill>
-                  <a:schemeClr val="tx1"/>
-                </a:solidFill>
-                <a:latin typeface="+mn-lt"/>
-                <a:ea typeface="+mn-ea"/>
-                <a:cs typeface="+mn-cs"/>
-              </a:rPr>
-              <a:t>        public void FirstNameIsRequired_ValidationMessage_ShouldBeDisplayed_WhenClickingCreate_WithoutFillingIn_FirstName_Field() {</a:t>
-            </a:r>
-          </a:p>
-          <a:p>
-            <a:pPr lvl="2"/>
-            <a:r>
-              <a:rPr lang="en-US" sz="1200" b="0" kern="1200" dirty="0" smtClean="0">
-                <a:solidFill>
-                  <a:schemeClr val="tx1"/>
-                </a:solidFill>
-                <a:latin typeface="+mn-lt"/>
-                <a:ea typeface="+mn-ea"/>
-                <a:cs typeface="+mn-cs"/>
-              </a:rPr>
-              <a:t>            //Arrange</a:t>
-            </a:r>
-          </a:p>
-          <a:p>
-            <a:pPr lvl="2"/>
-            <a:r>
-              <a:rPr lang="en-US" sz="1200" b="0" kern="1200" dirty="0" smtClean="0">
-                <a:solidFill>
-                  <a:schemeClr val="tx1"/>
-                </a:solidFill>
-                <a:latin typeface="+mn-lt"/>
-                <a:ea typeface="+mn-ea"/>
-                <a:cs typeface="+mn-cs"/>
-              </a:rPr>
-              <a:t>            _browser = new IE(Url);</a:t>
-            </a:r>
-          </a:p>
-          <a:p>
-            <a:pPr lvl="2"/>
-            <a:r>
-              <a:rPr lang="en-US" sz="1200" b="0" kern="1200" dirty="0" smtClean="0">
-                <a:solidFill>
-                  <a:schemeClr val="tx1"/>
-                </a:solidFill>
-                <a:latin typeface="+mn-lt"/>
-                <a:ea typeface="+mn-ea"/>
-                <a:cs typeface="+mn-cs"/>
-              </a:rPr>
-              <a:t>            _</a:t>
-            </a:r>
-            <a:r>
-              <a:rPr lang="en-US" sz="1200" b="0" kern="1200" dirty="0" err="1" smtClean="0">
-                <a:solidFill>
-                  <a:schemeClr val="tx1"/>
-                </a:solidFill>
-                <a:latin typeface="+mn-lt"/>
-                <a:ea typeface="+mn-ea"/>
-                <a:cs typeface="+mn-cs"/>
-              </a:rPr>
-              <a:t>browser.Button</a:t>
-            </a:r>
-            <a:r>
-              <a:rPr lang="en-US" sz="1200" b="0" kern="1200" dirty="0" smtClean="0">
-                <a:solidFill>
-                  <a:schemeClr val="tx1"/>
-                </a:solidFill>
-                <a:latin typeface="+mn-lt"/>
-                <a:ea typeface="+mn-ea"/>
-                <a:cs typeface="+mn-cs"/>
-              </a:rPr>
-              <a:t>("create").Click();</a:t>
-            </a:r>
-          </a:p>
-          <a:p>
-            <a:pPr lvl="2"/>
-            <a:r>
-              <a:rPr lang="en-US" sz="1200" b="0" kern="1200" dirty="0" smtClean="0">
-                <a:solidFill>
-                  <a:schemeClr val="tx1"/>
-                </a:solidFill>
-                <a:latin typeface="+mn-lt"/>
-                <a:ea typeface="+mn-ea"/>
-                <a:cs typeface="+mn-cs"/>
-              </a:rPr>
-              <a:t>            //Act</a:t>
-            </a:r>
-          </a:p>
-          <a:p>
-            <a:pPr lvl="2"/>
-            <a:r>
-              <a:rPr lang="en-US" sz="1200" b="0" kern="1200" dirty="0" smtClean="0">
-                <a:solidFill>
-                  <a:schemeClr val="tx1"/>
-                </a:solidFill>
-                <a:latin typeface="+mn-lt"/>
-                <a:ea typeface="+mn-ea"/>
-                <a:cs typeface="+mn-cs"/>
-              </a:rPr>
-              <a:t>            Span result = _</a:t>
-            </a:r>
-            <a:r>
-              <a:rPr lang="en-US" sz="1200" b="0" kern="1200" dirty="0" err="1" smtClean="0">
-                <a:solidFill>
-                  <a:schemeClr val="tx1"/>
-                </a:solidFill>
-                <a:latin typeface="+mn-lt"/>
-                <a:ea typeface="+mn-ea"/>
-                <a:cs typeface="+mn-cs"/>
-              </a:rPr>
-              <a:t>browser.Span</a:t>
-            </a:r>
-            <a:r>
-              <a:rPr lang="en-US" sz="1200" b="0" kern="1200" dirty="0" smtClean="0">
-                <a:solidFill>
-                  <a:schemeClr val="tx1"/>
-                </a:solidFill>
-                <a:latin typeface="+mn-lt"/>
-                <a:ea typeface="+mn-ea"/>
-                <a:cs typeface="+mn-cs"/>
-              </a:rPr>
-              <a:t>(</a:t>
-            </a:r>
-            <a:r>
-              <a:rPr lang="en-US" sz="1200" b="0" kern="1200" dirty="0" err="1" smtClean="0">
-                <a:solidFill>
-                  <a:schemeClr val="tx1"/>
-                </a:solidFill>
-                <a:latin typeface="+mn-lt"/>
-                <a:ea typeface="+mn-ea"/>
-                <a:cs typeface="+mn-cs"/>
-              </a:rPr>
-              <a:t>Find.By</a:t>
-            </a:r>
-            <a:r>
-              <a:rPr lang="en-US" sz="1200" b="0" kern="1200" dirty="0" smtClean="0">
-                <a:solidFill>
-                  <a:schemeClr val="tx1"/>
-                </a:solidFill>
-                <a:latin typeface="+mn-lt"/>
-                <a:ea typeface="+mn-ea"/>
-                <a:cs typeface="+mn-cs"/>
-              </a:rPr>
-              <a:t>("for","</a:t>
-            </a:r>
-            <a:r>
-              <a:rPr lang="en-US" sz="1200" b="0" kern="1200" dirty="0" err="1" smtClean="0">
-                <a:solidFill>
-                  <a:schemeClr val="tx1"/>
-                </a:solidFill>
-                <a:latin typeface="+mn-lt"/>
-                <a:ea typeface="+mn-ea"/>
-                <a:cs typeface="+mn-cs"/>
-              </a:rPr>
-              <a:t>FirstName</a:t>
-            </a:r>
-            <a:r>
-              <a:rPr lang="en-US" sz="1200" b="0" kern="1200" dirty="0" smtClean="0">
-                <a:solidFill>
-                  <a:schemeClr val="tx1"/>
-                </a:solidFill>
-                <a:latin typeface="+mn-lt"/>
-                <a:ea typeface="+mn-ea"/>
-                <a:cs typeface="+mn-cs"/>
-              </a:rPr>
-              <a:t>"));</a:t>
-            </a:r>
-          </a:p>
-          <a:p>
-            <a:pPr lvl="2"/>
-            <a:r>
-              <a:rPr lang="en-US" sz="1200" b="0" kern="1200" dirty="0" smtClean="0">
-                <a:solidFill>
-                  <a:schemeClr val="tx1"/>
-                </a:solidFill>
-                <a:latin typeface="+mn-lt"/>
-                <a:ea typeface="+mn-ea"/>
-                <a:cs typeface="+mn-cs"/>
-              </a:rPr>
-              <a:t>            //Assert</a:t>
-            </a:r>
-          </a:p>
-          <a:p>
-            <a:pPr lvl="2"/>
-            <a:r>
-              <a:rPr lang="en-US" sz="1200" b="0" kern="1200" dirty="0" smtClean="0">
-                <a:solidFill>
-                  <a:schemeClr val="tx1"/>
-                </a:solidFill>
-                <a:latin typeface="+mn-lt"/>
-                <a:ea typeface="+mn-ea"/>
-                <a:cs typeface="+mn-cs"/>
-              </a:rPr>
-              <a:t>            </a:t>
-            </a:r>
-            <a:r>
-              <a:rPr lang="en-US" sz="1200" b="0" kern="1200" dirty="0" err="1" smtClean="0">
-                <a:solidFill>
-                  <a:schemeClr val="tx1"/>
-                </a:solidFill>
-                <a:latin typeface="+mn-lt"/>
-                <a:ea typeface="+mn-ea"/>
-                <a:cs typeface="+mn-cs"/>
-              </a:rPr>
-              <a:t>result.InnerHtml.ShouldEqual</a:t>
-            </a:r>
-            <a:r>
-              <a:rPr lang="en-US" sz="1200" b="0" kern="1200" dirty="0" smtClean="0">
-                <a:solidFill>
-                  <a:schemeClr val="tx1"/>
-                </a:solidFill>
-                <a:latin typeface="+mn-lt"/>
-                <a:ea typeface="+mn-ea"/>
-                <a:cs typeface="+mn-cs"/>
-              </a:rPr>
-              <a:t>("First Name is required");</a:t>
-            </a:r>
-          </a:p>
-          <a:p>
-            <a:pPr lvl="2"/>
-            <a:r>
-              <a:rPr lang="en-US" sz="1200" b="0" kern="1200" dirty="0" smtClean="0">
-                <a:solidFill>
-                  <a:schemeClr val="tx1"/>
-                </a:solidFill>
-                <a:latin typeface="+mn-lt"/>
-                <a:ea typeface="+mn-ea"/>
-                <a:cs typeface="+mn-cs"/>
-              </a:rPr>
-              <a:t>        }</a:t>
-            </a:r>
-          </a:p>
-          <a:p>
-            <a:pPr lvl="2"/>
-            <a:endParaRPr lang="en-US" sz="1200" kern="1200" dirty="0" smtClean="0">
-              <a:solidFill>
-                <a:schemeClr val="tx1"/>
-              </a:solidFill>
-              <a:latin typeface="+mn-lt"/>
-              <a:ea typeface="+mn-ea"/>
-              <a:cs typeface="+mn-cs"/>
-            </a:endParaRPr>
-          </a:p>
-          <a:p>
-            <a:pPr marL="685800" lvl="1" indent="-228600">
-              <a:buAutoNum type="arabicPeriod" startAt="14"/>
-            </a:pPr>
-            <a:r>
-              <a:rPr lang="en-US" sz="1200" b="0" i="0" kern="1200" baseline="0" dirty="0" smtClean="0">
-                <a:solidFill>
-                  <a:schemeClr val="tx1"/>
-                </a:solidFill>
-                <a:latin typeface="+mn-lt"/>
-                <a:ea typeface="+mn-ea"/>
-                <a:cs typeface="+mn-cs"/>
-              </a:rPr>
-              <a:t>  Now we can test the opposite: Message should not be displayed when we fill in First Name and click Create</a:t>
-            </a:r>
-          </a:p>
-          <a:p>
-            <a:pPr marL="1143000" lvl="2" indent="-228600">
+            <a:pPr marL="1152716" lvl="2" indent="-230543">
               <a:buFont typeface="Arial" panose="020B0604020202020204" pitchFamily="34" charset="0"/>
               <a:buChar char="•"/>
             </a:pPr>
             <a:r>
-              <a:rPr lang="en-US" sz="1200" b="1" i="0" kern="1200" baseline="0" dirty="0" smtClean="0">
-                <a:solidFill>
-                  <a:schemeClr val="tx1"/>
-                </a:solidFill>
-                <a:latin typeface="+mn-lt"/>
-                <a:ea typeface="+mn-ea"/>
-                <a:cs typeface="+mn-cs"/>
-              </a:rPr>
+              <a:rPr lang="en-US" sz="2000" dirty="0"/>
+              <a:t>This time I am using </a:t>
+            </a:r>
+            <a:r>
+              <a:rPr lang="en-US" sz="2000" dirty="0" err="1"/>
+              <a:t>FindElement</a:t>
+            </a:r>
+            <a:r>
+              <a:rPr lang="en-US" sz="2000" dirty="0"/>
+              <a:t> to find the button by Id and Clicking it</a:t>
+            </a:r>
+          </a:p>
+          <a:p>
+            <a:pPr marL="1152716" lvl="2" indent="-230543">
+              <a:buFont typeface="Arial" panose="020B0604020202020204" pitchFamily="34" charset="0"/>
+              <a:buChar char="•"/>
+            </a:pPr>
+            <a:r>
+              <a:rPr lang="en-US" sz="2000" dirty="0"/>
+              <a:t>And then asserting that we navigated to the expected page.	</a:t>
+            </a:r>
+          </a:p>
+          <a:p>
+            <a:pPr marL="922172" lvl="1" indent="-461086">
+              <a:buAutoNum type="arabicPeriod" startAt="13"/>
+            </a:pPr>
+            <a:r>
+              <a:rPr lang="en-US" sz="2000" dirty="0"/>
+              <a:t>How about testing an input form…</a:t>
+            </a:r>
+            <a:r>
+              <a:rPr lang="en-US" sz="2000" b="1" dirty="0"/>
+              <a:t>show </a:t>
+            </a:r>
+            <a:r>
+              <a:rPr lang="en-US" sz="2000" b="1" dirty="0" err="1"/>
+              <a:t>CreateTest</a:t>
+            </a:r>
+            <a:endParaRPr lang="en-US" sz="2000" dirty="0"/>
+          </a:p>
+          <a:p>
+            <a:pPr marL="691629" lvl="1" indent="-230543">
+              <a:buAutoNum type="arabicPeriod" startAt="13"/>
+            </a:pPr>
+            <a:r>
+              <a:rPr lang="en-US" sz="2000" dirty="0"/>
+              <a:t>  How about testing validation?  Let’s make sure that our first name required message is displayed when clicking Create and with nothing in First Name</a:t>
+            </a:r>
+          </a:p>
+          <a:p>
+            <a:pPr marL="1152716" lvl="2" indent="-230543">
+              <a:buFont typeface="Arial" panose="020B0604020202020204" pitchFamily="34" charset="0"/>
+              <a:buChar char="•"/>
+            </a:pPr>
+            <a:r>
+              <a:rPr lang="en-US" sz="2000" b="1" dirty="0"/>
               <a:t>tddmvc12</a:t>
             </a:r>
-          </a:p>
-          <a:p>
-            <a:pPr marL="457200" lvl="1" indent="0">
-              <a:buNone/>
-            </a:pPr>
-            <a:r>
-              <a:rPr lang="en-US" sz="1200" b="0" i="0" kern="1200" baseline="0" dirty="0" smtClean="0">
-                <a:solidFill>
-                  <a:schemeClr val="tx1"/>
-                </a:solidFill>
-                <a:latin typeface="+mn-lt"/>
-                <a:ea typeface="+mn-ea"/>
-                <a:cs typeface="+mn-cs"/>
-              </a:rPr>
-              <a:t>        </a:t>
-            </a:r>
-            <a:r>
-              <a:rPr lang="en-US" sz="1200" b="0" kern="1200" dirty="0" smtClean="0">
-                <a:solidFill>
-                  <a:schemeClr val="tx1"/>
-                </a:solidFill>
-                <a:latin typeface="+mn-lt"/>
-                <a:ea typeface="+mn-ea"/>
-                <a:cs typeface="+mn-cs"/>
-              </a:rPr>
-              <a:t>[</a:t>
-            </a:r>
-            <a:r>
-              <a:rPr lang="en-US" sz="1200" b="0" kern="1200" dirty="0" err="1" smtClean="0">
-                <a:solidFill>
-                  <a:schemeClr val="tx1"/>
-                </a:solidFill>
-                <a:latin typeface="+mn-lt"/>
-                <a:ea typeface="+mn-ea"/>
-                <a:cs typeface="+mn-cs"/>
-              </a:rPr>
-              <a:t>TestMethod</a:t>
-            </a:r>
-            <a:r>
-              <a:rPr lang="en-US" sz="1200" b="0" kern="1200" dirty="0" smtClean="0">
-                <a:solidFill>
-                  <a:schemeClr val="tx1"/>
-                </a:solidFill>
-                <a:latin typeface="+mn-lt"/>
-                <a:ea typeface="+mn-ea"/>
-                <a:cs typeface="+mn-cs"/>
-              </a:rPr>
-              <a:t>]</a:t>
-            </a:r>
-          </a:p>
-          <a:p>
-            <a:pPr lvl="1"/>
-            <a:r>
-              <a:rPr lang="en-US" sz="1200" b="0" kern="1200" dirty="0" smtClean="0">
-                <a:solidFill>
-                  <a:schemeClr val="tx1"/>
-                </a:solidFill>
-                <a:latin typeface="+mn-lt"/>
-                <a:ea typeface="+mn-ea"/>
-                <a:cs typeface="+mn-cs"/>
-              </a:rPr>
-              <a:t>        public void FirstNameIsRequired_ValidationMessage_ShouldNotBeDisplayed_WhenClickingCreate_With_FirstName_Field_FilledIn() {</a:t>
-            </a:r>
-          </a:p>
-          <a:p>
-            <a:pPr lvl="1"/>
-            <a:r>
-              <a:rPr lang="en-US" sz="1200" b="0" kern="1200" dirty="0" smtClean="0">
-                <a:solidFill>
-                  <a:schemeClr val="tx1"/>
-                </a:solidFill>
-                <a:latin typeface="+mn-lt"/>
-                <a:ea typeface="+mn-ea"/>
-                <a:cs typeface="+mn-cs"/>
-              </a:rPr>
-              <a:t>            //Arrange</a:t>
-            </a:r>
-          </a:p>
-          <a:p>
-            <a:pPr lvl="1"/>
-            <a:r>
-              <a:rPr lang="en-US" sz="1200" b="0" kern="1200" dirty="0" smtClean="0">
-                <a:solidFill>
-                  <a:schemeClr val="tx1"/>
-                </a:solidFill>
-                <a:latin typeface="+mn-lt"/>
-                <a:ea typeface="+mn-ea"/>
-                <a:cs typeface="+mn-cs"/>
-              </a:rPr>
-              <a:t>            _browser = new IE(Url);</a:t>
-            </a:r>
-          </a:p>
-          <a:p>
-            <a:pPr lvl="1"/>
-            <a:r>
-              <a:rPr lang="en-US" sz="1200" b="0" kern="1200" dirty="0" smtClean="0">
-                <a:solidFill>
-                  <a:schemeClr val="tx1"/>
-                </a:solidFill>
-                <a:latin typeface="+mn-lt"/>
-                <a:ea typeface="+mn-ea"/>
-                <a:cs typeface="+mn-cs"/>
-              </a:rPr>
-              <a:t>            _</a:t>
-            </a:r>
-            <a:r>
-              <a:rPr lang="en-US" sz="1200" b="0" kern="1200" dirty="0" err="1" smtClean="0">
-                <a:solidFill>
-                  <a:schemeClr val="tx1"/>
-                </a:solidFill>
-                <a:latin typeface="+mn-lt"/>
-                <a:ea typeface="+mn-ea"/>
-                <a:cs typeface="+mn-cs"/>
-              </a:rPr>
-              <a:t>browser.TextField</a:t>
-            </a:r>
-            <a:r>
-              <a:rPr lang="en-US" sz="1200" b="0" kern="1200" dirty="0" smtClean="0">
-                <a:solidFill>
-                  <a:schemeClr val="tx1"/>
-                </a:solidFill>
-                <a:latin typeface="+mn-lt"/>
-                <a:ea typeface="+mn-ea"/>
-                <a:cs typeface="+mn-cs"/>
-              </a:rPr>
-              <a:t>("</a:t>
-            </a:r>
-            <a:r>
-              <a:rPr lang="en-US" sz="1200" b="0" kern="1200" dirty="0" err="1" smtClean="0">
-                <a:solidFill>
-                  <a:schemeClr val="tx1"/>
-                </a:solidFill>
-                <a:latin typeface="+mn-lt"/>
-                <a:ea typeface="+mn-ea"/>
-                <a:cs typeface="+mn-cs"/>
-              </a:rPr>
-              <a:t>FirstName</a:t>
-            </a:r>
-            <a:r>
-              <a:rPr lang="en-US" sz="1200" b="0" kern="1200" dirty="0" smtClean="0">
-                <a:solidFill>
-                  <a:schemeClr val="tx1"/>
-                </a:solidFill>
-                <a:latin typeface="+mn-lt"/>
-                <a:ea typeface="+mn-ea"/>
-                <a:cs typeface="+mn-cs"/>
-              </a:rPr>
-              <a:t>").</a:t>
-            </a:r>
-            <a:r>
-              <a:rPr lang="en-US" sz="1200" b="0" kern="1200" dirty="0" err="1" smtClean="0">
-                <a:solidFill>
-                  <a:schemeClr val="tx1"/>
-                </a:solidFill>
-                <a:latin typeface="+mn-lt"/>
-                <a:ea typeface="+mn-ea"/>
-                <a:cs typeface="+mn-cs"/>
-              </a:rPr>
-              <a:t>TypeText</a:t>
-            </a:r>
-            <a:r>
-              <a:rPr lang="en-US" sz="1200" b="0" kern="1200" dirty="0" smtClean="0">
-                <a:solidFill>
-                  <a:schemeClr val="tx1"/>
-                </a:solidFill>
-                <a:latin typeface="+mn-lt"/>
-                <a:ea typeface="+mn-ea"/>
-                <a:cs typeface="+mn-cs"/>
-              </a:rPr>
-              <a:t>("Joe");</a:t>
-            </a:r>
-          </a:p>
-          <a:p>
-            <a:pPr lvl="1"/>
-            <a:r>
-              <a:rPr lang="en-US" sz="1200" b="0" kern="1200" dirty="0" smtClean="0">
-                <a:solidFill>
-                  <a:schemeClr val="tx1"/>
-                </a:solidFill>
-                <a:latin typeface="+mn-lt"/>
-                <a:ea typeface="+mn-ea"/>
-                <a:cs typeface="+mn-cs"/>
-              </a:rPr>
-              <a:t>            _</a:t>
-            </a:r>
-            <a:r>
-              <a:rPr lang="en-US" sz="1200" b="0" kern="1200" dirty="0" err="1" smtClean="0">
-                <a:solidFill>
-                  <a:schemeClr val="tx1"/>
-                </a:solidFill>
-                <a:latin typeface="+mn-lt"/>
-                <a:ea typeface="+mn-ea"/>
-                <a:cs typeface="+mn-cs"/>
-              </a:rPr>
-              <a:t>browser.Button</a:t>
-            </a:r>
-            <a:r>
-              <a:rPr lang="en-US" sz="1200" b="0" kern="1200" dirty="0" smtClean="0">
-                <a:solidFill>
-                  <a:schemeClr val="tx1"/>
-                </a:solidFill>
-                <a:latin typeface="+mn-lt"/>
-                <a:ea typeface="+mn-ea"/>
-                <a:cs typeface="+mn-cs"/>
-              </a:rPr>
-              <a:t>("create").Click();</a:t>
-            </a:r>
-          </a:p>
-          <a:p>
-            <a:pPr lvl="1"/>
-            <a:r>
-              <a:rPr lang="en-US" sz="1200" b="0" kern="1200" dirty="0" smtClean="0">
-                <a:solidFill>
-                  <a:schemeClr val="tx1"/>
-                </a:solidFill>
-                <a:latin typeface="+mn-lt"/>
-                <a:ea typeface="+mn-ea"/>
-                <a:cs typeface="+mn-cs"/>
-              </a:rPr>
-              <a:t>            //Act</a:t>
-            </a:r>
-          </a:p>
-          <a:p>
-            <a:pPr lvl="1"/>
-            <a:r>
-              <a:rPr lang="en-US" sz="1200" b="0" kern="1200" dirty="0" smtClean="0">
-                <a:solidFill>
-                  <a:schemeClr val="tx1"/>
-                </a:solidFill>
-                <a:latin typeface="+mn-lt"/>
-                <a:ea typeface="+mn-ea"/>
-                <a:cs typeface="+mn-cs"/>
-              </a:rPr>
-              <a:t>            Span result = _</a:t>
-            </a:r>
-            <a:r>
-              <a:rPr lang="en-US" sz="1200" b="0" kern="1200" dirty="0" err="1" smtClean="0">
-                <a:solidFill>
-                  <a:schemeClr val="tx1"/>
-                </a:solidFill>
-                <a:latin typeface="+mn-lt"/>
-                <a:ea typeface="+mn-ea"/>
-                <a:cs typeface="+mn-cs"/>
-              </a:rPr>
-              <a:t>browser.Span</a:t>
-            </a:r>
-            <a:r>
-              <a:rPr lang="en-US" sz="1200" b="0" kern="1200" dirty="0" smtClean="0">
-                <a:solidFill>
-                  <a:schemeClr val="tx1"/>
-                </a:solidFill>
-                <a:latin typeface="+mn-lt"/>
-                <a:ea typeface="+mn-ea"/>
-                <a:cs typeface="+mn-cs"/>
-              </a:rPr>
-              <a:t>(</a:t>
-            </a:r>
-            <a:r>
-              <a:rPr lang="en-US" sz="1200" b="0" kern="1200" dirty="0" err="1" smtClean="0">
-                <a:solidFill>
-                  <a:schemeClr val="tx1"/>
-                </a:solidFill>
-                <a:latin typeface="+mn-lt"/>
-                <a:ea typeface="+mn-ea"/>
-                <a:cs typeface="+mn-cs"/>
-              </a:rPr>
-              <a:t>Find.By</a:t>
-            </a:r>
-            <a:r>
-              <a:rPr lang="en-US" sz="1200" b="0" kern="1200" dirty="0" smtClean="0">
-                <a:solidFill>
-                  <a:schemeClr val="tx1"/>
-                </a:solidFill>
-                <a:latin typeface="+mn-lt"/>
-                <a:ea typeface="+mn-ea"/>
-                <a:cs typeface="+mn-cs"/>
-              </a:rPr>
-              <a:t>("for", "</a:t>
-            </a:r>
-            <a:r>
-              <a:rPr lang="en-US" sz="1200" b="0" kern="1200" dirty="0" err="1" smtClean="0">
-                <a:solidFill>
-                  <a:schemeClr val="tx1"/>
-                </a:solidFill>
-                <a:latin typeface="+mn-lt"/>
-                <a:ea typeface="+mn-ea"/>
-                <a:cs typeface="+mn-cs"/>
-              </a:rPr>
-              <a:t>FirstName</a:t>
-            </a:r>
-            <a:r>
-              <a:rPr lang="en-US" sz="1200" b="0" kern="1200" dirty="0" smtClean="0">
-                <a:solidFill>
-                  <a:schemeClr val="tx1"/>
-                </a:solidFill>
-                <a:latin typeface="+mn-lt"/>
-                <a:ea typeface="+mn-ea"/>
-                <a:cs typeface="+mn-cs"/>
-              </a:rPr>
-              <a:t>"));</a:t>
-            </a:r>
-          </a:p>
-          <a:p>
-            <a:pPr lvl="1"/>
-            <a:r>
-              <a:rPr lang="en-US" sz="1200" b="0" kern="1200" dirty="0" smtClean="0">
-                <a:solidFill>
-                  <a:schemeClr val="tx1"/>
-                </a:solidFill>
-                <a:latin typeface="+mn-lt"/>
-                <a:ea typeface="+mn-ea"/>
-                <a:cs typeface="+mn-cs"/>
-              </a:rPr>
-              <a:t>            //Assert</a:t>
-            </a:r>
-          </a:p>
-          <a:p>
-            <a:pPr lvl="1"/>
-            <a:r>
-              <a:rPr lang="en-US" sz="1200" b="0" kern="1200" dirty="0" smtClean="0">
-                <a:solidFill>
-                  <a:schemeClr val="tx1"/>
-                </a:solidFill>
-                <a:latin typeface="+mn-lt"/>
-                <a:ea typeface="+mn-ea"/>
-                <a:cs typeface="+mn-cs"/>
-              </a:rPr>
-              <a:t>            </a:t>
-            </a:r>
-            <a:r>
-              <a:rPr lang="en-US" sz="1200" b="0" kern="1200" dirty="0" err="1" smtClean="0">
-                <a:solidFill>
-                  <a:schemeClr val="tx1"/>
-                </a:solidFill>
-                <a:latin typeface="+mn-lt"/>
-                <a:ea typeface="+mn-ea"/>
-                <a:cs typeface="+mn-cs"/>
-              </a:rPr>
-              <a:t>result.Exists.ShouldBeFalse</a:t>
-            </a:r>
-            <a:r>
-              <a:rPr lang="en-US" sz="1200" b="0" kern="1200" dirty="0" smtClean="0">
-                <a:solidFill>
-                  <a:schemeClr val="tx1"/>
-                </a:solidFill>
-                <a:latin typeface="+mn-lt"/>
-                <a:ea typeface="+mn-ea"/>
-                <a:cs typeface="+mn-cs"/>
-              </a:rPr>
-              <a:t>();</a:t>
-            </a:r>
-          </a:p>
-          <a:p>
-            <a:pPr lvl="1"/>
-            <a:r>
-              <a:rPr lang="en-US" sz="1200" b="0" kern="1200" dirty="0" smtClean="0">
-                <a:solidFill>
-                  <a:schemeClr val="tx1"/>
-                </a:solidFill>
-                <a:latin typeface="+mn-lt"/>
-                <a:ea typeface="+mn-ea"/>
-                <a:cs typeface="+mn-cs"/>
-              </a:rPr>
-              <a:t>        }</a:t>
-            </a:r>
-            <a:endParaRPr lang="en-US" sz="1100" b="0" i="0" kern="1200" baseline="0" dirty="0" smtClean="0">
-              <a:solidFill>
-                <a:schemeClr val="tx1"/>
-              </a:solidFill>
-              <a:latin typeface="+mn-lt"/>
-              <a:ea typeface="+mn-ea"/>
-              <a:cs typeface="+mn-cs"/>
-            </a:endParaRPr>
-          </a:p>
-          <a:p>
-            <a:pPr marL="685800" lvl="1" indent="-228600">
+            <a:endParaRPr lang="en-US" sz="2000" dirty="0"/>
+          </a:p>
+          <a:p>
+            <a:pPr marL="691629" lvl="1" indent="-230543">
               <a:buAutoNum type="arabicPeriod" startAt="14"/>
             </a:pPr>
-            <a:endParaRPr lang="en-US" sz="1200" b="0" i="0" kern="1200" baseline="0" dirty="0" smtClean="0">
-              <a:solidFill>
-                <a:schemeClr val="tx1"/>
-              </a:solidFill>
-              <a:latin typeface="+mn-lt"/>
-              <a:ea typeface="+mn-ea"/>
-              <a:cs typeface="+mn-cs"/>
-            </a:endParaRPr>
-          </a:p>
-          <a:p>
-            <a:pPr marL="1143000" lvl="2" indent="-228600">
-              <a:buAutoNum type="arabicPeriod" startAt="14"/>
-            </a:pPr>
-            <a:endParaRPr lang="en-US" sz="1100" b="0" i="0" kern="1200" baseline="0" dirty="0" smtClean="0">
-              <a:solidFill>
-                <a:schemeClr val="tx1"/>
-              </a:solidFill>
-              <a:latin typeface="+mn-lt"/>
-              <a:ea typeface="+mn-ea"/>
-              <a:cs typeface="+mn-cs"/>
-            </a:endParaRPr>
-          </a:p>
-          <a:p>
-            <a:pPr marL="685800" lvl="1" indent="-228600">
-              <a:buAutoNum type="arabicPeriod" startAt="13"/>
-            </a:pPr>
-            <a:endParaRPr lang="en-US" sz="1200" b="0" i="0" kern="1200" baseline="0" dirty="0" smtClean="0">
-              <a:solidFill>
-                <a:schemeClr val="tx1"/>
-              </a:solidFill>
-              <a:latin typeface="+mn-lt"/>
-              <a:ea typeface="+mn-ea"/>
-              <a:cs typeface="+mn-cs"/>
-            </a:endParaRPr>
-          </a:p>
-          <a:p>
-            <a:pPr marL="685800" lvl="1" indent="-228600">
-              <a:buAutoNum type="arabicPeriod" startAt="13"/>
-            </a:pPr>
-            <a:endParaRPr lang="en-US" sz="1200" b="0" i="0" kern="1200" baseline="0" dirty="0" smtClean="0">
-              <a:solidFill>
-                <a:schemeClr val="tx1"/>
-              </a:solidFill>
-              <a:latin typeface="+mn-lt"/>
-              <a:ea typeface="+mn-ea"/>
-              <a:cs typeface="+mn-cs"/>
-            </a:endParaRPr>
-          </a:p>
-          <a:p>
-            <a:pPr marL="685800" lvl="1" indent="-228600">
-              <a:buAutoNum type="arabicPeriod" startAt="12"/>
-            </a:pPr>
-            <a:endParaRPr lang="en-US" sz="1200" b="0" i="0" kern="1200" baseline="0" dirty="0" smtClean="0">
-              <a:solidFill>
-                <a:schemeClr val="tx1"/>
-              </a:solidFill>
-              <a:latin typeface="+mn-lt"/>
-              <a:ea typeface="+mn-ea"/>
-              <a:cs typeface="+mn-cs"/>
-            </a:endParaRPr>
-          </a:p>
-          <a:p>
-            <a:pPr marL="685800" lvl="1" indent="-228600">
-              <a:buAutoNum type="arabicPeriod" startAt="12"/>
-            </a:pPr>
-            <a:endParaRPr lang="en-US" sz="1200" b="0" i="0" kern="1200" baseline="0" dirty="0" smtClean="0">
-              <a:solidFill>
-                <a:schemeClr val="tx1"/>
-              </a:solidFill>
-              <a:latin typeface="+mn-lt"/>
-              <a:ea typeface="+mn-ea"/>
-              <a:cs typeface="+mn-cs"/>
-            </a:endParaRPr>
-          </a:p>
-          <a:p>
-            <a:pPr marL="457200" indent="-457200">
-              <a:buAutoNum type="arabicPeriod" startAt="12"/>
-            </a:pPr>
-            <a:endParaRPr lang="en-US" sz="2400" b="0" i="0" baseline="0" dirty="0" smtClean="0"/>
-          </a:p>
-          <a:p>
-            <a:pPr marL="1200150" lvl="2" indent="-285750" algn="l">
+            <a:r>
+              <a:rPr lang="en-US" sz="2000" dirty="0"/>
+              <a:t>  Now we can test the opposite: Message should not be displayed when we fill in First Name and click Create</a:t>
+            </a:r>
+          </a:p>
+          <a:p>
+            <a:pPr marL="1152716" lvl="2" indent="-230543">
+              <a:buFont typeface="Arial" panose="020B0604020202020204" pitchFamily="34" charset="0"/>
+              <a:buChar char="•"/>
+            </a:pPr>
+            <a:r>
+              <a:rPr lang="en-US" sz="2000" b="1" dirty="0"/>
+              <a:t>tddmvc13</a:t>
+            </a:r>
+            <a:endParaRPr lang="en-US" sz="2000" dirty="0"/>
+          </a:p>
+          <a:p>
+            <a:pPr marL="1671437" lvl="3" indent="-288179">
               <a:buFontTx/>
               <a:buChar char="-"/>
             </a:pPr>
-            <a:endParaRPr lang="en-US" sz="1400" b="0" i="0" baseline="0" dirty="0" smtClean="0"/>
-          </a:p>
-          <a:p>
-            <a:pPr marL="342900" lvl="0" indent="-342900" algn="l">
-              <a:buFontTx/>
-              <a:buAutoNum type="arabicPeriod" startAt="2"/>
-            </a:pPr>
-            <a:endParaRPr lang="en-US" sz="1400" baseline="0" dirty="0" smtClean="0"/>
-          </a:p>
-          <a:p>
-            <a:pPr marL="285750" lvl="0" indent="-285750" algn="l">
-              <a:buFontTx/>
-              <a:buChar char="-"/>
-            </a:pPr>
-            <a:endParaRPr lang="en-US" sz="1400" baseline="0" dirty="0" smtClean="0"/>
-          </a:p>
-          <a:p>
-            <a:pPr marL="285750" lvl="0" indent="-285750" algn="l">
-              <a:buFontTx/>
-              <a:buChar char="-"/>
-            </a:pPr>
-            <a:endParaRPr lang="en-US" sz="1400" baseline="0" dirty="0" smtClean="0"/>
-          </a:p>
-          <a:p>
-            <a:pPr marL="2114550" lvl="4" indent="-285750" algn="l">
-              <a:buFontTx/>
-              <a:buChar char="-"/>
-            </a:pPr>
-            <a:endParaRPr lang="en-US" sz="1400" baseline="0" dirty="0" smtClean="0"/>
-          </a:p>
-          <a:p>
-            <a:pPr marL="1657350" lvl="3" indent="-285750" algn="l">
-              <a:buFontTx/>
-              <a:buChar char="-"/>
-            </a:pPr>
-            <a:endParaRPr lang="en-US" sz="1400" baseline="0" dirty="0" smtClean="0"/>
-          </a:p>
-          <a:p>
-            <a:pPr marL="1657350" lvl="3" indent="-285750" algn="l">
-              <a:buFontTx/>
-              <a:buChar char="-"/>
-            </a:pPr>
-            <a:endParaRPr lang="en-US" sz="1400" baseline="0" dirty="0" smtClean="0"/>
-          </a:p>
-          <a:p>
-            <a:pPr marL="1657350" lvl="3" indent="-285750" algn="l">
-              <a:buFontTx/>
-              <a:buChar char="-"/>
-            </a:pPr>
-            <a:endParaRPr lang="en-US" sz="1400" baseline="0" dirty="0" smtClean="0"/>
-          </a:p>
-          <a:p>
-            <a:pPr marL="800100" lvl="1" indent="-342900" algn="l">
+            <a:endParaRPr lang="en-US" sz="2000" dirty="0"/>
+          </a:p>
+          <a:p>
+            <a:pPr marL="806901" lvl="1" indent="-345815">
               <a:buFont typeface="Arial" pitchFamily="34" charset="0"/>
               <a:buAutoNum type="alphaLcPeriod"/>
             </a:pPr>
-            <a:endParaRPr lang="en-US" sz="1400" baseline="0" dirty="0" smtClean="0"/>
+            <a:endParaRPr lang="en-US" sz="2000" dirty="0"/>
           </a:p>
         </p:txBody>
       </p:sp>
@@ -8543,8 +5408,8 @@
         </p:nvSpPr>
         <p:spPr bwMode="auto">
           <a:xfrm>
-            <a:off x="1181100" y="696913"/>
-            <a:ext cx="4648200" cy="3486150"/>
+            <a:off x="1179513" y="704850"/>
+            <a:ext cx="4694237" cy="3521075"/>
           </a:xfrm>
           <a:noFill/>
           <a:ln>
@@ -8575,6 +5440,7 @@
             <a:prstTxWarp prst="textNoShape">
               <a:avLst/>
             </a:prstTxWarp>
+            <a:normAutofit/>
           </a:bodyPr>
           <a:lstStyle/>
           <a:p>
@@ -8584,16 +5450,12 @@
               </a:spcBef>
             </a:pPr>
             <a:r>
-              <a:rPr lang="en-US" dirty="0" smtClean="0"/>
-              <a:t>That</a:t>
-            </a:r>
-            <a:r>
-              <a:rPr lang="en-US" baseline="0" dirty="0" smtClean="0"/>
-              <a:t> wrap’s up the session but before fielding questions I want to summarize what we covered</a:t>
-            </a:r>
-          </a:p>
-          <a:p>
-            <a:pPr marL="171450" indent="-171450" eaLnBrk="1" hangingPunct="1">
+              <a:rPr lang="en-US" sz="2000" dirty="0"/>
+              <a:t>That wrap’s up the session but before fielding questions I want to summarize what we covered</a:t>
+            </a:r>
+          </a:p>
+          <a:p>
+            <a:pPr marL="172907" indent="-172907" eaLnBrk="1" hangingPunct="1">
               <a:spcBef>
                 <a:spcPct val="0"/>
               </a:spcBef>
@@ -8601,12 +5463,12 @@
               <a:buChar char="-"/>
             </a:pPr>
             <a:r>
-              <a:rPr lang="en-US" baseline="0" dirty="0" smtClean="0"/>
+              <a:rPr lang="en-US" sz="2000" dirty="0"/>
               <a:t>We covered the importance of TDD and discussed why you absolutely should be doing it</a:t>
             </a:r>
           </a:p>
           <a:p>
-            <a:pPr marL="171450" indent="-171450" eaLnBrk="1" hangingPunct="1">
+            <a:pPr marL="172907" indent="-172907" eaLnBrk="1" hangingPunct="1">
               <a:spcBef>
                 <a:spcPct val="0"/>
               </a:spcBef>
@@ -8614,12 +5476,12 @@
               <a:buChar char="-"/>
             </a:pPr>
             <a:r>
-              <a:rPr lang="en-US" baseline="0" dirty="0" smtClean="0"/>
+              <a:rPr lang="en-US" sz="2000" dirty="0"/>
               <a:t>We the talked about the concepts and practices that are required to do TDD correctly</a:t>
             </a:r>
           </a:p>
           <a:p>
-            <a:pPr marL="171450" indent="-171450" eaLnBrk="1" hangingPunct="1">
+            <a:pPr marL="172907" indent="-172907" eaLnBrk="1" hangingPunct="1">
               <a:spcBef>
                 <a:spcPct val="0"/>
               </a:spcBef>
@@ -8627,12 +5489,12 @@
               <a:buChar char="-"/>
             </a:pPr>
             <a:r>
-              <a:rPr lang="en-US" baseline="0" dirty="0" smtClean="0"/>
+              <a:rPr lang="en-US" sz="2000" dirty="0"/>
               <a:t>After that we discussed ASP.NET MVC and how it is a different beast from what we have seen from Microsoft in the past</a:t>
             </a:r>
           </a:p>
           <a:p>
-            <a:pPr marL="171450" indent="-171450" eaLnBrk="1" hangingPunct="1">
+            <a:pPr marL="172907" indent="-172907" eaLnBrk="1" hangingPunct="1">
               <a:spcBef>
                 <a:spcPct val="0"/>
               </a:spcBef>
@@ -8640,16 +5502,12 @@
               <a:buChar char="-"/>
             </a:pPr>
             <a:r>
-              <a:rPr lang="en-US" dirty="0" smtClean="0"/>
-              <a:t>And then</a:t>
-            </a:r>
-            <a:r>
-              <a:rPr lang="en-US" baseline="0" dirty="0" smtClean="0"/>
-              <a:t> we dove in to how we can test MVC specific functionality such as routes and controllers</a:t>
-            </a:r>
-          </a:p>
-          <a:p>
-            <a:pPr marL="171450" indent="-171450" eaLnBrk="1" hangingPunct="1">
+              <a:rPr lang="en-US" sz="2000" dirty="0"/>
+              <a:t>And then we dove in to how we can test MVC specific functionality such as routes and controllers</a:t>
+            </a:r>
+          </a:p>
+          <a:p>
+            <a:pPr marL="172907" indent="-172907" eaLnBrk="1" hangingPunct="1">
               <a:spcBef>
                 <a:spcPct val="0"/>
               </a:spcBef>
@@ -8657,12 +5515,12 @@
               <a:buChar char="-"/>
             </a:pPr>
             <a:r>
-              <a:rPr lang="en-US" baseline="0" dirty="0" smtClean="0"/>
-              <a:t>And we wrapped up by looking at automated UI testing with WatiN</a:t>
-            </a:r>
-          </a:p>
-          <a:p>
-            <a:pPr marL="171450" indent="-171450" eaLnBrk="1" hangingPunct="1">
+              <a:rPr lang="en-US" sz="2000" dirty="0"/>
+              <a:t>And we wrapped up by looking at automated UI testing with Selenium</a:t>
+            </a:r>
+          </a:p>
+          <a:p>
+            <a:pPr marL="172907" indent="-172907" eaLnBrk="1" hangingPunct="1">
               <a:spcBef>
                 <a:spcPct val="0"/>
               </a:spcBef>
@@ -8750,8 +5608,8 @@
         </p:nvSpPr>
         <p:spPr bwMode="auto">
           <a:xfrm>
-            <a:off x="1181100" y="696913"/>
-            <a:ext cx="4648200" cy="3486150"/>
+            <a:off x="1179513" y="704850"/>
+            <a:ext cx="4694237" cy="3521075"/>
           </a:xfrm>
           <a:noFill/>
           <a:ln>
@@ -8871,8 +5729,8 @@
         </p:nvSpPr>
         <p:spPr bwMode="auto">
           <a:xfrm>
-            <a:off x="1181100" y="696913"/>
-            <a:ext cx="4648200" cy="3486150"/>
+            <a:off x="1179513" y="704850"/>
+            <a:ext cx="4694237" cy="3521075"/>
           </a:xfrm>
           <a:noFill/>
           <a:ln>
@@ -8911,10 +5769,7 @@
                 <a:spcPct val="0"/>
               </a:spcBef>
             </a:pPr>
-            <a:r>
-              <a:rPr lang="en-US" smtClean="0"/>
-              <a:t>Scrum most popular.  </a:t>
-            </a:r>
+            <a:endParaRPr lang="en-US" dirty="0" smtClean="0"/>
           </a:p>
         </p:txBody>
       </p:sp>
@@ -8995,8 +5850,8 @@
         </p:nvSpPr>
         <p:spPr bwMode="auto">
           <a:xfrm>
-            <a:off x="1181100" y="696913"/>
-            <a:ext cx="4648200" cy="3486150"/>
+            <a:off x="1179513" y="704850"/>
+            <a:ext cx="4694237" cy="3521075"/>
           </a:xfrm>
           <a:noFill/>
           <a:ln>
@@ -9031,41 +5886,23 @@
           </a:bodyPr>
           <a:lstStyle/>
           <a:p>
-            <a:pPr marL="0" marR="0" indent="0" algn="l" defTabSz="914400" rtl="0" eaLnBrk="0" fontAlgn="base" latinLnBrk="0" hangingPunct="0">
-              <a:lnSpc>
-                <a:spcPct val="100000"/>
-              </a:lnSpc>
-              <a:spcBef>
-                <a:spcPct val="30000"/>
-              </a:spcBef>
-              <a:spcAft>
-                <a:spcPct val="0"/>
-              </a:spcAft>
-              <a:buClrTx/>
-              <a:buSzTx/>
-              <a:buFontTx/>
-              <a:buNone/>
-              <a:tabLst/>
+            <a:pPr defTabSz="922172">
               <a:defRPr/>
             </a:pPr>
             <a:r>
-              <a:rPr lang="en-US" sz="1600" dirty="0" smtClean="0"/>
-              <a:t>So let’s start out with a quick</a:t>
-            </a:r>
-            <a:r>
-              <a:rPr lang="en-US" sz="1600" baseline="0" dirty="0" smtClean="0"/>
-              <a:t> 3 question, pop quiz.  No cheating, we are on the honor system here. </a:t>
-            </a:r>
-            <a:r>
-              <a:rPr lang="en-US" sz="1600" baseline="0" dirty="0" smtClean="0">
+              <a:rPr lang="en-US" sz="2000" dirty="0"/>
+              <a:t>So let’s start out with a quick 3 question, pop quiz.  No cheating, we are on the honor system here. </a:t>
+            </a:r>
+            <a:r>
+              <a:rPr lang="en-US" sz="2000" dirty="0">
                 <a:sym typeface="Wingdings" pitchFamily="2" charset="2"/>
               </a:rPr>
               <a:t></a:t>
             </a:r>
-            <a:endParaRPr lang="en-US" sz="1600" dirty="0" smtClean="0"/>
-          </a:p>
-          <a:p>
-            <a:endParaRPr lang="en-US" sz="1600" dirty="0" smtClean="0"/>
+            <a:endParaRPr lang="en-US" sz="2000" dirty="0"/>
+          </a:p>
+          <a:p>
+            <a:endParaRPr lang="en-US" sz="1600" dirty="0"/>
           </a:p>
         </p:txBody>
       </p:sp>
@@ -9146,8 +5983,8 @@
         </p:nvSpPr>
         <p:spPr bwMode="auto">
           <a:xfrm>
-            <a:off x="1181100" y="696913"/>
-            <a:ext cx="4648200" cy="3486150"/>
+            <a:off x="1179513" y="704850"/>
+            <a:ext cx="4694237" cy="3521075"/>
           </a:xfrm>
           <a:noFill/>
           <a:ln>
@@ -9181,32 +6018,13 @@
           </a:bodyPr>
           <a:lstStyle/>
           <a:p>
-            <a:pPr marL="0" marR="0" indent="0" algn="l" defTabSz="914400" rtl="0" eaLnBrk="0" fontAlgn="base" latinLnBrk="0" hangingPunct="0">
-              <a:lnSpc>
-                <a:spcPct val="100000"/>
-              </a:lnSpc>
-              <a:spcBef>
-                <a:spcPct val="30000"/>
-              </a:spcBef>
-              <a:spcAft>
-                <a:spcPct val="0"/>
-              </a:spcAft>
-              <a:buClrTx/>
-              <a:buSzTx/>
-              <a:buFontTx/>
-              <a:buNone/>
-              <a:tabLst/>
+            <a:pPr defTabSz="922172">
               <a:defRPr/>
             </a:pPr>
             <a:r>
-              <a:rPr lang="en-US" dirty="0" smtClean="0"/>
-              <a:t>Have you ever had to deal with spaghetti</a:t>
-            </a:r>
-            <a:r>
-              <a:rPr lang="en-US" baseline="0" dirty="0" smtClean="0"/>
-              <a:t> code, either your own or someone else’s?</a:t>
-            </a:r>
-            <a:endParaRPr lang="en-US" dirty="0" smtClean="0"/>
+              <a:rPr lang="en-US" sz="2000" dirty="0"/>
+              <a:t>Have you ever had to deal with spaghetti code, either your own or someone else’s?</a:t>
+            </a:r>
           </a:p>
           <a:p>
             <a:endParaRPr lang="en-US" dirty="0" smtClean="0"/>
@@ -9290,8 +6108,8 @@
         </p:nvSpPr>
         <p:spPr bwMode="auto">
           <a:xfrm>
-            <a:off x="1181100" y="696913"/>
-            <a:ext cx="4648200" cy="3486150"/>
+            <a:off x="1179513" y="704850"/>
+            <a:ext cx="4694237" cy="3521075"/>
           </a:xfrm>
           <a:noFill/>
           <a:ln>
@@ -9326,23 +6144,18 @@
           <a:lstStyle/>
           <a:p>
             <a:r>
-              <a:rPr lang="en-US" dirty="0" smtClean="0"/>
-              <a:t>Have you ever inherited Legacy</a:t>
-            </a:r>
-            <a:r>
-              <a:rPr lang="en-US" baseline="0" dirty="0" smtClean="0"/>
-              <a:t> Code?  </a:t>
-            </a:r>
-          </a:p>
-          <a:p>
-            <a:r>
-              <a:rPr lang="en-US" baseline="0" dirty="0" smtClean="0"/>
+              <a:rPr lang="en-US" sz="2000" dirty="0"/>
+              <a:t>Have you ever inherited Legacy Code?  </a:t>
+            </a:r>
+          </a:p>
+          <a:p>
+            <a:r>
+              <a:rPr lang="en-US" sz="2000" dirty="0"/>
               <a:t>Every company has that one legacy application that gets passed around from new guy to new guy because nobody wants to maintain it.</a:t>
             </a:r>
-            <a:endParaRPr lang="en-US" dirty="0" smtClean="0"/>
-          </a:p>
-          <a:p>
-            <a:endParaRPr lang="en-US" sz="1200" dirty="0" smtClean="0"/>
+          </a:p>
+          <a:p>
+            <a:endParaRPr lang="en-US" dirty="0"/>
           </a:p>
         </p:txBody>
       </p:sp>
@@ -9423,8 +6236,8 @@
         </p:nvSpPr>
         <p:spPr bwMode="auto">
           <a:xfrm>
-            <a:off x="1181100" y="696913"/>
-            <a:ext cx="4648200" cy="3486150"/>
+            <a:off x="1179513" y="704850"/>
+            <a:ext cx="4694237" cy="3521075"/>
           </a:xfrm>
           <a:noFill/>
           <a:ln>
@@ -9459,25 +6272,25 @@
           <a:lstStyle/>
           <a:p>
             <a:r>
-              <a:rPr lang="en-US" sz="1200" dirty="0" smtClean="0"/>
+              <a:rPr lang="en-US" sz="2000" dirty="0"/>
               <a:t>Ever get a change request that the minute you read you realize the even though the change would require 10 minutes that the effected piece of code is touched by 10,000 other pieces of code and testing will take 6 months</a:t>
             </a:r>
           </a:p>
           <a:p>
-            <a:endParaRPr lang="en-US" sz="1200" dirty="0" smtClean="0"/>
-          </a:p>
-          <a:p>
-            <a:r>
-              <a:rPr lang="en-US" sz="1200" dirty="0" smtClean="0"/>
+            <a:endParaRPr lang="en-US" sz="2000" dirty="0"/>
+          </a:p>
+          <a:p>
+            <a:r>
+              <a:rPr lang="en-US" sz="2000" dirty="0"/>
               <a:t>Have fun explaining that to the business </a:t>
             </a:r>
             <a:r>
-              <a:rPr lang="en-US" sz="1200" dirty="0" smtClean="0">
+              <a:rPr lang="en-US" sz="2000" dirty="0">
                 <a:sym typeface="Wingdings" pitchFamily="2" charset="2"/>
               </a:rPr>
               <a:t></a:t>
             </a:r>
-            <a:endParaRPr lang="en-US" sz="1200" dirty="0" smtClean="0"/>
+            <a:endParaRPr lang="en-US" sz="2000" dirty="0"/>
           </a:p>
         </p:txBody>
       </p:sp>
@@ -9558,8 +6371,8 @@
         </p:nvSpPr>
         <p:spPr bwMode="auto">
           <a:xfrm>
-            <a:off x="1181100" y="696913"/>
-            <a:ext cx="4648200" cy="3486150"/>
+            <a:off x="1179513" y="704850"/>
+            <a:ext cx="4694237" cy="3521075"/>
           </a:xfrm>
           <a:noFill/>
           <a:ln>
@@ -9594,30 +6407,21 @@
           <a:lstStyle/>
           <a:p>
             <a:r>
-              <a:rPr lang="en-US" sz="1200" dirty="0" smtClean="0"/>
-              <a:t>If you answered</a:t>
-            </a:r>
-            <a:r>
-              <a:rPr lang="en-US" sz="1200" baseline="0" dirty="0" smtClean="0"/>
-              <a:t> “no” to all 3 questions, your are the luckiest developer in the world!</a:t>
-            </a:r>
-          </a:p>
-          <a:p>
-            <a:endParaRPr lang="en-US" sz="1200" dirty="0" smtClean="0"/>
-          </a:p>
-          <a:p>
-            <a:r>
-              <a:rPr lang="en-US" sz="1200" dirty="0" smtClean="0"/>
-              <a:t>But</a:t>
-            </a:r>
-            <a:r>
-              <a:rPr lang="en-US" sz="1200" baseline="0" dirty="0" smtClean="0"/>
-              <a:t> if you did answer “yes” to one or more of these questions then…</a:t>
-            </a:r>
-            <a:endParaRPr lang="en-US" dirty="0" smtClean="0"/>
-          </a:p>
-          <a:p>
-            <a:endParaRPr lang="en-US" sz="1200" dirty="0" smtClean="0"/>
+              <a:rPr lang="en-US" sz="2000" dirty="0"/>
+              <a:t>If you answered “no” to all 3 questions, your are the luckiest developer in the world!</a:t>
+            </a:r>
+          </a:p>
+          <a:p>
+            <a:endParaRPr lang="en-US" sz="2000" dirty="0"/>
+          </a:p>
+          <a:p>
+            <a:r>
+              <a:rPr lang="en-US" sz="2000" dirty="0"/>
+              <a:t>But if you did answer “yes” to one or more of these questions then…</a:t>
+            </a:r>
+          </a:p>
+          <a:p>
+            <a:endParaRPr lang="en-US" dirty="0"/>
           </a:p>
         </p:txBody>
       </p:sp>
@@ -9698,8 +6502,8 @@
         </p:nvSpPr>
         <p:spPr bwMode="auto">
           <a:xfrm>
-            <a:off x="1181100" y="696913"/>
-            <a:ext cx="4648200" cy="3486150"/>
+            <a:off x="1179513" y="704850"/>
+            <a:ext cx="4694237" cy="3521075"/>
           </a:xfrm>
           <a:noFill/>
           <a:ln>
@@ -9734,35 +6538,30 @@
           <a:lstStyle/>
           <a:p>
             <a:r>
-              <a:rPr lang="en-US" sz="1200" dirty="0" smtClean="0"/>
+              <a:rPr lang="en-US" sz="2000" dirty="0"/>
               <a:t>You need a way to alleviate the pain and hassle that comes with unmanageable overly complex poorly architected code</a:t>
             </a:r>
           </a:p>
           <a:p>
-            <a:endParaRPr lang="en-US" sz="1200" dirty="0" smtClean="0"/>
-          </a:p>
-          <a:p>
-            <a:r>
-              <a:rPr lang="en-US" sz="1200" dirty="0" smtClean="0"/>
-              <a:t>More importantly you need a methodology or set of practices that encourages writing better, cleaner, and more concise code…and that is Test Driven Development</a:t>
-            </a:r>
-            <a:r>
-              <a:rPr lang="en-US" sz="1200" baseline="0" dirty="0" smtClean="0"/>
-              <a:t> as well as the techniques required to implement it successfully</a:t>
-            </a:r>
-          </a:p>
-          <a:p>
-            <a:endParaRPr lang="en-US" sz="1200" baseline="0" dirty="0" smtClean="0"/>
-          </a:p>
-          <a:p>
-            <a:r>
-              <a:rPr lang="en-US" sz="1200" baseline="0" dirty="0" smtClean="0"/>
+            <a:endParaRPr lang="en-US" sz="2000" dirty="0"/>
+          </a:p>
+          <a:p>
+            <a:r>
+              <a:rPr lang="en-US" sz="2000" dirty="0"/>
+              <a:t>More importantly you need a methodology or set of practices that encourages writing better, cleaner, and more concise code…and that is Test Driven Development as well as the techniques required to implement it successfully</a:t>
+            </a:r>
+          </a:p>
+          <a:p>
+            <a:endParaRPr lang="en-US" sz="2000" dirty="0"/>
+          </a:p>
+          <a:p>
+            <a:r>
+              <a:rPr lang="en-US" sz="2000" dirty="0"/>
               <a:t>But before we talk about what TDD is lets quickly cover what it isn’t</a:t>
             </a:r>
-            <a:endParaRPr lang="en-US" sz="1200" dirty="0" smtClean="0"/>
-          </a:p>
-          <a:p>
-            <a:endParaRPr lang="en-US" sz="1200" dirty="0" smtClean="0"/>
+          </a:p>
+          <a:p>
+            <a:endParaRPr lang="en-US" dirty="0"/>
           </a:p>
         </p:txBody>
       </p:sp>
@@ -12509,7 +9308,7 @@
         </p:blipFill>
         <p:spPr bwMode="auto">
           <a:xfrm>
-            <a:off x="3638753" y="3088912"/>
+            <a:off x="6468958" y="4124081"/>
             <a:ext cx="2483494" cy="2483496"/>
           </a:xfrm>
           <a:prstGeom prst="rect">
@@ -12567,7 +9366,11 @@
           <a:p>
             <a:r>
               <a:rPr lang="en-US" dirty="0" smtClean="0"/>
-              <a:t>Types of testing</a:t>
+              <a:t>Other types </a:t>
+            </a:r>
+            <a:r>
+              <a:rPr lang="en-US" dirty="0" smtClean="0"/>
+              <a:t>of testing</a:t>
             </a:r>
             <a:endParaRPr lang="en-US" dirty="0"/>
           </a:p>
@@ -13576,8 +10379,8 @@
         </p:blipFill>
         <p:spPr bwMode="auto">
           <a:xfrm>
-            <a:off x="6379976" y="3513581"/>
-            <a:ext cx="2659148" cy="2633014"/>
+            <a:off x="2619506" y="1741931"/>
+            <a:ext cx="4617270" cy="4571892"/>
           </a:xfrm>
           <a:prstGeom prst="rect">
             <a:avLst/>
@@ -13602,8 +10405,8 @@
         </p:nvSpPr>
         <p:spPr>
           <a:xfrm>
-            <a:off x="6258226" y="3368611"/>
-            <a:ext cx="2879754" cy="2926269"/>
+            <a:off x="2263140" y="1802996"/>
+            <a:ext cx="5370903" cy="4449762"/>
           </a:xfrm>
           <a:prstGeom prst="noSmoking">
             <a:avLst>
@@ -13640,210 +10443,6 @@
                 <a:schemeClr val="tx1"/>
               </a:solidFill>
             </a:endParaRPr>
-          </a:p>
-        </p:txBody>
-      </p:sp>
-      <p:sp>
-        <p:nvSpPr>
-          <p:cNvPr id="9" name="Rectangle 3"/>
-          <p:cNvSpPr txBox="1">
-            <a:spLocks noChangeArrowheads="1"/>
-          </p:cNvSpPr>
-          <p:nvPr/>
-        </p:nvSpPr>
-        <p:spPr bwMode="auto">
-          <a:xfrm>
-            <a:off x="436595" y="1809441"/>
-            <a:ext cx="9317005" cy="2902336"/>
-          </a:xfrm>
-          <a:prstGeom prst="rect">
-            <a:avLst/>
-          </a:prstGeom>
-          <a:noFill/>
-          <a:ln w="9525">
-            <a:noFill/>
-            <a:miter lim="800000"/>
-            <a:headEnd/>
-            <a:tailEnd/>
-          </a:ln>
-        </p:spPr>
-        <p:txBody>
-          <a:bodyPr vert="horz" wrap="square" lIns="96646" tIns="48323" rIns="96646" bIns="48323" numCol="1" anchor="t" anchorCtr="0" compatLnSpc="1">
-            <a:prstTxWarp prst="textNoShape">
-              <a:avLst/>
-            </a:prstTxWarp>
-          </a:bodyPr>
-          <a:lstStyle>
-            <a:lvl1pPr marL="363538" indent="-363538" algn="l" defTabSz="966788" rtl="0" eaLnBrk="1" fontAlgn="base" hangingPunct="1">
-              <a:spcBef>
-                <a:spcPct val="20000"/>
-              </a:spcBef>
-              <a:spcAft>
-                <a:spcPct val="0"/>
-              </a:spcAft>
-              <a:buChar char="•"/>
-              <a:defRPr sz="2900">
-                <a:solidFill>
-                  <a:schemeClr val="tx1"/>
-                </a:solidFill>
-                <a:latin typeface="+mn-lt"/>
-                <a:ea typeface="+mn-ea"/>
-                <a:cs typeface="+mn-cs"/>
-              </a:defRPr>
-            </a:lvl1pPr>
-            <a:lvl2pPr marL="784225" indent="-301625" algn="l" defTabSz="966788" rtl="0" eaLnBrk="1" fontAlgn="base" hangingPunct="1">
-              <a:spcBef>
-                <a:spcPct val="20000"/>
-              </a:spcBef>
-              <a:spcAft>
-                <a:spcPct val="0"/>
-              </a:spcAft>
-              <a:buChar char="–"/>
-              <a:defRPr sz="2600">
-                <a:solidFill>
-                  <a:schemeClr val="tx1"/>
-                </a:solidFill>
-                <a:latin typeface="+mn-lt"/>
-              </a:defRPr>
-            </a:lvl2pPr>
-            <a:lvl3pPr marL="1208088" indent="-241300" algn="l" defTabSz="966788" rtl="0" eaLnBrk="1" fontAlgn="base" hangingPunct="1">
-              <a:spcBef>
-                <a:spcPct val="20000"/>
-              </a:spcBef>
-              <a:spcAft>
-                <a:spcPct val="0"/>
-              </a:spcAft>
-              <a:buChar char="•"/>
-              <a:defRPr sz="2100">
-                <a:solidFill>
-                  <a:schemeClr val="tx1"/>
-                </a:solidFill>
-                <a:latin typeface="+mn-lt"/>
-              </a:defRPr>
-            </a:lvl3pPr>
-            <a:lvl4pPr marL="1689100" indent="-238125" algn="l" defTabSz="966788" rtl="0" eaLnBrk="1" fontAlgn="base" hangingPunct="1">
-              <a:spcBef>
-                <a:spcPct val="20000"/>
-              </a:spcBef>
-              <a:spcAft>
-                <a:spcPct val="0"/>
-              </a:spcAft>
-              <a:buChar char="–"/>
-              <a:defRPr sz="2100">
-                <a:solidFill>
-                  <a:schemeClr val="tx1"/>
-                </a:solidFill>
-                <a:latin typeface="+mn-lt"/>
-              </a:defRPr>
-            </a:lvl4pPr>
-            <a:lvl5pPr marL="2174875" indent="-241300" algn="l" defTabSz="966788" rtl="0" eaLnBrk="1" fontAlgn="base" hangingPunct="1">
-              <a:spcBef>
-                <a:spcPct val="20000"/>
-              </a:spcBef>
-              <a:spcAft>
-                <a:spcPct val="0"/>
-              </a:spcAft>
-              <a:buChar char="»"/>
-              <a:defRPr sz="2100">
-                <a:solidFill>
-                  <a:schemeClr val="tx1"/>
-                </a:solidFill>
-                <a:latin typeface="+mn-lt"/>
-              </a:defRPr>
-            </a:lvl5pPr>
-            <a:lvl6pPr marL="2632075" indent="-241300" algn="l" defTabSz="966788" rtl="0" eaLnBrk="1" fontAlgn="base" hangingPunct="1">
-              <a:spcBef>
-                <a:spcPct val="20000"/>
-              </a:spcBef>
-              <a:spcAft>
-                <a:spcPct val="0"/>
-              </a:spcAft>
-              <a:buChar char="»"/>
-              <a:defRPr sz="2100">
-                <a:solidFill>
-                  <a:schemeClr val="tx1"/>
-                </a:solidFill>
-                <a:latin typeface="+mn-lt"/>
-              </a:defRPr>
-            </a:lvl6pPr>
-            <a:lvl7pPr marL="3089275" indent="-241300" algn="l" defTabSz="966788" rtl="0" eaLnBrk="1" fontAlgn="base" hangingPunct="1">
-              <a:spcBef>
-                <a:spcPct val="20000"/>
-              </a:spcBef>
-              <a:spcAft>
-                <a:spcPct val="0"/>
-              </a:spcAft>
-              <a:buChar char="»"/>
-              <a:defRPr sz="2100">
-                <a:solidFill>
-                  <a:schemeClr val="tx1"/>
-                </a:solidFill>
-                <a:latin typeface="+mn-lt"/>
-              </a:defRPr>
-            </a:lvl7pPr>
-            <a:lvl8pPr marL="3546475" indent="-241300" algn="l" defTabSz="966788" rtl="0" eaLnBrk="1" fontAlgn="base" hangingPunct="1">
-              <a:spcBef>
-                <a:spcPct val="20000"/>
-              </a:spcBef>
-              <a:spcAft>
-                <a:spcPct val="0"/>
-              </a:spcAft>
-              <a:buChar char="»"/>
-              <a:defRPr sz="2100">
-                <a:solidFill>
-                  <a:schemeClr val="tx1"/>
-                </a:solidFill>
-                <a:latin typeface="+mn-lt"/>
-              </a:defRPr>
-            </a:lvl8pPr>
-            <a:lvl9pPr marL="4003675" indent="-241300" algn="l" defTabSz="966788" rtl="0" eaLnBrk="1" fontAlgn="base" hangingPunct="1">
-              <a:spcBef>
-                <a:spcPct val="20000"/>
-              </a:spcBef>
-              <a:spcAft>
-                <a:spcPct val="0"/>
-              </a:spcAft>
-              <a:buChar char="»"/>
-              <a:defRPr sz="2100">
-                <a:solidFill>
-                  <a:schemeClr val="tx1"/>
-                </a:solidFill>
-                <a:latin typeface="+mn-lt"/>
-              </a:defRPr>
-            </a:lvl9pPr>
-          </a:lstStyle>
-          <a:p>
-            <a:r>
-              <a:rPr lang="en-US" sz="2800" dirty="0"/>
-              <a:t>Automated and repeatable</a:t>
-            </a:r>
-          </a:p>
-          <a:p>
-            <a:r>
-              <a:rPr lang="en-US" sz="2800" dirty="0"/>
-              <a:t>Easy to implement</a:t>
-            </a:r>
-          </a:p>
-          <a:p>
-            <a:r>
-              <a:rPr lang="en-US" sz="2800" dirty="0"/>
-              <a:t>On demand/push of a button</a:t>
-            </a:r>
-          </a:p>
-          <a:p>
-            <a:r>
-              <a:rPr lang="en-US" sz="2800" dirty="0"/>
-              <a:t>Fast</a:t>
-            </a:r>
-          </a:p>
-          <a:p>
-            <a:r>
-              <a:rPr lang="en-US" sz="2800" dirty="0"/>
-              <a:t>Isolated</a:t>
-            </a:r>
-          </a:p>
-          <a:p>
-            <a:endParaRPr lang="en-US" sz="2400" dirty="0"/>
           </a:p>
         </p:txBody>
       </p:sp>
@@ -13918,30 +10517,21 @@
                             </p:childTnLst>
                           </p:cTn>
                         </p:par>
-                      </p:childTnLst>
-                    </p:cTn>
-                  </p:par>
-                  <p:par>
-                    <p:cTn id="8" fill="hold">
-                      <p:stCondLst>
-                        <p:cond delay="indefinite"/>
-                      </p:stCondLst>
-                      <p:childTnLst>
                         <p:par>
-                          <p:cTn id="9" fill="hold">
+                          <p:cTn id="8" fill="hold">
                             <p:stCondLst>
-                              <p:cond delay="0"/>
+                              <p:cond delay="1000"/>
                             </p:stCondLst>
                             <p:childTnLst>
                               <p:par>
-                                <p:cTn id="10" presetID="10" presetClass="entr" presetSubtype="0" fill="hold" grpId="0" nodeType="clickEffect">
+                                <p:cTn id="9" presetID="10" presetClass="entr" presetSubtype="0" fill="hold" grpId="0" nodeType="afterEffect">
                                   <p:stCondLst>
-                                    <p:cond delay="0"/>
+                                    <p:cond delay="4000"/>
                                   </p:stCondLst>
                                   <p:childTnLst>
                                     <p:set>
                                       <p:cBhvr>
-                                        <p:cTn id="11" dur="1" fill="hold">
+                                        <p:cTn id="10" dur="1" fill="hold">
                                           <p:stCondLst>
                                             <p:cond delay="0"/>
                                           </p:stCondLst>
@@ -13959,7 +10549,7 @@
                                     </p:set>
                                     <p:animEffect transition="in" filter="fade">
                                       <p:cBhvr>
-                                        <p:cTn id="12" dur="500"/>
+                                        <p:cTn id="11" dur="500"/>
                                         <p:tgtEl>
                                           <p:spTgt spid="8"/>
                                         </p:tgtEl>
@@ -18015,7 +14605,11 @@
           <a:p>
             <a:r>
               <a:rPr lang="en-US" dirty="0" smtClean="0"/>
-              <a:t>WatiN: Automated UI Testing</a:t>
+              <a:t>Selenium: </a:t>
+            </a:r>
+            <a:r>
+              <a:rPr lang="en-US" dirty="0" smtClean="0"/>
+              <a:t>Automated UI Testing</a:t>
             </a:r>
             <a:endParaRPr lang="en-US" dirty="0">
               <a:solidFill>
@@ -18058,6 +14652,47 @@
           </a:p>
         </p:txBody>
       </p:sp>
+      <p:pic>
+        <p:nvPicPr>
+          <p:cNvPr id="1026" name="Picture 2" descr="https://encrypted-tbn0.gstatic.com/images?q=tbn:ANd9GcR0_qRnoA0PM3AvmE8mzBjxz_lViWIoa7X3yQBFJFDnSDSrDNIQvQ"/>
+          <p:cNvPicPr>
+            <a:picLocks noChangeAspect="1" noChangeArrowheads="1"/>
+          </p:cNvPicPr>
+          <p:nvPr/>
+        </p:nvPicPr>
+        <p:blipFill>
+          <a:blip r:embed="rId3">
+            <a:extLst>
+              <a:ext uri="{28A0092B-C50C-407E-A947-70E740481C1C}">
+                <a14:useLocalDpi xmlns:a14="http://schemas.microsoft.com/office/drawing/2010/main" val="0"/>
+              </a:ext>
+            </a:extLst>
+          </a:blip>
+          <a:srcRect/>
+          <a:stretch>
+            <a:fillRect/>
+          </a:stretch>
+        </p:blipFill>
+        <p:spPr bwMode="auto">
+          <a:xfrm>
+            <a:off x="6351020" y="3985373"/>
+            <a:ext cx="2673452" cy="2406109"/>
+          </a:xfrm>
+          <a:prstGeom prst="rect">
+            <a:avLst/>
+          </a:prstGeom>
+          <a:noFill/>
+          <a:extLst>
+            <a:ext uri="{909E8E84-426E-40DD-AFC4-6F175D3DCCD1}">
+              <a14:hiddenFill xmlns:a14="http://schemas.microsoft.com/office/drawing/2010/main">
+                <a:solidFill>
+                  <a:srgbClr val="FFFFFF"/>
+                </a:solidFill>
+              </a14:hiddenFill>
+            </a:ext>
+          </a:extLst>
+        </p:spPr>
+      </p:pic>
     </p:spTree>
     <p:extLst>
       <p:ext uri="{BB962C8B-B14F-4D97-AF65-F5344CB8AC3E}">
@@ -18262,23 +14897,23 @@
                   <a:schemeClr val="tx1"/>
                 </a:solidFill>
               </a:rPr>
-              <a:t>Demo:</a:t>
-            </a:r>
-            <a:r>
-              <a:rPr lang="en-US" sz="4600" dirty="0" smtClean="0">
+              <a:t>Demo</a:t>
+            </a:r>
+            <a:r>
+              <a:rPr lang="en-US" sz="4600" b="1" smtClean="0">
                 <a:solidFill>
                   <a:schemeClr val="tx1"/>
                 </a:solidFill>
               </a:rPr>
-              <a:t>  </a:t>
-            </a:r>
-            <a:r>
-              <a:rPr lang="en-US" sz="4600" dirty="0" err="1" smtClean="0">
+              <a:t>:</a:t>
+            </a:r>
+            <a:r>
+              <a:rPr lang="en-US" sz="4600" smtClean="0">
                 <a:solidFill>
                   <a:schemeClr val="tx1"/>
                 </a:solidFill>
               </a:rPr>
-              <a:t>WatiN</a:t>
+              <a:t>  Selenium</a:t>
             </a:r>
             <a:endParaRPr lang="en-US" sz="4600" dirty="0">
               <a:solidFill>
@@ -19035,18 +15670,30 @@
           <a:p>
             <a:pPr lvl="1"/>
             <a:r>
-              <a:rPr lang="en-US" sz="2400" kern="0" dirty="0" err="1"/>
-              <a:t>WatiN</a:t>
+              <a:rPr lang="en-US" sz="2400" kern="0" dirty="0" smtClean="0"/>
+              <a:t>Selenium:</a:t>
             </a:r>
             <a:r>
               <a:rPr lang="en-US" sz="2400" kern="0" dirty="0"/>
-              <a:t>:		</a:t>
+              <a:t>	</a:t>
+            </a:r>
+            <a:r>
+              <a:rPr lang="en-US" sz="2400" kern="0" dirty="0" smtClean="0">
+                <a:hlinkClick r:id="rId7"/>
+              </a:rPr>
+              <a:t>http</a:t>
             </a:r>
             <a:r>
               <a:rPr lang="en-US" sz="2400" kern="0" dirty="0">
                 <a:hlinkClick r:id="rId7"/>
               </a:rPr>
-              <a:t>http://www.WatiN.com</a:t>
+              <a:t>://</a:t>
+            </a:r>
+            <a:r>
+              <a:rPr lang="en-US" sz="2400" kern="0" dirty="0" smtClean="0">
+                <a:hlinkClick r:id="rId7"/>
+              </a:rPr>
+              <a:t>www.SeleniumHq.org</a:t>
             </a:r>
             <a:endParaRPr lang="en-US" sz="2400" kern="0" dirty="0"/>
           </a:p>
@@ -21566,6 +18213,15 @@
 </file>
 
 <file path=customXml/item1.xml><?xml version="1.0" encoding="utf-8"?>
+<?mso-contentType ?>
+<FormTemplates xmlns="http://schemas.microsoft.com/sharepoint/v3/contenttype/forms">
+  <Display>DocumentLibraryForm</Display>
+  <Edit>DocumentLibraryForm</Edit>
+  <New>DocumentLibraryForm</New>
+</FormTemplates>
+</file>
+
+<file path=customXml/item2.xml><?xml version="1.0" encoding="utf-8"?>
 <p:properties xmlns:p="http://schemas.microsoft.com/office/2006/metadata/properties" xmlns:xsi="http://www.w3.org/2001/XMLSchema-instance" xmlns:pc="http://schemas.microsoft.com/office/infopath/2007/PartnerControls">
   <documentManagement>
     <Description0 xmlns="1e37aee8-73ad-441e-bced-8b530ad9291b">PowerPoint template with Microsoft Partner Network logo on it.</Description0>
@@ -21578,16 +18234,53 @@
 </p:properties>
 </file>
 
-<file path=customXml/item2.xml><?xml version="1.0" encoding="utf-8"?>
+<file path=customXml/item3.xml><?xml version="1.0" encoding="utf-8"?>
 <?mso-contentType ?>
-<FormTemplates xmlns="http://schemas.microsoft.com/sharepoint/v3/contenttype/forms">
-  <Display>DocumentLibraryForm</Display>
-  <Edit>DocumentLibraryForm</Edit>
-  <New>DocumentLibraryForm</New>
-</FormTemplates>
+<spe:Receivers xmlns:spe="http://schemas.microsoft.com/sharepoint/events">
+  <Receiver>
+    <Name>Document ID Generator</Name>
+    <Synchronization>Synchronous</Synchronization>
+    <Type>10001</Type>
+    <SequenceNumber>1000</SequenceNumber>
+    <Assembly>Microsoft.Office.DocumentManagement, Version=14.0.0.0, Culture=neutral, PublicKeyToken=71e9bce111e9429c</Assembly>
+    <Class>Microsoft.Office.DocumentManagement.Internal.DocIdHandler</Class>
+    <Data/>
+    <Filter/>
+  </Receiver>
+  <Receiver>
+    <Name>Document ID Generator</Name>
+    <Synchronization>Synchronous</Synchronization>
+    <Type>10002</Type>
+    <SequenceNumber>1001</SequenceNumber>
+    <Assembly>Microsoft.Office.DocumentManagement, Version=14.0.0.0, Culture=neutral, PublicKeyToken=71e9bce111e9429c</Assembly>
+    <Class>Microsoft.Office.DocumentManagement.Internal.DocIdHandler</Class>
+    <Data/>
+    <Filter/>
+  </Receiver>
+  <Receiver>
+    <Name>Document ID Generator</Name>
+    <Synchronization>Synchronous</Synchronization>
+    <Type>10004</Type>
+    <SequenceNumber>1002</SequenceNumber>
+    <Assembly>Microsoft.Office.DocumentManagement, Version=14.0.0.0, Culture=neutral, PublicKeyToken=71e9bce111e9429c</Assembly>
+    <Class>Microsoft.Office.DocumentManagement.Internal.DocIdHandler</Class>
+    <Data/>
+    <Filter/>
+  </Receiver>
+  <Receiver>
+    <Name>Document ID Generator</Name>
+    <Synchronization>Synchronous</Synchronization>
+    <Type>10006</Type>
+    <SequenceNumber>1003</SequenceNumber>
+    <Assembly>Microsoft.Office.DocumentManagement, Version=14.0.0.0, Culture=neutral, PublicKeyToken=71e9bce111e9429c</Assembly>
+    <Class>Microsoft.Office.DocumentManagement.Internal.DocIdHandler</Class>
+    <Data/>
+    <Filter/>
+  </Receiver>
+</spe:Receivers>
 </file>
 
-<file path=customXml/item3.xml><?xml version="1.0" encoding="utf-8"?>
+<file path=customXml/item4.xml><?xml version="1.0" encoding="utf-8"?>
 <ct:contentTypeSchema xmlns:ct="http://schemas.microsoft.com/office/2006/metadata/contentType" xmlns:ma="http://schemas.microsoft.com/office/2006/metadata/properties/metaAttributes" ct:_="" ma:_="" ma:contentTypeName="Document" ma:contentTypeID="0x0101004D2E750987EE2543B234B3A674D6BE3D" ma:contentTypeVersion="105" ma:contentTypeDescription="Create a new document." ma:contentTypeScope="" ma:versionID="62fa037737ae31885dcb260bd5c7d1f2">
   <xsd:schema xmlns:xsd="http://www.w3.org/2001/XMLSchema" xmlns:xs="http://www.w3.org/2001/XMLSchema" xmlns:p="http://schemas.microsoft.com/office/2006/metadata/properties" xmlns:ns2="1e37aee8-73ad-441e-bced-8b530ad9291b" xmlns:ns3="52ad97b0-86c1-49b5-b544-c488bf38e7c0" targetNamespace="http://schemas.microsoft.com/office/2006/metadata/properties" ma:root="true" ma:fieldsID="ce0d2501b4c25830d7e1734de94951c7" ns2:_="" ns3:_="">
     <xsd:import namespace="1e37aee8-73ad-441e-bced-8b530ad9291b"/>
@@ -21745,70 +18438,7 @@
 </ct:contentTypeSchema>
 </file>
 
-<file path=customXml/item4.xml><?xml version="1.0" encoding="utf-8"?>
-<?mso-contentType ?>
-<spe:Receivers xmlns:spe="http://schemas.microsoft.com/sharepoint/events">
-  <Receiver>
-    <Name>Document ID Generator</Name>
-    <Synchronization>Synchronous</Synchronization>
-    <Type>10001</Type>
-    <SequenceNumber>1000</SequenceNumber>
-    <Assembly>Microsoft.Office.DocumentManagement, Version=14.0.0.0, Culture=neutral, PublicKeyToken=71e9bce111e9429c</Assembly>
-    <Class>Microsoft.Office.DocumentManagement.Internal.DocIdHandler</Class>
-    <Data/>
-    <Filter/>
-  </Receiver>
-  <Receiver>
-    <Name>Document ID Generator</Name>
-    <Synchronization>Synchronous</Synchronization>
-    <Type>10002</Type>
-    <SequenceNumber>1001</SequenceNumber>
-    <Assembly>Microsoft.Office.DocumentManagement, Version=14.0.0.0, Culture=neutral, PublicKeyToken=71e9bce111e9429c</Assembly>
-    <Class>Microsoft.Office.DocumentManagement.Internal.DocIdHandler</Class>
-    <Data/>
-    <Filter/>
-  </Receiver>
-  <Receiver>
-    <Name>Document ID Generator</Name>
-    <Synchronization>Synchronous</Synchronization>
-    <Type>10004</Type>
-    <SequenceNumber>1002</SequenceNumber>
-    <Assembly>Microsoft.Office.DocumentManagement, Version=14.0.0.0, Culture=neutral, PublicKeyToken=71e9bce111e9429c</Assembly>
-    <Class>Microsoft.Office.DocumentManagement.Internal.DocIdHandler</Class>
-    <Data/>
-    <Filter/>
-  </Receiver>
-  <Receiver>
-    <Name>Document ID Generator</Name>
-    <Synchronization>Synchronous</Synchronization>
-    <Type>10006</Type>
-    <SequenceNumber>1003</SequenceNumber>
-    <Assembly>Microsoft.Office.DocumentManagement, Version=14.0.0.0, Culture=neutral, PublicKeyToken=71e9bce111e9429c</Assembly>
-    <Class>Microsoft.Office.DocumentManagement.Internal.DocIdHandler</Class>
-    <Data/>
-    <Filter/>
-  </Receiver>
-</spe:Receivers>
-</file>
-
 <file path=customXml/itemProps1.xml><?xml version="1.0" encoding="utf-8"?>
-<ds:datastoreItem xmlns:ds="http://schemas.openxmlformats.org/officeDocument/2006/customXml" ds:itemID="{9F5040E5-4564-49C1-9147-56F1700A1C56}">
-  <ds:schemaRefs>
-    <ds:schemaRef ds:uri="http://schemas.microsoft.com/office/2006/documentManagement/types"/>
-    <ds:schemaRef ds:uri="http://www.w3.org/XML/1998/namespace"/>
-    <ds:schemaRef ds:uri="1e37aee8-73ad-441e-bced-8b530ad9291b"/>
-    <ds:schemaRef ds:uri="http://purl.org/dc/elements/1.1/"/>
-    <ds:schemaRef ds:uri="http://schemas.microsoft.com/office/2006/metadata/properties"/>
-    <ds:schemaRef ds:uri="http://schemas.microsoft.com/office/infopath/2007/PartnerControls"/>
-    <ds:schemaRef ds:uri="http://purl.org/dc/dcmitype/"/>
-    <ds:schemaRef ds:uri="http://purl.org/dc/terms/"/>
-    <ds:schemaRef ds:uri="52ad97b0-86c1-49b5-b544-c488bf38e7c0"/>
-    <ds:schemaRef ds:uri="http://schemas.openxmlformats.org/package/2006/metadata/core-properties"/>
-  </ds:schemaRefs>
-</ds:datastoreItem>
-</file>
-
-<file path=customXml/itemProps2.xml><?xml version="1.0" encoding="utf-8"?>
 <ds:datastoreItem xmlns:ds="http://schemas.openxmlformats.org/officeDocument/2006/customXml" ds:itemID="{B6DBE1C9-0895-41F8-89A3-98DC40E912B0}">
   <ds:schemaRefs>
     <ds:schemaRef ds:uri="http://schemas.microsoft.com/sharepoint/v3/contenttype/forms"/>
@@ -21816,7 +18446,32 @@
 </ds:datastoreItem>
 </file>
 
+<file path=customXml/itemProps2.xml><?xml version="1.0" encoding="utf-8"?>
+<ds:datastoreItem xmlns:ds="http://schemas.openxmlformats.org/officeDocument/2006/customXml" ds:itemID="{9F5040E5-4564-49C1-9147-56F1700A1C56}">
+  <ds:schemaRefs>
+    <ds:schemaRef ds:uri="http://schemas.microsoft.com/office/2006/documentManagement/types"/>
+    <ds:schemaRef ds:uri="http://purl.org/dc/elements/1.1/"/>
+    <ds:schemaRef ds:uri="http://purl.org/dc/dcmitype/"/>
+    <ds:schemaRef ds:uri="http://schemas.microsoft.com/office/infopath/2007/PartnerControls"/>
+    <ds:schemaRef ds:uri="http://schemas.microsoft.com/office/2006/metadata/properties"/>
+    <ds:schemaRef ds:uri="1e37aee8-73ad-441e-bced-8b530ad9291b"/>
+    <ds:schemaRef ds:uri="52ad97b0-86c1-49b5-b544-c488bf38e7c0"/>
+    <ds:schemaRef ds:uri="http://schemas.openxmlformats.org/package/2006/metadata/core-properties"/>
+    <ds:schemaRef ds:uri="http://www.w3.org/XML/1998/namespace"/>
+    <ds:schemaRef ds:uri="http://purl.org/dc/terms/"/>
+  </ds:schemaRefs>
+</ds:datastoreItem>
+</file>
+
 <file path=customXml/itemProps3.xml><?xml version="1.0" encoding="utf-8"?>
+<ds:datastoreItem xmlns:ds="http://schemas.openxmlformats.org/officeDocument/2006/customXml" ds:itemID="{0068A067-F354-4585-8169-FC99DA836E1C}">
+  <ds:schemaRefs>
+    <ds:schemaRef ds:uri="http://schemas.microsoft.com/sharepoint/events"/>
+  </ds:schemaRefs>
+</ds:datastoreItem>
+</file>
+
+<file path=customXml/itemProps4.xml><?xml version="1.0" encoding="utf-8"?>
 <ds:datastoreItem xmlns:ds="http://schemas.openxmlformats.org/officeDocument/2006/customXml" ds:itemID="{B03FC495-EB61-4A2C-B8E7-345CEB92DF9F}">
   <ds:schemaRefs>
     <ds:schemaRef ds:uri="http://schemas.microsoft.com/office/2006/metadata/contentType"/>
@@ -21833,12 +18488,4 @@
     <ds:schemaRef ds:uri="http://schemas.microsoft.com/internal/obd"/>
   </ds:schemaRefs>
 </ds:datastoreItem>
-</file>
-
-<file path=customXml/itemProps4.xml><?xml version="1.0" encoding="utf-8"?>
-<ds:datastoreItem xmlns:ds="http://schemas.openxmlformats.org/officeDocument/2006/customXml" ds:itemID="{0068A067-F354-4585-8169-FC99DA836E1C}">
-  <ds:schemaRefs>
-    <ds:schemaRef ds:uri="http://schemas.microsoft.com/sharepoint/events"/>
-  </ds:schemaRefs>
-</ds:datastoreItem>
 </file>
--- a/TestDrivingASP.NETMVC.pptx
+++ b/TestDrivingASP.NETMVC.pptx
@@ -5,45 +5,46 @@
     <p:sldMasterId id="2147483721" r:id="rId5"/>
   </p:sldMasterIdLst>
   <p:notesMasterIdLst>
-    <p:notesMasterId r:id="rId39"/>
+    <p:notesMasterId r:id="rId40"/>
   </p:notesMasterIdLst>
   <p:handoutMasterIdLst>
-    <p:handoutMasterId r:id="rId40"/>
+    <p:handoutMasterId r:id="rId41"/>
   </p:handoutMasterIdLst>
   <p:sldIdLst>
-    <p:sldId id="259" r:id="rId6"/>
-    <p:sldId id="261" r:id="rId7"/>
-    <p:sldId id="262" r:id="rId8"/>
-    <p:sldId id="312" r:id="rId9"/>
-    <p:sldId id="313" r:id="rId10"/>
-    <p:sldId id="314" r:id="rId11"/>
-    <p:sldId id="315" r:id="rId12"/>
-    <p:sldId id="316" r:id="rId13"/>
-    <p:sldId id="317" r:id="rId14"/>
-    <p:sldId id="304" r:id="rId15"/>
-    <p:sldId id="294" r:id="rId16"/>
-    <p:sldId id="311" r:id="rId17"/>
-    <p:sldId id="319" r:id="rId18"/>
-    <p:sldId id="373" r:id="rId19"/>
-    <p:sldId id="374" r:id="rId20"/>
-    <p:sldId id="375" r:id="rId21"/>
-    <p:sldId id="376" r:id="rId22"/>
-    <p:sldId id="377" r:id="rId23"/>
-    <p:sldId id="333" r:id="rId24"/>
-    <p:sldId id="329" r:id="rId25"/>
-    <p:sldId id="378" r:id="rId26"/>
-    <p:sldId id="379" r:id="rId27"/>
-    <p:sldId id="358" r:id="rId28"/>
-    <p:sldId id="368" r:id="rId29"/>
-    <p:sldId id="366" r:id="rId30"/>
-    <p:sldId id="370" r:id="rId31"/>
-    <p:sldId id="367" r:id="rId32"/>
-    <p:sldId id="361" r:id="rId33"/>
-    <p:sldId id="363" r:id="rId34"/>
-    <p:sldId id="356" r:id="rId35"/>
-    <p:sldId id="360" r:id="rId36"/>
-    <p:sldId id="371" r:id="rId37"/>
-    <p:sldId id="372" r:id="rId38"/>
+    <p:sldId id="380" r:id="rId6"/>
+    <p:sldId id="259" r:id="rId7"/>
+    <p:sldId id="261" r:id="rId8"/>
+    <p:sldId id="262" r:id="rId9"/>
+    <p:sldId id="312" r:id="rId10"/>
+    <p:sldId id="313" r:id="rId11"/>
+    <p:sldId id="314" r:id="rId12"/>
+    <p:sldId id="315" r:id="rId13"/>
+    <p:sldId id="316" r:id="rId14"/>
+    <p:sldId id="317" r:id="rId15"/>
+    <p:sldId id="304" r:id="rId16"/>
+    <p:sldId id="294" r:id="rId17"/>
+    <p:sldId id="311" r:id="rId18"/>
+    <p:sldId id="319" r:id="rId19"/>
+    <p:sldId id="373" r:id="rId20"/>
+    <p:sldId id="374" r:id="rId21"/>
+    <p:sldId id="375" r:id="rId22"/>
+    <p:sldId id="376" r:id="rId23"/>
+    <p:sldId id="377" r:id="rId24"/>
+    <p:sldId id="333" r:id="rId25"/>
+    <p:sldId id="329" r:id="rId26"/>
+    <p:sldId id="378" r:id="rId27"/>
+    <p:sldId id="379" r:id="rId28"/>
+    <p:sldId id="358" r:id="rId29"/>
+    <p:sldId id="368" r:id="rId30"/>
+    <p:sldId id="366" r:id="rId31"/>
+    <p:sldId id="370" r:id="rId32"/>
+    <p:sldId id="367" r:id="rId33"/>
+    <p:sldId id="361" r:id="rId34"/>
+    <p:sldId id="363" r:id="rId35"/>
+    <p:sldId id="356" r:id="rId36"/>
+    <p:sldId id="360" r:id="rId37"/>
+    <p:sldId id="371" r:id="rId38"/>
+    <p:sldId id="372" r:id="rId39"/>
   </p:sldIdLst>
   <p:sldSz cx="9753600" cy="7315200"/>
   <p:notesSz cx="7053263" cy="9393238"/>
@@ -4203,7 +4204,7 @@
               <a:pPr>
                 <a:defRPr/>
               </a:pPr>
-              <a:t>4/26/2013</a:t>
+              <a:t>4/27/2013</a:t>
             </a:fld>
             <a:endParaRPr lang="en-US"/>
           </a:p>
@@ -4588,7 +4589,7 @@
               <a:pPr>
                 <a:defRPr/>
               </a:pPr>
-              <a:t>1</a:t>
+              <a:t>2</a:t>
             </a:fld>
             <a:endParaRPr lang="en-US"/>
           </a:p>
@@ -4840,7 +4841,7 @@
             <a:fld id="{8613F8E0-6A7A-4971-8A19-8FA42BA75AEC}" type="slidenum">
               <a:rPr lang="en-US" smtClean="0"/>
               <a:pPr/>
-              <a:t>10</a:t>
+              <a:t>11</a:t>
             </a:fld>
             <a:endParaRPr lang="en-US" smtClean="0"/>
           </a:p>
@@ -5034,7 +5035,7 @@
             <a:fld id="{8613F8E0-6A7A-4971-8A19-8FA42BA75AEC}" type="slidenum">
               <a:rPr lang="en-US" smtClean="0"/>
               <a:pPr/>
-              <a:t>11</a:t>
+              <a:t>12</a:t>
             </a:fld>
             <a:endParaRPr lang="en-US" smtClean="0"/>
           </a:p>
@@ -5207,7 +5208,7 @@
             <a:fld id="{8613F8E0-6A7A-4971-8A19-8FA42BA75AEC}" type="slidenum">
               <a:rPr lang="en-US" smtClean="0"/>
               <a:pPr/>
-              <a:t>12</a:t>
+              <a:t>13</a:t>
             </a:fld>
             <a:endParaRPr lang="en-US" smtClean="0"/>
           </a:p>
@@ -5287,7 +5288,7 @@
             <a:prstTxWarp prst="textNoShape">
               <a:avLst/>
             </a:prstTxWarp>
-            <a:normAutofit fontScale="85000" lnSpcReduction="20000"/>
+            <a:normAutofit fontScale="77500" lnSpcReduction="20000"/>
           </a:bodyPr>
           <a:lstStyle/>
           <a:p>
@@ -5498,7 +5499,7 @@
             <a:fld id="{8613F8E0-6A7A-4971-8A19-8FA42BA75AEC}" type="slidenum">
               <a:rPr lang="en-US" smtClean="0"/>
               <a:pPr/>
-              <a:t>13</a:t>
+              <a:t>14</a:t>
             </a:fld>
             <a:endParaRPr lang="en-US" smtClean="0"/>
           </a:p>
@@ -5695,7 +5696,7 @@
             <a:fld id="{8613F8E0-6A7A-4971-8A19-8FA42BA75AEC}" type="slidenum">
               <a:rPr lang="en-US" smtClean="0"/>
               <a:pPr/>
-              <a:t>14</a:t>
+              <a:t>15</a:t>
             </a:fld>
             <a:endParaRPr lang="en-US" smtClean="0"/>
           </a:p>
@@ -5775,7 +5776,7 @@
             <a:prstTxWarp prst="textNoShape">
               <a:avLst/>
             </a:prstTxWarp>
-            <a:normAutofit fontScale="40000" lnSpcReduction="20000"/>
+            <a:normAutofit/>
           </a:bodyPr>
           <a:lstStyle/>
           <a:p>
@@ -5844,7 +5845,7 @@
             <a:fld id="{8613F8E0-6A7A-4971-8A19-8FA42BA75AEC}" type="slidenum">
               <a:rPr lang="en-US" smtClean="0"/>
               <a:pPr/>
-              <a:t>15</a:t>
+              <a:t>16</a:t>
             </a:fld>
             <a:endParaRPr lang="en-US" smtClean="0"/>
           </a:p>
@@ -5924,7 +5925,7 @@
             <a:prstTxWarp prst="textNoShape">
               <a:avLst/>
             </a:prstTxWarp>
-            <a:normAutofit fontScale="47500" lnSpcReduction="20000"/>
+            <a:normAutofit/>
           </a:bodyPr>
           <a:lstStyle/>
           <a:p>
@@ -5996,7 +5997,7 @@
             <a:fld id="{8613F8E0-6A7A-4971-8A19-8FA42BA75AEC}" type="slidenum">
               <a:rPr lang="en-US" smtClean="0"/>
               <a:pPr/>
-              <a:t>16</a:t>
+              <a:t>17</a:t>
             </a:fld>
             <a:endParaRPr lang="en-US" smtClean="0"/>
           </a:p>
@@ -6076,7 +6077,7 @@
             <a:prstTxWarp prst="textNoShape">
               <a:avLst/>
             </a:prstTxWarp>
-            <a:normAutofit fontScale="62500" lnSpcReduction="20000"/>
+            <a:normAutofit/>
           </a:bodyPr>
           <a:lstStyle/>
           <a:p>
@@ -6215,7 +6216,7 @@
             <a:fld id="{8613F8E0-6A7A-4971-8A19-8FA42BA75AEC}" type="slidenum">
               <a:rPr lang="en-US" smtClean="0"/>
               <a:pPr/>
-              <a:t>17</a:t>
+              <a:t>18</a:t>
             </a:fld>
             <a:endParaRPr lang="en-US" smtClean="0"/>
           </a:p>
@@ -6295,7 +6296,7 @@
             <a:prstTxWarp prst="textNoShape">
               <a:avLst/>
             </a:prstTxWarp>
-            <a:normAutofit fontScale="85000" lnSpcReduction="10000"/>
+            <a:normAutofit fontScale="85000" lnSpcReduction="20000"/>
           </a:bodyPr>
           <a:lstStyle/>
           <a:p>
@@ -6447,7 +6448,7 @@
             <a:fld id="{8613F8E0-6A7A-4971-8A19-8FA42BA75AEC}" type="slidenum">
               <a:rPr lang="en-US" smtClean="0"/>
               <a:pPr/>
-              <a:t>18</a:t>
+              <a:t>19</a:t>
             </a:fld>
             <a:endParaRPr lang="en-US" smtClean="0"/>
           </a:p>
@@ -6617,7 +6618,7 @@
             <a:fld id="{8613F8E0-6A7A-4971-8A19-8FA42BA75AEC}" type="slidenum">
               <a:rPr lang="en-US" smtClean="0"/>
               <a:pPr/>
-              <a:t>19</a:t>
+              <a:t>20</a:t>
             </a:fld>
             <a:endParaRPr lang="en-US" smtClean="0"/>
           </a:p>
@@ -6816,7 +6817,7 @@
             <a:fld id="{8613F8E0-6A7A-4971-8A19-8FA42BA75AEC}" type="slidenum">
               <a:rPr lang="en-US" smtClean="0"/>
               <a:pPr/>
-              <a:t>2</a:t>
+              <a:t>3</a:t>
             </a:fld>
             <a:endParaRPr lang="en-US" smtClean="0"/>
           </a:p>
@@ -6965,7 +6966,7 @@
             <a:fld id="{8613F8E0-6A7A-4971-8A19-8FA42BA75AEC}" type="slidenum">
               <a:rPr lang="en-US" smtClean="0"/>
               <a:pPr/>
-              <a:t>20</a:t>
+              <a:t>21</a:t>
             </a:fld>
             <a:endParaRPr lang="en-US" smtClean="0"/>
           </a:p>
@@ -7128,15 +7129,7 @@
             </a:pPr>
             <a:r>
               <a:rPr lang="en-US" dirty="0" smtClean="0"/>
-              <a:t>Is the act </a:t>
-            </a:r>
-            <a:r>
-              <a:rPr lang="en-US" dirty="0" smtClean="0"/>
-              <a:t>of “injecting” the dependency’s </a:t>
-            </a:r>
-            <a:r>
-              <a:rPr lang="en-US" dirty="0" smtClean="0"/>
-              <a:t>that</a:t>
+              <a:t>Is the act of “injecting” the dependency’s that</a:t>
             </a:r>
             <a:r>
               <a:rPr lang="en-US" baseline="0" dirty="0" smtClean="0"/>
@@ -7144,11 +7137,7 @@
             </a:r>
             <a:r>
               <a:rPr lang="en-US" dirty="0" smtClean="0"/>
-              <a:t> </a:t>
-            </a:r>
-            <a:r>
-              <a:rPr lang="en-US" dirty="0" smtClean="0"/>
-              <a:t>class needs.</a:t>
+              <a:t> class needs.</a:t>
             </a:r>
           </a:p>
           <a:p>
@@ -7175,7 +7164,6 @@
               <a:rPr lang="en-US" dirty="0" smtClean="0"/>
               <a:t>Constructors</a:t>
             </a:r>
-            <a:endParaRPr lang="en-US" dirty="0" smtClean="0"/>
           </a:p>
           <a:p>
             <a:pPr marL="1200150" lvl="2" indent="-285750" algn="l">
@@ -7234,7 +7222,7 @@
             <a:fld id="{8613F8E0-6A7A-4971-8A19-8FA42BA75AEC}" type="slidenum">
               <a:rPr lang="en-US" smtClean="0"/>
               <a:pPr/>
-              <a:t>21</a:t>
+              <a:t>22</a:t>
             </a:fld>
             <a:endParaRPr lang="en-US" smtClean="0"/>
           </a:p>
@@ -7342,11 +7330,7 @@
             </a:pPr>
             <a:r>
               <a:rPr lang="en-US" dirty="0" smtClean="0"/>
-              <a:t>Separation </a:t>
-            </a:r>
-            <a:r>
-              <a:rPr lang="en-US" dirty="0" smtClean="0"/>
-              <a:t>of Concerns</a:t>
+              <a:t>Separation of Concerns</a:t>
             </a:r>
           </a:p>
           <a:p>
@@ -7445,7 +7429,7 @@
             <a:fld id="{8613F8E0-6A7A-4971-8A19-8FA42BA75AEC}" type="slidenum">
               <a:rPr lang="en-US" smtClean="0"/>
               <a:pPr/>
-              <a:t>22</a:t>
+              <a:t>23</a:t>
             </a:fld>
             <a:endParaRPr lang="en-US" smtClean="0"/>
           </a:p>
@@ -7651,7 +7635,7 @@
             <a:fld id="{8613F8E0-6A7A-4971-8A19-8FA42BA75AEC}" type="slidenum">
               <a:rPr lang="en-US" smtClean="0"/>
               <a:pPr/>
-              <a:t>23</a:t>
+              <a:t>24</a:t>
             </a:fld>
             <a:endParaRPr lang="en-US" smtClean="0"/>
           </a:p>
@@ -7955,7 +7939,7 @@
             <a:fld id="{8613F8E0-6A7A-4971-8A19-8FA42BA75AEC}" type="slidenum">
               <a:rPr lang="en-US" smtClean="0"/>
               <a:pPr/>
-              <a:t>24</a:t>
+              <a:t>25</a:t>
             </a:fld>
             <a:endParaRPr lang="en-US" smtClean="0"/>
           </a:p>
@@ -8214,7 +8198,7 @@
             <a:fld id="{8613F8E0-6A7A-4971-8A19-8FA42BA75AEC}" type="slidenum">
               <a:rPr lang="en-US" smtClean="0"/>
               <a:pPr/>
-              <a:t>25</a:t>
+              <a:t>26</a:t>
             </a:fld>
             <a:endParaRPr lang="en-US" smtClean="0"/>
           </a:p>
@@ -8389,7 +8373,7 @@
             <a:fld id="{8613F8E0-6A7A-4971-8A19-8FA42BA75AEC}" type="slidenum">
               <a:rPr lang="en-US" smtClean="0"/>
               <a:pPr/>
-              <a:t>26</a:t>
+              <a:t>27</a:t>
             </a:fld>
             <a:endParaRPr lang="en-US" smtClean="0"/>
           </a:p>
@@ -8850,7 +8834,7 @@
             <a:fld id="{8613F8E0-6A7A-4971-8A19-8FA42BA75AEC}" type="slidenum">
               <a:rPr lang="en-US" smtClean="0"/>
               <a:pPr/>
-              <a:t>27</a:t>
+              <a:t>28</a:t>
             </a:fld>
             <a:endParaRPr lang="en-US" smtClean="0"/>
           </a:p>
@@ -9069,7 +9053,7 @@
             <a:fld id="{8613F8E0-6A7A-4971-8A19-8FA42BA75AEC}" type="slidenum">
               <a:rPr lang="en-US" smtClean="0"/>
               <a:pPr/>
-              <a:t>28</a:t>
+              <a:t>29</a:t>
             </a:fld>
             <a:endParaRPr lang="en-US" smtClean="0"/>
           </a:p>
@@ -9650,7 +9634,7 @@
             <a:fld id="{8613F8E0-6A7A-4971-8A19-8FA42BA75AEC}" type="slidenum">
               <a:rPr lang="en-US" smtClean="0"/>
               <a:pPr/>
-              <a:t>29</a:t>
+              <a:t>30</a:t>
             </a:fld>
             <a:endParaRPr lang="en-US" smtClean="0"/>
           </a:p>
@@ -9883,7 +9867,7 @@
             <a:fld id="{8613F8E0-6A7A-4971-8A19-8FA42BA75AEC}" type="slidenum">
               <a:rPr lang="en-US" smtClean="0"/>
               <a:pPr/>
-              <a:t>3</a:t>
+              <a:t>4</a:t>
             </a:fld>
             <a:endParaRPr lang="en-US" smtClean="0"/>
           </a:p>
@@ -10088,7 +10072,7 @@
             <a:fld id="{8613F8E0-6A7A-4971-8A19-8FA42BA75AEC}" type="slidenum">
               <a:rPr lang="en-US" smtClean="0"/>
               <a:pPr/>
-              <a:t>30</a:t>
+              <a:t>31</a:t>
             </a:fld>
             <a:endParaRPr lang="en-US" smtClean="0"/>
           </a:p>
@@ -10618,7 +10602,7 @@
             <a:fld id="{8613F8E0-6A7A-4971-8A19-8FA42BA75AEC}" type="slidenum">
               <a:rPr lang="en-US" smtClean="0"/>
               <a:pPr/>
-              <a:t>31</a:t>
+              <a:t>32</a:t>
             </a:fld>
             <a:endParaRPr lang="en-US" smtClean="0"/>
           </a:p>
@@ -10818,7 +10802,7 @@
             <a:fld id="{8613F8E0-6A7A-4971-8A19-8FA42BA75AEC}" type="slidenum">
               <a:rPr lang="en-US" smtClean="0"/>
               <a:pPr/>
-              <a:t>32</a:t>
+              <a:t>33</a:t>
             </a:fld>
             <a:endParaRPr lang="en-US" smtClean="0"/>
           </a:p>
@@ -10939,7 +10923,7 @@
             <a:fld id="{8613F8E0-6A7A-4971-8A19-8FA42BA75AEC}" type="slidenum">
               <a:rPr lang="en-US" smtClean="0"/>
               <a:pPr/>
-              <a:t>33</a:t>
+              <a:t>34</a:t>
             </a:fld>
             <a:endParaRPr lang="en-US" smtClean="0"/>
           </a:p>
@@ -11072,7 +11056,7 @@
             <a:fld id="{8613F8E0-6A7A-4971-8A19-8FA42BA75AEC}" type="slidenum">
               <a:rPr lang="en-US" smtClean="0"/>
               <a:pPr/>
-              <a:t>4</a:t>
+              <a:t>5</a:t>
             </a:fld>
             <a:endParaRPr lang="en-US" smtClean="0"/>
           </a:p>
@@ -11197,7 +11181,7 @@
             <a:fld id="{8613F8E0-6A7A-4971-8A19-8FA42BA75AEC}" type="slidenum">
               <a:rPr lang="en-US" smtClean="0"/>
               <a:pPr/>
-              <a:t>5</a:t>
+              <a:t>6</a:t>
             </a:fld>
             <a:endParaRPr lang="en-US" smtClean="0"/>
           </a:p>
@@ -11325,7 +11309,7 @@
             <a:fld id="{8613F8E0-6A7A-4971-8A19-8FA42BA75AEC}" type="slidenum">
               <a:rPr lang="en-US" smtClean="0"/>
               <a:pPr/>
-              <a:t>6</a:t>
+              <a:t>7</a:t>
             </a:fld>
             <a:endParaRPr lang="en-US" smtClean="0"/>
           </a:p>
@@ -11460,7 +11444,7 @@
             <a:fld id="{8613F8E0-6A7A-4971-8A19-8FA42BA75AEC}" type="slidenum">
               <a:rPr lang="en-US" smtClean="0"/>
               <a:pPr/>
-              <a:t>7</a:t>
+              <a:t>8</a:t>
             </a:fld>
             <a:endParaRPr lang="en-US" smtClean="0"/>
           </a:p>
@@ -11591,7 +11575,7 @@
             <a:fld id="{8613F8E0-6A7A-4971-8A19-8FA42BA75AEC}" type="slidenum">
               <a:rPr lang="en-US" smtClean="0"/>
               <a:pPr/>
-              <a:t>8</a:t>
+              <a:t>9</a:t>
             </a:fld>
             <a:endParaRPr lang="en-US" smtClean="0"/>
           </a:p>
@@ -11731,7 +11715,7 @@
             <a:fld id="{8613F8E0-6A7A-4971-8A19-8FA42BA75AEC}" type="slidenum">
               <a:rPr lang="en-US" smtClean="0"/>
               <a:pPr/>
-              <a:t>9</a:t>
+              <a:t>10</a:t>
             </a:fld>
             <a:endParaRPr lang="en-US" smtClean="0"/>
           </a:p>
@@ -14248,213 +14232,72 @@
       </p:grpSpPr>
       <p:sp>
         <p:nvSpPr>
-          <p:cNvPr id="7" name="Rectangle 3"/>
-          <p:cNvSpPr txBox="1">
-            <a:spLocks noChangeArrowheads="1"/>
+          <p:cNvPr id="2" name="Title 1"/>
+          <p:cNvSpPr>
+            <a:spLocks noGrp="1"/>
           </p:cNvSpPr>
+          <p:nvPr>
+            <p:ph type="title"/>
+          </p:nvPr>
+        </p:nvSpPr>
+        <p:spPr/>
+        <p:txBody>
+          <a:bodyPr/>
+          <a:lstStyle/>
+          <a:p>
+            <a:endParaRPr lang="en-US"/>
+          </a:p>
+        </p:txBody>
+      </p:sp>
+      <p:sp>
+        <p:nvSpPr>
+          <p:cNvPr id="3" name="Content Placeholder 2"/>
+          <p:cNvSpPr>
+            <a:spLocks noGrp="1"/>
+          </p:cNvSpPr>
+          <p:nvPr>
+            <p:ph idx="1"/>
+          </p:nvPr>
+        </p:nvSpPr>
+        <p:spPr/>
+        <p:txBody>
+          <a:bodyPr/>
+          <a:lstStyle/>
+          <a:p>
+            <a:endParaRPr lang="en-US"/>
+          </a:p>
+        </p:txBody>
+      </p:sp>
+      <p:pic>
+        <p:nvPicPr>
+          <p:cNvPr id="5" name="Picture 4"/>
+          <p:cNvPicPr>
+            <a:picLocks noChangeAspect="1"/>
+          </p:cNvPicPr>
           <p:nvPr/>
-        </p:nvSpPr>
-        <p:spPr bwMode="auto">
+        </p:nvPicPr>
+        <p:blipFill>
+          <a:blip r:embed="rId2"/>
+          <a:stretch>
+            <a:fillRect/>
+          </a:stretch>
+        </p:blipFill>
+        <p:spPr>
           <a:xfrm>
-            <a:off x="-220122" y="1835995"/>
-            <a:ext cx="9172574" cy="979487"/>
+            <a:off x="-1628775" y="0"/>
+            <a:ext cx="13011150" cy="7315200"/>
           </a:xfrm>
           <a:prstGeom prst="rect">
             <a:avLst/>
           </a:prstGeom>
-          <a:noFill/>
-          <a:ln w="9525">
-            <a:noFill/>
-            <a:miter lim="800000"/>
-            <a:headEnd/>
-            <a:tailEnd/>
-          </a:ln>
-          <a:extLst>
-            <a:ext uri="{AF507438-7753-43E0-B8FC-AC1667EBCBE1}">
-              <a14:hiddenEffects xmlns:a14="http://schemas.microsoft.com/office/drawing/2010/main">
-                <a:effectLst>
-                  <a:outerShdw blurRad="292100" dist="35921" dir="2700000" algn="ctr" rotWithShape="0">
-                    <a:schemeClr val="tx1"/>
-                  </a:outerShdw>
-                </a:effectLst>
-              </a14:hiddenEffects>
-            </a:ext>
-          </a:extLst>
-        </p:spPr>
-        <p:txBody>
-          <a:bodyPr vert="horz" wrap="square" lIns="96646" tIns="48323" rIns="96646" bIns="48323" numCol="1" anchor="ctr" anchorCtr="0" compatLnSpc="1">
-            <a:prstTxWarp prst="textNoShape">
-              <a:avLst/>
-            </a:prstTxWarp>
-          </a:bodyPr>
-          <a:lstStyle>
-            <a:lvl1pPr algn="l" defTabSz="966788" rtl="0" eaLnBrk="1" fontAlgn="base" hangingPunct="1">
-              <a:spcBef>
-                <a:spcPct val="0"/>
-              </a:spcBef>
-              <a:spcAft>
-                <a:spcPct val="0"/>
-              </a:spcAft>
-              <a:defRPr sz="3400">
-                <a:solidFill>
-                  <a:srgbClr val="0066CC"/>
-                </a:solidFill>
-                <a:latin typeface="+mj-lt"/>
-                <a:ea typeface="+mj-ea"/>
-                <a:cs typeface="+mj-cs"/>
-              </a:defRPr>
-            </a:lvl1pPr>
-            <a:lvl2pPr algn="l" defTabSz="966788" rtl="0" eaLnBrk="1" fontAlgn="base" hangingPunct="1">
-              <a:spcBef>
-                <a:spcPct val="0"/>
-              </a:spcBef>
-              <a:spcAft>
-                <a:spcPct val="0"/>
-              </a:spcAft>
-              <a:defRPr sz="3400">
-                <a:solidFill>
-                  <a:srgbClr val="0066CC"/>
-                </a:solidFill>
-                <a:latin typeface="Arial" charset="0"/>
-              </a:defRPr>
-            </a:lvl2pPr>
-            <a:lvl3pPr algn="l" defTabSz="966788" rtl="0" eaLnBrk="1" fontAlgn="base" hangingPunct="1">
-              <a:spcBef>
-                <a:spcPct val="0"/>
-              </a:spcBef>
-              <a:spcAft>
-                <a:spcPct val="0"/>
-              </a:spcAft>
-              <a:defRPr sz="3400">
-                <a:solidFill>
-                  <a:srgbClr val="0066CC"/>
-                </a:solidFill>
-                <a:latin typeface="Arial" charset="0"/>
-              </a:defRPr>
-            </a:lvl3pPr>
-            <a:lvl4pPr algn="l" defTabSz="966788" rtl="0" eaLnBrk="1" fontAlgn="base" hangingPunct="1">
-              <a:spcBef>
-                <a:spcPct val="0"/>
-              </a:spcBef>
-              <a:spcAft>
-                <a:spcPct val="0"/>
-              </a:spcAft>
-              <a:defRPr sz="3400">
-                <a:solidFill>
-                  <a:srgbClr val="0066CC"/>
-                </a:solidFill>
-                <a:latin typeface="Arial" charset="0"/>
-              </a:defRPr>
-            </a:lvl4pPr>
-            <a:lvl5pPr algn="l" defTabSz="966788" rtl="0" eaLnBrk="1" fontAlgn="base" hangingPunct="1">
-              <a:spcBef>
-                <a:spcPct val="0"/>
-              </a:spcBef>
-              <a:spcAft>
-                <a:spcPct val="0"/>
-              </a:spcAft>
-              <a:defRPr sz="3400">
-                <a:solidFill>
-                  <a:srgbClr val="0066CC"/>
-                </a:solidFill>
-                <a:latin typeface="Arial" charset="0"/>
-              </a:defRPr>
-            </a:lvl5pPr>
-            <a:lvl6pPr marL="457200" algn="l" defTabSz="966788" rtl="0" eaLnBrk="1" fontAlgn="base" hangingPunct="1">
-              <a:spcBef>
-                <a:spcPct val="0"/>
-              </a:spcBef>
-              <a:spcAft>
-                <a:spcPct val="0"/>
-              </a:spcAft>
-              <a:defRPr sz="3400">
-                <a:solidFill>
-                  <a:srgbClr val="0066CC"/>
-                </a:solidFill>
-                <a:latin typeface="Arial" charset="0"/>
-              </a:defRPr>
-            </a:lvl6pPr>
-            <a:lvl7pPr marL="914400" algn="l" defTabSz="966788" rtl="0" eaLnBrk="1" fontAlgn="base" hangingPunct="1">
-              <a:spcBef>
-                <a:spcPct val="0"/>
-              </a:spcBef>
-              <a:spcAft>
-                <a:spcPct val="0"/>
-              </a:spcAft>
-              <a:defRPr sz="3400">
-                <a:solidFill>
-                  <a:srgbClr val="0066CC"/>
-                </a:solidFill>
-                <a:latin typeface="Arial" charset="0"/>
-              </a:defRPr>
-            </a:lvl7pPr>
-            <a:lvl8pPr marL="1371600" algn="l" defTabSz="966788" rtl="0" eaLnBrk="1" fontAlgn="base" hangingPunct="1">
-              <a:spcBef>
-                <a:spcPct val="0"/>
-              </a:spcBef>
-              <a:spcAft>
-                <a:spcPct val="0"/>
-              </a:spcAft>
-              <a:defRPr sz="3400">
-                <a:solidFill>
-                  <a:srgbClr val="0066CC"/>
-                </a:solidFill>
-                <a:latin typeface="Arial" charset="0"/>
-              </a:defRPr>
-            </a:lvl8pPr>
-            <a:lvl9pPr marL="1828800" algn="l" defTabSz="966788" rtl="0" eaLnBrk="1" fontAlgn="base" hangingPunct="1">
-              <a:spcBef>
-                <a:spcPct val="0"/>
-              </a:spcBef>
-              <a:spcAft>
-                <a:spcPct val="0"/>
-              </a:spcAft>
-              <a:defRPr sz="3400">
-                <a:solidFill>
-                  <a:srgbClr val="0066CC"/>
-                </a:solidFill>
-                <a:latin typeface="Arial" charset="0"/>
-              </a:defRPr>
-            </a:lvl9pPr>
-          </a:lstStyle>
-          <a:p>
-            <a:pPr algn="r">
-              <a:defRPr/>
-            </a:pPr>
-            <a:r>
-              <a:rPr lang="en-US" sz="5400" dirty="0"/>
-              <a:t>Test Driving ASP.NET MVC</a:t>
-            </a:r>
-          </a:p>
-        </p:txBody>
-      </p:sp>
-      <p:pic>
-        <p:nvPicPr>
-          <p:cNvPr id="4" name="Picture 2" descr="http://t2.gstatic.com/images?q=tbn:ANd9GcSpaWRjj-wFNzXAis6AWfFrw34sUXv8gOzqj2D2VVmC3H4cBsIH"/>
-          <p:cNvPicPr>
-            <a:picLocks noChangeAspect="1" noChangeArrowheads="1"/>
-          </p:cNvPicPr>
-          <p:nvPr/>
-        </p:nvPicPr>
-        <p:blipFill>
-          <a:blip r:embed="rId3" cstate="print"/>
-          <a:srcRect/>
-          <a:stretch>
-            <a:fillRect/>
-          </a:stretch>
-        </p:blipFill>
-        <p:spPr bwMode="auto">
-          <a:xfrm>
-            <a:off x="6468958" y="4124081"/>
-            <a:ext cx="2483494" cy="2483496"/>
-          </a:xfrm>
-          <a:prstGeom prst="rect">
-            <a:avLst/>
-          </a:prstGeom>
-          <a:noFill/>
         </p:spPr>
       </p:pic>
     </p:spTree>
+    <p:extLst>
+      <p:ext uri="{BB962C8B-B14F-4D97-AF65-F5344CB8AC3E}">
+        <p14:creationId xmlns:p14="http://schemas.microsoft.com/office/powerpoint/2010/main" val="769507750"/>
+      </p:ext>
+    </p:extLst>
   </p:cSld>
   <p:clrMapOvr>
     <a:masterClrMapping/>
@@ -14470,6 +14313,209 @@
 </file>
 
 <file path=ppt/slides/slide10.xml><?xml version="1.0" encoding="utf-8"?>
+<p:sld xmlns:a="http://schemas.openxmlformats.org/drawingml/2006/main" xmlns:r="http://schemas.openxmlformats.org/officeDocument/2006/relationships" xmlns:p="http://schemas.openxmlformats.org/presentationml/2006/main">
+  <p:cSld>
+    <p:spTree>
+      <p:nvGrpSpPr>
+        <p:cNvPr id="1" name=""/>
+        <p:cNvGrpSpPr/>
+        <p:nvPr/>
+      </p:nvGrpSpPr>
+      <p:grpSpPr>
+        <a:xfrm>
+          <a:off x="0" y="0"/>
+          <a:ext cx="0" cy="0"/>
+          <a:chOff x="0" y="0"/>
+          <a:chExt cx="0" cy="0"/>
+        </a:xfrm>
+      </p:grpSpPr>
+      <p:pic>
+        <p:nvPicPr>
+          <p:cNvPr id="7170" name="Picture 2" descr="http://www.tugberkugurlu.com/Content/images/Uploadedbyauthors/wlw/1934ffeb460c_FB47/you-need-some-tests-yo.jpg"/>
+          <p:cNvPicPr>
+            <a:picLocks noChangeAspect="1" noChangeArrowheads="1"/>
+          </p:cNvPicPr>
+          <p:nvPr/>
+        </p:nvPicPr>
+        <p:blipFill>
+          <a:blip r:embed="rId3">
+            <a:extLst>
+              <a:ext uri="{28A0092B-C50C-407E-A947-70E740481C1C}">
+                <a14:useLocalDpi xmlns:a14="http://schemas.microsoft.com/office/drawing/2010/main" val="0"/>
+              </a:ext>
+            </a:extLst>
+          </a:blip>
+          <a:srcRect/>
+          <a:stretch>
+            <a:fillRect/>
+          </a:stretch>
+        </p:blipFill>
+        <p:spPr bwMode="auto">
+          <a:xfrm>
+            <a:off x="2000365" y="1103096"/>
+            <a:ext cx="5572125" cy="4179094"/>
+          </a:xfrm>
+          <a:prstGeom prst="rect">
+            <a:avLst/>
+          </a:prstGeom>
+          <a:noFill/>
+          <a:extLst>
+            <a:ext uri="{909E8E84-426E-40DD-AFC4-6F175D3DCCD1}">
+              <a14:hiddenFill xmlns:a14="http://schemas.microsoft.com/office/drawing/2010/main">
+                <a:solidFill>
+                  <a:srgbClr val="FFFFFF"/>
+                </a:solidFill>
+              </a14:hiddenFill>
+            </a:ext>
+          </a:extLst>
+        </p:spPr>
+      </p:pic>
+    </p:spTree>
+    <p:extLst>
+      <p:ext uri="{BB962C8B-B14F-4D97-AF65-F5344CB8AC3E}">
+        <p14:creationId xmlns:p14="http://schemas.microsoft.com/office/powerpoint/2010/main" val="1857054465"/>
+      </p:ext>
+    </p:extLst>
+  </p:cSld>
+  <p:clrMapOvr>
+    <a:masterClrMapping/>
+  </p:clrMapOvr>
+  <p:timing>
+    <p:tnLst>
+      <p:par>
+        <p:cTn id="1" dur="indefinite" restart="never" nodeType="tmRoot">
+          <p:childTnLst>
+            <p:seq concurrent="1" nextAc="seek">
+              <p:cTn id="2" dur="indefinite" nodeType="mainSeq">
+                <p:childTnLst>
+                  <p:par>
+                    <p:cTn id="3" fill="hold">
+                      <p:stCondLst>
+                        <p:cond delay="indefinite"/>
+                        <p:cond evt="onBegin" delay="0">
+                          <p:tn val="2"/>
+                        </p:cond>
+                      </p:stCondLst>
+                      <p:childTnLst>
+                        <p:par>
+                          <p:cTn id="4" fill="hold">
+                            <p:stCondLst>
+                              <p:cond delay="0"/>
+                            </p:stCondLst>
+                            <p:childTnLst>
+                              <p:par>
+                                <p:cTn id="5" presetID="42" presetClass="entr" presetSubtype="0" fill="hold" nodeType="afterEffect">
+                                  <p:stCondLst>
+                                    <p:cond delay="0"/>
+                                  </p:stCondLst>
+                                  <p:childTnLst>
+                                    <p:set>
+                                      <p:cBhvr>
+                                        <p:cTn id="6" dur="1" fill="hold">
+                                          <p:stCondLst>
+                                            <p:cond delay="0"/>
+                                          </p:stCondLst>
+                                        </p:cTn>
+                                        <p:tgtEl>
+                                          <p:spTgt spid="7170"/>
+                                        </p:tgtEl>
+                                        <p:attrNameLst>
+                                          <p:attrName>style.visibility</p:attrName>
+                                        </p:attrNameLst>
+                                      </p:cBhvr>
+                                      <p:to>
+                                        <p:strVal val="visible"/>
+                                      </p:to>
+                                    </p:set>
+                                    <p:animEffect transition="in" filter="fade">
+                                      <p:cBhvr>
+                                        <p:cTn id="7" dur="1000"/>
+                                        <p:tgtEl>
+                                          <p:spTgt spid="7170"/>
+                                        </p:tgtEl>
+                                      </p:cBhvr>
+                                    </p:animEffect>
+                                    <p:anim calcmode="lin" valueType="num">
+                                      <p:cBhvr>
+                                        <p:cTn id="8" dur="1000" fill="hold"/>
+                                        <p:tgtEl>
+                                          <p:spTgt spid="7170"/>
+                                        </p:tgtEl>
+                                        <p:attrNameLst>
+                                          <p:attrName>ppt_x</p:attrName>
+                                        </p:attrNameLst>
+                                      </p:cBhvr>
+                                      <p:tavLst>
+                                        <p:tav tm="0">
+                                          <p:val>
+                                            <p:strVal val="#ppt_x"/>
+                                          </p:val>
+                                        </p:tav>
+                                        <p:tav tm="100000">
+                                          <p:val>
+                                            <p:strVal val="#ppt_x"/>
+                                          </p:val>
+                                        </p:tav>
+                                      </p:tavLst>
+                                    </p:anim>
+                                    <p:anim calcmode="lin" valueType="num">
+                                      <p:cBhvr>
+                                        <p:cTn id="9" dur="1000" fill="hold"/>
+                                        <p:tgtEl>
+                                          <p:spTgt spid="7170"/>
+                                        </p:tgtEl>
+                                        <p:attrNameLst>
+                                          <p:attrName>ppt_y</p:attrName>
+                                        </p:attrNameLst>
+                                      </p:cBhvr>
+                                      <p:tavLst>
+                                        <p:tav tm="0">
+                                          <p:val>
+                                            <p:strVal val="#ppt_y+.1"/>
+                                          </p:val>
+                                        </p:tav>
+                                        <p:tav tm="100000">
+                                          <p:val>
+                                            <p:strVal val="#ppt_y"/>
+                                          </p:val>
+                                        </p:tav>
+                                      </p:tavLst>
+                                    </p:anim>
+                                  </p:childTnLst>
+                                </p:cTn>
+                              </p:par>
+                            </p:childTnLst>
+                          </p:cTn>
+                        </p:par>
+                      </p:childTnLst>
+                    </p:cTn>
+                  </p:par>
+                </p:childTnLst>
+              </p:cTn>
+              <p:prevCondLst>
+                <p:cond evt="onPrev" delay="0">
+                  <p:tgtEl>
+                    <p:sldTgt/>
+                  </p:tgtEl>
+                </p:cond>
+              </p:prevCondLst>
+              <p:nextCondLst>
+                <p:cond evt="onNext" delay="0">
+                  <p:tgtEl>
+                    <p:sldTgt/>
+                  </p:tgtEl>
+                </p:cond>
+              </p:nextCondLst>
+            </p:seq>
+          </p:childTnLst>
+        </p:cTn>
+      </p:par>
+    </p:tnLst>
+  </p:timing>
+</p:sld>
+</file>
+
+<file path=ppt/slides/slide11.xml><?xml version="1.0" encoding="utf-8"?>
 <p:sld xmlns:a="http://schemas.openxmlformats.org/drawingml/2006/main" xmlns:r="http://schemas.openxmlformats.org/officeDocument/2006/relationships" xmlns:p="http://schemas.openxmlformats.org/presentationml/2006/main">
   <p:cSld>
     <p:spTree>
@@ -14825,7 +14871,7 @@
 </p:sld>
 </file>
 
-<file path=ppt/slides/slide11.xml><?xml version="1.0" encoding="utf-8"?>
+<file path=ppt/slides/slide12.xml><?xml version="1.0" encoding="utf-8"?>
 <p:sld xmlns:a="http://schemas.openxmlformats.org/drawingml/2006/main" xmlns:r="http://schemas.openxmlformats.org/officeDocument/2006/relationships" xmlns:p="http://schemas.openxmlformats.org/presentationml/2006/main">
   <p:cSld>
     <p:spTree>
@@ -15188,7 +15234,7 @@
 </p:sld>
 </file>
 
-<file path=ppt/slides/slide12.xml><?xml version="1.0" encoding="utf-8"?>
+<file path=ppt/slides/slide13.xml><?xml version="1.0" encoding="utf-8"?>
 <p:sld xmlns:a="http://schemas.openxmlformats.org/drawingml/2006/main" xmlns:r="http://schemas.openxmlformats.org/officeDocument/2006/relationships" xmlns:p="http://schemas.openxmlformats.org/presentationml/2006/main">
   <p:cSld>
     <p:spTree>
@@ -15230,11 +15276,7 @@
             </a:pPr>
             <a:r>
               <a:rPr lang="en-US" dirty="0" smtClean="0"/>
-              <a:t>Key to </a:t>
-            </a:r>
-            <a:r>
-              <a:rPr lang="en-US" dirty="0" smtClean="0"/>
-              <a:t>TDD</a:t>
+              <a:t>Key to TDD</a:t>
             </a:r>
           </a:p>
         </p:txBody>
@@ -15379,7 +15421,7 @@
 </p:sld>
 </file>
 
-<file path=ppt/slides/slide13.xml><?xml version="1.0" encoding="utf-8"?>
+<file path=ppt/slides/slide14.xml><?xml version="1.0" encoding="utf-8"?>
 <p:sld xmlns:a="http://schemas.openxmlformats.org/drawingml/2006/main" xmlns:r="http://schemas.openxmlformats.org/officeDocument/2006/relationships" xmlns:p="http://schemas.openxmlformats.org/presentationml/2006/main">
   <p:cSld>
     <p:spTree>
@@ -15672,7 +15714,7 @@
 </p:sld>
 </file>
 
-<file path=ppt/slides/slide14.xml><?xml version="1.0" encoding="utf-8"?>
+<file path=ppt/slides/slide15.xml><?xml version="1.0" encoding="utf-8"?>
 <p:sld xmlns:a="http://schemas.openxmlformats.org/drawingml/2006/main" xmlns:r="http://schemas.openxmlformats.org/officeDocument/2006/relationships" xmlns:p="http://schemas.openxmlformats.org/presentationml/2006/main">
   <p:cSld>
     <p:spTree>
@@ -15716,7 +15758,6 @@
               <a:rPr lang="en-US" dirty="0" smtClean="0"/>
               <a:t>Single Responsibility</a:t>
             </a:r>
-            <a:endParaRPr lang="en-US" dirty="0" smtClean="0"/>
           </a:p>
         </p:txBody>
       </p:sp>
@@ -15748,100 +15789,6 @@
     <p:extLst>
       <p:ext uri="{BB962C8B-B14F-4D97-AF65-F5344CB8AC3E}">
         <p14:creationId xmlns:p14="http://schemas.microsoft.com/office/powerpoint/2010/main" val="31745386"/>
-      </p:ext>
-    </p:extLst>
-  </p:cSld>
-  <p:clrMapOvr>
-    <a:masterClrMapping/>
-  </p:clrMapOvr>
-  <p:timing>
-    <p:tnLst>
-      <p:par>
-        <p:cTn id="1" dur="indefinite" restart="never" nodeType="tmRoot"/>
-      </p:par>
-    </p:tnLst>
-  </p:timing>
-</p:sld>
-</file>
-
-<file path=ppt/slides/slide15.xml><?xml version="1.0" encoding="utf-8"?>
-<p:sld xmlns:a="http://schemas.openxmlformats.org/drawingml/2006/main" xmlns:r="http://schemas.openxmlformats.org/officeDocument/2006/relationships" xmlns:p="http://schemas.openxmlformats.org/presentationml/2006/main">
-  <p:cSld>
-    <p:spTree>
-      <p:nvGrpSpPr>
-        <p:cNvPr id="1" name=""/>
-        <p:cNvGrpSpPr/>
-        <p:nvPr/>
-      </p:nvGrpSpPr>
-      <p:grpSpPr>
-        <a:xfrm>
-          <a:off x="0" y="0"/>
-          <a:ext cx="0" cy="0"/>
-          <a:chOff x="0" y="0"/>
-          <a:chExt cx="0" cy="0"/>
-        </a:xfrm>
-      </p:grpSpPr>
-      <p:sp>
-        <p:nvSpPr>
-          <p:cNvPr id="17" name="Rectangle 2"/>
-          <p:cNvSpPr>
-            <a:spLocks noGrp="1" noChangeArrowheads="1"/>
-          </p:cNvSpPr>
-          <p:nvPr>
-            <p:ph type="title"/>
-          </p:nvPr>
-        </p:nvSpPr>
-        <p:spPr>
-          <a:xfrm>
-            <a:off x="530579" y="392875"/>
-            <a:ext cx="7369175" cy="941388"/>
-          </a:xfrm>
-        </p:spPr>
-        <p:txBody>
-          <a:bodyPr>
-            <a:normAutofit fontScale="90000"/>
-          </a:bodyPr>
-          <a:lstStyle/>
-          <a:p>
-            <a:pPr>
-              <a:defRPr/>
-            </a:pPr>
-            <a:r>
-              <a:rPr lang="en-US" dirty="0" smtClean="0"/>
-              <a:t>Interfaces Not Implementations</a:t>
-            </a:r>
-            <a:endParaRPr lang="en-US" dirty="0" smtClean="0"/>
-          </a:p>
-        </p:txBody>
-      </p:sp>
-      <p:pic>
-        <p:nvPicPr>
-          <p:cNvPr id="3" name="Picture 2"/>
-          <p:cNvPicPr>
-            <a:picLocks noChangeAspect="1"/>
-          </p:cNvPicPr>
-          <p:nvPr/>
-        </p:nvPicPr>
-        <p:blipFill>
-          <a:blip r:embed="rId3"/>
-          <a:stretch>
-            <a:fillRect/>
-          </a:stretch>
-        </p:blipFill>
-        <p:spPr>
-          <a:xfrm>
-            <a:off x="4641011" y="3894934"/>
-            <a:ext cx="4167007" cy="1887279"/>
-          </a:xfrm>
-          <a:prstGeom prst="rect">
-            <a:avLst/>
-          </a:prstGeom>
-        </p:spPr>
-      </p:pic>
-    </p:spTree>
-    <p:extLst>
-      <p:ext uri="{BB962C8B-B14F-4D97-AF65-F5344CB8AC3E}">
-        <p14:creationId xmlns:p14="http://schemas.microsoft.com/office/powerpoint/2010/main" val="2088452067"/>
       </p:ext>
     </p:extLst>
   </p:cSld>
@@ -15893,7 +15840,7 @@
         </p:spPr>
         <p:txBody>
           <a:bodyPr>
-            <a:normAutofit/>
+            <a:normAutofit fontScale="90000"/>
           </a:bodyPr>
           <a:lstStyle/>
           <a:p>
@@ -15902,15 +15849,14 @@
             </a:pPr>
             <a:r>
               <a:rPr lang="en-US" dirty="0" smtClean="0"/>
-              <a:t>Depend on Abstractions</a:t>
-            </a:r>
-            <a:endParaRPr lang="en-US" dirty="0" smtClean="0"/>
+              <a:t>Interfaces Not Implementations</a:t>
+            </a:r>
           </a:p>
         </p:txBody>
       </p:sp>
       <p:pic>
         <p:nvPicPr>
-          <p:cNvPr id="2" name="Picture 1"/>
+          <p:cNvPr id="3" name="Picture 2"/>
           <p:cNvPicPr>
             <a:picLocks noChangeAspect="1"/>
           </p:cNvPicPr>
@@ -15924,8 +15870,8 @@
         </p:blipFill>
         <p:spPr>
           <a:xfrm>
-            <a:off x="6494154" y="4154468"/>
-            <a:ext cx="2286198" cy="1973751"/>
+            <a:off x="4641011" y="3894934"/>
+            <a:ext cx="4167007" cy="1887279"/>
           </a:xfrm>
           <a:prstGeom prst="rect">
             <a:avLst/>
@@ -15935,7 +15881,7 @@
     </p:spTree>
     <p:extLst>
       <p:ext uri="{BB962C8B-B14F-4D97-AF65-F5344CB8AC3E}">
-        <p14:creationId xmlns:p14="http://schemas.microsoft.com/office/powerpoint/2010/main" val="715347770"/>
+        <p14:creationId xmlns:p14="http://schemas.microsoft.com/office/powerpoint/2010/main" val="2088452067"/>
       </p:ext>
     </p:extLst>
   </p:cSld>
@@ -15995,6 +15941,99 @@
               <a:defRPr/>
             </a:pPr>
             <a:r>
+              <a:rPr lang="en-US" dirty="0" smtClean="0"/>
+              <a:t>Depend on Abstractions</a:t>
+            </a:r>
+          </a:p>
+        </p:txBody>
+      </p:sp>
+      <p:pic>
+        <p:nvPicPr>
+          <p:cNvPr id="2" name="Picture 1"/>
+          <p:cNvPicPr>
+            <a:picLocks noChangeAspect="1"/>
+          </p:cNvPicPr>
+          <p:nvPr/>
+        </p:nvPicPr>
+        <p:blipFill>
+          <a:blip r:embed="rId3"/>
+          <a:stretch>
+            <a:fillRect/>
+          </a:stretch>
+        </p:blipFill>
+        <p:spPr>
+          <a:xfrm>
+            <a:off x="6494154" y="4154468"/>
+            <a:ext cx="2286198" cy="1973751"/>
+          </a:xfrm>
+          <a:prstGeom prst="rect">
+            <a:avLst/>
+          </a:prstGeom>
+        </p:spPr>
+      </p:pic>
+    </p:spTree>
+    <p:extLst>
+      <p:ext uri="{BB962C8B-B14F-4D97-AF65-F5344CB8AC3E}">
+        <p14:creationId xmlns:p14="http://schemas.microsoft.com/office/powerpoint/2010/main" val="715347770"/>
+      </p:ext>
+    </p:extLst>
+  </p:cSld>
+  <p:clrMapOvr>
+    <a:masterClrMapping/>
+  </p:clrMapOvr>
+  <p:timing>
+    <p:tnLst>
+      <p:par>
+        <p:cTn id="1" dur="indefinite" restart="never" nodeType="tmRoot"/>
+      </p:par>
+    </p:tnLst>
+  </p:timing>
+</p:sld>
+</file>
+
+<file path=ppt/slides/slide18.xml><?xml version="1.0" encoding="utf-8"?>
+<p:sld xmlns:a="http://schemas.openxmlformats.org/drawingml/2006/main" xmlns:r="http://schemas.openxmlformats.org/officeDocument/2006/relationships" xmlns:p="http://schemas.openxmlformats.org/presentationml/2006/main">
+  <p:cSld>
+    <p:spTree>
+      <p:nvGrpSpPr>
+        <p:cNvPr id="1" name=""/>
+        <p:cNvGrpSpPr/>
+        <p:nvPr/>
+      </p:nvGrpSpPr>
+      <p:grpSpPr>
+        <a:xfrm>
+          <a:off x="0" y="0"/>
+          <a:ext cx="0" cy="0"/>
+          <a:chOff x="0" y="0"/>
+          <a:chExt cx="0" cy="0"/>
+        </a:xfrm>
+      </p:grpSpPr>
+      <p:sp>
+        <p:nvSpPr>
+          <p:cNvPr id="17" name="Rectangle 2"/>
+          <p:cNvSpPr>
+            <a:spLocks noGrp="1" noChangeArrowheads="1"/>
+          </p:cNvSpPr>
+          <p:nvPr>
+            <p:ph type="title"/>
+          </p:nvPr>
+        </p:nvSpPr>
+        <p:spPr>
+          <a:xfrm>
+            <a:off x="530579" y="392875"/>
+            <a:ext cx="7369175" cy="941388"/>
+          </a:xfrm>
+        </p:spPr>
+        <p:txBody>
+          <a:bodyPr>
+            <a:normAutofit/>
+          </a:bodyPr>
+          <a:lstStyle/>
+          <a:p>
+            <a:pPr>
+              <a:defRPr/>
+            </a:pPr>
+            <a:r>
               <a:rPr lang="en-US" dirty="0" smtClean="0">
                 <a:solidFill>
                   <a:srgbClr val="FF0000"/>
@@ -16018,7 +16057,6 @@
               <a:rPr lang="en-US" dirty="0" smtClean="0"/>
               <a:t>-Refactor</a:t>
             </a:r>
-            <a:endParaRPr lang="en-US" dirty="0" smtClean="0"/>
           </a:p>
         </p:txBody>
       </p:sp>
@@ -16104,7 +16142,7 @@
 </p:sld>
 </file>
 
-<file path=ppt/slides/slide18.xml><?xml version="1.0" encoding="utf-8"?>
+<file path=ppt/slides/slide19.xml><?xml version="1.0" encoding="utf-8"?>
 <p:sld xmlns:a="http://schemas.openxmlformats.org/drawingml/2006/main" xmlns:r="http://schemas.openxmlformats.org/officeDocument/2006/relationships" xmlns:p="http://schemas.openxmlformats.org/presentationml/2006/main">
   <p:cSld>
     <p:spTree>
@@ -16150,7 +16188,6 @@
               <a:rPr lang="en-US" dirty="0" smtClean="0"/>
               <a:t>Arrange-Act-Assert</a:t>
             </a:r>
-            <a:endParaRPr lang="en-US" dirty="0" smtClean="0"/>
           </a:p>
         </p:txBody>
       </p:sp>
@@ -16198,7 +16235,247 @@
 </p:sld>
 </file>
 
-<file path=ppt/slides/slide19.xml><?xml version="1.0" encoding="utf-8"?>
+<file path=ppt/slides/slide2.xml><?xml version="1.0" encoding="utf-8"?>
+<p:sld xmlns:a="http://schemas.openxmlformats.org/drawingml/2006/main" xmlns:r="http://schemas.openxmlformats.org/officeDocument/2006/relationships" xmlns:p="http://schemas.openxmlformats.org/presentationml/2006/main">
+  <p:cSld>
+    <p:spTree>
+      <p:nvGrpSpPr>
+        <p:cNvPr id="1" name=""/>
+        <p:cNvGrpSpPr/>
+        <p:nvPr/>
+      </p:nvGrpSpPr>
+      <p:grpSpPr>
+        <a:xfrm>
+          <a:off x="0" y="0"/>
+          <a:ext cx="0" cy="0"/>
+          <a:chOff x="0" y="0"/>
+          <a:chExt cx="0" cy="0"/>
+        </a:xfrm>
+      </p:grpSpPr>
+      <p:sp>
+        <p:nvSpPr>
+          <p:cNvPr id="7" name="Rectangle 3"/>
+          <p:cNvSpPr txBox="1">
+            <a:spLocks noChangeArrowheads="1"/>
+          </p:cNvSpPr>
+          <p:nvPr/>
+        </p:nvSpPr>
+        <p:spPr bwMode="auto">
+          <a:xfrm>
+            <a:off x="-220122" y="1835995"/>
+            <a:ext cx="9172574" cy="979487"/>
+          </a:xfrm>
+          <a:prstGeom prst="rect">
+            <a:avLst/>
+          </a:prstGeom>
+          <a:noFill/>
+          <a:ln w="9525">
+            <a:noFill/>
+            <a:miter lim="800000"/>
+            <a:headEnd/>
+            <a:tailEnd/>
+          </a:ln>
+          <a:extLst>
+            <a:ext uri="{AF507438-7753-43E0-B8FC-AC1667EBCBE1}">
+              <a14:hiddenEffects xmlns:a14="http://schemas.microsoft.com/office/drawing/2010/main">
+                <a:effectLst>
+                  <a:outerShdw blurRad="292100" dist="35921" dir="2700000" algn="ctr" rotWithShape="0">
+                    <a:schemeClr val="tx1"/>
+                  </a:outerShdw>
+                </a:effectLst>
+              </a14:hiddenEffects>
+            </a:ext>
+          </a:extLst>
+        </p:spPr>
+        <p:txBody>
+          <a:bodyPr vert="horz" wrap="square" lIns="96646" tIns="48323" rIns="96646" bIns="48323" numCol="1" anchor="ctr" anchorCtr="0" compatLnSpc="1">
+            <a:prstTxWarp prst="textNoShape">
+              <a:avLst/>
+            </a:prstTxWarp>
+          </a:bodyPr>
+          <a:lstStyle>
+            <a:lvl1pPr algn="l" defTabSz="966788" rtl="0" eaLnBrk="1" fontAlgn="base" hangingPunct="1">
+              <a:spcBef>
+                <a:spcPct val="0"/>
+              </a:spcBef>
+              <a:spcAft>
+                <a:spcPct val="0"/>
+              </a:spcAft>
+              <a:defRPr sz="3400">
+                <a:solidFill>
+                  <a:srgbClr val="0066CC"/>
+                </a:solidFill>
+                <a:latin typeface="+mj-lt"/>
+                <a:ea typeface="+mj-ea"/>
+                <a:cs typeface="+mj-cs"/>
+              </a:defRPr>
+            </a:lvl1pPr>
+            <a:lvl2pPr algn="l" defTabSz="966788" rtl="0" eaLnBrk="1" fontAlgn="base" hangingPunct="1">
+              <a:spcBef>
+                <a:spcPct val="0"/>
+              </a:spcBef>
+              <a:spcAft>
+                <a:spcPct val="0"/>
+              </a:spcAft>
+              <a:defRPr sz="3400">
+                <a:solidFill>
+                  <a:srgbClr val="0066CC"/>
+                </a:solidFill>
+                <a:latin typeface="Arial" charset="0"/>
+              </a:defRPr>
+            </a:lvl2pPr>
+            <a:lvl3pPr algn="l" defTabSz="966788" rtl="0" eaLnBrk="1" fontAlgn="base" hangingPunct="1">
+              <a:spcBef>
+                <a:spcPct val="0"/>
+              </a:spcBef>
+              <a:spcAft>
+                <a:spcPct val="0"/>
+              </a:spcAft>
+              <a:defRPr sz="3400">
+                <a:solidFill>
+                  <a:srgbClr val="0066CC"/>
+                </a:solidFill>
+                <a:latin typeface="Arial" charset="0"/>
+              </a:defRPr>
+            </a:lvl3pPr>
+            <a:lvl4pPr algn="l" defTabSz="966788" rtl="0" eaLnBrk="1" fontAlgn="base" hangingPunct="1">
+              <a:spcBef>
+                <a:spcPct val="0"/>
+              </a:spcBef>
+              <a:spcAft>
+                <a:spcPct val="0"/>
+              </a:spcAft>
+              <a:defRPr sz="3400">
+                <a:solidFill>
+                  <a:srgbClr val="0066CC"/>
+                </a:solidFill>
+                <a:latin typeface="Arial" charset="0"/>
+              </a:defRPr>
+            </a:lvl4pPr>
+            <a:lvl5pPr algn="l" defTabSz="966788" rtl="0" eaLnBrk="1" fontAlgn="base" hangingPunct="1">
+              <a:spcBef>
+                <a:spcPct val="0"/>
+              </a:spcBef>
+              <a:spcAft>
+                <a:spcPct val="0"/>
+              </a:spcAft>
+              <a:defRPr sz="3400">
+                <a:solidFill>
+                  <a:srgbClr val="0066CC"/>
+                </a:solidFill>
+                <a:latin typeface="Arial" charset="0"/>
+              </a:defRPr>
+            </a:lvl5pPr>
+            <a:lvl6pPr marL="457200" algn="l" defTabSz="966788" rtl="0" eaLnBrk="1" fontAlgn="base" hangingPunct="1">
+              <a:spcBef>
+                <a:spcPct val="0"/>
+              </a:spcBef>
+              <a:spcAft>
+                <a:spcPct val="0"/>
+              </a:spcAft>
+              <a:defRPr sz="3400">
+                <a:solidFill>
+                  <a:srgbClr val="0066CC"/>
+                </a:solidFill>
+                <a:latin typeface="Arial" charset="0"/>
+              </a:defRPr>
+            </a:lvl6pPr>
+            <a:lvl7pPr marL="914400" algn="l" defTabSz="966788" rtl="0" eaLnBrk="1" fontAlgn="base" hangingPunct="1">
+              <a:spcBef>
+                <a:spcPct val="0"/>
+              </a:spcBef>
+              <a:spcAft>
+                <a:spcPct val="0"/>
+              </a:spcAft>
+              <a:defRPr sz="3400">
+                <a:solidFill>
+                  <a:srgbClr val="0066CC"/>
+                </a:solidFill>
+                <a:latin typeface="Arial" charset="0"/>
+              </a:defRPr>
+            </a:lvl7pPr>
+            <a:lvl8pPr marL="1371600" algn="l" defTabSz="966788" rtl="0" eaLnBrk="1" fontAlgn="base" hangingPunct="1">
+              <a:spcBef>
+                <a:spcPct val="0"/>
+              </a:spcBef>
+              <a:spcAft>
+                <a:spcPct val="0"/>
+              </a:spcAft>
+              <a:defRPr sz="3400">
+                <a:solidFill>
+                  <a:srgbClr val="0066CC"/>
+                </a:solidFill>
+                <a:latin typeface="Arial" charset="0"/>
+              </a:defRPr>
+            </a:lvl8pPr>
+            <a:lvl9pPr marL="1828800" algn="l" defTabSz="966788" rtl="0" eaLnBrk="1" fontAlgn="base" hangingPunct="1">
+              <a:spcBef>
+                <a:spcPct val="0"/>
+              </a:spcBef>
+              <a:spcAft>
+                <a:spcPct val="0"/>
+              </a:spcAft>
+              <a:defRPr sz="3400">
+                <a:solidFill>
+                  <a:srgbClr val="0066CC"/>
+                </a:solidFill>
+                <a:latin typeface="Arial" charset="0"/>
+              </a:defRPr>
+            </a:lvl9pPr>
+          </a:lstStyle>
+          <a:p>
+            <a:pPr algn="r">
+              <a:defRPr/>
+            </a:pPr>
+            <a:r>
+              <a:rPr lang="en-US" sz="5400" dirty="0"/>
+              <a:t>Test Driving ASP.NET MVC</a:t>
+            </a:r>
+          </a:p>
+        </p:txBody>
+      </p:sp>
+      <p:pic>
+        <p:nvPicPr>
+          <p:cNvPr id="4" name="Picture 2" descr="http://t2.gstatic.com/images?q=tbn:ANd9GcSpaWRjj-wFNzXAis6AWfFrw34sUXv8gOzqj2D2VVmC3H4cBsIH"/>
+          <p:cNvPicPr>
+            <a:picLocks noChangeAspect="1" noChangeArrowheads="1"/>
+          </p:cNvPicPr>
+          <p:nvPr/>
+        </p:nvPicPr>
+        <p:blipFill>
+          <a:blip r:embed="rId3" cstate="print"/>
+          <a:srcRect/>
+          <a:stretch>
+            <a:fillRect/>
+          </a:stretch>
+        </p:blipFill>
+        <p:spPr bwMode="auto">
+          <a:xfrm>
+            <a:off x="6468958" y="4124081"/>
+            <a:ext cx="2483494" cy="2483496"/>
+          </a:xfrm>
+          <a:prstGeom prst="rect">
+            <a:avLst/>
+          </a:prstGeom>
+          <a:noFill/>
+        </p:spPr>
+      </p:pic>
+    </p:spTree>
+  </p:cSld>
+  <p:clrMapOvr>
+    <a:masterClrMapping/>
+  </p:clrMapOvr>
+  <p:timing>
+    <p:tnLst>
+      <p:par>
+        <p:cTn id="1" dur="indefinite" restart="never" nodeType="tmRoot"/>
+      </p:par>
+    </p:tnLst>
+  </p:timing>
+</p:sld>
+</file>
+
+<file path=ppt/slides/slide20.xml><?xml version="1.0" encoding="utf-8"?>
 <p:sld xmlns:a="http://schemas.openxmlformats.org/drawingml/2006/main" xmlns:r="http://schemas.openxmlformats.org/officeDocument/2006/relationships" xmlns:p="http://schemas.openxmlformats.org/presentationml/2006/main">
   <p:cSld>
     <p:spTree>
@@ -16706,99 +16983,7 @@
 </p:sld>
 </file>
 
-<file path=ppt/slides/slide2.xml><?xml version="1.0" encoding="utf-8"?>
-<p:sld xmlns:a="http://schemas.openxmlformats.org/drawingml/2006/main" xmlns:r="http://schemas.openxmlformats.org/officeDocument/2006/relationships" xmlns:p="http://schemas.openxmlformats.org/presentationml/2006/main">
-  <p:cSld>
-    <p:spTree>
-      <p:nvGrpSpPr>
-        <p:cNvPr id="1" name=""/>
-        <p:cNvGrpSpPr/>
-        <p:nvPr/>
-      </p:nvGrpSpPr>
-      <p:grpSpPr>
-        <a:xfrm>
-          <a:off x="0" y="0"/>
-          <a:ext cx="0" cy="0"/>
-          <a:chOff x="0" y="0"/>
-          <a:chExt cx="0" cy="0"/>
-        </a:xfrm>
-      </p:grpSpPr>
-      <p:sp>
-        <p:nvSpPr>
-          <p:cNvPr id="17" name="Rectangle 2"/>
-          <p:cNvSpPr>
-            <a:spLocks noGrp="1" noChangeArrowheads="1"/>
-          </p:cNvSpPr>
-          <p:nvPr>
-            <p:ph type="title"/>
-          </p:nvPr>
-        </p:nvSpPr>
-        <p:spPr>
-          <a:xfrm>
-            <a:off x="969965" y="381000"/>
-            <a:ext cx="7369175" cy="941388"/>
-          </a:xfrm>
-        </p:spPr>
-        <p:txBody>
-          <a:bodyPr/>
-          <a:lstStyle/>
-          <a:p>
-            <a:pPr>
-              <a:defRPr/>
-            </a:pPr>
-            <a:r>
-              <a:rPr lang="en-US" dirty="0" smtClean="0"/>
-              <a:t>Little about me</a:t>
-            </a:r>
-          </a:p>
-        </p:txBody>
-      </p:sp>
-      <p:pic>
-        <p:nvPicPr>
-          <p:cNvPr id="2" name="Picture 1"/>
-          <p:cNvPicPr>
-            <a:picLocks noChangeAspect="1"/>
-          </p:cNvPicPr>
-          <p:nvPr/>
-        </p:nvPicPr>
-        <p:blipFill>
-          <a:blip r:embed="rId3">
-            <a:extLst>
-              <a:ext uri="{28A0092B-C50C-407E-A947-70E740481C1C}">
-                <a14:useLocalDpi xmlns:a14="http://schemas.microsoft.com/office/drawing/2010/main" val="0"/>
-              </a:ext>
-            </a:extLst>
-          </a:blip>
-          <a:stretch>
-            <a:fillRect/>
-          </a:stretch>
-        </p:blipFill>
-        <p:spPr>
-          <a:xfrm>
-            <a:off x="6538822" y="4310091"/>
-            <a:ext cx="2334871" cy="1956123"/>
-          </a:xfrm>
-          <a:prstGeom prst="rect">
-            <a:avLst/>
-          </a:prstGeom>
-        </p:spPr>
-      </p:pic>
-    </p:spTree>
-  </p:cSld>
-  <p:clrMapOvr>
-    <a:masterClrMapping/>
-  </p:clrMapOvr>
-  <p:timing>
-    <p:tnLst>
-      <p:par>
-        <p:cTn id="1" dur="indefinite" restart="never" nodeType="tmRoot"/>
-      </p:par>
-    </p:tnLst>
-  </p:timing>
-</p:sld>
-</file>
-
-<file path=ppt/slides/slide20.xml><?xml version="1.0" encoding="utf-8"?>
+<file path=ppt/slides/slide21.xml><?xml version="1.0" encoding="utf-8"?>
 <p:sld xmlns:a="http://schemas.openxmlformats.org/drawingml/2006/main" xmlns:r="http://schemas.openxmlformats.org/officeDocument/2006/relationships" xmlns:p="http://schemas.openxmlformats.org/presentationml/2006/main">
   <p:cSld>
     <p:spTree>
@@ -17104,7 +17289,7 @@
 </p:sld>
 </file>
 
-<file path=ppt/slides/slide21.xml><?xml version="1.0" encoding="utf-8"?>
+<file path=ppt/slides/slide22.xml><?xml version="1.0" encoding="utf-8"?>
 <p:sld xmlns:a="http://schemas.openxmlformats.org/drawingml/2006/main" xmlns:r="http://schemas.openxmlformats.org/officeDocument/2006/relationships" xmlns:p="http://schemas.openxmlformats.org/presentationml/2006/main">
   <p:cSld>
     <p:spTree>
@@ -17292,7 +17477,7 @@
 </p:sld>
 </file>
 
-<file path=ppt/slides/slide22.xml><?xml version="1.0" encoding="utf-8"?>
+<file path=ppt/slides/slide23.xml><?xml version="1.0" encoding="utf-8"?>
 <p:sld xmlns:a="http://schemas.openxmlformats.org/drawingml/2006/main" xmlns:r="http://schemas.openxmlformats.org/officeDocument/2006/relationships" xmlns:p="http://schemas.openxmlformats.org/presentationml/2006/main">
   <p:cSld>
     <p:spTree>
@@ -17757,7 +17942,7 @@
 </p:sld>
 </file>
 
-<file path=ppt/slides/slide23.xml><?xml version="1.0" encoding="utf-8"?>
+<file path=ppt/slides/slide24.xml><?xml version="1.0" encoding="utf-8"?>
 <p:sld xmlns:a="http://schemas.openxmlformats.org/drawingml/2006/main" xmlns:r="http://schemas.openxmlformats.org/officeDocument/2006/relationships" xmlns:p="http://schemas.openxmlformats.org/presentationml/2006/main">
   <p:cSld>
     <p:spTree>
@@ -18711,7 +18896,7 @@
 </p:sld>
 </file>
 
-<file path=ppt/slides/slide24.xml><?xml version="1.0" encoding="utf-8"?>
+<file path=ppt/slides/slide25.xml><?xml version="1.0" encoding="utf-8"?>
 <p:sld xmlns:a="http://schemas.openxmlformats.org/drawingml/2006/main" xmlns:r="http://schemas.openxmlformats.org/officeDocument/2006/relationships" xmlns:p="http://schemas.openxmlformats.org/presentationml/2006/main">
   <p:cSld>
     <p:spTree>
@@ -18896,7 +19081,7 @@
 </p:sld>
 </file>
 
-<file path=ppt/slides/slide25.xml><?xml version="1.0" encoding="utf-8"?>
+<file path=ppt/slides/slide26.xml><?xml version="1.0" encoding="utf-8"?>
 <p:sld xmlns:a="http://schemas.openxmlformats.org/drawingml/2006/main" xmlns:r="http://schemas.openxmlformats.org/officeDocument/2006/relationships" xmlns:p="http://schemas.openxmlformats.org/presentationml/2006/main">
   <p:cSld>
     <p:spTree>
@@ -18974,7 +19159,7 @@
 </p:sld>
 </file>
 
-<file path=ppt/slides/slide26.xml><?xml version="1.0" encoding="utf-8"?>
+<file path=ppt/slides/slide27.xml><?xml version="1.0" encoding="utf-8"?>
 <p:sld xmlns:a="http://schemas.openxmlformats.org/drawingml/2006/main" xmlns:r="http://schemas.openxmlformats.org/officeDocument/2006/relationships" xmlns:p="http://schemas.openxmlformats.org/presentationml/2006/main">
   <p:cSld>
     <p:spTree>
@@ -19224,7 +19409,7 @@
 </p:sld>
 </file>
 
-<file path=ppt/slides/slide27.xml><?xml version="1.0" encoding="utf-8"?>
+<file path=ppt/slides/slide28.xml><?xml version="1.0" encoding="utf-8"?>
 <p:sld xmlns:a="http://schemas.openxmlformats.org/drawingml/2006/main" xmlns:r="http://schemas.openxmlformats.org/officeDocument/2006/relationships" xmlns:p="http://schemas.openxmlformats.org/presentationml/2006/main">
   <p:cSld>
     <p:spTree>
@@ -19606,7 +19791,7 @@
 </p:sld>
 </file>
 
-<file path=ppt/slides/slide28.xml><?xml version="1.0" encoding="utf-8"?>
+<file path=ppt/slides/slide29.xml><?xml version="1.0" encoding="utf-8"?>
 <p:sld xmlns:a="http://schemas.openxmlformats.org/drawingml/2006/main" xmlns:r="http://schemas.openxmlformats.org/officeDocument/2006/relationships" xmlns:p="http://schemas.openxmlformats.org/presentationml/2006/main">
   <p:cSld>
     <p:spTree>
@@ -19963,7 +20148,99 @@
 </p:sld>
 </file>
 
-<file path=ppt/slides/slide29.xml><?xml version="1.0" encoding="utf-8"?>
+<file path=ppt/slides/slide3.xml><?xml version="1.0" encoding="utf-8"?>
+<p:sld xmlns:a="http://schemas.openxmlformats.org/drawingml/2006/main" xmlns:r="http://schemas.openxmlformats.org/officeDocument/2006/relationships" xmlns:p="http://schemas.openxmlformats.org/presentationml/2006/main">
+  <p:cSld>
+    <p:spTree>
+      <p:nvGrpSpPr>
+        <p:cNvPr id="1" name=""/>
+        <p:cNvGrpSpPr/>
+        <p:nvPr/>
+      </p:nvGrpSpPr>
+      <p:grpSpPr>
+        <a:xfrm>
+          <a:off x="0" y="0"/>
+          <a:ext cx="0" cy="0"/>
+          <a:chOff x="0" y="0"/>
+          <a:chExt cx="0" cy="0"/>
+        </a:xfrm>
+      </p:grpSpPr>
+      <p:sp>
+        <p:nvSpPr>
+          <p:cNvPr id="17" name="Rectangle 2"/>
+          <p:cNvSpPr>
+            <a:spLocks noGrp="1" noChangeArrowheads="1"/>
+          </p:cNvSpPr>
+          <p:nvPr>
+            <p:ph type="title"/>
+          </p:nvPr>
+        </p:nvSpPr>
+        <p:spPr>
+          <a:xfrm>
+            <a:off x="969965" y="381000"/>
+            <a:ext cx="7369175" cy="941388"/>
+          </a:xfrm>
+        </p:spPr>
+        <p:txBody>
+          <a:bodyPr/>
+          <a:lstStyle/>
+          <a:p>
+            <a:pPr>
+              <a:defRPr/>
+            </a:pPr>
+            <a:r>
+              <a:rPr lang="en-US" dirty="0" smtClean="0"/>
+              <a:t>Little about me</a:t>
+            </a:r>
+          </a:p>
+        </p:txBody>
+      </p:sp>
+      <p:pic>
+        <p:nvPicPr>
+          <p:cNvPr id="2" name="Picture 1"/>
+          <p:cNvPicPr>
+            <a:picLocks noChangeAspect="1"/>
+          </p:cNvPicPr>
+          <p:nvPr/>
+        </p:nvPicPr>
+        <p:blipFill>
+          <a:blip r:embed="rId3">
+            <a:extLst>
+              <a:ext uri="{28A0092B-C50C-407E-A947-70E740481C1C}">
+                <a14:useLocalDpi xmlns:a14="http://schemas.microsoft.com/office/drawing/2010/main" val="0"/>
+              </a:ext>
+            </a:extLst>
+          </a:blip>
+          <a:stretch>
+            <a:fillRect/>
+          </a:stretch>
+        </p:blipFill>
+        <p:spPr>
+          <a:xfrm>
+            <a:off x="6538822" y="4310091"/>
+            <a:ext cx="2334871" cy="1956123"/>
+          </a:xfrm>
+          <a:prstGeom prst="rect">
+            <a:avLst/>
+          </a:prstGeom>
+        </p:spPr>
+      </p:pic>
+    </p:spTree>
+  </p:cSld>
+  <p:clrMapOvr>
+    <a:masterClrMapping/>
+  </p:clrMapOvr>
+  <p:timing>
+    <p:tnLst>
+      <p:par>
+        <p:cTn id="1" dur="indefinite" restart="never" nodeType="tmRoot"/>
+      </p:par>
+    </p:tnLst>
+  </p:timing>
+</p:sld>
+</file>
+
+<file path=ppt/slides/slide30.xml><?xml version="1.0" encoding="utf-8"?>
 <p:sld xmlns:a="http://schemas.openxmlformats.org/drawingml/2006/main" xmlns:r="http://schemas.openxmlformats.org/officeDocument/2006/relationships" xmlns:p="http://schemas.openxmlformats.org/presentationml/2006/main">
   <p:cSld>
     <p:spTree>
@@ -20332,115 +20609,7 @@
 </p:sld>
 </file>
 
-<file path=ppt/slides/slide3.xml><?xml version="1.0" encoding="utf-8"?>
-<p:sld xmlns:a="http://schemas.openxmlformats.org/drawingml/2006/main" xmlns:r="http://schemas.openxmlformats.org/officeDocument/2006/relationships" xmlns:p="http://schemas.openxmlformats.org/presentationml/2006/main">
-  <p:cSld>
-    <p:spTree>
-      <p:nvGrpSpPr>
-        <p:cNvPr id="1" name=""/>
-        <p:cNvGrpSpPr/>
-        <p:nvPr/>
-      </p:nvGrpSpPr>
-      <p:grpSpPr>
-        <a:xfrm>
-          <a:off x="0" y="0"/>
-          <a:ext cx="0" cy="0"/>
-          <a:chOff x="0" y="0"/>
-          <a:chExt cx="0" cy="0"/>
-        </a:xfrm>
-      </p:grpSpPr>
-      <p:sp>
-        <p:nvSpPr>
-          <p:cNvPr id="6" name="Rectangle 2"/>
-          <p:cNvSpPr>
-            <a:spLocks noGrp="1" noChangeArrowheads="1"/>
-          </p:cNvSpPr>
-          <p:nvPr>
-            <p:ph type="title"/>
-          </p:nvPr>
-        </p:nvSpPr>
-        <p:spPr>
-          <a:xfrm>
-            <a:off x="978586" y="381000"/>
-            <a:ext cx="7369175" cy="941388"/>
-          </a:xfrm>
-        </p:spPr>
-        <p:txBody>
-          <a:bodyPr/>
-          <a:lstStyle/>
-          <a:p>
-            <a:pPr>
-              <a:defRPr/>
-            </a:pPr>
-            <a:r>
-              <a:rPr lang="en-US" dirty="0" smtClean="0"/>
-              <a:t>What’s on tap</a:t>
-            </a:r>
-          </a:p>
-        </p:txBody>
-      </p:sp>
-      <p:pic>
-        <p:nvPicPr>
-          <p:cNvPr id="2056" name="Picture 8" descr="http://boarsnestbrewery.com/images/RowOfTaps457x370.jpg"/>
-          <p:cNvPicPr>
-            <a:picLocks noChangeAspect="1" noChangeArrowheads="1"/>
-          </p:cNvPicPr>
-          <p:nvPr/>
-        </p:nvPicPr>
-        <p:blipFill>
-          <a:blip r:embed="rId3">
-            <a:extLst>
-              <a:ext uri="{28A0092B-C50C-407E-A947-70E740481C1C}">
-                <a14:useLocalDpi xmlns:a14="http://schemas.microsoft.com/office/drawing/2010/main" val="0"/>
-              </a:ext>
-            </a:extLst>
-          </a:blip>
-          <a:srcRect/>
-          <a:stretch>
-            <a:fillRect/>
-          </a:stretch>
-        </p:blipFill>
-        <p:spPr bwMode="auto">
-          <a:xfrm>
-            <a:off x="5055378" y="3266565"/>
-            <a:ext cx="3810000" cy="3086101"/>
-          </a:xfrm>
-          <a:prstGeom prst="rect">
-            <a:avLst/>
-          </a:prstGeom>
-          <a:noFill/>
-          <a:extLst>
-            <a:ext uri="{909E8E84-426E-40DD-AFC4-6F175D3DCCD1}">
-              <a14:hiddenFill xmlns:a14="http://schemas.microsoft.com/office/drawing/2010/main">
-                <a:solidFill>
-                  <a:srgbClr val="FFFFFF"/>
-                </a:solidFill>
-              </a14:hiddenFill>
-            </a:ext>
-          </a:extLst>
-        </p:spPr>
-      </p:pic>
-    </p:spTree>
-    <p:extLst>
-      <p:ext uri="{BB962C8B-B14F-4D97-AF65-F5344CB8AC3E}">
-        <p14:creationId xmlns:p14="http://schemas.microsoft.com/office/powerpoint/2010/main" val="2897600664"/>
-      </p:ext>
-    </p:extLst>
-  </p:cSld>
-  <p:clrMapOvr>
-    <a:masterClrMapping/>
-  </p:clrMapOvr>
-  <p:timing>
-    <p:tnLst>
-      <p:par>
-        <p:cTn id="1" dur="indefinite" restart="never" nodeType="tmRoot"/>
-      </p:par>
-    </p:tnLst>
-  </p:timing>
-</p:sld>
-</file>
-
-<file path=ppt/slides/slide30.xml><?xml version="1.0" encoding="utf-8"?>
+<file path=ppt/slides/slide31.xml><?xml version="1.0" encoding="utf-8"?>
 <p:sld xmlns:a="http://schemas.openxmlformats.org/drawingml/2006/main" xmlns:r="http://schemas.openxmlformats.org/officeDocument/2006/relationships" xmlns:p="http://schemas.openxmlformats.org/presentationml/2006/main">
   <p:cSld>
     <p:spTree>
@@ -20583,7 +20752,7 @@
 </p:sld>
 </file>
 
-<file path=ppt/slides/slide31.xml><?xml version="1.0" encoding="utf-8"?>
+<file path=ppt/slides/slide32.xml><?xml version="1.0" encoding="utf-8"?>
 <p:sld xmlns:a="http://schemas.openxmlformats.org/drawingml/2006/main" xmlns:r="http://schemas.openxmlformats.org/officeDocument/2006/relationships" xmlns:p="http://schemas.openxmlformats.org/presentationml/2006/main">
   <p:cSld>
     <p:spTree>
@@ -20933,7 +21102,7 @@
 </p:sld>
 </file>
 
-<file path=ppt/slides/slide32.xml><?xml version="1.0" encoding="utf-8"?>
+<file path=ppt/slides/slide33.xml><?xml version="1.0" encoding="utf-8"?>
 <p:sld xmlns:a="http://schemas.openxmlformats.org/drawingml/2006/main" xmlns:r="http://schemas.openxmlformats.org/officeDocument/2006/relationships" xmlns:p="http://schemas.openxmlformats.org/presentationml/2006/main">
   <p:cSld>
     <p:spTree>
@@ -21199,7 +21368,7 @@
 </p:sld>
 </file>
 
-<file path=ppt/slides/slide33.xml><?xml version="1.0" encoding="utf-8"?>
+<file path=ppt/slides/slide34.xml><?xml version="1.0" encoding="utf-8"?>
 <p:sld xmlns:a="http://schemas.openxmlformats.org/drawingml/2006/main" xmlns:r="http://schemas.openxmlformats.org/officeDocument/2006/relationships" xmlns:p="http://schemas.openxmlformats.org/presentationml/2006/main">
   <p:cSld>
     <p:spTree>
@@ -21614,6 +21783,114 @@
       </p:grpSpPr>
       <p:sp>
         <p:nvSpPr>
+          <p:cNvPr id="6" name="Rectangle 2"/>
+          <p:cNvSpPr>
+            <a:spLocks noGrp="1" noChangeArrowheads="1"/>
+          </p:cNvSpPr>
+          <p:nvPr>
+            <p:ph type="title"/>
+          </p:nvPr>
+        </p:nvSpPr>
+        <p:spPr>
+          <a:xfrm>
+            <a:off x="978586" y="381000"/>
+            <a:ext cx="7369175" cy="941388"/>
+          </a:xfrm>
+        </p:spPr>
+        <p:txBody>
+          <a:bodyPr/>
+          <a:lstStyle/>
+          <a:p>
+            <a:pPr>
+              <a:defRPr/>
+            </a:pPr>
+            <a:r>
+              <a:rPr lang="en-US" dirty="0" smtClean="0"/>
+              <a:t>What’s on tap</a:t>
+            </a:r>
+          </a:p>
+        </p:txBody>
+      </p:sp>
+      <p:pic>
+        <p:nvPicPr>
+          <p:cNvPr id="2056" name="Picture 8" descr="http://boarsnestbrewery.com/images/RowOfTaps457x370.jpg"/>
+          <p:cNvPicPr>
+            <a:picLocks noChangeAspect="1" noChangeArrowheads="1"/>
+          </p:cNvPicPr>
+          <p:nvPr/>
+        </p:nvPicPr>
+        <p:blipFill>
+          <a:blip r:embed="rId3">
+            <a:extLst>
+              <a:ext uri="{28A0092B-C50C-407E-A947-70E740481C1C}">
+                <a14:useLocalDpi xmlns:a14="http://schemas.microsoft.com/office/drawing/2010/main" val="0"/>
+              </a:ext>
+            </a:extLst>
+          </a:blip>
+          <a:srcRect/>
+          <a:stretch>
+            <a:fillRect/>
+          </a:stretch>
+        </p:blipFill>
+        <p:spPr bwMode="auto">
+          <a:xfrm>
+            <a:off x="5055378" y="3266565"/>
+            <a:ext cx="3810000" cy="3086101"/>
+          </a:xfrm>
+          <a:prstGeom prst="rect">
+            <a:avLst/>
+          </a:prstGeom>
+          <a:noFill/>
+          <a:extLst>
+            <a:ext uri="{909E8E84-426E-40DD-AFC4-6F175D3DCCD1}">
+              <a14:hiddenFill xmlns:a14="http://schemas.microsoft.com/office/drawing/2010/main">
+                <a:solidFill>
+                  <a:srgbClr val="FFFFFF"/>
+                </a:solidFill>
+              </a14:hiddenFill>
+            </a:ext>
+          </a:extLst>
+        </p:spPr>
+      </p:pic>
+    </p:spTree>
+    <p:extLst>
+      <p:ext uri="{BB962C8B-B14F-4D97-AF65-F5344CB8AC3E}">
+        <p14:creationId xmlns:p14="http://schemas.microsoft.com/office/powerpoint/2010/main" val="2897600664"/>
+      </p:ext>
+    </p:extLst>
+  </p:cSld>
+  <p:clrMapOvr>
+    <a:masterClrMapping/>
+  </p:clrMapOvr>
+  <p:timing>
+    <p:tnLst>
+      <p:par>
+        <p:cTn id="1" dur="indefinite" restart="never" nodeType="tmRoot"/>
+      </p:par>
+    </p:tnLst>
+  </p:timing>
+</p:sld>
+</file>
+
+<file path=ppt/slides/slide5.xml><?xml version="1.0" encoding="utf-8"?>
+<p:sld xmlns:a="http://schemas.openxmlformats.org/drawingml/2006/main" xmlns:r="http://schemas.openxmlformats.org/officeDocument/2006/relationships" xmlns:p="http://schemas.openxmlformats.org/presentationml/2006/main">
+  <p:cSld>
+    <p:spTree>
+      <p:nvGrpSpPr>
+        <p:cNvPr id="1" name=""/>
+        <p:cNvGrpSpPr/>
+        <p:nvPr/>
+      </p:nvGrpSpPr>
+      <p:grpSpPr>
+        <a:xfrm>
+          <a:off x="0" y="0"/>
+          <a:ext cx="0" cy="0"/>
+          <a:chOff x="0" y="0"/>
+          <a:chExt cx="0" cy="0"/>
+        </a:xfrm>
+      </p:grpSpPr>
+      <p:sp>
+        <p:nvSpPr>
           <p:cNvPr id="2" name="Title 1"/>
           <p:cNvSpPr>
             <a:spLocks noGrp="1"/>
@@ -21696,7 +21973,7 @@
 </p:sld>
 </file>
 
-<file path=ppt/slides/slide5.xml><?xml version="1.0" encoding="utf-8"?>
+<file path=ppt/slides/slide6.xml><?xml version="1.0" encoding="utf-8"?>
 <p:sld xmlns:a="http://schemas.openxmlformats.org/drawingml/2006/main" xmlns:r="http://schemas.openxmlformats.org/officeDocument/2006/relationships" xmlns:p="http://schemas.openxmlformats.org/presentationml/2006/main">
   <p:cSld>
     <p:spTree>
@@ -21914,7 +22191,7 @@
 </p:sld>
 </file>
 
-<file path=ppt/slides/slide6.xml><?xml version="1.0" encoding="utf-8"?>
+<file path=ppt/slides/slide7.xml><?xml version="1.0" encoding="utf-8"?>
 <p:sld xmlns:a="http://schemas.openxmlformats.org/drawingml/2006/main" xmlns:r="http://schemas.openxmlformats.org/officeDocument/2006/relationships" xmlns:p="http://schemas.openxmlformats.org/presentationml/2006/main">
   <p:cSld>
     <p:spTree>
@@ -22133,7 +22410,7 @@
 </p:sld>
 </file>
 
-<file path=ppt/slides/slide7.xml><?xml version="1.0" encoding="utf-8"?>
+<file path=ppt/slides/slide8.xml><?xml version="1.0" encoding="utf-8"?>
 <p:sld xmlns:a="http://schemas.openxmlformats.org/drawingml/2006/main" xmlns:r="http://schemas.openxmlformats.org/officeDocument/2006/relationships" xmlns:p="http://schemas.openxmlformats.org/presentationml/2006/main">
   <p:cSld>
     <p:spTree>
@@ -22347,7 +22624,7 @@
 </p:sld>
 </file>
 
-<file path=ppt/slides/slide8.xml><?xml version="1.0" encoding="utf-8"?>
+<file path=ppt/slides/slide9.xml><?xml version="1.0" encoding="utf-8"?>
 <p:sld xmlns:a="http://schemas.openxmlformats.org/drawingml/2006/main" xmlns:r="http://schemas.openxmlformats.org/officeDocument/2006/relationships" xmlns:p="http://schemas.openxmlformats.org/presentationml/2006/main">
   <p:cSld>
     <p:spTree>
@@ -22711,209 +22988,6 @@
     <p:bldLst>
       <p:bldP spid="5" grpId="0"/>
     </p:bldLst>
-  </p:timing>
-</p:sld>
-</file>
-
-<file path=ppt/slides/slide9.xml><?xml version="1.0" encoding="utf-8"?>
-<p:sld xmlns:a="http://schemas.openxmlformats.org/drawingml/2006/main" xmlns:r="http://schemas.openxmlformats.org/officeDocument/2006/relationships" xmlns:p="http://schemas.openxmlformats.org/presentationml/2006/main">
-  <p:cSld>
-    <p:spTree>
-      <p:nvGrpSpPr>
-        <p:cNvPr id="1" name=""/>
-        <p:cNvGrpSpPr/>
-        <p:nvPr/>
-      </p:nvGrpSpPr>
-      <p:grpSpPr>
-        <a:xfrm>
-          <a:off x="0" y="0"/>
-          <a:ext cx="0" cy="0"/>
-          <a:chOff x="0" y="0"/>
-          <a:chExt cx="0" cy="0"/>
-        </a:xfrm>
-      </p:grpSpPr>
-      <p:pic>
-        <p:nvPicPr>
-          <p:cNvPr id="7170" name="Picture 2" descr="http://www.tugberkugurlu.com/Content/images/Uploadedbyauthors/wlw/1934ffeb460c_FB47/you-need-some-tests-yo.jpg"/>
-          <p:cNvPicPr>
-            <a:picLocks noChangeAspect="1" noChangeArrowheads="1"/>
-          </p:cNvPicPr>
-          <p:nvPr/>
-        </p:nvPicPr>
-        <p:blipFill>
-          <a:blip r:embed="rId3">
-            <a:extLst>
-              <a:ext uri="{28A0092B-C50C-407E-A947-70E740481C1C}">
-                <a14:useLocalDpi xmlns:a14="http://schemas.microsoft.com/office/drawing/2010/main" val="0"/>
-              </a:ext>
-            </a:extLst>
-          </a:blip>
-          <a:srcRect/>
-          <a:stretch>
-            <a:fillRect/>
-          </a:stretch>
-        </p:blipFill>
-        <p:spPr bwMode="auto">
-          <a:xfrm>
-            <a:off x="2000365" y="1103096"/>
-            <a:ext cx="5572125" cy="4179094"/>
-          </a:xfrm>
-          <a:prstGeom prst="rect">
-            <a:avLst/>
-          </a:prstGeom>
-          <a:noFill/>
-          <a:extLst>
-            <a:ext uri="{909E8E84-426E-40DD-AFC4-6F175D3DCCD1}">
-              <a14:hiddenFill xmlns:a14="http://schemas.microsoft.com/office/drawing/2010/main">
-                <a:solidFill>
-                  <a:srgbClr val="FFFFFF"/>
-                </a:solidFill>
-              </a14:hiddenFill>
-            </a:ext>
-          </a:extLst>
-        </p:spPr>
-      </p:pic>
-    </p:spTree>
-    <p:extLst>
-      <p:ext uri="{BB962C8B-B14F-4D97-AF65-F5344CB8AC3E}">
-        <p14:creationId xmlns:p14="http://schemas.microsoft.com/office/powerpoint/2010/main" val="1857054465"/>
-      </p:ext>
-    </p:extLst>
-  </p:cSld>
-  <p:clrMapOvr>
-    <a:masterClrMapping/>
-  </p:clrMapOvr>
-  <p:timing>
-    <p:tnLst>
-      <p:par>
-        <p:cTn id="1" dur="indefinite" restart="never" nodeType="tmRoot">
-          <p:childTnLst>
-            <p:seq concurrent="1" nextAc="seek">
-              <p:cTn id="2" dur="indefinite" nodeType="mainSeq">
-                <p:childTnLst>
-                  <p:par>
-                    <p:cTn id="3" fill="hold">
-                      <p:stCondLst>
-                        <p:cond delay="indefinite"/>
-                        <p:cond evt="onBegin" delay="0">
-                          <p:tn val="2"/>
-                        </p:cond>
-                      </p:stCondLst>
-                      <p:childTnLst>
-                        <p:par>
-                          <p:cTn id="4" fill="hold">
-                            <p:stCondLst>
-                              <p:cond delay="0"/>
-                            </p:stCondLst>
-                            <p:childTnLst>
-                              <p:par>
-                                <p:cTn id="5" presetID="42" presetClass="entr" presetSubtype="0" fill="hold" nodeType="afterEffect">
-                                  <p:stCondLst>
-                                    <p:cond delay="0"/>
-                                  </p:stCondLst>
-                                  <p:childTnLst>
-                                    <p:set>
-                                      <p:cBhvr>
-                                        <p:cTn id="6" dur="1" fill="hold">
-                                          <p:stCondLst>
-                                            <p:cond delay="0"/>
-                                          </p:stCondLst>
-                                        </p:cTn>
-                                        <p:tgtEl>
-                                          <p:spTgt spid="7170"/>
-                                        </p:tgtEl>
-                                        <p:attrNameLst>
-                                          <p:attrName>style.visibility</p:attrName>
-                                        </p:attrNameLst>
-                                      </p:cBhvr>
-                                      <p:to>
-                                        <p:strVal val="visible"/>
-                                      </p:to>
-                                    </p:set>
-                                    <p:animEffect transition="in" filter="fade">
-                                      <p:cBhvr>
-                                        <p:cTn id="7" dur="1000"/>
-                                        <p:tgtEl>
-                                          <p:spTgt spid="7170"/>
-                                        </p:tgtEl>
-                                      </p:cBhvr>
-                                    </p:animEffect>
-                                    <p:anim calcmode="lin" valueType="num">
-                                      <p:cBhvr>
-                                        <p:cTn id="8" dur="1000" fill="hold"/>
-                                        <p:tgtEl>
-                                          <p:spTgt spid="7170"/>
-                                        </p:tgtEl>
-                                        <p:attrNameLst>
-                                          <p:attrName>ppt_x</p:attrName>
-                                        </p:attrNameLst>
-                                      </p:cBhvr>
-                                      <p:tavLst>
-                                        <p:tav tm="0">
-                                          <p:val>
-                                            <p:strVal val="#ppt_x"/>
-                                          </p:val>
-                                        </p:tav>
-                                        <p:tav tm="100000">
-                                          <p:val>
-                                            <p:strVal val="#ppt_x"/>
-                                          </p:val>
-                                        </p:tav>
-                                      </p:tavLst>
-                                    </p:anim>
-                                    <p:anim calcmode="lin" valueType="num">
-                                      <p:cBhvr>
-                                        <p:cTn id="9" dur="1000" fill="hold"/>
-                                        <p:tgtEl>
-                                          <p:spTgt spid="7170"/>
-                                        </p:tgtEl>
-                                        <p:attrNameLst>
-                                          <p:attrName>ppt_y</p:attrName>
-                                        </p:attrNameLst>
-                                      </p:cBhvr>
-                                      <p:tavLst>
-                                        <p:tav tm="0">
-                                          <p:val>
-                                            <p:strVal val="#ppt_y+.1"/>
-                                          </p:val>
-                                        </p:tav>
-                                        <p:tav tm="100000">
-                                          <p:val>
-                                            <p:strVal val="#ppt_y"/>
-                                          </p:val>
-                                        </p:tav>
-                                      </p:tavLst>
-                                    </p:anim>
-                                  </p:childTnLst>
-                                </p:cTn>
-                              </p:par>
-                            </p:childTnLst>
-                          </p:cTn>
-                        </p:par>
-                      </p:childTnLst>
-                    </p:cTn>
-                  </p:par>
-                </p:childTnLst>
-              </p:cTn>
-              <p:prevCondLst>
-                <p:cond evt="onPrev" delay="0">
-                  <p:tgtEl>
-                    <p:sldTgt/>
-                  </p:tgtEl>
-                </p:cond>
-              </p:prevCondLst>
-              <p:nextCondLst>
-                <p:cond evt="onNext" delay="0">
-                  <p:tgtEl>
-                    <p:sldTgt/>
-                  </p:tgtEl>
-                </p:cond>
-              </p:nextCondLst>
-            </p:seq>
-          </p:childTnLst>
-        </p:cTn>
-      </p:par>
-    </p:tnLst>
   </p:timing>
 </p:sld>
 </file>
@@ -23743,15 +23817,6 @@
 </file>
 
 <file path=customXml/item1.xml><?xml version="1.0" encoding="utf-8"?>
-<?mso-contentType ?>
-<FormTemplates xmlns="http://schemas.microsoft.com/sharepoint/v3/contenttype/forms">
-  <Display>DocumentLibraryForm</Display>
-  <Edit>DocumentLibraryForm</Edit>
-  <New>DocumentLibraryForm</New>
-</FormTemplates>
-</file>
-
-<file path=customXml/item2.xml><?xml version="1.0" encoding="utf-8"?>
 <p:properties xmlns:p="http://schemas.microsoft.com/office/2006/metadata/properties" xmlns:xsi="http://www.w3.org/2001/XMLSchema-instance" xmlns:pc="http://schemas.microsoft.com/office/infopath/2007/PartnerControls">
   <documentManagement>
     <Description0 xmlns="1e37aee8-73ad-441e-bced-8b530ad9291b">PowerPoint template with Microsoft Partner Network logo on it.</Description0>
@@ -23764,53 +23829,16 @@
 </p:properties>
 </file>
 
-<file path=customXml/item3.xml><?xml version="1.0" encoding="utf-8"?>
+<file path=customXml/item2.xml><?xml version="1.0" encoding="utf-8"?>
 <?mso-contentType ?>
-<spe:Receivers xmlns:spe="http://schemas.microsoft.com/sharepoint/events">
-  <Receiver>
-    <Name>Document ID Generator</Name>
-    <Synchronization>Synchronous</Synchronization>
-    <Type>10001</Type>
-    <SequenceNumber>1000</SequenceNumber>
-    <Assembly>Microsoft.Office.DocumentManagement, Version=14.0.0.0, Culture=neutral, PublicKeyToken=71e9bce111e9429c</Assembly>
-    <Class>Microsoft.Office.DocumentManagement.Internal.DocIdHandler</Class>
-    <Data/>
-    <Filter/>
-  </Receiver>
-  <Receiver>
-    <Name>Document ID Generator</Name>
-    <Synchronization>Synchronous</Synchronization>
-    <Type>10002</Type>
-    <SequenceNumber>1001</SequenceNumber>
-    <Assembly>Microsoft.Office.DocumentManagement, Version=14.0.0.0, Culture=neutral, PublicKeyToken=71e9bce111e9429c</Assembly>
-    <Class>Microsoft.Office.DocumentManagement.Internal.DocIdHandler</Class>
-    <Data/>
-    <Filter/>
-  </Receiver>
-  <Receiver>
-    <Name>Document ID Generator</Name>
-    <Synchronization>Synchronous</Synchronization>
-    <Type>10004</Type>
-    <SequenceNumber>1002</SequenceNumber>
-    <Assembly>Microsoft.Office.DocumentManagement, Version=14.0.0.0, Culture=neutral, PublicKeyToken=71e9bce111e9429c</Assembly>
-    <Class>Microsoft.Office.DocumentManagement.Internal.DocIdHandler</Class>
-    <Data/>
-    <Filter/>
-  </Receiver>
-  <Receiver>
-    <Name>Document ID Generator</Name>
-    <Synchronization>Synchronous</Synchronization>
-    <Type>10006</Type>
-    <SequenceNumber>1003</SequenceNumber>
-    <Assembly>Microsoft.Office.DocumentManagement, Version=14.0.0.0, Culture=neutral, PublicKeyToken=71e9bce111e9429c</Assembly>
-    <Class>Microsoft.Office.DocumentManagement.Internal.DocIdHandler</Class>
-    <Data/>
-    <Filter/>
-  </Receiver>
-</spe:Receivers>
+<FormTemplates xmlns="http://schemas.microsoft.com/sharepoint/v3/contenttype/forms">
+  <Display>DocumentLibraryForm</Display>
+  <Edit>DocumentLibraryForm</Edit>
+  <New>DocumentLibraryForm</New>
+</FormTemplates>
 </file>
 
-<file path=customXml/item4.xml><?xml version="1.0" encoding="utf-8"?>
+<file path=customXml/item3.xml><?xml version="1.0" encoding="utf-8"?>
 <ct:contentTypeSchema xmlns:ct="http://schemas.microsoft.com/office/2006/metadata/contentType" xmlns:ma="http://schemas.microsoft.com/office/2006/metadata/properties/metaAttributes" ct:_="" ma:_="" ma:contentTypeName="Document" ma:contentTypeID="0x0101004D2E750987EE2543B234B3A674D6BE3D" ma:contentTypeVersion="105" ma:contentTypeDescription="Create a new document." ma:contentTypeScope="" ma:versionID="62fa037737ae31885dcb260bd5c7d1f2">
   <xsd:schema xmlns:xsd="http://www.w3.org/2001/XMLSchema" xmlns:xs="http://www.w3.org/2001/XMLSchema" xmlns:p="http://schemas.microsoft.com/office/2006/metadata/properties" xmlns:ns2="1e37aee8-73ad-441e-bced-8b530ad9291b" xmlns:ns3="52ad97b0-86c1-49b5-b544-c488bf38e7c0" targetNamespace="http://schemas.microsoft.com/office/2006/metadata/properties" ma:root="true" ma:fieldsID="ce0d2501b4c25830d7e1734de94951c7" ns2:_="" ns3:_="">
     <xsd:import namespace="1e37aee8-73ad-441e-bced-8b530ad9291b"/>
@@ -23968,15 +23996,53 @@
 </ct:contentTypeSchema>
 </file>
 
-<file path=customXml/itemProps1.xml><?xml version="1.0" encoding="utf-8"?>
-<ds:datastoreItem xmlns:ds="http://schemas.openxmlformats.org/officeDocument/2006/customXml" ds:itemID="{B6DBE1C9-0895-41F8-89A3-98DC40E912B0}">
-  <ds:schemaRefs>
-    <ds:schemaRef ds:uri="http://schemas.microsoft.com/sharepoint/v3/contenttype/forms"/>
-  </ds:schemaRefs>
-</ds:datastoreItem>
+<file path=customXml/item4.xml><?xml version="1.0" encoding="utf-8"?>
+<?mso-contentType ?>
+<spe:Receivers xmlns:spe="http://schemas.microsoft.com/sharepoint/events">
+  <Receiver>
+    <Name>Document ID Generator</Name>
+    <Synchronization>Synchronous</Synchronization>
+    <Type>10001</Type>
+    <SequenceNumber>1000</SequenceNumber>
+    <Assembly>Microsoft.Office.DocumentManagement, Version=14.0.0.0, Culture=neutral, PublicKeyToken=71e9bce111e9429c</Assembly>
+    <Class>Microsoft.Office.DocumentManagement.Internal.DocIdHandler</Class>
+    <Data/>
+    <Filter/>
+  </Receiver>
+  <Receiver>
+    <Name>Document ID Generator</Name>
+    <Synchronization>Synchronous</Synchronization>
+    <Type>10002</Type>
+    <SequenceNumber>1001</SequenceNumber>
+    <Assembly>Microsoft.Office.DocumentManagement, Version=14.0.0.0, Culture=neutral, PublicKeyToken=71e9bce111e9429c</Assembly>
+    <Class>Microsoft.Office.DocumentManagement.Internal.DocIdHandler</Class>
+    <Data/>
+    <Filter/>
+  </Receiver>
+  <Receiver>
+    <Name>Document ID Generator</Name>
+    <Synchronization>Synchronous</Synchronization>
+    <Type>10004</Type>
+    <SequenceNumber>1002</SequenceNumber>
+    <Assembly>Microsoft.Office.DocumentManagement, Version=14.0.0.0, Culture=neutral, PublicKeyToken=71e9bce111e9429c</Assembly>
+    <Class>Microsoft.Office.DocumentManagement.Internal.DocIdHandler</Class>
+    <Data/>
+    <Filter/>
+  </Receiver>
+  <Receiver>
+    <Name>Document ID Generator</Name>
+    <Synchronization>Synchronous</Synchronization>
+    <Type>10006</Type>
+    <SequenceNumber>1003</SequenceNumber>
+    <Assembly>Microsoft.Office.DocumentManagement, Version=14.0.0.0, Culture=neutral, PublicKeyToken=71e9bce111e9429c</Assembly>
+    <Class>Microsoft.Office.DocumentManagement.Internal.DocIdHandler</Class>
+    <Data/>
+    <Filter/>
+  </Receiver>
+</spe:Receivers>
 </file>
 
-<file path=customXml/itemProps2.xml><?xml version="1.0" encoding="utf-8"?>
+<file path=customXml/itemProps1.xml><?xml version="1.0" encoding="utf-8"?>
 <ds:datastoreItem xmlns:ds="http://schemas.openxmlformats.org/officeDocument/2006/customXml" ds:itemID="{9F5040E5-4564-49C1-9147-56F1700A1C56}">
   <ds:schemaRefs>
     <ds:schemaRef ds:uri="http://schemas.microsoft.com/office/2006/documentManagement/types"/>
@@ -23993,15 +24059,15 @@
 </ds:datastoreItem>
 </file>
 
-<file path=customXml/itemProps3.xml><?xml version="1.0" encoding="utf-8"?>
-<ds:datastoreItem xmlns:ds="http://schemas.openxmlformats.org/officeDocument/2006/customXml" ds:itemID="{0068A067-F354-4585-8169-FC99DA836E1C}">
+<file path=customXml/itemProps2.xml><?xml version="1.0" encoding="utf-8"?>
+<ds:datastoreItem xmlns:ds="http://schemas.openxmlformats.org/officeDocument/2006/customXml" ds:itemID="{B6DBE1C9-0895-41F8-89A3-98DC40E912B0}">
   <ds:schemaRefs>
-    <ds:schemaRef ds:uri="http://schemas.microsoft.com/sharepoint/events"/>
+    <ds:schemaRef ds:uri="http://schemas.microsoft.com/sharepoint/v3/contenttype/forms"/>
   </ds:schemaRefs>
 </ds:datastoreItem>
 </file>
 
-<file path=customXml/itemProps4.xml><?xml version="1.0" encoding="utf-8"?>
+<file path=customXml/itemProps3.xml><?xml version="1.0" encoding="utf-8"?>
 <ds:datastoreItem xmlns:ds="http://schemas.openxmlformats.org/officeDocument/2006/customXml" ds:itemID="{B03FC495-EB61-4A2C-B8E7-345CEB92DF9F}">
   <ds:schemaRefs>
     <ds:schemaRef ds:uri="http://schemas.microsoft.com/office/2006/metadata/contentType"/>
@@ -24018,4 +24084,12 @@
     <ds:schemaRef ds:uri="http://schemas.microsoft.com/internal/obd"/>
   </ds:schemaRefs>
 </ds:datastoreItem>
+</file>
+
+<file path=customXml/itemProps4.xml><?xml version="1.0" encoding="utf-8"?>
+<ds:datastoreItem xmlns:ds="http://schemas.openxmlformats.org/officeDocument/2006/customXml" ds:itemID="{0068A067-F354-4585-8169-FC99DA836E1C}">
+  <ds:schemaRefs>
+    <ds:schemaRef ds:uri="http://schemas.microsoft.com/sharepoint/events"/>
+  </ds:schemaRefs>
+</ds:datastoreItem>
 </file>